--- a/6.SDLC/SDLC models.pptx
+++ b/6.SDLC/SDLC models.pptx
@@ -143,6 +143,9 @@
         </p15:guide>
       </p15:sldGuideLst>
     </p:ext>
+    <p:ext uri="{2D200454-40CA-4A62-9FC3-DE9A4176ACB9}">
+      <p15:notesGuideLst xmlns:p15="http://schemas.microsoft.com/office/powerpoint/2012/main"/>
+    </p:ext>
   </p:extLst>
 </p:presentation>
 </file>
@@ -229,7 +232,7 @@
           <a:p>
             <a:fld id="{E14AF66C-D44D-4D17-A1A6-B83F81608EA7}" type="datetimeFigureOut">
               <a:rPr lang="ru-RU" smtClean="0"/>
-              <a:t>15.02.2013</a:t>
+              <a:t>19.02.2013</a:t>
             </a:fld>
             <a:endParaRPr lang="ru-RU"/>
           </a:p>
@@ -494,7 +497,7 @@
             <a:fld id="{1D8BD707-D9CF-40AE-B4C6-C98DA3205C09}" type="datetimeFigureOut">
               <a:rPr lang="en-US" smtClean="0"/>
               <a:pPr/>
-              <a:t>2/15/2013</a:t>
+              <a:t>2/19/2013</a:t>
             </a:fld>
             <a:endParaRPr lang="en-US"/>
           </a:p>
@@ -661,7 +664,7 @@
             <a:fld id="{1D8BD707-D9CF-40AE-B4C6-C98DA3205C09}" type="datetimeFigureOut">
               <a:rPr lang="en-US" smtClean="0"/>
               <a:pPr/>
-              <a:t>2/15/2013</a:t>
+              <a:t>2/19/2013</a:t>
             </a:fld>
             <a:endParaRPr lang="en-US"/>
           </a:p>
@@ -838,7 +841,7 @@
             <a:fld id="{1D8BD707-D9CF-40AE-B4C6-C98DA3205C09}" type="datetimeFigureOut">
               <a:rPr lang="en-US" smtClean="0"/>
               <a:pPr/>
-              <a:t>2/15/2013</a:t>
+              <a:t>2/19/2013</a:t>
             </a:fld>
             <a:endParaRPr lang="en-US"/>
           </a:p>
@@ -1009,7 +1012,7 @@
             <a:fld id="{1D8BD707-D9CF-40AE-B4C6-C98DA3205C09}" type="datetimeFigureOut">
               <a:rPr lang="en-US" smtClean="0"/>
               <a:pPr/>
-              <a:t>2/15/2013</a:t>
+              <a:t>2/19/2013</a:t>
             </a:fld>
             <a:endParaRPr lang="en-US"/>
           </a:p>
@@ -1252,7 +1255,7 @@
             <a:fld id="{1D8BD707-D9CF-40AE-B4C6-C98DA3205C09}" type="datetimeFigureOut">
               <a:rPr lang="en-US" smtClean="0"/>
               <a:pPr/>
-              <a:t>2/15/2013</a:t>
+              <a:t>2/19/2013</a:t>
             </a:fld>
             <a:endParaRPr lang="en-US"/>
           </a:p>
@@ -1537,7 +1540,7 @@
             <a:fld id="{1D8BD707-D9CF-40AE-B4C6-C98DA3205C09}" type="datetimeFigureOut">
               <a:rPr lang="en-US" smtClean="0"/>
               <a:pPr/>
-              <a:t>2/15/2013</a:t>
+              <a:t>2/19/2013</a:t>
             </a:fld>
             <a:endParaRPr lang="en-US"/>
           </a:p>
@@ -1956,7 +1959,7 @@
             <a:fld id="{1D8BD707-D9CF-40AE-B4C6-C98DA3205C09}" type="datetimeFigureOut">
               <a:rPr lang="en-US" smtClean="0"/>
               <a:pPr/>
-              <a:t>2/15/2013</a:t>
+              <a:t>2/19/2013</a:t>
             </a:fld>
             <a:endParaRPr lang="en-US"/>
           </a:p>
@@ -2071,7 +2074,7 @@
             <a:fld id="{1D8BD707-D9CF-40AE-B4C6-C98DA3205C09}" type="datetimeFigureOut">
               <a:rPr lang="en-US" smtClean="0"/>
               <a:pPr/>
-              <a:t>2/15/2013</a:t>
+              <a:t>2/19/2013</a:t>
             </a:fld>
             <a:endParaRPr lang="en-US"/>
           </a:p>
@@ -2163,7 +2166,7 @@
             <a:fld id="{1D8BD707-D9CF-40AE-B4C6-C98DA3205C09}" type="datetimeFigureOut">
               <a:rPr lang="en-US" smtClean="0"/>
               <a:pPr/>
-              <a:t>2/15/2013</a:t>
+              <a:t>2/19/2013</a:t>
             </a:fld>
             <a:endParaRPr lang="en-US"/>
           </a:p>
@@ -2437,7 +2440,7 @@
             <a:fld id="{1D8BD707-D9CF-40AE-B4C6-C98DA3205C09}" type="datetimeFigureOut">
               <a:rPr lang="en-US" smtClean="0"/>
               <a:pPr/>
-              <a:t>2/15/2013</a:t>
+              <a:t>2/19/2013</a:t>
             </a:fld>
             <a:endParaRPr lang="en-US"/>
           </a:p>
@@ -2687,7 +2690,7 @@
             <a:fld id="{1D8BD707-D9CF-40AE-B4C6-C98DA3205C09}" type="datetimeFigureOut">
               <a:rPr lang="en-US" smtClean="0"/>
               <a:pPr/>
-              <a:t>2/15/2013</a:t>
+              <a:t>2/19/2013</a:t>
             </a:fld>
             <a:endParaRPr lang="en-US"/>
           </a:p>
@@ -2906,7 +2909,7 @@
             <a:fld id="{1D8BD707-D9CF-40AE-B4C6-C98DA3205C09}" type="datetimeFigureOut">
               <a:rPr lang="en-US" smtClean="0"/>
               <a:pPr/>
-              <a:t>2/15/2013</a:t>
+              <a:t>2/19/2013</a:t>
             </a:fld>
             <a:endParaRPr lang="en-US"/>
           </a:p>
@@ -3350,25 +3353,7 @@
                   </a:outerShdw>
                 </a:effectLst>
               </a:rPr>
-              <a:t>Software Development </a:t>
-            </a:r>
-            <a:r>
-              <a:rPr lang="en-US" sz="3000" dirty="0" smtClean="0">
-                <a:solidFill>
-                  <a:schemeClr val="tx1">
-                    <a:lumMod val="65000"/>
-                    <a:lumOff val="35000"/>
-                  </a:schemeClr>
-                </a:solidFill>
-                <a:effectLst>
-                  <a:outerShdw blurRad="38100" dist="38100" dir="2700000" algn="tl">
-                    <a:srgbClr val="000000">
-                      <a:alpha val="43137"/>
-                    </a:srgbClr>
-                  </a:outerShdw>
-                </a:effectLst>
-              </a:rPr>
-              <a:t>Lifecycle models</a:t>
+              <a:t>Software Development Lifecycle models</a:t>
             </a:r>
             <a:endParaRPr lang="ru-RU" sz="3000" dirty="0" smtClean="0">
               <a:solidFill>
@@ -5203,27 +5188,7 @@
                 <a:latin typeface="Arial" panose="020B0604020202020204" pitchFamily="34" charset="0"/>
                 <a:cs typeface="Arial" panose="020B0604020202020204" pitchFamily="34" charset="0"/>
               </a:rPr>
-              <a:t>F</a:t>
-            </a:r>
-            <a:r>
-              <a:rPr lang="en-US" sz="1400" b="1" dirty="0">
-                <a:solidFill>
-                  <a:srgbClr val="CC3300"/>
-                </a:solidFill>
-                <a:latin typeface="Arial" panose="020B0604020202020204" pitchFamily="34" charset="0"/>
-                <a:cs typeface="Arial" panose="020B0604020202020204" pitchFamily="34" charset="0"/>
-              </a:rPr>
-              <a:t>ace-To-Face</a:t>
-            </a:r>
-            <a:r>
-              <a:rPr lang="en-US" sz="1400" b="1" dirty="0">
-                <a:solidFill>
-                  <a:srgbClr val="CC3300"/>
-                </a:solidFill>
-                <a:latin typeface="Arial" panose="020B0604020202020204" pitchFamily="34" charset="0"/>
-                <a:cs typeface="Arial" panose="020B0604020202020204" pitchFamily="34" charset="0"/>
-              </a:rPr>
-              <a:t> </a:t>
+              <a:t>Face-To-Face </a:t>
             </a:r>
             <a:r>
               <a:rPr lang="ru-RU" sz="1400" b="1" dirty="0">
@@ -7039,10 +7004,6 @@
               </a:rPr>
               <a:t>Team</a:t>
             </a:r>
-            <a:endParaRPr lang="en-US" sz="2200" dirty="0" smtClean="0">
-              <a:latin typeface="Aharoni" pitchFamily="2" charset="-79"/>
-              <a:cs typeface="Aharoni" pitchFamily="2" charset="-79"/>
-            </a:endParaRPr>
           </a:p>
           <a:p>
             <a:pPr>
@@ -7057,10 +7018,6 @@
               </a:rPr>
               <a:t>Product Owner</a:t>
             </a:r>
-            <a:endParaRPr lang="en-US" sz="2200" dirty="0" smtClean="0">
-              <a:latin typeface="Aharoni" pitchFamily="2" charset="-79"/>
-              <a:cs typeface="Aharoni" pitchFamily="2" charset="-79"/>
-            </a:endParaRPr>
           </a:p>
         </p:txBody>
       </p:sp>
@@ -7370,10 +7327,6 @@
               </a:rPr>
               <a:t>:</a:t>
             </a:r>
-            <a:endParaRPr lang="en-US" dirty="0" smtClean="0">
-              <a:latin typeface="Arial" panose="020B0604020202020204" pitchFamily="34" charset="0"/>
-              <a:cs typeface="Arial" panose="020B0604020202020204" pitchFamily="34" charset="0"/>
-            </a:endParaRPr>
           </a:p>
           <a:p>
             <a:pPr marL="285750" indent="-285750">
@@ -7397,10 +7350,6 @@
               </a:rPr>
               <a:t>;</a:t>
             </a:r>
-            <a:endParaRPr lang="en-US" dirty="0" smtClean="0">
-              <a:latin typeface="Arial" panose="020B0604020202020204" pitchFamily="34" charset="0"/>
-              <a:cs typeface="Arial" panose="020B0604020202020204" pitchFamily="34" charset="0"/>
-            </a:endParaRPr>
           </a:p>
           <a:p>
             <a:pPr marL="285750" indent="-285750">
@@ -7424,10 +7373,6 @@
               </a:rPr>
               <a:t>;</a:t>
             </a:r>
-            <a:endParaRPr lang="en-US" dirty="0" smtClean="0">
-              <a:latin typeface="Arial" panose="020B0604020202020204" pitchFamily="34" charset="0"/>
-              <a:cs typeface="Arial" panose="020B0604020202020204" pitchFamily="34" charset="0"/>
-            </a:endParaRPr>
           </a:p>
           <a:p>
             <a:pPr marL="285750" indent="-285750">
@@ -7442,14 +7387,7 @@
                 <a:latin typeface="Arial" panose="020B0604020202020204" pitchFamily="34" charset="0"/>
                 <a:cs typeface="Arial" panose="020B0604020202020204" pitchFamily="34" charset="0"/>
               </a:rPr>
-              <a:t>каждая задача </a:t>
-            </a:r>
-            <a:r>
-              <a:rPr lang="ru-RU" dirty="0" smtClean="0">
-                <a:latin typeface="Arial" panose="020B0604020202020204" pitchFamily="34" charset="0"/>
-                <a:cs typeface="Arial" panose="020B0604020202020204" pitchFamily="34" charset="0"/>
-              </a:rPr>
-              <a:t>оценена</a:t>
+              <a:t>каждая задача оценена</a:t>
             </a:r>
             <a:r>
               <a:rPr lang="en-US" dirty="0" smtClean="0">
@@ -7458,10 +7396,6 @@
               </a:rPr>
               <a:t>;</a:t>
             </a:r>
-            <a:endParaRPr lang="en-US" dirty="0" smtClean="0">
-              <a:latin typeface="Arial" panose="020B0604020202020204" pitchFamily="34" charset="0"/>
-              <a:cs typeface="Arial" panose="020B0604020202020204" pitchFamily="34" charset="0"/>
-            </a:endParaRPr>
           </a:p>
           <a:p>
             <a:pPr marL="285750" indent="-285750">
@@ -7508,10 +7442,6 @@
               </a:rPr>
               <a:t>;</a:t>
             </a:r>
-            <a:endParaRPr lang="en-US" dirty="0" smtClean="0">
-              <a:latin typeface="Arial" panose="020B0604020202020204" pitchFamily="34" charset="0"/>
-              <a:cs typeface="Arial" panose="020B0604020202020204" pitchFamily="34" charset="0"/>
-            </a:endParaRPr>
           </a:p>
           <a:p>
             <a:pPr marL="285750" indent="-285750">
@@ -8216,16 +8146,6 @@
               </a:rPr>
               <a:t>Зачем нужно «моделирование» разработки?</a:t>
             </a:r>
-            <a:endParaRPr lang="ru-RU" dirty="0" smtClean="0">
-              <a:solidFill>
-                <a:schemeClr val="tx1">
-                  <a:lumMod val="65000"/>
-                  <a:lumOff val="35000"/>
-                </a:schemeClr>
-              </a:solidFill>
-              <a:latin typeface="Arial" panose="020B0604020202020204" pitchFamily="34" charset="0"/>
-              <a:cs typeface="Arial" panose="020B0604020202020204" pitchFamily="34" charset="0"/>
-            </a:endParaRPr>
           </a:p>
           <a:p>
             <a:pPr marL="285750" lvl="0" indent="-285750">
@@ -8986,19 +8906,7 @@
             </a:r>
             <a:r>
               <a:rPr lang="en-US" sz="2000" dirty="0" smtClean="0"/>
-              <a:t>2 </a:t>
-            </a:r>
-            <a:r>
-              <a:rPr lang="en-US" sz="2000" dirty="0" smtClean="0"/>
-              <a:t>h</a:t>
-            </a:r>
-            <a:r>
-              <a:rPr lang="en-US" sz="2000" dirty="0" smtClean="0"/>
-              <a:t>ou</a:t>
-            </a:r>
-            <a:r>
-              <a:rPr lang="en-US" sz="2000" dirty="0" smtClean="0"/>
-              <a:t>rs</a:t>
+              <a:t>2 hours</a:t>
             </a:r>
             <a:endParaRPr lang="en-US" sz="2000" dirty="0"/>
           </a:p>
@@ -11146,16 +11054,6 @@
               </a:rPr>
               <a:t>???</a:t>
             </a:r>
-            <a:endParaRPr lang="ru-RU" sz="2400" dirty="0" smtClean="0">
-              <a:solidFill>
-                <a:schemeClr val="tx1">
-                  <a:lumMod val="65000"/>
-                  <a:lumOff val="35000"/>
-                </a:schemeClr>
-              </a:solidFill>
-              <a:latin typeface="Arial" panose="020B0604020202020204" pitchFamily="34" charset="0"/>
-              <a:cs typeface="Arial" panose="020B0604020202020204" pitchFamily="34" charset="0"/>
-            </a:endParaRPr>
           </a:p>
           <a:p>
             <a:pPr marL="285750" lvl="0" indent="-285750">
@@ -12886,7 +12784,19 @@
             </a:pPr>
             <a:r>
               <a:rPr lang="ru-RU" sz="2400" dirty="0" smtClean="0"/>
-              <a:t>Шаг 5: готовое решение</a:t>
+              <a:t>Шаг </a:t>
+            </a:r>
+            <a:r>
+              <a:rPr lang="en-US" sz="2400" dirty="0" smtClean="0"/>
+              <a:t>4</a:t>
+            </a:r>
+            <a:r>
+              <a:rPr lang="ru-RU" sz="2400" dirty="0" smtClean="0"/>
+              <a:t>: </a:t>
+            </a:r>
+            <a:r>
+              <a:rPr lang="ru-RU" sz="2400" dirty="0" smtClean="0"/>
+              <a:t>готовое решение</a:t>
             </a:r>
           </a:p>
         </p:txBody>

--- a/6.SDLC/SDLC models.pptx
+++ b/6.SDLC/SDLC models.pptx
@@ -5,7 +5,7 @@
     <p:sldMasterId id="2147483648" r:id="rId1"/>
   </p:sldMasterIdLst>
   <p:handoutMasterIdLst>
-    <p:handoutMasterId r:id="rId24"/>
+    <p:handoutMasterId r:id="rId26"/>
   </p:handoutMasterIdLst>
   <p:sldIdLst>
     <p:sldId id="291" r:id="rId2"/>
@@ -15,21 +15,23 @@
     <p:sldId id="307" r:id="rId6"/>
     <p:sldId id="308" r:id="rId7"/>
     <p:sldId id="262" r:id="rId8"/>
-    <p:sldId id="309" r:id="rId9"/>
-    <p:sldId id="299" r:id="rId10"/>
-    <p:sldId id="310" r:id="rId11"/>
-    <p:sldId id="311" r:id="rId12"/>
-    <p:sldId id="257" r:id="rId13"/>
-    <p:sldId id="312" r:id="rId14"/>
-    <p:sldId id="286" r:id="rId15"/>
-    <p:sldId id="287" r:id="rId16"/>
-    <p:sldId id="288" r:id="rId17"/>
-    <p:sldId id="282" r:id="rId18"/>
-    <p:sldId id="279" r:id="rId19"/>
+    <p:sldId id="314" r:id="rId9"/>
+    <p:sldId id="309" r:id="rId10"/>
+    <p:sldId id="315" r:id="rId11"/>
+    <p:sldId id="299" r:id="rId12"/>
+    <p:sldId id="316" r:id="rId13"/>
+    <p:sldId id="311" r:id="rId14"/>
+    <p:sldId id="310" r:id="rId15"/>
+    <p:sldId id="257" r:id="rId16"/>
+    <p:sldId id="312" r:id="rId17"/>
+    <p:sldId id="286" r:id="rId18"/>
+    <p:sldId id="288" r:id="rId19"/>
     <p:sldId id="281" r:id="rId20"/>
     <p:sldId id="269" r:id="rId21"/>
-    <p:sldId id="260" r:id="rId22"/>
-    <p:sldId id="313" r:id="rId23"/>
+    <p:sldId id="279" r:id="rId22"/>
+    <p:sldId id="282" r:id="rId23"/>
+    <p:sldId id="260" r:id="rId24"/>
+    <p:sldId id="313" r:id="rId25"/>
   </p:sldIdLst>
   <p:sldSz cx="9144000" cy="6858000" type="screen4x3"/>
   <p:notesSz cx="6858000" cy="9144000"/>
@@ -232,7 +234,7 @@
           <a:p>
             <a:fld id="{E14AF66C-D44D-4D17-A1A6-B83F81608EA7}" type="datetimeFigureOut">
               <a:rPr lang="ru-RU" smtClean="0"/>
-              <a:t>19.02.2013</a:t>
+              <a:t>15.12.2014</a:t>
             </a:fld>
             <a:endParaRPr lang="ru-RU"/>
           </a:p>
@@ -497,7 +499,7 @@
             <a:fld id="{1D8BD707-D9CF-40AE-B4C6-C98DA3205C09}" type="datetimeFigureOut">
               <a:rPr lang="en-US" smtClean="0"/>
               <a:pPr/>
-              <a:t>2/19/2013</a:t>
+              <a:t>12/15/2014</a:t>
             </a:fld>
             <a:endParaRPr lang="en-US"/>
           </a:p>
@@ -664,7 +666,7 @@
             <a:fld id="{1D8BD707-D9CF-40AE-B4C6-C98DA3205C09}" type="datetimeFigureOut">
               <a:rPr lang="en-US" smtClean="0"/>
               <a:pPr/>
-              <a:t>2/19/2013</a:t>
+              <a:t>12/15/2014</a:t>
             </a:fld>
             <a:endParaRPr lang="en-US"/>
           </a:p>
@@ -841,7 +843,7 @@
             <a:fld id="{1D8BD707-D9CF-40AE-B4C6-C98DA3205C09}" type="datetimeFigureOut">
               <a:rPr lang="en-US" smtClean="0"/>
               <a:pPr/>
-              <a:t>2/19/2013</a:t>
+              <a:t>12/15/2014</a:t>
             </a:fld>
             <a:endParaRPr lang="en-US"/>
           </a:p>
@@ -1012,7 +1014,7 @@
             <a:fld id="{1D8BD707-D9CF-40AE-B4C6-C98DA3205C09}" type="datetimeFigureOut">
               <a:rPr lang="en-US" smtClean="0"/>
               <a:pPr/>
-              <a:t>2/19/2013</a:t>
+              <a:t>12/15/2014</a:t>
             </a:fld>
             <a:endParaRPr lang="en-US"/>
           </a:p>
@@ -1255,7 +1257,7 @@
             <a:fld id="{1D8BD707-D9CF-40AE-B4C6-C98DA3205C09}" type="datetimeFigureOut">
               <a:rPr lang="en-US" smtClean="0"/>
               <a:pPr/>
-              <a:t>2/19/2013</a:t>
+              <a:t>12/15/2014</a:t>
             </a:fld>
             <a:endParaRPr lang="en-US"/>
           </a:p>
@@ -1540,7 +1542,7 @@
             <a:fld id="{1D8BD707-D9CF-40AE-B4C6-C98DA3205C09}" type="datetimeFigureOut">
               <a:rPr lang="en-US" smtClean="0"/>
               <a:pPr/>
-              <a:t>2/19/2013</a:t>
+              <a:t>12/15/2014</a:t>
             </a:fld>
             <a:endParaRPr lang="en-US"/>
           </a:p>
@@ -1959,7 +1961,7 @@
             <a:fld id="{1D8BD707-D9CF-40AE-B4C6-C98DA3205C09}" type="datetimeFigureOut">
               <a:rPr lang="en-US" smtClean="0"/>
               <a:pPr/>
-              <a:t>2/19/2013</a:t>
+              <a:t>12/15/2014</a:t>
             </a:fld>
             <a:endParaRPr lang="en-US"/>
           </a:p>
@@ -2074,7 +2076,7 @@
             <a:fld id="{1D8BD707-D9CF-40AE-B4C6-C98DA3205C09}" type="datetimeFigureOut">
               <a:rPr lang="en-US" smtClean="0"/>
               <a:pPr/>
-              <a:t>2/19/2013</a:t>
+              <a:t>12/15/2014</a:t>
             </a:fld>
             <a:endParaRPr lang="en-US"/>
           </a:p>
@@ -2166,7 +2168,7 @@
             <a:fld id="{1D8BD707-D9CF-40AE-B4C6-C98DA3205C09}" type="datetimeFigureOut">
               <a:rPr lang="en-US" smtClean="0"/>
               <a:pPr/>
-              <a:t>2/19/2013</a:t>
+              <a:t>12/15/2014</a:t>
             </a:fld>
             <a:endParaRPr lang="en-US"/>
           </a:p>
@@ -2440,7 +2442,7 @@
             <a:fld id="{1D8BD707-D9CF-40AE-B4C6-C98DA3205C09}" type="datetimeFigureOut">
               <a:rPr lang="en-US" smtClean="0"/>
               <a:pPr/>
-              <a:t>2/19/2013</a:t>
+              <a:t>12/15/2014</a:t>
             </a:fld>
             <a:endParaRPr lang="en-US"/>
           </a:p>
@@ -2690,7 +2692,7 @@
             <a:fld id="{1D8BD707-D9CF-40AE-B4C6-C98DA3205C09}" type="datetimeFigureOut">
               <a:rPr lang="en-US" smtClean="0"/>
               <a:pPr/>
-              <a:t>2/19/2013</a:t>
+              <a:t>12/15/2014</a:t>
             </a:fld>
             <a:endParaRPr lang="en-US"/>
           </a:p>
@@ -2909,7 +2911,7 @@
             <a:fld id="{1D8BD707-D9CF-40AE-B4C6-C98DA3205C09}" type="datetimeFigureOut">
               <a:rPr lang="en-US" smtClean="0"/>
               <a:pPr/>
-              <a:t>2/19/2013</a:t>
+              <a:t>12/15/2014</a:t>
             </a:fld>
             <a:endParaRPr lang="en-US"/>
           </a:p>
@@ -3630,14 +3632,952 @@
       </p:grpSpPr>
       <p:sp>
         <p:nvSpPr>
-          <p:cNvPr id="4" name="TextBox 3"/>
+          <p:cNvPr id="3" name="Content Placeholder 2"/>
+          <p:cNvSpPr>
+            <a:spLocks noGrp="1"/>
+          </p:cNvSpPr>
+          <p:nvPr>
+            <p:ph idx="1"/>
+          </p:nvPr>
+        </p:nvSpPr>
+        <p:spPr>
+          <a:xfrm>
+            <a:off x="457200" y="834972"/>
+            <a:ext cx="8229600" cy="5291192"/>
+          </a:xfrm>
+        </p:spPr>
+        <p:txBody>
+          <a:bodyPr>
+            <a:normAutofit fontScale="70000" lnSpcReduction="20000"/>
+          </a:bodyPr>
+          <a:lstStyle/>
+          <a:p>
+            <a:pPr marL="0" indent="0">
+              <a:buNone/>
+            </a:pPr>
+            <a:r>
+              <a:rPr lang="en-US" b="1" dirty="0"/>
+              <a:t>Advantages of V-model:</a:t>
+            </a:r>
+            <a:endParaRPr lang="en-US" dirty="0"/>
+          </a:p>
+          <a:p>
+            <a:r>
+              <a:rPr lang="en-US" dirty="0"/>
+              <a:t>Simple and easy to use.</a:t>
+            </a:r>
+          </a:p>
+          <a:p>
+            <a:r>
+              <a:rPr lang="en-US" dirty="0"/>
+              <a:t>Testing activities like planning, </a:t>
+            </a:r>
+            <a:r>
+              <a:rPr lang="en-US" dirty="0" smtClean="0"/>
+              <a:t>test designing happens </a:t>
+            </a:r>
+            <a:r>
+              <a:rPr lang="en-US" dirty="0"/>
+              <a:t>well before coding. This saves a lot of time. Hence higher chance of success over the waterfall model.</a:t>
+            </a:r>
+          </a:p>
+          <a:p>
+            <a:r>
+              <a:rPr lang="en-US" dirty="0"/>
+              <a:t>Proactive defect tracking – that is defects are found at early stage.</a:t>
+            </a:r>
+          </a:p>
+          <a:p>
+            <a:r>
+              <a:rPr lang="en-US" dirty="0"/>
+              <a:t>Avoids the downward flow of the defects.</a:t>
+            </a:r>
+          </a:p>
+          <a:p>
+            <a:r>
+              <a:rPr lang="en-US" dirty="0"/>
+              <a:t>Works well for small projects where requirements are easily understood</a:t>
+            </a:r>
+            <a:r>
+              <a:rPr lang="en-US" dirty="0" smtClean="0"/>
+              <a:t>.</a:t>
+            </a:r>
+          </a:p>
+          <a:p>
+            <a:pPr marL="0" indent="0">
+              <a:buNone/>
+            </a:pPr>
+            <a:endParaRPr lang="en-US" dirty="0"/>
+          </a:p>
+          <a:p>
+            <a:pPr marL="0" indent="0">
+              <a:buNone/>
+            </a:pPr>
+            <a:r>
+              <a:rPr lang="en-US" b="1" dirty="0"/>
+              <a:t>Disadvantages of V-model:</a:t>
+            </a:r>
+            <a:endParaRPr lang="en-US" dirty="0"/>
+          </a:p>
+          <a:p>
+            <a:r>
+              <a:rPr lang="en-US" dirty="0"/>
+              <a:t>Very rigid and least flexible.</a:t>
+            </a:r>
+          </a:p>
+          <a:p>
+            <a:r>
+              <a:rPr lang="en-US" dirty="0"/>
+              <a:t>Software is developed during the implementation phase, so no early prototypes of the software are produced.</a:t>
+            </a:r>
+          </a:p>
+          <a:p>
+            <a:r>
+              <a:rPr lang="en-US" dirty="0"/>
+              <a:t>If any changes happen in midway, then the test documents along with requirement documents has to be updated.</a:t>
+            </a:r>
+          </a:p>
+          <a:p>
+            <a:endParaRPr lang="en-US" dirty="0"/>
+          </a:p>
+        </p:txBody>
+      </p:sp>
+      <p:sp>
+        <p:nvSpPr>
+          <p:cNvPr id="4" name="Title 3"/>
+          <p:cNvSpPr txBox="1">
+            <a:spLocks noGrp="1"/>
+          </p:cNvSpPr>
+          <p:nvPr>
+            <p:ph type="title"/>
+          </p:nvPr>
+        </p:nvSpPr>
+        <p:spPr>
+          <a:xfrm>
+            <a:off x="3059832" y="188640"/>
+            <a:ext cx="2520280" cy="646331"/>
+          </a:xfrm>
+          <a:prstGeom prst="rect">
+            <a:avLst/>
+          </a:prstGeom>
+          <a:noFill/>
+        </p:spPr>
+        <p:txBody>
+          <a:bodyPr wrap="square" rtlCol="0">
+            <a:spAutoFit/>
+          </a:bodyPr>
+          <a:lstStyle/>
+          <a:p>
+            <a:pPr algn="ctr"/>
+            <a:r>
+              <a:rPr lang="en-US" sz="3600" dirty="0" smtClean="0">
+                <a:solidFill>
+                  <a:schemeClr val="tx1">
+                    <a:lumMod val="50000"/>
+                    <a:lumOff val="50000"/>
+                  </a:schemeClr>
+                </a:solidFill>
+              </a:rPr>
+              <a:t>V-model</a:t>
+            </a:r>
+            <a:endParaRPr lang="en-US" sz="3600" dirty="0">
+              <a:solidFill>
+                <a:schemeClr val="tx1">
+                  <a:lumMod val="50000"/>
+                  <a:lumOff val="50000"/>
+                </a:schemeClr>
+              </a:solidFill>
+              <a:effectLst>
+                <a:outerShdw blurRad="38100" dist="38100" dir="2700000" algn="tl">
+                  <a:srgbClr val="000000">
+                    <a:alpha val="43137"/>
+                  </a:srgbClr>
+                </a:outerShdw>
+              </a:effectLst>
+            </a:endParaRPr>
+          </a:p>
+        </p:txBody>
+      </p:sp>
+    </p:spTree>
+    <p:extLst>
+      <p:ext uri="{BB962C8B-B14F-4D97-AF65-F5344CB8AC3E}">
+        <p14:creationId xmlns:p14="http://schemas.microsoft.com/office/powerpoint/2010/main" val="470803691"/>
+      </p:ext>
+    </p:extLst>
+  </p:cSld>
+  <p:clrMapOvr>
+    <a:masterClrMapping/>
+  </p:clrMapOvr>
+</p:sld>
+</file>
+
+<file path=ppt/slides/slide11.xml><?xml version="1.0" encoding="utf-8"?>
+<p:sld xmlns:a="http://schemas.openxmlformats.org/drawingml/2006/main" xmlns:r="http://schemas.openxmlformats.org/officeDocument/2006/relationships" xmlns:p="http://schemas.openxmlformats.org/presentationml/2006/main">
+  <p:cSld>
+    <p:spTree>
+      <p:nvGrpSpPr>
+        <p:cNvPr id="1" name=""/>
+        <p:cNvGrpSpPr/>
+        <p:nvPr/>
+      </p:nvGrpSpPr>
+      <p:grpSpPr>
+        <a:xfrm>
+          <a:off x="0" y="0"/>
+          <a:ext cx="0" cy="0"/>
+          <a:chOff x="0" y="0"/>
+          <a:chExt cx="0" cy="0"/>
+        </a:xfrm>
+      </p:grpSpPr>
+      <p:sp>
+        <p:nvSpPr>
+          <p:cNvPr id="5" name="Rectangle 4"/>
+          <p:cNvSpPr/>
+          <p:nvPr/>
+        </p:nvSpPr>
+        <p:spPr>
+          <a:xfrm>
+            <a:off x="1763688" y="2763125"/>
+            <a:ext cx="1584176" cy="720080"/>
+          </a:xfrm>
+          <a:prstGeom prst="rect">
+            <a:avLst/>
+          </a:prstGeom>
+          <a:noFill/>
+          <a:ln w="12700">
+            <a:solidFill>
+              <a:schemeClr val="tx1">
+                <a:lumMod val="50000"/>
+                <a:lumOff val="50000"/>
+              </a:schemeClr>
+            </a:solidFill>
+          </a:ln>
+        </p:spPr>
+        <p:style>
+          <a:lnRef idx="1">
+            <a:schemeClr val="accent5"/>
+          </a:lnRef>
+          <a:fillRef idx="3">
+            <a:schemeClr val="accent5"/>
+          </a:fillRef>
+          <a:effectRef idx="2">
+            <a:schemeClr val="accent5"/>
+          </a:effectRef>
+          <a:fontRef idx="minor">
+            <a:schemeClr val="lt1"/>
+          </a:fontRef>
+        </p:style>
+        <p:txBody>
+          <a:bodyPr rtlCol="0" anchor="ctr"/>
+          <a:lstStyle/>
+          <a:p>
+            <a:pPr algn="ctr"/>
+            <a:r>
+              <a:rPr lang="en-US" sz="1500" dirty="0">
+                <a:solidFill>
+                  <a:schemeClr val="tx1">
+                    <a:lumMod val="65000"/>
+                    <a:lumOff val="35000"/>
+                  </a:schemeClr>
+                </a:solidFill>
+                <a:latin typeface="Aharoni" pitchFamily="2" charset="-79"/>
+                <a:cs typeface="Aharoni" pitchFamily="2" charset="-79"/>
+              </a:rPr>
+              <a:t>Requirements Gathering</a:t>
+            </a:r>
+          </a:p>
+        </p:txBody>
+      </p:sp>
+      <p:cxnSp>
+        <p:nvCxnSpPr>
+          <p:cNvPr id="7" name="Straight Arrow Connector 6"/>
+          <p:cNvCxnSpPr>
+            <a:stCxn id="5" idx="3"/>
+            <a:endCxn id="8" idx="1"/>
+          </p:cNvCxnSpPr>
+          <p:nvPr/>
+        </p:nvCxnSpPr>
+        <p:spPr>
+          <a:xfrm flipV="1">
+            <a:off x="3347864" y="3114806"/>
+            <a:ext cx="720080" cy="8359"/>
+          </a:xfrm>
+          <a:prstGeom prst="straightConnector1">
+            <a:avLst/>
+          </a:prstGeom>
+          <a:ln w="28575">
+            <a:solidFill>
+              <a:schemeClr val="tx1">
+                <a:lumMod val="50000"/>
+                <a:lumOff val="50000"/>
+              </a:schemeClr>
+            </a:solidFill>
+            <a:tailEnd type="stealth" w="lg" len="lg"/>
+          </a:ln>
+        </p:spPr>
+        <p:style>
+          <a:lnRef idx="1">
+            <a:schemeClr val="accent5"/>
+          </a:lnRef>
+          <a:fillRef idx="3">
+            <a:schemeClr val="accent5"/>
+          </a:fillRef>
+          <a:effectRef idx="2">
+            <a:schemeClr val="accent5"/>
+          </a:effectRef>
+          <a:fontRef idx="minor">
+            <a:schemeClr val="lt1"/>
+          </a:fontRef>
+        </p:style>
+      </p:cxnSp>
+      <p:sp>
+        <p:nvSpPr>
+          <p:cNvPr id="8" name="Rectangle 7"/>
+          <p:cNvSpPr/>
+          <p:nvPr/>
+        </p:nvSpPr>
+        <p:spPr>
+          <a:xfrm>
+            <a:off x="4067944" y="2754766"/>
+            <a:ext cx="1584176" cy="720080"/>
+          </a:xfrm>
+          <a:prstGeom prst="rect">
+            <a:avLst/>
+          </a:prstGeom>
+          <a:noFill/>
+          <a:ln w="12700">
+            <a:solidFill>
+              <a:schemeClr val="tx1">
+                <a:lumMod val="50000"/>
+                <a:lumOff val="50000"/>
+              </a:schemeClr>
+            </a:solidFill>
+          </a:ln>
+        </p:spPr>
+        <p:style>
+          <a:lnRef idx="1">
+            <a:schemeClr val="accent5"/>
+          </a:lnRef>
+          <a:fillRef idx="3">
+            <a:schemeClr val="accent5"/>
+          </a:fillRef>
+          <a:effectRef idx="2">
+            <a:schemeClr val="accent5"/>
+          </a:effectRef>
+          <a:fontRef idx="minor">
+            <a:schemeClr val="lt1"/>
+          </a:fontRef>
+        </p:style>
+        <p:txBody>
+          <a:bodyPr rtlCol="0" anchor="ctr"/>
+          <a:lstStyle/>
+          <a:p>
+            <a:pPr algn="ctr"/>
+            <a:r>
+              <a:rPr lang="en-US" sz="1500" dirty="0">
+                <a:solidFill>
+                  <a:schemeClr val="tx1">
+                    <a:lumMod val="65000"/>
+                    <a:lumOff val="35000"/>
+                  </a:schemeClr>
+                </a:solidFill>
+                <a:latin typeface="Aharoni" pitchFamily="2" charset="-79"/>
+                <a:cs typeface="Aharoni" pitchFamily="2" charset="-79"/>
+              </a:rPr>
+              <a:t>Quick Design</a:t>
+            </a:r>
+          </a:p>
+        </p:txBody>
+      </p:sp>
+      <p:sp>
+        <p:nvSpPr>
+          <p:cNvPr id="9" name="Rectangle 8"/>
+          <p:cNvSpPr/>
+          <p:nvPr/>
+        </p:nvSpPr>
+        <p:spPr>
+          <a:xfrm>
+            <a:off x="6411069" y="2763125"/>
+            <a:ext cx="1584176" cy="720080"/>
+          </a:xfrm>
+          <a:prstGeom prst="rect">
+            <a:avLst/>
+          </a:prstGeom>
+          <a:noFill/>
+          <a:ln w="12700">
+            <a:solidFill>
+              <a:schemeClr val="tx1">
+                <a:lumMod val="50000"/>
+                <a:lumOff val="50000"/>
+              </a:schemeClr>
+            </a:solidFill>
+          </a:ln>
+        </p:spPr>
+        <p:style>
+          <a:lnRef idx="1">
+            <a:schemeClr val="accent5"/>
+          </a:lnRef>
+          <a:fillRef idx="3">
+            <a:schemeClr val="accent5"/>
+          </a:fillRef>
+          <a:effectRef idx="2">
+            <a:schemeClr val="accent5"/>
+          </a:effectRef>
+          <a:fontRef idx="minor">
+            <a:schemeClr val="lt1"/>
+          </a:fontRef>
+        </p:style>
+        <p:txBody>
+          <a:bodyPr rtlCol="0" anchor="ctr"/>
+          <a:lstStyle/>
+          <a:p>
+            <a:pPr algn="ctr"/>
+            <a:r>
+              <a:rPr lang="en-US" sz="1500" dirty="0">
+                <a:solidFill>
+                  <a:schemeClr val="tx1">
+                    <a:lumMod val="65000"/>
+                    <a:lumOff val="35000"/>
+                  </a:schemeClr>
+                </a:solidFill>
+                <a:latin typeface="Aharoni" pitchFamily="2" charset="-79"/>
+                <a:cs typeface="Aharoni" pitchFamily="2" charset="-79"/>
+              </a:rPr>
+              <a:t>Building Prototype</a:t>
+            </a:r>
+          </a:p>
+        </p:txBody>
+      </p:sp>
+      <p:sp>
+        <p:nvSpPr>
+          <p:cNvPr id="10" name="Rectangle 9"/>
+          <p:cNvSpPr/>
+          <p:nvPr/>
+        </p:nvSpPr>
+        <p:spPr>
+          <a:xfrm>
+            <a:off x="6411069" y="4275293"/>
+            <a:ext cx="1584176" cy="720080"/>
+          </a:xfrm>
+          <a:prstGeom prst="rect">
+            <a:avLst/>
+          </a:prstGeom>
+          <a:noFill/>
+          <a:ln w="12700">
+            <a:solidFill>
+              <a:schemeClr val="tx1">
+                <a:lumMod val="50000"/>
+                <a:lumOff val="50000"/>
+              </a:schemeClr>
+            </a:solidFill>
+          </a:ln>
+        </p:spPr>
+        <p:style>
+          <a:lnRef idx="1">
+            <a:schemeClr val="accent5"/>
+          </a:lnRef>
+          <a:fillRef idx="3">
+            <a:schemeClr val="accent5"/>
+          </a:fillRef>
+          <a:effectRef idx="2">
+            <a:schemeClr val="accent5"/>
+          </a:effectRef>
+          <a:fontRef idx="minor">
+            <a:schemeClr val="lt1"/>
+          </a:fontRef>
+        </p:style>
+        <p:txBody>
+          <a:bodyPr rtlCol="0" anchor="ctr"/>
+          <a:lstStyle/>
+          <a:p>
+            <a:pPr algn="ctr"/>
+            <a:r>
+              <a:rPr lang="en-US" sz="1500" dirty="0">
+                <a:solidFill>
+                  <a:schemeClr val="tx1">
+                    <a:lumMod val="65000"/>
+                    <a:lumOff val="35000"/>
+                  </a:schemeClr>
+                </a:solidFill>
+                <a:latin typeface="Aharoni" pitchFamily="2" charset="-79"/>
+                <a:cs typeface="Aharoni" pitchFamily="2" charset="-79"/>
+              </a:rPr>
+              <a:t>Customer Evaluation</a:t>
+            </a:r>
+          </a:p>
+        </p:txBody>
+      </p:sp>
+      <p:sp>
+        <p:nvSpPr>
+          <p:cNvPr id="11" name="Rectangle 10"/>
+          <p:cNvSpPr/>
+          <p:nvPr/>
+        </p:nvSpPr>
+        <p:spPr>
+          <a:xfrm>
+            <a:off x="4067944" y="4275293"/>
+            <a:ext cx="1584176" cy="720080"/>
+          </a:xfrm>
+          <a:prstGeom prst="rect">
+            <a:avLst/>
+          </a:prstGeom>
+          <a:noFill/>
+          <a:ln w="12700">
+            <a:solidFill>
+              <a:schemeClr val="tx1">
+                <a:lumMod val="50000"/>
+                <a:lumOff val="50000"/>
+              </a:schemeClr>
+            </a:solidFill>
+          </a:ln>
+        </p:spPr>
+        <p:style>
+          <a:lnRef idx="1">
+            <a:schemeClr val="accent5"/>
+          </a:lnRef>
+          <a:fillRef idx="3">
+            <a:schemeClr val="accent5"/>
+          </a:fillRef>
+          <a:effectRef idx="2">
+            <a:schemeClr val="accent5"/>
+          </a:effectRef>
+          <a:fontRef idx="minor">
+            <a:schemeClr val="lt1"/>
+          </a:fontRef>
+        </p:style>
+        <p:txBody>
+          <a:bodyPr rtlCol="0" anchor="ctr"/>
+          <a:lstStyle/>
+          <a:p>
+            <a:pPr algn="ctr"/>
+            <a:r>
+              <a:rPr lang="en-US" sz="1500" dirty="0">
+                <a:solidFill>
+                  <a:schemeClr val="tx1">
+                    <a:lumMod val="65000"/>
+                    <a:lumOff val="35000"/>
+                  </a:schemeClr>
+                </a:solidFill>
+                <a:latin typeface="Aharoni" pitchFamily="2" charset="-79"/>
+                <a:cs typeface="Aharoni" pitchFamily="2" charset="-79"/>
+              </a:rPr>
+              <a:t>Refining Prototype</a:t>
+            </a:r>
+          </a:p>
+        </p:txBody>
+      </p:sp>
+      <p:sp>
+        <p:nvSpPr>
+          <p:cNvPr id="12" name="Rectangle 11"/>
+          <p:cNvSpPr/>
+          <p:nvPr/>
+        </p:nvSpPr>
+        <p:spPr>
+          <a:xfrm>
+            <a:off x="1763688" y="4277203"/>
+            <a:ext cx="1584176" cy="720080"/>
+          </a:xfrm>
+          <a:prstGeom prst="rect">
+            <a:avLst/>
+          </a:prstGeom>
+          <a:noFill/>
+          <a:ln w="12700">
+            <a:solidFill>
+              <a:schemeClr val="tx1">
+                <a:lumMod val="50000"/>
+                <a:lumOff val="50000"/>
+              </a:schemeClr>
+            </a:solidFill>
+          </a:ln>
+        </p:spPr>
+        <p:style>
+          <a:lnRef idx="1">
+            <a:schemeClr val="accent5"/>
+          </a:lnRef>
+          <a:fillRef idx="3">
+            <a:schemeClr val="accent5"/>
+          </a:fillRef>
+          <a:effectRef idx="2">
+            <a:schemeClr val="accent5"/>
+          </a:effectRef>
+          <a:fontRef idx="minor">
+            <a:schemeClr val="lt1"/>
+          </a:fontRef>
+        </p:style>
+        <p:txBody>
+          <a:bodyPr rtlCol="0" anchor="ctr"/>
+          <a:lstStyle/>
+          <a:p>
+            <a:pPr algn="ctr"/>
+            <a:r>
+              <a:rPr lang="en-US" sz="1500" dirty="0" smtClean="0">
+                <a:solidFill>
+                  <a:schemeClr val="tx1">
+                    <a:lumMod val="65000"/>
+                    <a:lumOff val="35000"/>
+                  </a:schemeClr>
+                </a:solidFill>
+                <a:latin typeface="Aharoni" pitchFamily="2" charset="-79"/>
+                <a:cs typeface="Aharoni" pitchFamily="2" charset="-79"/>
+              </a:rPr>
+              <a:t>Product</a:t>
+            </a:r>
+          </a:p>
+          <a:p>
+            <a:pPr algn="ctr"/>
+            <a:r>
+              <a:rPr lang="en-US" sz="1500" dirty="0" smtClean="0">
+                <a:solidFill>
+                  <a:schemeClr val="tx1">
+                    <a:lumMod val="65000"/>
+                    <a:lumOff val="35000"/>
+                  </a:schemeClr>
+                </a:solidFill>
+                <a:latin typeface="Aharoni" pitchFamily="2" charset="-79"/>
+                <a:cs typeface="Aharoni" pitchFamily="2" charset="-79"/>
+              </a:rPr>
+              <a:t>Development</a:t>
+            </a:r>
+            <a:endParaRPr lang="ru-RU" sz="1500" dirty="0" smtClean="0">
+              <a:solidFill>
+                <a:schemeClr val="tx1">
+                  <a:lumMod val="65000"/>
+                  <a:lumOff val="35000"/>
+                </a:schemeClr>
+              </a:solidFill>
+              <a:latin typeface="Aharoni" pitchFamily="2" charset="-79"/>
+              <a:cs typeface="Aharoni" pitchFamily="2" charset="-79"/>
+            </a:endParaRPr>
+          </a:p>
+          <a:p>
+            <a:pPr algn="ctr"/>
+            <a:r>
+              <a:rPr lang="en-US" sz="1500" dirty="0" smtClean="0">
+                <a:solidFill>
+                  <a:schemeClr val="tx1">
+                    <a:lumMod val="65000"/>
+                    <a:lumOff val="35000"/>
+                  </a:schemeClr>
+                </a:solidFill>
+                <a:latin typeface="Aharoni" pitchFamily="2" charset="-79"/>
+                <a:cs typeface="Aharoni" pitchFamily="2" charset="-79"/>
+              </a:rPr>
+              <a:t>and Testing</a:t>
+            </a:r>
+            <a:endParaRPr lang="en-US" sz="1500" dirty="0">
+              <a:solidFill>
+                <a:schemeClr val="tx1">
+                  <a:lumMod val="65000"/>
+                  <a:lumOff val="35000"/>
+                </a:schemeClr>
+              </a:solidFill>
+              <a:latin typeface="Aharoni" pitchFamily="2" charset="-79"/>
+              <a:cs typeface="Aharoni" pitchFamily="2" charset="-79"/>
+            </a:endParaRPr>
+          </a:p>
+        </p:txBody>
+      </p:sp>
+      <p:cxnSp>
+        <p:nvCxnSpPr>
+          <p:cNvPr id="13" name="Straight Arrow Connector 12"/>
+          <p:cNvCxnSpPr>
+            <a:stCxn id="8" idx="3"/>
+            <a:endCxn id="9" idx="1"/>
+          </p:cNvCxnSpPr>
+          <p:nvPr/>
+        </p:nvCxnSpPr>
+        <p:spPr>
+          <a:xfrm>
+            <a:off x="5652120" y="3114806"/>
+            <a:ext cx="758949" cy="8359"/>
+          </a:xfrm>
+          <a:prstGeom prst="straightConnector1">
+            <a:avLst/>
+          </a:prstGeom>
+          <a:ln w="28575">
+            <a:solidFill>
+              <a:schemeClr val="tx1">
+                <a:lumMod val="50000"/>
+                <a:lumOff val="50000"/>
+              </a:schemeClr>
+            </a:solidFill>
+            <a:tailEnd type="stealth" w="lg" len="lg"/>
+          </a:ln>
+        </p:spPr>
+        <p:style>
+          <a:lnRef idx="1">
+            <a:schemeClr val="accent5"/>
+          </a:lnRef>
+          <a:fillRef idx="3">
+            <a:schemeClr val="accent5"/>
+          </a:fillRef>
+          <a:effectRef idx="2">
+            <a:schemeClr val="accent5"/>
+          </a:effectRef>
+          <a:fontRef idx="minor">
+            <a:schemeClr val="lt1"/>
+          </a:fontRef>
+        </p:style>
+      </p:cxnSp>
+      <p:cxnSp>
+        <p:nvCxnSpPr>
+          <p:cNvPr id="16" name="Straight Arrow Connector 15"/>
+          <p:cNvCxnSpPr>
+            <a:endCxn id="5" idx="1"/>
+          </p:cNvCxnSpPr>
+          <p:nvPr/>
+        </p:nvCxnSpPr>
+        <p:spPr>
+          <a:xfrm>
+            <a:off x="1043608" y="3123165"/>
+            <a:ext cx="720080" cy="0"/>
+          </a:xfrm>
+          <a:prstGeom prst="straightConnector1">
+            <a:avLst/>
+          </a:prstGeom>
+          <a:ln w="28575">
+            <a:solidFill>
+              <a:schemeClr val="tx1">
+                <a:lumMod val="50000"/>
+                <a:lumOff val="50000"/>
+              </a:schemeClr>
+            </a:solidFill>
+            <a:tailEnd type="stealth" w="lg" len="lg"/>
+          </a:ln>
+        </p:spPr>
+        <p:style>
+          <a:lnRef idx="1">
+            <a:schemeClr val="accent5"/>
+          </a:lnRef>
+          <a:fillRef idx="3">
+            <a:schemeClr val="accent5"/>
+          </a:fillRef>
+          <a:effectRef idx="2">
+            <a:schemeClr val="accent5"/>
+          </a:effectRef>
+          <a:fontRef idx="minor">
+            <a:schemeClr val="lt1"/>
+          </a:fontRef>
+        </p:style>
+      </p:cxnSp>
+      <p:cxnSp>
+        <p:nvCxnSpPr>
+          <p:cNvPr id="25" name="Straight Arrow Connector 24"/>
+          <p:cNvCxnSpPr>
+            <a:stCxn id="9" idx="2"/>
+            <a:endCxn id="10" idx="0"/>
+          </p:cNvCxnSpPr>
+          <p:nvPr/>
+        </p:nvCxnSpPr>
+        <p:spPr>
+          <a:xfrm>
+            <a:off x="7203157" y="3483205"/>
+            <a:ext cx="0" cy="792088"/>
+          </a:xfrm>
+          <a:prstGeom prst="straightConnector1">
+            <a:avLst/>
+          </a:prstGeom>
+          <a:ln w="28575">
+            <a:solidFill>
+              <a:schemeClr val="tx1">
+                <a:lumMod val="50000"/>
+                <a:lumOff val="50000"/>
+              </a:schemeClr>
+            </a:solidFill>
+            <a:tailEnd type="stealth" w="lg" len="lg"/>
+          </a:ln>
+        </p:spPr>
+        <p:style>
+          <a:lnRef idx="1">
+            <a:schemeClr val="accent5"/>
+          </a:lnRef>
+          <a:fillRef idx="3">
+            <a:schemeClr val="accent5"/>
+          </a:fillRef>
+          <a:effectRef idx="2">
+            <a:schemeClr val="accent5"/>
+          </a:effectRef>
+          <a:fontRef idx="minor">
+            <a:schemeClr val="lt1"/>
+          </a:fontRef>
+        </p:style>
+      </p:cxnSp>
+      <p:cxnSp>
+        <p:nvCxnSpPr>
+          <p:cNvPr id="30" name="Straight Arrow Connector 29"/>
+          <p:cNvCxnSpPr>
+            <a:stCxn id="10" idx="1"/>
+            <a:endCxn id="11" idx="3"/>
+          </p:cNvCxnSpPr>
+          <p:nvPr/>
+        </p:nvCxnSpPr>
+        <p:spPr>
+          <a:xfrm flipH="1">
+            <a:off x="5652120" y="4635333"/>
+            <a:ext cx="758949" cy="0"/>
+          </a:xfrm>
+          <a:prstGeom prst="straightConnector1">
+            <a:avLst/>
+          </a:prstGeom>
+          <a:ln w="28575">
+            <a:solidFill>
+              <a:schemeClr val="tx1">
+                <a:lumMod val="50000"/>
+                <a:lumOff val="50000"/>
+              </a:schemeClr>
+            </a:solidFill>
+            <a:tailEnd type="stealth" w="lg" len="lg"/>
+          </a:ln>
+        </p:spPr>
+        <p:style>
+          <a:lnRef idx="1">
+            <a:schemeClr val="accent5"/>
+          </a:lnRef>
+          <a:fillRef idx="3">
+            <a:schemeClr val="accent5"/>
+          </a:fillRef>
+          <a:effectRef idx="2">
+            <a:schemeClr val="accent5"/>
+          </a:effectRef>
+          <a:fontRef idx="minor">
+            <a:schemeClr val="lt1"/>
+          </a:fontRef>
+        </p:style>
+      </p:cxnSp>
+      <p:cxnSp>
+        <p:nvCxnSpPr>
+          <p:cNvPr id="36" name="Straight Arrow Connector 35"/>
+          <p:cNvCxnSpPr>
+            <a:stCxn id="11" idx="1"/>
+            <a:endCxn id="12" idx="3"/>
+          </p:cNvCxnSpPr>
+          <p:nvPr/>
+        </p:nvCxnSpPr>
+        <p:spPr>
+          <a:xfrm flipH="1">
+            <a:off x="3347864" y="4635333"/>
+            <a:ext cx="720080" cy="1910"/>
+          </a:xfrm>
+          <a:prstGeom prst="straightConnector1">
+            <a:avLst/>
+          </a:prstGeom>
+          <a:ln w="28575">
+            <a:solidFill>
+              <a:schemeClr val="tx1">
+                <a:lumMod val="50000"/>
+                <a:lumOff val="50000"/>
+              </a:schemeClr>
+            </a:solidFill>
+            <a:tailEnd type="stealth" w="lg" len="lg"/>
+          </a:ln>
+        </p:spPr>
+        <p:style>
+          <a:lnRef idx="1">
+            <a:schemeClr val="accent5"/>
+          </a:lnRef>
+          <a:fillRef idx="3">
+            <a:schemeClr val="accent5"/>
+          </a:fillRef>
+          <a:effectRef idx="2">
+            <a:schemeClr val="accent5"/>
+          </a:effectRef>
+          <a:fontRef idx="minor">
+            <a:schemeClr val="lt1"/>
+          </a:fontRef>
+        </p:style>
+      </p:cxnSp>
+      <p:cxnSp>
+        <p:nvCxnSpPr>
+          <p:cNvPr id="43" name="Straight Arrow Connector 42"/>
+          <p:cNvCxnSpPr>
+            <a:stCxn id="12" idx="1"/>
+          </p:cNvCxnSpPr>
+          <p:nvPr/>
+        </p:nvCxnSpPr>
+        <p:spPr>
+          <a:xfrm flipH="1">
+            <a:off x="971600" y="4637243"/>
+            <a:ext cx="792088" cy="372"/>
+          </a:xfrm>
+          <a:prstGeom prst="straightConnector1">
+            <a:avLst/>
+          </a:prstGeom>
+          <a:ln w="28575">
+            <a:solidFill>
+              <a:schemeClr val="tx1">
+                <a:lumMod val="50000"/>
+                <a:lumOff val="50000"/>
+              </a:schemeClr>
+            </a:solidFill>
+            <a:tailEnd type="stealth" w="lg" len="lg"/>
+          </a:ln>
+        </p:spPr>
+        <p:style>
+          <a:lnRef idx="1">
+            <a:schemeClr val="accent5"/>
+          </a:lnRef>
+          <a:fillRef idx="3">
+            <a:schemeClr val="accent5"/>
+          </a:fillRef>
+          <a:effectRef idx="2">
+            <a:schemeClr val="accent5"/>
+          </a:effectRef>
+          <a:fontRef idx="minor">
+            <a:schemeClr val="lt1"/>
+          </a:fontRef>
+        </p:style>
+      </p:cxnSp>
+      <p:cxnSp>
+        <p:nvCxnSpPr>
+          <p:cNvPr id="48" name="Straight Arrow Connector 47"/>
+          <p:cNvCxnSpPr>
+            <a:stCxn id="11" idx="0"/>
+            <a:endCxn id="8" idx="2"/>
+          </p:cNvCxnSpPr>
+          <p:nvPr/>
+        </p:nvCxnSpPr>
+        <p:spPr>
+          <a:xfrm flipV="1">
+            <a:off x="4860032" y="3474846"/>
+            <a:ext cx="0" cy="800447"/>
+          </a:xfrm>
+          <a:prstGeom prst="straightConnector1">
+            <a:avLst/>
+          </a:prstGeom>
+          <a:ln w="28575">
+            <a:solidFill>
+              <a:schemeClr val="tx1">
+                <a:lumMod val="50000"/>
+                <a:lumOff val="50000"/>
+              </a:schemeClr>
+            </a:solidFill>
+            <a:tailEnd type="stealth" w="lg" len="lg"/>
+          </a:ln>
+        </p:spPr>
+        <p:style>
+          <a:lnRef idx="1">
+            <a:schemeClr val="accent5"/>
+          </a:lnRef>
+          <a:fillRef idx="3">
+            <a:schemeClr val="accent5"/>
+          </a:fillRef>
+          <a:effectRef idx="2">
+            <a:schemeClr val="accent5"/>
+          </a:effectRef>
+          <a:fontRef idx="minor">
+            <a:schemeClr val="lt1"/>
+          </a:fontRef>
+        </p:style>
+      </p:cxnSp>
+      <p:sp>
+        <p:nvSpPr>
+          <p:cNvPr id="17" name="TextBox 16"/>
           <p:cNvSpPr txBox="1"/>
           <p:nvPr/>
         </p:nvSpPr>
         <p:spPr>
           <a:xfrm>
-            <a:off x="596955" y="404664"/>
-            <a:ext cx="8326062" cy="584775"/>
+            <a:off x="3540741" y="348944"/>
+            <a:ext cx="2257348" cy="584775"/>
           </a:xfrm>
           <a:prstGeom prst="rect">
             <a:avLst/>
@@ -3650,8 +4590,9 @@
           </a:bodyPr>
           <a:lstStyle/>
           <a:p>
-            <a:r>
-              <a:rPr lang="ru-RU" sz="3200" dirty="0" smtClean="0">
+            <a:pPr algn="ctr"/>
+            <a:r>
+              <a:rPr lang="en-US" sz="3200" dirty="0" smtClean="0">
                 <a:solidFill>
                   <a:schemeClr val="tx1">
                     <a:lumMod val="65000"/>
@@ -3661,7 +4602,7 @@
                 <a:latin typeface="Arial" panose="020B0604020202020204" pitchFamily="34" charset="0"/>
                 <a:cs typeface="Arial" panose="020B0604020202020204" pitchFamily="34" charset="0"/>
               </a:rPr>
-              <a:t>Традиционные подходы к разработке ПО</a:t>
+              <a:t>Prototyping</a:t>
             </a:r>
             <a:endParaRPr lang="en-US" sz="3000" dirty="0">
               <a:solidFill>
@@ -3683,14 +4624,14 @@
       </p:sp>
       <p:sp>
         <p:nvSpPr>
-          <p:cNvPr id="8" name="Rectangle 7"/>
+          <p:cNvPr id="2" name="Rectangle 1"/>
           <p:cNvSpPr/>
           <p:nvPr/>
         </p:nvSpPr>
         <p:spPr>
           <a:xfrm>
-            <a:off x="596955" y="1196752"/>
-            <a:ext cx="7560840" cy="4832092"/>
+            <a:off x="755576" y="1292752"/>
+            <a:ext cx="7887741" cy="646331"/>
           </a:xfrm>
           <a:prstGeom prst="rect">
             <a:avLst/>
@@ -3702,143 +4643,13 @@
           </a:bodyPr>
           <a:lstStyle/>
           <a:p>
-            <a:pPr marL="285750" lvl="0" indent="-285750">
-              <a:buClr>
-                <a:schemeClr val="accent2"/>
-              </a:buClr>
-              <a:buFont typeface="Wingdings" pitchFamily="2" charset="2"/>
-              <a:buChar char="Ø"/>
-            </a:pPr>
-            <a:r>
-              <a:rPr lang="ru-RU" sz="2200" b="1" dirty="0"/>
-              <a:t>Сильные </a:t>
-            </a:r>
-            <a:r>
-              <a:rPr lang="ru-RU" sz="2200" b="1" dirty="0" smtClean="0"/>
-              <a:t>стороны</a:t>
-            </a:r>
-          </a:p>
-          <a:p>
-            <a:pPr marL="742950" lvl="1" indent="-285750">
-              <a:buClr>
-                <a:schemeClr val="accent2"/>
-              </a:buClr>
-              <a:buFont typeface="Wingdings" pitchFamily="2" charset="2"/>
-              <a:buChar char="Ø"/>
-            </a:pPr>
-            <a:endParaRPr lang="ru-RU" sz="2200" i="1" dirty="0" smtClean="0"/>
-          </a:p>
-          <a:p>
-            <a:pPr marL="742950" lvl="1" indent="-285750">
-              <a:buClr>
-                <a:schemeClr val="accent2"/>
-              </a:buClr>
-              <a:buFont typeface="Wingdings" pitchFamily="2" charset="2"/>
-              <a:buChar char="Ø"/>
-            </a:pPr>
-            <a:r>
-              <a:rPr lang="ru-RU" sz="2200" i="1" dirty="0" smtClean="0"/>
-              <a:t>Модели </a:t>
-            </a:r>
-            <a:r>
-              <a:rPr lang="ru-RU" sz="2200" i="1" dirty="0"/>
-              <a:t>легко-понятны, </a:t>
-            </a:r>
-            <a:r>
-              <a:rPr lang="ru-RU" sz="2200" i="1" dirty="0" smtClean="0"/>
-              <a:t>легко-применимы, легко-осуществимы</a:t>
-            </a:r>
-          </a:p>
-          <a:p>
-            <a:pPr marL="742950" lvl="1" indent="-285750">
-              <a:buClr>
-                <a:schemeClr val="accent2"/>
-              </a:buClr>
-              <a:buFont typeface="Wingdings" pitchFamily="2" charset="2"/>
-              <a:buChar char="Ø"/>
-            </a:pPr>
-            <a:endParaRPr lang="ru-RU" sz="2200" i="1" dirty="0"/>
-          </a:p>
-          <a:p>
-            <a:pPr marL="742950" lvl="1" indent="-285750">
-              <a:buClr>
-                <a:schemeClr val="accent2"/>
-              </a:buClr>
-              <a:buFont typeface="Wingdings" pitchFamily="2" charset="2"/>
-              <a:buChar char="Ø"/>
-            </a:pPr>
-            <a:r>
-              <a:rPr lang="ru-RU" sz="2200" i="1" dirty="0" smtClean="0"/>
-              <a:t>Могут легко применяться для сотрудников невысокой квалификации</a:t>
-            </a:r>
-          </a:p>
-          <a:p>
-            <a:pPr marL="742950" lvl="1" indent="-285750">
-              <a:buClr>
-                <a:schemeClr val="accent2"/>
-              </a:buClr>
-              <a:buFont typeface="Wingdings" pitchFamily="2" charset="2"/>
-              <a:buChar char="Ø"/>
-            </a:pPr>
-            <a:endParaRPr lang="ru-RU" sz="2200" i="1" dirty="0"/>
-          </a:p>
-          <a:p>
-            <a:pPr marL="742950" lvl="1" indent="-285750">
-              <a:buClr>
-                <a:schemeClr val="accent2"/>
-              </a:buClr>
-              <a:buFont typeface="Wingdings" pitchFamily="2" charset="2"/>
-              <a:buChar char="Ø"/>
-            </a:pPr>
-            <a:r>
-              <a:rPr lang="ru-RU" sz="2200" i="1" dirty="0" smtClean="0"/>
-              <a:t>Определяют чёткие требования к продукту</a:t>
-            </a:r>
-          </a:p>
-          <a:p>
-            <a:pPr marL="742950" lvl="1" indent="-285750">
-              <a:buClr>
-                <a:schemeClr val="accent2"/>
-              </a:buClr>
-              <a:buFont typeface="Wingdings" pitchFamily="2" charset="2"/>
-              <a:buChar char="Ø"/>
-            </a:pPr>
-            <a:endParaRPr lang="ru-RU" sz="2200" i="1" dirty="0"/>
-          </a:p>
-          <a:p>
-            <a:pPr marL="742950" lvl="1" indent="-285750">
-              <a:buClr>
-                <a:schemeClr val="accent2"/>
-              </a:buClr>
-              <a:buFont typeface="Wingdings" pitchFamily="2" charset="2"/>
-              <a:buChar char="Ø"/>
-            </a:pPr>
-            <a:r>
-              <a:rPr lang="ru-RU" sz="2200" i="1" dirty="0" smtClean="0"/>
-              <a:t>Относительная легкость управления процессом</a:t>
-            </a:r>
-          </a:p>
-          <a:p>
-            <a:pPr marL="742950" lvl="1" indent="-285750">
-              <a:buClr>
-                <a:schemeClr val="accent2"/>
-              </a:buClr>
-              <a:buFont typeface="Wingdings" pitchFamily="2" charset="2"/>
-              <a:buChar char="Ø"/>
-            </a:pPr>
-            <a:endParaRPr lang="ru-RU" sz="2200" i="1" dirty="0"/>
-          </a:p>
-          <a:p>
-            <a:pPr marL="742950" lvl="1" indent="-285750">
-              <a:buClr>
-                <a:schemeClr val="accent2"/>
-              </a:buClr>
-              <a:buFont typeface="Wingdings" pitchFamily="2" charset="2"/>
-              <a:buChar char="Ø"/>
-            </a:pPr>
-            <a:r>
-              <a:rPr lang="ru-RU" sz="2200" i="1" dirty="0" smtClean="0"/>
-              <a:t>Отлично работают, когда качество более важно, чем стоимость или сроки разработки</a:t>
+            <a:r>
+              <a:rPr lang="en-US" dirty="0" smtClean="0"/>
+              <a:t>Instead </a:t>
+            </a:r>
+            <a:r>
+              <a:rPr lang="en-US" dirty="0"/>
+              <a:t>of freezing the requirements before a design or coding can proceed, a throwaway prototype is built to understand the requirements.</a:t>
             </a:r>
           </a:p>
         </p:txBody>
@@ -3846,7 +4657,7 @@
     </p:spTree>
     <p:extLst>
       <p:ext uri="{BB962C8B-B14F-4D97-AF65-F5344CB8AC3E}">
-        <p14:creationId xmlns:p14="http://schemas.microsoft.com/office/powerpoint/2010/main" val="1455751151"/>
+        <p14:creationId xmlns:p14="http://schemas.microsoft.com/office/powerpoint/2010/main" val="802213652"/>
       </p:ext>
     </p:extLst>
   </p:cSld>
@@ -3863,7 +4674,237 @@
 </p:sld>
 </file>
 
-<file path=ppt/slides/slide11.xml><?xml version="1.0" encoding="utf-8"?>
+<file path=ppt/slides/slide12.xml><?xml version="1.0" encoding="utf-8"?>
+<p:sld xmlns:a="http://schemas.openxmlformats.org/drawingml/2006/main" xmlns:r="http://schemas.openxmlformats.org/officeDocument/2006/relationships" xmlns:p="http://schemas.openxmlformats.org/presentationml/2006/main">
+  <p:cSld>
+    <p:spTree>
+      <p:nvGrpSpPr>
+        <p:cNvPr id="1" name=""/>
+        <p:cNvGrpSpPr/>
+        <p:nvPr/>
+      </p:nvGrpSpPr>
+      <p:grpSpPr>
+        <a:xfrm>
+          <a:off x="0" y="0"/>
+          <a:ext cx="0" cy="0"/>
+          <a:chOff x="0" y="0"/>
+          <a:chExt cx="0" cy="0"/>
+        </a:xfrm>
+      </p:grpSpPr>
+      <p:sp>
+        <p:nvSpPr>
+          <p:cNvPr id="3" name="Content Placeholder 2"/>
+          <p:cNvSpPr>
+            <a:spLocks noGrp="1"/>
+          </p:cNvSpPr>
+          <p:nvPr>
+            <p:ph idx="1"/>
+          </p:nvPr>
+        </p:nvSpPr>
+        <p:spPr>
+          <a:xfrm>
+            <a:off x="457200" y="933720"/>
+            <a:ext cx="8229600" cy="5192444"/>
+          </a:xfrm>
+        </p:spPr>
+        <p:txBody>
+          <a:bodyPr>
+            <a:normAutofit fontScale="62500" lnSpcReduction="20000"/>
+          </a:bodyPr>
+          <a:lstStyle/>
+          <a:p>
+            <a:pPr marL="0" indent="0">
+              <a:buNone/>
+            </a:pPr>
+            <a:r>
+              <a:rPr lang="en-US" b="1" dirty="0" smtClean="0"/>
+              <a:t>Advantages </a:t>
+            </a:r>
+            <a:r>
+              <a:rPr lang="en-US" b="1" dirty="0"/>
+              <a:t>of Prototype model:</a:t>
+            </a:r>
+            <a:endParaRPr lang="en-US" dirty="0"/>
+          </a:p>
+          <a:p>
+            <a:r>
+              <a:rPr lang="en-US" dirty="0"/>
+              <a:t>Users are actively involved in the development</a:t>
+            </a:r>
+          </a:p>
+          <a:p>
+            <a:r>
+              <a:rPr lang="en-US" dirty="0"/>
+              <a:t>Since in this methodology a working model of the system is provided, the users get a better understanding of the system being developed.</a:t>
+            </a:r>
+          </a:p>
+          <a:p>
+            <a:r>
+              <a:rPr lang="en-US" dirty="0"/>
+              <a:t>Errors can be detected much earlier.</a:t>
+            </a:r>
+          </a:p>
+          <a:p>
+            <a:r>
+              <a:rPr lang="en-US" dirty="0"/>
+              <a:t>Quicker user feedback is available leading to better solutions.</a:t>
+            </a:r>
+          </a:p>
+          <a:p>
+            <a:r>
+              <a:rPr lang="en-US" dirty="0"/>
+              <a:t>Missing functionality can be identified easily</a:t>
+            </a:r>
+          </a:p>
+          <a:p>
+            <a:r>
+              <a:rPr lang="en-US" dirty="0"/>
+              <a:t>Confusing or difficult functions can be identified</a:t>
+            </a:r>
+            <a:br>
+              <a:rPr lang="en-US" dirty="0"/>
+            </a:br>
+            <a:r>
+              <a:rPr lang="en-US" dirty="0"/>
+              <a:t>Requirements validation, Quick implementation of, incomplete, but</a:t>
+            </a:r>
+            <a:br>
+              <a:rPr lang="en-US" dirty="0"/>
+            </a:br>
+            <a:r>
+              <a:rPr lang="en-US" dirty="0"/>
+              <a:t>functional, </a:t>
+            </a:r>
+            <a:r>
+              <a:rPr lang="en-US" dirty="0" smtClean="0"/>
+              <a:t>application.</a:t>
+            </a:r>
+          </a:p>
+          <a:p>
+            <a:pPr marL="0" indent="0">
+              <a:buNone/>
+            </a:pPr>
+            <a:endParaRPr lang="en-US" b="1" dirty="0"/>
+          </a:p>
+          <a:p>
+            <a:pPr marL="0" indent="0">
+              <a:buNone/>
+            </a:pPr>
+            <a:r>
+              <a:rPr lang="en-US" b="1" dirty="0" smtClean="0"/>
+              <a:t>Disadvantages </a:t>
+            </a:r>
+            <a:r>
+              <a:rPr lang="en-US" b="1" dirty="0"/>
+              <a:t>of Prototype model:</a:t>
+            </a:r>
+            <a:endParaRPr lang="en-US" dirty="0"/>
+          </a:p>
+          <a:p>
+            <a:r>
+              <a:rPr lang="en-US" dirty="0"/>
+              <a:t>Leads to implementing and then repairing way of building systems.</a:t>
+            </a:r>
+          </a:p>
+          <a:p>
+            <a:r>
+              <a:rPr lang="en-US" dirty="0"/>
+              <a:t>Practically, this methodology may increase the complexity of the system as scope of the system may expand beyond original plans.</a:t>
+            </a:r>
+          </a:p>
+          <a:p>
+            <a:r>
+              <a:rPr lang="en-US" dirty="0"/>
+              <a:t>Incomplete application may cause application not to be used as the</a:t>
+            </a:r>
+            <a:br>
+              <a:rPr lang="en-US" dirty="0"/>
+            </a:br>
+            <a:r>
+              <a:rPr lang="en-US" dirty="0"/>
+              <a:t>full system was designed</a:t>
+            </a:r>
+            <a:br>
+              <a:rPr lang="en-US" dirty="0"/>
+            </a:br>
+            <a:r>
+              <a:rPr lang="en-US" dirty="0"/>
+              <a:t>Incomplete or inadequate problem analysis. </a:t>
+            </a:r>
+          </a:p>
+          <a:p>
+            <a:endParaRPr lang="en-US" dirty="0"/>
+          </a:p>
+        </p:txBody>
+      </p:sp>
+      <p:sp>
+        <p:nvSpPr>
+          <p:cNvPr id="4" name="TextBox 3"/>
+          <p:cNvSpPr txBox="1"/>
+          <p:nvPr/>
+        </p:nvSpPr>
+        <p:spPr>
+          <a:xfrm>
+            <a:off x="3540741" y="348944"/>
+            <a:ext cx="2257348" cy="584775"/>
+          </a:xfrm>
+          <a:prstGeom prst="rect">
+            <a:avLst/>
+          </a:prstGeom>
+          <a:noFill/>
+        </p:spPr>
+        <p:txBody>
+          <a:bodyPr wrap="none" rtlCol="0">
+            <a:spAutoFit/>
+          </a:bodyPr>
+          <a:lstStyle/>
+          <a:p>
+            <a:pPr algn="ctr"/>
+            <a:r>
+              <a:rPr lang="en-US" sz="3200" dirty="0" smtClean="0">
+                <a:solidFill>
+                  <a:schemeClr val="tx1">
+                    <a:lumMod val="65000"/>
+                    <a:lumOff val="35000"/>
+                  </a:schemeClr>
+                </a:solidFill>
+                <a:latin typeface="Arial" panose="020B0604020202020204" pitchFamily="34" charset="0"/>
+                <a:cs typeface="Arial" panose="020B0604020202020204" pitchFamily="34" charset="0"/>
+              </a:rPr>
+              <a:t>Prototyping</a:t>
+            </a:r>
+            <a:endParaRPr lang="en-US" sz="3000" dirty="0">
+              <a:solidFill>
+                <a:schemeClr val="tx1">
+                  <a:lumMod val="65000"/>
+                  <a:lumOff val="35000"/>
+                </a:schemeClr>
+              </a:solidFill>
+              <a:effectLst>
+                <a:outerShdw blurRad="38100" dist="38100" dir="2700000" algn="tl">
+                  <a:srgbClr val="000000">
+                    <a:alpha val="43137"/>
+                  </a:srgbClr>
+                </a:outerShdw>
+              </a:effectLst>
+            </a:endParaRPr>
+          </a:p>
+        </p:txBody>
+      </p:sp>
+    </p:spTree>
+    <p:extLst>
+      <p:ext uri="{BB962C8B-B14F-4D97-AF65-F5344CB8AC3E}">
+        <p14:creationId xmlns:p14="http://schemas.microsoft.com/office/powerpoint/2010/main" val="3233205059"/>
+      </p:ext>
+    </p:extLst>
+  </p:cSld>
+  <p:clrMapOvr>
+    <a:masterClrMapping/>
+  </p:clrMapOvr>
+</p:sld>
+</file>
+
+<file path=ppt/slides/slide13.xml><?xml version="1.0" encoding="utf-8"?>
 <p:sld xmlns:a="http://schemas.openxmlformats.org/drawingml/2006/main" xmlns:r="http://schemas.openxmlformats.org/officeDocument/2006/relationships" xmlns:p="http://schemas.openxmlformats.org/presentationml/2006/main">
   <p:cSld>
     <p:spTree>
@@ -4089,7 +5130,259 @@
 </p:sld>
 </file>
 
-<file path=ppt/slides/slide12.xml><?xml version="1.0" encoding="utf-8"?>
+<file path=ppt/slides/slide14.xml><?xml version="1.0" encoding="utf-8"?>
+<p:sld xmlns:a="http://schemas.openxmlformats.org/drawingml/2006/main" xmlns:r="http://schemas.openxmlformats.org/officeDocument/2006/relationships" xmlns:p="http://schemas.openxmlformats.org/presentationml/2006/main">
+  <p:cSld>
+    <p:spTree>
+      <p:nvGrpSpPr>
+        <p:cNvPr id="1" name=""/>
+        <p:cNvGrpSpPr/>
+        <p:nvPr/>
+      </p:nvGrpSpPr>
+      <p:grpSpPr>
+        <a:xfrm>
+          <a:off x="0" y="0"/>
+          <a:ext cx="0" cy="0"/>
+          <a:chOff x="0" y="0"/>
+          <a:chExt cx="0" cy="0"/>
+        </a:xfrm>
+      </p:grpSpPr>
+      <p:sp>
+        <p:nvSpPr>
+          <p:cNvPr id="4" name="TextBox 3"/>
+          <p:cNvSpPr txBox="1"/>
+          <p:nvPr/>
+        </p:nvSpPr>
+        <p:spPr>
+          <a:xfrm>
+            <a:off x="596955" y="404664"/>
+            <a:ext cx="8326062" cy="584775"/>
+          </a:xfrm>
+          <a:prstGeom prst="rect">
+            <a:avLst/>
+          </a:prstGeom>
+          <a:noFill/>
+        </p:spPr>
+        <p:txBody>
+          <a:bodyPr wrap="none" rtlCol="0">
+            <a:spAutoFit/>
+          </a:bodyPr>
+          <a:lstStyle/>
+          <a:p>
+            <a:r>
+              <a:rPr lang="ru-RU" sz="3200" dirty="0" smtClean="0">
+                <a:solidFill>
+                  <a:schemeClr val="tx1">
+                    <a:lumMod val="65000"/>
+                    <a:lumOff val="35000"/>
+                  </a:schemeClr>
+                </a:solidFill>
+                <a:latin typeface="Arial" panose="020B0604020202020204" pitchFamily="34" charset="0"/>
+                <a:cs typeface="Arial" panose="020B0604020202020204" pitchFamily="34" charset="0"/>
+              </a:rPr>
+              <a:t>Традиционные подходы к разработке ПО</a:t>
+            </a:r>
+            <a:endParaRPr lang="en-US" sz="3000" dirty="0">
+              <a:solidFill>
+                <a:schemeClr val="tx1">
+                  <a:lumMod val="65000"/>
+                  <a:lumOff val="35000"/>
+                </a:schemeClr>
+              </a:solidFill>
+              <a:effectLst>
+                <a:outerShdw blurRad="38100" dist="38100" dir="2700000" algn="tl">
+                  <a:srgbClr val="000000">
+                    <a:alpha val="43137"/>
+                  </a:srgbClr>
+                </a:outerShdw>
+              </a:effectLst>
+            </a:endParaRPr>
+          </a:p>
+        </p:txBody>
+      </p:sp>
+      <p:sp>
+        <p:nvSpPr>
+          <p:cNvPr id="8" name="Rectangle 7"/>
+          <p:cNvSpPr/>
+          <p:nvPr/>
+        </p:nvSpPr>
+        <p:spPr>
+          <a:xfrm>
+            <a:off x="596955" y="1196752"/>
+            <a:ext cx="7560840" cy="4832092"/>
+          </a:xfrm>
+          <a:prstGeom prst="rect">
+            <a:avLst/>
+          </a:prstGeom>
+        </p:spPr>
+        <p:txBody>
+          <a:bodyPr wrap="square">
+            <a:spAutoFit/>
+          </a:bodyPr>
+          <a:lstStyle/>
+          <a:p>
+            <a:pPr marL="285750" lvl="0" indent="-285750">
+              <a:buClr>
+                <a:schemeClr val="accent2"/>
+              </a:buClr>
+              <a:buFont typeface="Wingdings" pitchFamily="2" charset="2"/>
+              <a:buChar char="Ø"/>
+            </a:pPr>
+            <a:r>
+              <a:rPr lang="ru-RU" sz="2200" b="1" dirty="0"/>
+              <a:t>Сильные </a:t>
+            </a:r>
+            <a:r>
+              <a:rPr lang="ru-RU" sz="2200" b="1" dirty="0" smtClean="0"/>
+              <a:t>стороны</a:t>
+            </a:r>
+          </a:p>
+          <a:p>
+            <a:pPr marL="742950" lvl="1" indent="-285750">
+              <a:buClr>
+                <a:schemeClr val="accent2"/>
+              </a:buClr>
+              <a:buFont typeface="Wingdings" pitchFamily="2" charset="2"/>
+              <a:buChar char="Ø"/>
+            </a:pPr>
+            <a:endParaRPr lang="ru-RU" sz="2200" i="1" dirty="0" smtClean="0"/>
+          </a:p>
+          <a:p>
+            <a:pPr marL="742950" lvl="1" indent="-285750">
+              <a:buClr>
+                <a:schemeClr val="accent2"/>
+              </a:buClr>
+              <a:buFont typeface="Wingdings" pitchFamily="2" charset="2"/>
+              <a:buChar char="Ø"/>
+            </a:pPr>
+            <a:r>
+              <a:rPr lang="ru-RU" sz="2200" i="1" dirty="0" smtClean="0"/>
+              <a:t>Модели </a:t>
+            </a:r>
+            <a:r>
+              <a:rPr lang="ru-RU" sz="2200" i="1" dirty="0"/>
+              <a:t>легко-понятны, </a:t>
+            </a:r>
+            <a:r>
+              <a:rPr lang="ru-RU" sz="2200" i="1" dirty="0" smtClean="0"/>
+              <a:t>легко-применимы, легко-осуществимы</a:t>
+            </a:r>
+          </a:p>
+          <a:p>
+            <a:pPr marL="742950" lvl="1" indent="-285750">
+              <a:buClr>
+                <a:schemeClr val="accent2"/>
+              </a:buClr>
+              <a:buFont typeface="Wingdings" pitchFamily="2" charset="2"/>
+              <a:buChar char="Ø"/>
+            </a:pPr>
+            <a:endParaRPr lang="ru-RU" sz="2200" i="1" dirty="0"/>
+          </a:p>
+          <a:p>
+            <a:pPr marL="742950" lvl="1" indent="-285750">
+              <a:buClr>
+                <a:schemeClr val="accent2"/>
+              </a:buClr>
+              <a:buFont typeface="Wingdings" pitchFamily="2" charset="2"/>
+              <a:buChar char="Ø"/>
+            </a:pPr>
+            <a:r>
+              <a:rPr lang="ru-RU" sz="2200" i="1" dirty="0" smtClean="0"/>
+              <a:t>Могут легко применяться для сотрудников невысокой квалификации</a:t>
+            </a:r>
+          </a:p>
+          <a:p>
+            <a:pPr marL="742950" lvl="1" indent="-285750">
+              <a:buClr>
+                <a:schemeClr val="accent2"/>
+              </a:buClr>
+              <a:buFont typeface="Wingdings" pitchFamily="2" charset="2"/>
+              <a:buChar char="Ø"/>
+            </a:pPr>
+            <a:endParaRPr lang="ru-RU" sz="2200" i="1" dirty="0"/>
+          </a:p>
+          <a:p>
+            <a:pPr marL="742950" lvl="1" indent="-285750">
+              <a:buClr>
+                <a:schemeClr val="accent2"/>
+              </a:buClr>
+              <a:buFont typeface="Wingdings" pitchFamily="2" charset="2"/>
+              <a:buChar char="Ø"/>
+            </a:pPr>
+            <a:r>
+              <a:rPr lang="ru-RU" sz="2200" i="1" dirty="0" smtClean="0"/>
+              <a:t>Определяют чёткие требования к продукту</a:t>
+            </a:r>
+          </a:p>
+          <a:p>
+            <a:pPr marL="742950" lvl="1" indent="-285750">
+              <a:buClr>
+                <a:schemeClr val="accent2"/>
+              </a:buClr>
+              <a:buFont typeface="Wingdings" pitchFamily="2" charset="2"/>
+              <a:buChar char="Ø"/>
+            </a:pPr>
+            <a:endParaRPr lang="ru-RU" sz="2200" i="1" dirty="0"/>
+          </a:p>
+          <a:p>
+            <a:pPr marL="742950" lvl="1" indent="-285750">
+              <a:buClr>
+                <a:schemeClr val="accent2"/>
+              </a:buClr>
+              <a:buFont typeface="Wingdings" pitchFamily="2" charset="2"/>
+              <a:buChar char="Ø"/>
+            </a:pPr>
+            <a:r>
+              <a:rPr lang="ru-RU" sz="2200" i="1" dirty="0" smtClean="0"/>
+              <a:t>Относительная легкость управления процессом</a:t>
+            </a:r>
+          </a:p>
+          <a:p>
+            <a:pPr marL="742950" lvl="1" indent="-285750">
+              <a:buClr>
+                <a:schemeClr val="accent2"/>
+              </a:buClr>
+              <a:buFont typeface="Wingdings" pitchFamily="2" charset="2"/>
+              <a:buChar char="Ø"/>
+            </a:pPr>
+            <a:endParaRPr lang="ru-RU" sz="2200" i="1" dirty="0"/>
+          </a:p>
+          <a:p>
+            <a:pPr marL="742950" lvl="1" indent="-285750">
+              <a:buClr>
+                <a:schemeClr val="accent2"/>
+              </a:buClr>
+              <a:buFont typeface="Wingdings" pitchFamily="2" charset="2"/>
+              <a:buChar char="Ø"/>
+            </a:pPr>
+            <a:r>
+              <a:rPr lang="ru-RU" sz="2200" i="1" dirty="0" smtClean="0"/>
+              <a:t>Отлично работают, когда качество более важно, чем стоимость или сроки разработки</a:t>
+            </a:r>
+          </a:p>
+        </p:txBody>
+      </p:sp>
+    </p:spTree>
+    <p:extLst>
+      <p:ext uri="{BB962C8B-B14F-4D97-AF65-F5344CB8AC3E}">
+        <p14:creationId xmlns:p14="http://schemas.microsoft.com/office/powerpoint/2010/main" val="1455751151"/>
+      </p:ext>
+    </p:extLst>
+  </p:cSld>
+  <p:clrMapOvr>
+    <a:masterClrMapping/>
+  </p:clrMapOvr>
+  <p:timing>
+    <p:tnLst>
+      <p:par>
+        <p:cTn id="1" dur="indefinite" restart="never" nodeType="tmRoot"/>
+      </p:par>
+    </p:tnLst>
+  </p:timing>
+</p:sld>
+</file>
+
+<file path=ppt/slides/slide15.xml><?xml version="1.0" encoding="utf-8"?>
 <p:sld xmlns:a="http://schemas.openxmlformats.org/drawingml/2006/main" xmlns:r="http://schemas.openxmlformats.org/officeDocument/2006/relationships" xmlns:p="http://schemas.openxmlformats.org/presentationml/2006/main">
   <p:cSld>
     <p:spTree>
@@ -4902,7 +6195,7 @@
 </p:sld>
 </file>
 
-<file path=ppt/slides/slide13.xml><?xml version="1.0" encoding="utf-8"?>
+<file path=ppt/slides/slide16.xml><?xml version="1.0" encoding="utf-8"?>
 <p:sld xmlns:a="http://schemas.openxmlformats.org/drawingml/2006/main" xmlns:r="http://schemas.openxmlformats.org/officeDocument/2006/relationships" xmlns:p="http://schemas.openxmlformats.org/presentationml/2006/main">
   <p:cSld>
     <p:spTree>
@@ -6209,7 +7502,7 @@
 </p:sld>
 </file>
 
-<file path=ppt/slides/slide14.xml><?xml version="1.0" encoding="utf-8"?>
+<file path=ppt/slides/slide17.xml><?xml version="1.0" encoding="utf-8"?>
 <p:sld xmlns:a="http://schemas.openxmlformats.org/drawingml/2006/main" xmlns:r="http://schemas.openxmlformats.org/officeDocument/2006/relationships" xmlns:p="http://schemas.openxmlformats.org/presentationml/2006/main">
   <p:cSld>
     <p:spTree>
@@ -6299,7 +7592,7 @@
         </p:blipFill>
         <p:spPr bwMode="auto">
           <a:xfrm>
-            <a:off x="857224" y="2571744"/>
+            <a:off x="857223" y="1928182"/>
             <a:ext cx="7143751" cy="1590675"/>
           </a:xfrm>
           <a:prstGeom prst="rect">
@@ -6402,6 +7695,47 @@
           </a:p>
         </p:txBody>
       </p:sp>
+      <p:pic>
+        <p:nvPicPr>
+          <p:cNvPr id="2050" name="Picture 2" descr="Agile model in Software testing"/>
+          <p:cNvPicPr>
+            <a:picLocks noChangeAspect="1" noChangeArrowheads="1"/>
+          </p:cNvPicPr>
+          <p:nvPr/>
+        </p:nvPicPr>
+        <p:blipFill>
+          <a:blip r:embed="rId3">
+            <a:extLst>
+              <a:ext uri="{28A0092B-C50C-407E-A947-70E740481C1C}">
+                <a14:useLocalDpi xmlns:a14="http://schemas.microsoft.com/office/drawing/2010/main" val="0"/>
+              </a:ext>
+            </a:extLst>
+          </a:blip>
+          <a:srcRect/>
+          <a:stretch>
+            <a:fillRect/>
+          </a:stretch>
+        </p:blipFill>
+        <p:spPr bwMode="auto">
+          <a:xfrm>
+            <a:off x="1763688" y="3492759"/>
+            <a:ext cx="5328592" cy="2743829"/>
+          </a:xfrm>
+          <a:prstGeom prst="rect">
+            <a:avLst/>
+          </a:prstGeom>
+          <a:noFill/>
+          <a:extLst>
+            <a:ext uri="{909E8E84-426E-40DD-AFC4-6F175D3DCCD1}">
+              <a14:hiddenFill xmlns:a14="http://schemas.microsoft.com/office/drawing/2010/main">
+                <a:solidFill>
+                  <a:srgbClr val="FFFFFF"/>
+                </a:solidFill>
+              </a14:hiddenFill>
+            </a:ext>
+          </a:extLst>
+        </p:spPr>
+      </p:pic>
     </p:spTree>
     <p:extLst>
       <p:ext uri="{BB962C8B-B14F-4D97-AF65-F5344CB8AC3E}">
@@ -6422,210 +7756,7 @@
 </p:sld>
 </file>
 
-<file path=ppt/slides/slide15.xml><?xml version="1.0" encoding="utf-8"?>
-<p:sld xmlns:a="http://schemas.openxmlformats.org/drawingml/2006/main" xmlns:r="http://schemas.openxmlformats.org/officeDocument/2006/relationships" xmlns:p="http://schemas.openxmlformats.org/presentationml/2006/main">
-  <p:cSld>
-    <p:spTree>
-      <p:nvGrpSpPr>
-        <p:cNvPr id="1" name=""/>
-        <p:cNvGrpSpPr/>
-        <p:nvPr/>
-      </p:nvGrpSpPr>
-      <p:grpSpPr>
-        <a:xfrm>
-          <a:off x="0" y="0"/>
-          <a:ext cx="0" cy="0"/>
-          <a:chOff x="0" y="0"/>
-          <a:chExt cx="0" cy="0"/>
-        </a:xfrm>
-      </p:grpSpPr>
-      <p:sp>
-        <p:nvSpPr>
-          <p:cNvPr id="6" name="Rectangle 5"/>
-          <p:cNvSpPr/>
-          <p:nvPr/>
-        </p:nvSpPr>
-        <p:spPr>
-          <a:xfrm>
-            <a:off x="609600" y="1295400"/>
-            <a:ext cx="6122640" cy="369332"/>
-          </a:xfrm>
-          <a:prstGeom prst="rect">
-            <a:avLst/>
-          </a:prstGeom>
-        </p:spPr>
-        <p:txBody>
-          <a:bodyPr wrap="square">
-            <a:spAutoFit/>
-          </a:bodyPr>
-          <a:lstStyle/>
-          <a:p>
-            <a:pPr lvl="0"/>
-            <a:r>
-              <a:rPr lang="ru-RU" b="1" dirty="0" smtClean="0">
-                <a:solidFill>
-                  <a:srgbClr val="CC3300"/>
-                </a:solidFill>
-                <a:latin typeface="Arial" panose="020B0604020202020204" pitchFamily="34" charset="0"/>
-                <a:cs typeface="Arial" panose="020B0604020202020204" pitchFamily="34" charset="0"/>
-              </a:rPr>
-              <a:t>Частое предоставление </a:t>
-            </a:r>
-            <a:r>
-              <a:rPr lang="ru-RU" dirty="0" smtClean="0">
-                <a:latin typeface="Arial" panose="020B0604020202020204" pitchFamily="34" charset="0"/>
-                <a:cs typeface="Arial" panose="020B0604020202020204" pitchFamily="34" charset="0"/>
-              </a:rPr>
-              <a:t>стабильных версий продукта</a:t>
-            </a:r>
-            <a:endParaRPr lang="en-US" dirty="0">
-              <a:latin typeface="Arial" panose="020B0604020202020204" pitchFamily="34" charset="0"/>
-              <a:cs typeface="Arial" panose="020B0604020202020204" pitchFamily="34" charset="0"/>
-            </a:endParaRPr>
-          </a:p>
-        </p:txBody>
-      </p:sp>
-      <p:pic>
-        <p:nvPicPr>
-          <p:cNvPr id="1026" name="Picture 2" descr="C:\Users\Jul4a\Desktop\Testing\pics\Agile.jpg"/>
-          <p:cNvPicPr>
-            <a:picLocks noChangeAspect="1" noChangeArrowheads="1"/>
-          </p:cNvPicPr>
-          <p:nvPr/>
-        </p:nvPicPr>
-        <p:blipFill>
-          <a:blip r:embed="rId2"/>
-          <a:srcRect/>
-          <a:stretch>
-            <a:fillRect/>
-          </a:stretch>
-        </p:blipFill>
-        <p:spPr bwMode="auto">
-          <a:xfrm>
-            <a:off x="1714480" y="1714488"/>
-            <a:ext cx="5786478" cy="3668792"/>
-          </a:xfrm>
-          <a:prstGeom prst="rect">
-            <a:avLst/>
-          </a:prstGeom>
-          <a:noFill/>
-        </p:spPr>
-      </p:pic>
-      <p:sp>
-        <p:nvSpPr>
-          <p:cNvPr id="8" name="TextBox 7"/>
-          <p:cNvSpPr txBox="1"/>
-          <p:nvPr/>
-        </p:nvSpPr>
-        <p:spPr>
-          <a:xfrm>
-            <a:off x="457200" y="381000"/>
-            <a:ext cx="6813019" cy="630942"/>
-          </a:xfrm>
-          <a:prstGeom prst="rect">
-            <a:avLst/>
-          </a:prstGeom>
-          <a:noFill/>
-        </p:spPr>
-        <p:txBody>
-          <a:bodyPr wrap="none" rtlCol="0">
-            <a:spAutoFit/>
-          </a:bodyPr>
-          <a:lstStyle/>
-          <a:p>
-            <a:r>
-              <a:rPr lang="ru-RU" sz="3500" dirty="0">
-                <a:solidFill>
-                  <a:schemeClr val="tx1">
-                    <a:lumMod val="65000"/>
-                    <a:lumOff val="35000"/>
-                  </a:schemeClr>
-                </a:solidFill>
-                <a:effectLst>
-                  <a:outerShdw blurRad="38100" dist="38100" dir="2700000" algn="tl">
-                    <a:srgbClr val="000000">
-                      <a:alpha val="43137"/>
-                    </a:srgbClr>
-                  </a:outerShdw>
-                </a:effectLst>
-              </a:rPr>
-              <a:t>Ключевые моменты </a:t>
-            </a:r>
-            <a:r>
-              <a:rPr lang="en-US" sz="3500" dirty="0" smtClean="0">
-                <a:solidFill>
-                  <a:schemeClr val="tx1">
-                    <a:lumMod val="65000"/>
-                    <a:lumOff val="35000"/>
-                  </a:schemeClr>
-                </a:solidFill>
-                <a:effectLst>
-                  <a:outerShdw blurRad="38100" dist="38100" dir="2700000" algn="tl">
-                    <a:srgbClr val="000000">
-                      <a:alpha val="43137"/>
-                    </a:srgbClr>
-                  </a:outerShdw>
-                </a:effectLst>
-              </a:rPr>
-              <a:t>Agile </a:t>
-            </a:r>
-            <a:r>
-              <a:rPr lang="ru-RU" sz="3500" dirty="0" smtClean="0">
-                <a:solidFill>
-                  <a:schemeClr val="tx1">
-                    <a:lumMod val="65000"/>
-                    <a:lumOff val="35000"/>
-                  </a:schemeClr>
-                </a:solidFill>
-                <a:effectLst>
-                  <a:outerShdw blurRad="38100" dist="38100" dir="2700000" algn="tl">
-                    <a:srgbClr val="000000">
-                      <a:alpha val="43137"/>
-                    </a:srgbClr>
-                  </a:outerShdw>
-                </a:effectLst>
-              </a:rPr>
-              <a:t>моделей</a:t>
-            </a:r>
-            <a:endParaRPr lang="en-US" sz="3500" dirty="0">
-              <a:solidFill>
-                <a:schemeClr val="tx1">
-                  <a:lumMod val="65000"/>
-                  <a:lumOff val="35000"/>
-                </a:schemeClr>
-              </a:solidFill>
-              <a:effectLst>
-                <a:outerShdw blurRad="38100" dist="38100" dir="2700000" algn="tl">
-                  <a:srgbClr val="000000">
-                    <a:alpha val="43137"/>
-                  </a:srgbClr>
-                </a:outerShdw>
-              </a:effectLst>
-            </a:endParaRPr>
-          </a:p>
-        </p:txBody>
-      </p:sp>
-    </p:spTree>
-    <p:extLst>
-      <p:ext uri="{BB962C8B-B14F-4D97-AF65-F5344CB8AC3E}">
-        <p14:creationId xmlns:p14="http://schemas.microsoft.com/office/powerpoint/2010/main" val="3296969004"/>
-      </p:ext>
-    </p:extLst>
-  </p:cSld>
-  <p:clrMapOvr>
-    <a:masterClrMapping/>
-  </p:clrMapOvr>
-  <p:timing>
-    <p:tnLst>
-      <p:par>
-        <p:cTn id="1" dur="indefinite" restart="never" nodeType="tmRoot"/>
-      </p:par>
-    </p:tnLst>
-  </p:timing>
-</p:sld>
-</file>
-
-<file path=ppt/slides/slide16.xml><?xml version="1.0" encoding="utf-8"?>
+<file path=ppt/slides/slide18.xml><?xml version="1.0" encoding="utf-8"?>
 <p:sld xmlns:a="http://schemas.openxmlformats.org/drawingml/2006/main" xmlns:r="http://schemas.openxmlformats.org/officeDocument/2006/relationships" xmlns:p="http://schemas.openxmlformats.org/presentationml/2006/main">
   <p:cSld>
     <p:spTree>
@@ -6829,430 +7960,6 @@
     <p:extLst>
       <p:ext uri="{BB962C8B-B14F-4D97-AF65-F5344CB8AC3E}">
         <p14:creationId xmlns:p14="http://schemas.microsoft.com/office/powerpoint/2010/main" val="3296969004"/>
-      </p:ext>
-    </p:extLst>
-  </p:cSld>
-  <p:clrMapOvr>
-    <a:masterClrMapping/>
-  </p:clrMapOvr>
-  <p:timing>
-    <p:tnLst>
-      <p:par>
-        <p:cTn id="1" dur="indefinite" restart="never" nodeType="tmRoot"/>
-      </p:par>
-    </p:tnLst>
-  </p:timing>
-</p:sld>
-</file>
-
-<file path=ppt/slides/slide17.xml><?xml version="1.0" encoding="utf-8"?>
-<p:sld xmlns:a="http://schemas.openxmlformats.org/drawingml/2006/main" xmlns:r="http://schemas.openxmlformats.org/officeDocument/2006/relationships" xmlns:p="http://schemas.openxmlformats.org/presentationml/2006/main">
-  <p:cSld>
-    <p:spTree>
-      <p:nvGrpSpPr>
-        <p:cNvPr id="1" name=""/>
-        <p:cNvGrpSpPr/>
-        <p:nvPr/>
-      </p:nvGrpSpPr>
-      <p:grpSpPr>
-        <a:xfrm>
-          <a:off x="0" y="0"/>
-          <a:ext cx="0" cy="0"/>
-          <a:chOff x="0" y="0"/>
-          <a:chExt cx="0" cy="0"/>
-        </a:xfrm>
-      </p:grpSpPr>
-      <p:sp>
-        <p:nvSpPr>
-          <p:cNvPr id="4" name="TextBox 3"/>
-          <p:cNvSpPr txBox="1"/>
-          <p:nvPr/>
-        </p:nvSpPr>
-        <p:spPr>
-          <a:xfrm>
-            <a:off x="457200" y="533400"/>
-            <a:ext cx="6740115" cy="630942"/>
-          </a:xfrm>
-          <a:prstGeom prst="rect">
-            <a:avLst/>
-          </a:prstGeom>
-          <a:noFill/>
-        </p:spPr>
-        <p:txBody>
-          <a:bodyPr wrap="none" rtlCol="0">
-            <a:spAutoFit/>
-          </a:bodyPr>
-          <a:lstStyle/>
-          <a:p>
-            <a:r>
-              <a:rPr lang="ru-RU" sz="3500" dirty="0" smtClean="0">
-                <a:solidFill>
-                  <a:schemeClr val="tx1">
-                    <a:lumMod val="65000"/>
-                    <a:lumOff val="35000"/>
-                  </a:schemeClr>
-                </a:solidFill>
-                <a:effectLst>
-                  <a:outerShdw blurRad="38100" dist="38100" dir="2700000" algn="tl">
-                    <a:srgbClr val="000000">
-                      <a:alpha val="43137"/>
-                    </a:srgbClr>
-                  </a:outerShdw>
-                </a:effectLst>
-              </a:rPr>
-              <a:t>Основные роли в </a:t>
-            </a:r>
-            <a:r>
-              <a:rPr lang="en-US" sz="3500" dirty="0">
-                <a:solidFill>
-                  <a:schemeClr val="tx1">
-                    <a:lumMod val="65000"/>
-                    <a:lumOff val="35000"/>
-                  </a:schemeClr>
-                </a:solidFill>
-                <a:effectLst>
-                  <a:outerShdw blurRad="38100" dist="38100" dir="2700000" algn="tl">
-                    <a:srgbClr val="000000">
-                      <a:alpha val="43137"/>
-                    </a:srgbClr>
-                  </a:outerShdw>
-                </a:effectLst>
-              </a:rPr>
-              <a:t>Agile </a:t>
-            </a:r>
-            <a:r>
-              <a:rPr lang="ru-RU" sz="3500" dirty="0" smtClean="0">
-                <a:solidFill>
-                  <a:schemeClr val="tx1">
-                    <a:lumMod val="65000"/>
-                    <a:lumOff val="35000"/>
-                  </a:schemeClr>
-                </a:solidFill>
-                <a:effectLst>
-                  <a:outerShdw blurRad="38100" dist="38100" dir="2700000" algn="tl">
-                    <a:srgbClr val="000000">
-                      <a:alpha val="43137"/>
-                    </a:srgbClr>
-                  </a:outerShdw>
-                </a:effectLst>
-              </a:rPr>
-              <a:t>разработке</a:t>
-            </a:r>
-            <a:endParaRPr lang="en-US" sz="3500" dirty="0">
-              <a:solidFill>
-                <a:schemeClr val="tx1">
-                  <a:lumMod val="65000"/>
-                  <a:lumOff val="35000"/>
-                </a:schemeClr>
-              </a:solidFill>
-              <a:effectLst>
-                <a:outerShdw blurRad="38100" dist="38100" dir="2700000" algn="tl">
-                  <a:srgbClr val="000000">
-                    <a:alpha val="43137"/>
-                  </a:srgbClr>
-                </a:outerShdw>
-              </a:effectLst>
-            </a:endParaRPr>
-          </a:p>
-        </p:txBody>
-      </p:sp>
-      <p:sp>
-        <p:nvSpPr>
-          <p:cNvPr id="2" name="TextBox 1"/>
-          <p:cNvSpPr txBox="1"/>
-          <p:nvPr/>
-        </p:nvSpPr>
-        <p:spPr>
-          <a:xfrm>
-            <a:off x="1403648" y="1464618"/>
-            <a:ext cx="2457992" cy="3139321"/>
-          </a:xfrm>
-          <a:prstGeom prst="rect">
-            <a:avLst/>
-          </a:prstGeom>
-          <a:noFill/>
-        </p:spPr>
-        <p:txBody>
-          <a:bodyPr wrap="square" rtlCol="0">
-            <a:spAutoFit/>
-          </a:bodyPr>
-          <a:lstStyle/>
-          <a:p>
-            <a:pPr>
-              <a:lnSpc>
-                <a:spcPct val="300000"/>
-              </a:lnSpc>
-            </a:pPr>
-            <a:r>
-              <a:rPr lang="en-US" sz="2200" dirty="0">
-                <a:latin typeface="Aharoni" pitchFamily="2" charset="-79"/>
-                <a:cs typeface="Aharoni" pitchFamily="2" charset="-79"/>
-              </a:rPr>
-              <a:t>Team Master</a:t>
-            </a:r>
-          </a:p>
-          <a:p>
-            <a:pPr>
-              <a:lnSpc>
-                <a:spcPct val="300000"/>
-              </a:lnSpc>
-            </a:pPr>
-            <a:r>
-              <a:rPr lang="en-US" sz="2200" dirty="0" smtClean="0">
-                <a:latin typeface="Aharoni" pitchFamily="2" charset="-79"/>
-                <a:cs typeface="Aharoni" pitchFamily="2" charset="-79"/>
-              </a:rPr>
-              <a:t>Team</a:t>
-            </a:r>
-          </a:p>
-          <a:p>
-            <a:pPr>
-              <a:lnSpc>
-                <a:spcPct val="300000"/>
-              </a:lnSpc>
-            </a:pPr>
-            <a:r>
-              <a:rPr lang="en-US" sz="2200" dirty="0" smtClean="0">
-                <a:latin typeface="Aharoni" pitchFamily="2" charset="-79"/>
-                <a:cs typeface="Aharoni" pitchFamily="2" charset="-79"/>
-              </a:rPr>
-              <a:t>Product Owner</a:t>
-            </a:r>
-          </a:p>
-        </p:txBody>
-      </p:sp>
-      <p:pic>
-        <p:nvPicPr>
-          <p:cNvPr id="6146" name="Picture 2"/>
-          <p:cNvPicPr>
-            <a:picLocks noChangeAspect="1" noChangeArrowheads="1"/>
-          </p:cNvPicPr>
-          <p:nvPr/>
-        </p:nvPicPr>
-        <p:blipFill>
-          <a:blip r:embed="rId2">
-            <a:extLst>
-              <a:ext uri="{28A0092B-C50C-407E-A947-70E740481C1C}">
-                <a14:useLocalDpi xmlns:a14="http://schemas.microsoft.com/office/drawing/2010/main" val="0"/>
-              </a:ext>
-            </a:extLst>
-          </a:blip>
-          <a:srcRect/>
-          <a:stretch>
-            <a:fillRect/>
-          </a:stretch>
-        </p:blipFill>
-        <p:spPr bwMode="auto">
-          <a:xfrm flipH="1">
-            <a:off x="4932040" y="1669365"/>
-            <a:ext cx="3276058" cy="2788539"/>
-          </a:xfrm>
-          <a:prstGeom prst="roundRect">
-            <a:avLst>
-              <a:gd name="adj" fmla="val 8594"/>
-            </a:avLst>
-          </a:prstGeom>
-          <a:solidFill>
-            <a:srgbClr val="FFFFFF">
-              <a:shade val="85000"/>
-            </a:srgbClr>
-          </a:solidFill>
-          <a:ln>
-            <a:noFill/>
-          </a:ln>
-          <a:effectLst>
-            <a:reflection blurRad="12700" stA="38000" endPos="28000" dist="5000" dir="5400000" sy="-100000" algn="bl" rotWithShape="0"/>
-          </a:effectLst>
-          <a:extLst>
-            <a:ext uri="{91240B29-F687-4F45-9708-019B960494DF}">
-              <a14:hiddenLine xmlns:a14="http://schemas.microsoft.com/office/drawing/2010/main" w="9525">
-                <a:solidFill>
-                  <a:schemeClr val="tx1"/>
-                </a:solidFill>
-                <a:miter lim="800000"/>
-                <a:headEnd/>
-                <a:tailEnd/>
-              </a14:hiddenLine>
-            </a:ext>
-            <a:ext uri="{AF507438-7753-43E0-B8FC-AC1667EBCBE1}">
-              <a14:hiddenEffects xmlns:a14="http://schemas.microsoft.com/office/drawing/2010/main">
-                <a:effectLst>
-                  <a:outerShdw dist="35921" dir="2700000" algn="ctr" rotWithShape="0">
-                    <a:schemeClr val="bg2"/>
-                  </a:outerShdw>
-                </a:effectLst>
-              </a14:hiddenEffects>
-            </a:ext>
-          </a:extLst>
-        </p:spPr>
-      </p:pic>
-    </p:spTree>
-    <p:extLst>
-      <p:ext uri="{BB962C8B-B14F-4D97-AF65-F5344CB8AC3E}">
-        <p14:creationId xmlns:p14="http://schemas.microsoft.com/office/powerpoint/2010/main" val="3291001258"/>
-      </p:ext>
-    </p:extLst>
-  </p:cSld>
-  <p:clrMapOvr>
-    <a:masterClrMapping/>
-  </p:clrMapOvr>
-  <p:timing>
-    <p:tnLst>
-      <p:par>
-        <p:cTn id="1" dur="indefinite" restart="never" nodeType="tmRoot"/>
-      </p:par>
-    </p:tnLst>
-  </p:timing>
-</p:sld>
-</file>
-
-<file path=ppt/slides/slide18.xml><?xml version="1.0" encoding="utf-8"?>
-<p:sld xmlns:a="http://schemas.openxmlformats.org/drawingml/2006/main" xmlns:r="http://schemas.openxmlformats.org/officeDocument/2006/relationships" xmlns:p="http://schemas.openxmlformats.org/presentationml/2006/main">
-  <p:cSld>
-    <p:spTree>
-      <p:nvGrpSpPr>
-        <p:cNvPr id="1" name=""/>
-        <p:cNvGrpSpPr/>
-        <p:nvPr/>
-      </p:nvGrpSpPr>
-      <p:grpSpPr>
-        <a:xfrm>
-          <a:off x="0" y="0"/>
-          <a:ext cx="0" cy="0"/>
-          <a:chOff x="0" y="0"/>
-          <a:chExt cx="0" cy="0"/>
-        </a:xfrm>
-      </p:grpSpPr>
-      <p:sp>
-        <p:nvSpPr>
-          <p:cNvPr id="4" name="TextBox 3"/>
-          <p:cNvSpPr txBox="1"/>
-          <p:nvPr/>
-        </p:nvSpPr>
-        <p:spPr>
-          <a:xfrm>
-            <a:off x="457200" y="533400"/>
-            <a:ext cx="7628691" cy="630942"/>
-          </a:xfrm>
-          <a:prstGeom prst="rect">
-            <a:avLst/>
-          </a:prstGeom>
-          <a:noFill/>
-        </p:spPr>
-        <p:txBody>
-          <a:bodyPr wrap="none" rtlCol="0">
-            <a:spAutoFit/>
-          </a:bodyPr>
-          <a:lstStyle/>
-          <a:p>
-            <a:r>
-              <a:rPr lang="ru-RU" sz="3500" dirty="0" smtClean="0">
-                <a:solidFill>
-                  <a:schemeClr val="tx1">
-                    <a:lumMod val="65000"/>
-                    <a:lumOff val="35000"/>
-                  </a:schemeClr>
-                </a:solidFill>
-                <a:effectLst>
-                  <a:outerShdw blurRad="38100" dist="38100" dir="2700000" algn="tl">
-                    <a:srgbClr val="000000">
-                      <a:alpha val="43137"/>
-                    </a:srgbClr>
-                  </a:outerShdw>
-                </a:effectLst>
-              </a:rPr>
-              <a:t>Повторяющийся цикл </a:t>
-            </a:r>
-            <a:r>
-              <a:rPr lang="en-US" sz="3500" dirty="0">
-                <a:solidFill>
-                  <a:schemeClr val="tx1">
-                    <a:lumMod val="65000"/>
-                    <a:lumOff val="35000"/>
-                  </a:schemeClr>
-                </a:solidFill>
-                <a:effectLst>
-                  <a:outerShdw blurRad="38100" dist="38100" dir="2700000" algn="tl">
-                    <a:srgbClr val="000000">
-                      <a:alpha val="43137"/>
-                    </a:srgbClr>
-                  </a:outerShdw>
-                </a:effectLst>
-              </a:rPr>
-              <a:t>Agile </a:t>
-            </a:r>
-            <a:r>
-              <a:rPr lang="ru-RU" sz="3500" dirty="0" smtClean="0">
-                <a:solidFill>
-                  <a:schemeClr val="tx1">
-                    <a:lumMod val="65000"/>
-                    <a:lumOff val="35000"/>
-                  </a:schemeClr>
-                </a:solidFill>
-                <a:effectLst>
-                  <a:outerShdw blurRad="38100" dist="38100" dir="2700000" algn="tl">
-                    <a:srgbClr val="000000">
-                      <a:alpha val="43137"/>
-                    </a:srgbClr>
-                  </a:outerShdw>
-                </a:effectLst>
-              </a:rPr>
-              <a:t>разработки</a:t>
-            </a:r>
-            <a:endParaRPr lang="en-US" sz="3500" dirty="0">
-              <a:solidFill>
-                <a:schemeClr val="tx1">
-                  <a:lumMod val="65000"/>
-                  <a:lumOff val="35000"/>
-                </a:schemeClr>
-              </a:solidFill>
-              <a:effectLst>
-                <a:outerShdw blurRad="38100" dist="38100" dir="2700000" algn="tl">
-                  <a:srgbClr val="000000">
-                    <a:alpha val="43137"/>
-                  </a:srgbClr>
-                </a:outerShdw>
-              </a:effectLst>
-            </a:endParaRPr>
-          </a:p>
-        </p:txBody>
-      </p:sp>
-      <p:pic>
-        <p:nvPicPr>
-          <p:cNvPr id="5" name="Picture 2"/>
-          <p:cNvPicPr>
-            <a:picLocks noChangeAspect="1" noChangeArrowheads="1"/>
-          </p:cNvPicPr>
-          <p:nvPr/>
-        </p:nvPicPr>
-        <p:blipFill>
-          <a:blip r:embed="rId2" cstate="print"/>
-          <a:srcRect/>
-          <a:stretch>
-            <a:fillRect/>
-          </a:stretch>
-        </p:blipFill>
-        <p:spPr bwMode="auto">
-          <a:xfrm>
-            <a:off x="571472" y="1571612"/>
-            <a:ext cx="7712248" cy="3581400"/>
-          </a:xfrm>
-          <a:prstGeom prst="rect">
-            <a:avLst/>
-          </a:prstGeom>
-          <a:noFill/>
-          <a:ln w="9525">
-            <a:noFill/>
-            <a:miter lim="800000"/>
-            <a:headEnd/>
-            <a:tailEnd/>
-          </a:ln>
-        </p:spPr>
-      </p:pic>
-    </p:spTree>
-    <p:extLst>
-      <p:ext uri="{BB962C8B-B14F-4D97-AF65-F5344CB8AC3E}">
-        <p14:creationId xmlns:p14="http://schemas.microsoft.com/office/powerpoint/2010/main" val="3987702581"/>
       </p:ext>
     </p:extLst>
   </p:cSld>
@@ -8495,7 +9202,33 @@
                 <a:latin typeface="Arial" panose="020B0604020202020204" pitchFamily="34" charset="0"/>
                 <a:cs typeface="Arial" panose="020B0604020202020204" pitchFamily="34" charset="0"/>
               </a:rPr>
-              <a:t>Scrum, RUP, XP, FDD</a:t>
+              <a:t>Scrum, </a:t>
+            </a:r>
+            <a:r>
+              <a:rPr lang="en-US" dirty="0" smtClean="0">
+                <a:solidFill>
+                  <a:schemeClr val="tx1">
+                    <a:lumMod val="65000"/>
+                    <a:lumOff val="35000"/>
+                  </a:schemeClr>
+                </a:solidFill>
+                <a:latin typeface="Arial" panose="020B0604020202020204" pitchFamily="34" charset="0"/>
+                <a:cs typeface="Arial" panose="020B0604020202020204" pitchFamily="34" charset="0"/>
+              </a:rPr>
+              <a:t>RUP, </a:t>
+            </a:r>
+            <a:r>
+              <a:rPr lang="en-US" dirty="0">
+                <a:solidFill>
+                  <a:schemeClr val="tx1">
+                    <a:lumMod val="65000"/>
+                    <a:lumOff val="35000"/>
+                  </a:schemeClr>
+                </a:solidFill>
+                <a:latin typeface="Arial" panose="020B0604020202020204" pitchFamily="34" charset="0"/>
+                <a:cs typeface="Arial" panose="020B0604020202020204" pitchFamily="34" charset="0"/>
+              </a:rPr>
+              <a:t>XP, FDD</a:t>
             </a:r>
             <a:endParaRPr lang="ru-RU" dirty="0" smtClean="0">
               <a:solidFill>
@@ -9591,6 +10324,412 @@
           <a:chExt cx="0" cy="0"/>
         </a:xfrm>
       </p:grpSpPr>
+      <p:sp>
+        <p:nvSpPr>
+          <p:cNvPr id="4" name="TextBox 3"/>
+          <p:cNvSpPr txBox="1"/>
+          <p:nvPr/>
+        </p:nvSpPr>
+        <p:spPr>
+          <a:xfrm>
+            <a:off x="755576" y="476672"/>
+            <a:ext cx="7877156" cy="630942"/>
+          </a:xfrm>
+          <a:prstGeom prst="rect">
+            <a:avLst/>
+          </a:prstGeom>
+          <a:noFill/>
+        </p:spPr>
+        <p:txBody>
+          <a:bodyPr wrap="none" rtlCol="0">
+            <a:spAutoFit/>
+          </a:bodyPr>
+          <a:lstStyle/>
+          <a:p>
+            <a:r>
+              <a:rPr lang="ru-RU" sz="3500" dirty="0" smtClean="0">
+                <a:solidFill>
+                  <a:schemeClr val="tx1">
+                    <a:lumMod val="65000"/>
+                    <a:lumOff val="35000"/>
+                  </a:schemeClr>
+                </a:solidFill>
+                <a:effectLst>
+                  <a:outerShdw blurRad="38100" dist="38100" dir="2700000" algn="tl">
+                    <a:srgbClr val="000000">
+                      <a:alpha val="43137"/>
+                    </a:srgbClr>
+                  </a:outerShdw>
+                </a:effectLst>
+              </a:rPr>
+              <a:t>Повторяющийся цикл </a:t>
+            </a:r>
+            <a:r>
+              <a:rPr lang="en-US" sz="3500" dirty="0" smtClean="0">
+                <a:solidFill>
+                  <a:schemeClr val="tx1">
+                    <a:lumMod val="65000"/>
+                    <a:lumOff val="35000"/>
+                  </a:schemeClr>
+                </a:solidFill>
+                <a:effectLst>
+                  <a:outerShdw blurRad="38100" dist="38100" dir="2700000" algn="tl">
+                    <a:srgbClr val="000000">
+                      <a:alpha val="43137"/>
+                    </a:srgbClr>
+                  </a:outerShdw>
+                </a:effectLst>
+              </a:rPr>
+              <a:t>Scrum </a:t>
+            </a:r>
+            <a:r>
+              <a:rPr lang="ru-RU" sz="3500" dirty="0" smtClean="0">
+                <a:solidFill>
+                  <a:schemeClr val="tx1">
+                    <a:lumMod val="65000"/>
+                    <a:lumOff val="35000"/>
+                  </a:schemeClr>
+                </a:solidFill>
+                <a:effectLst>
+                  <a:outerShdw blurRad="38100" dist="38100" dir="2700000" algn="tl">
+                    <a:srgbClr val="000000">
+                      <a:alpha val="43137"/>
+                    </a:srgbClr>
+                  </a:outerShdw>
+                </a:effectLst>
+              </a:rPr>
+              <a:t>разработки</a:t>
+            </a:r>
+            <a:endParaRPr lang="en-US" sz="3500" dirty="0">
+              <a:solidFill>
+                <a:schemeClr val="tx1">
+                  <a:lumMod val="65000"/>
+                  <a:lumOff val="35000"/>
+                </a:schemeClr>
+              </a:solidFill>
+              <a:effectLst>
+                <a:outerShdw blurRad="38100" dist="38100" dir="2700000" algn="tl">
+                  <a:srgbClr val="000000">
+                    <a:alpha val="43137"/>
+                  </a:srgbClr>
+                </a:outerShdw>
+              </a:effectLst>
+            </a:endParaRPr>
+          </a:p>
+        </p:txBody>
+      </p:sp>
+      <p:pic>
+        <p:nvPicPr>
+          <p:cNvPr id="5" name="Picture 2"/>
+          <p:cNvPicPr>
+            <a:picLocks noChangeAspect="1" noChangeArrowheads="1"/>
+          </p:cNvPicPr>
+          <p:nvPr/>
+        </p:nvPicPr>
+        <p:blipFill>
+          <a:blip r:embed="rId2" cstate="print"/>
+          <a:srcRect/>
+          <a:stretch>
+            <a:fillRect/>
+          </a:stretch>
+        </p:blipFill>
+        <p:spPr bwMode="auto">
+          <a:xfrm>
+            <a:off x="616902" y="1556792"/>
+            <a:ext cx="7712248" cy="3581400"/>
+          </a:xfrm>
+          <a:prstGeom prst="rect">
+            <a:avLst/>
+          </a:prstGeom>
+          <a:noFill/>
+          <a:ln w="9525">
+            <a:noFill/>
+            <a:miter lim="800000"/>
+            <a:headEnd/>
+            <a:tailEnd/>
+          </a:ln>
+        </p:spPr>
+      </p:pic>
+    </p:spTree>
+    <p:extLst>
+      <p:ext uri="{BB962C8B-B14F-4D97-AF65-F5344CB8AC3E}">
+        <p14:creationId xmlns:p14="http://schemas.microsoft.com/office/powerpoint/2010/main" val="3987702581"/>
+      </p:ext>
+    </p:extLst>
+  </p:cSld>
+  <p:clrMapOvr>
+    <a:masterClrMapping/>
+  </p:clrMapOvr>
+  <p:timing>
+    <p:tnLst>
+      <p:par>
+        <p:cTn id="1" dur="indefinite" restart="never" nodeType="tmRoot"/>
+      </p:par>
+    </p:tnLst>
+  </p:timing>
+</p:sld>
+</file>
+
+<file path=ppt/slides/slide22.xml><?xml version="1.0" encoding="utf-8"?>
+<p:sld xmlns:a="http://schemas.openxmlformats.org/drawingml/2006/main" xmlns:r="http://schemas.openxmlformats.org/officeDocument/2006/relationships" xmlns:p="http://schemas.openxmlformats.org/presentationml/2006/main">
+  <p:cSld>
+    <p:spTree>
+      <p:nvGrpSpPr>
+        <p:cNvPr id="1" name=""/>
+        <p:cNvGrpSpPr/>
+        <p:nvPr/>
+      </p:nvGrpSpPr>
+      <p:grpSpPr>
+        <a:xfrm>
+          <a:off x="0" y="0"/>
+          <a:ext cx="0" cy="0"/>
+          <a:chOff x="0" y="0"/>
+          <a:chExt cx="0" cy="0"/>
+        </a:xfrm>
+      </p:grpSpPr>
+      <p:sp>
+        <p:nvSpPr>
+          <p:cNvPr id="4" name="TextBox 3"/>
+          <p:cNvSpPr txBox="1"/>
+          <p:nvPr/>
+        </p:nvSpPr>
+        <p:spPr>
+          <a:xfrm>
+            <a:off x="2195736" y="548680"/>
+            <a:ext cx="4725653" cy="630942"/>
+          </a:xfrm>
+          <a:prstGeom prst="rect">
+            <a:avLst/>
+          </a:prstGeom>
+          <a:noFill/>
+        </p:spPr>
+        <p:txBody>
+          <a:bodyPr wrap="none" rtlCol="0">
+            <a:spAutoFit/>
+          </a:bodyPr>
+          <a:lstStyle/>
+          <a:p>
+            <a:r>
+              <a:rPr lang="ru-RU" sz="3500" dirty="0" smtClean="0">
+                <a:solidFill>
+                  <a:schemeClr val="tx1">
+                    <a:lumMod val="65000"/>
+                    <a:lumOff val="35000"/>
+                  </a:schemeClr>
+                </a:solidFill>
+                <a:effectLst>
+                  <a:outerShdw blurRad="38100" dist="38100" dir="2700000" algn="tl">
+                    <a:srgbClr val="000000">
+                      <a:alpha val="43137"/>
+                    </a:srgbClr>
+                  </a:outerShdw>
+                </a:effectLst>
+              </a:rPr>
+              <a:t>Основные роли в </a:t>
+            </a:r>
+            <a:r>
+              <a:rPr lang="en-US" sz="3500" dirty="0" smtClean="0">
+                <a:solidFill>
+                  <a:schemeClr val="tx1">
+                    <a:lumMod val="65000"/>
+                    <a:lumOff val="35000"/>
+                  </a:schemeClr>
+                </a:solidFill>
+                <a:effectLst>
+                  <a:outerShdw blurRad="38100" dist="38100" dir="2700000" algn="tl">
+                    <a:srgbClr val="000000">
+                      <a:alpha val="43137"/>
+                    </a:srgbClr>
+                  </a:outerShdw>
+                </a:effectLst>
+              </a:rPr>
+              <a:t>Scrum</a:t>
+            </a:r>
+            <a:endParaRPr lang="en-US" sz="3500" dirty="0">
+              <a:solidFill>
+                <a:schemeClr val="tx1">
+                  <a:lumMod val="65000"/>
+                  <a:lumOff val="35000"/>
+                </a:schemeClr>
+              </a:solidFill>
+              <a:effectLst>
+                <a:outerShdw blurRad="38100" dist="38100" dir="2700000" algn="tl">
+                  <a:srgbClr val="000000">
+                    <a:alpha val="43137"/>
+                  </a:srgbClr>
+                </a:outerShdw>
+              </a:effectLst>
+            </a:endParaRPr>
+          </a:p>
+        </p:txBody>
+      </p:sp>
+      <p:sp>
+        <p:nvSpPr>
+          <p:cNvPr id="2" name="TextBox 1"/>
+          <p:cNvSpPr txBox="1"/>
+          <p:nvPr/>
+        </p:nvSpPr>
+        <p:spPr>
+          <a:xfrm>
+            <a:off x="1403648" y="1464618"/>
+            <a:ext cx="2457992" cy="3139321"/>
+          </a:xfrm>
+          <a:prstGeom prst="rect">
+            <a:avLst/>
+          </a:prstGeom>
+          <a:noFill/>
+        </p:spPr>
+        <p:txBody>
+          <a:bodyPr wrap="square" rtlCol="0">
+            <a:spAutoFit/>
+          </a:bodyPr>
+          <a:lstStyle/>
+          <a:p>
+            <a:pPr>
+              <a:lnSpc>
+                <a:spcPct val="300000"/>
+              </a:lnSpc>
+            </a:pPr>
+            <a:r>
+              <a:rPr lang="en-US" sz="2200" dirty="0">
+                <a:latin typeface="Aharoni" pitchFamily="2" charset="-79"/>
+                <a:cs typeface="Aharoni" pitchFamily="2" charset="-79"/>
+              </a:rPr>
+              <a:t>Team Master</a:t>
+            </a:r>
+          </a:p>
+          <a:p>
+            <a:pPr>
+              <a:lnSpc>
+                <a:spcPct val="300000"/>
+              </a:lnSpc>
+            </a:pPr>
+            <a:r>
+              <a:rPr lang="en-US" sz="2200" dirty="0" smtClean="0">
+                <a:latin typeface="Aharoni" pitchFamily="2" charset="-79"/>
+                <a:cs typeface="Aharoni" pitchFamily="2" charset="-79"/>
+              </a:rPr>
+              <a:t>Team</a:t>
+            </a:r>
+          </a:p>
+          <a:p>
+            <a:pPr>
+              <a:lnSpc>
+                <a:spcPct val="300000"/>
+              </a:lnSpc>
+            </a:pPr>
+            <a:r>
+              <a:rPr lang="en-US" sz="2200" dirty="0" smtClean="0">
+                <a:latin typeface="Aharoni" pitchFamily="2" charset="-79"/>
+                <a:cs typeface="Aharoni" pitchFamily="2" charset="-79"/>
+              </a:rPr>
+              <a:t>Product Owner</a:t>
+            </a:r>
+          </a:p>
+        </p:txBody>
+      </p:sp>
+      <p:pic>
+        <p:nvPicPr>
+          <p:cNvPr id="6146" name="Picture 2"/>
+          <p:cNvPicPr>
+            <a:picLocks noChangeAspect="1" noChangeArrowheads="1"/>
+          </p:cNvPicPr>
+          <p:nvPr/>
+        </p:nvPicPr>
+        <p:blipFill>
+          <a:blip r:embed="rId2">
+            <a:extLst>
+              <a:ext uri="{28A0092B-C50C-407E-A947-70E740481C1C}">
+                <a14:useLocalDpi xmlns:a14="http://schemas.microsoft.com/office/drawing/2010/main" val="0"/>
+              </a:ext>
+            </a:extLst>
+          </a:blip>
+          <a:srcRect/>
+          <a:stretch>
+            <a:fillRect/>
+          </a:stretch>
+        </p:blipFill>
+        <p:spPr bwMode="auto">
+          <a:xfrm flipH="1">
+            <a:off x="4932040" y="1669365"/>
+            <a:ext cx="3276058" cy="2788539"/>
+          </a:xfrm>
+          <a:prstGeom prst="roundRect">
+            <a:avLst>
+              <a:gd name="adj" fmla="val 8594"/>
+            </a:avLst>
+          </a:prstGeom>
+          <a:solidFill>
+            <a:srgbClr val="FFFFFF">
+              <a:shade val="85000"/>
+            </a:srgbClr>
+          </a:solidFill>
+          <a:ln>
+            <a:noFill/>
+          </a:ln>
+          <a:effectLst>
+            <a:reflection blurRad="12700" stA="38000" endPos="28000" dist="5000" dir="5400000" sy="-100000" algn="bl" rotWithShape="0"/>
+          </a:effectLst>
+          <a:extLst>
+            <a:ext uri="{91240B29-F687-4F45-9708-019B960494DF}">
+              <a14:hiddenLine xmlns:a14="http://schemas.microsoft.com/office/drawing/2010/main" w="9525">
+                <a:solidFill>
+                  <a:schemeClr val="tx1"/>
+                </a:solidFill>
+                <a:miter lim="800000"/>
+                <a:headEnd/>
+                <a:tailEnd/>
+              </a14:hiddenLine>
+            </a:ext>
+            <a:ext uri="{AF507438-7753-43E0-B8FC-AC1667EBCBE1}">
+              <a14:hiddenEffects xmlns:a14="http://schemas.microsoft.com/office/drawing/2010/main">
+                <a:effectLst>
+                  <a:outerShdw dist="35921" dir="2700000" algn="ctr" rotWithShape="0">
+                    <a:schemeClr val="bg2"/>
+                  </a:outerShdw>
+                </a:effectLst>
+              </a14:hiddenEffects>
+            </a:ext>
+          </a:extLst>
+        </p:spPr>
+      </p:pic>
+    </p:spTree>
+    <p:extLst>
+      <p:ext uri="{BB962C8B-B14F-4D97-AF65-F5344CB8AC3E}">
+        <p14:creationId xmlns:p14="http://schemas.microsoft.com/office/powerpoint/2010/main" val="3291001258"/>
+      </p:ext>
+    </p:extLst>
+  </p:cSld>
+  <p:clrMapOvr>
+    <a:masterClrMapping/>
+  </p:clrMapOvr>
+  <p:timing>
+    <p:tnLst>
+      <p:par>
+        <p:cTn id="1" dur="indefinite" restart="never" nodeType="tmRoot"/>
+      </p:par>
+    </p:tnLst>
+  </p:timing>
+</p:sld>
+</file>
+
+<file path=ppt/slides/slide23.xml><?xml version="1.0" encoding="utf-8"?>
+<p:sld xmlns:a="http://schemas.openxmlformats.org/drawingml/2006/main" xmlns:r="http://schemas.openxmlformats.org/officeDocument/2006/relationships" xmlns:p="http://schemas.openxmlformats.org/presentationml/2006/main">
+  <p:cSld>
+    <p:spTree>
+      <p:nvGrpSpPr>
+        <p:cNvPr id="1" name=""/>
+        <p:cNvGrpSpPr/>
+        <p:nvPr/>
+      </p:nvGrpSpPr>
+      <p:grpSpPr>
+        <a:xfrm>
+          <a:off x="0" y="0"/>
+          <a:ext cx="0" cy="0"/>
+          <a:chOff x="0" y="0"/>
+          <a:chExt cx="0" cy="0"/>
+        </a:xfrm>
+      </p:grpSpPr>
       <p:pic>
         <p:nvPicPr>
           <p:cNvPr id="1026" name="Picture 2" descr="C:\Users\jkad\Desktop\Trainings\Testing\Key-Steps-in-Automated-Testing.jpg"/>
@@ -10051,43 +11190,6 @@
       </p:sp>
       <p:sp>
         <p:nvSpPr>
-          <p:cNvPr id="2" name="Rectangle 1"/>
-          <p:cNvSpPr/>
-          <p:nvPr/>
-        </p:nvSpPr>
-        <p:spPr>
-          <a:xfrm>
-            <a:off x="2617794" y="4807803"/>
-            <a:ext cx="3270447" cy="369332"/>
-          </a:xfrm>
-          <a:prstGeom prst="rect">
-            <a:avLst/>
-          </a:prstGeom>
-        </p:spPr>
-        <p:txBody>
-          <a:bodyPr wrap="none">
-            <a:spAutoFit/>
-          </a:bodyPr>
-          <a:lstStyle/>
-          <a:p>
-            <a:r>
-              <a:rPr lang="en-US" dirty="0">
-                <a:solidFill>
-                  <a:schemeClr val="tx1">
-                    <a:lumMod val="65000"/>
-                    <a:lumOff val="35000"/>
-                  </a:schemeClr>
-                </a:solidFill>
-                <a:latin typeface="Aharoni" pitchFamily="2" charset="-79"/>
-                <a:cs typeface="Aharoni" pitchFamily="2" charset="-79"/>
-              </a:rPr>
-              <a:t>Iterative Development (RUP)</a:t>
-            </a:r>
-          </a:p>
-        </p:txBody>
-      </p:sp>
-      <p:sp>
-        <p:nvSpPr>
           <p:cNvPr id="16" name="Rectangle 15"/>
           <p:cNvSpPr/>
           <p:nvPr/>
@@ -10191,6 +11293,92 @@
           </a:p>
         </p:txBody>
       </p:sp>
+      <p:sp>
+        <p:nvSpPr>
+          <p:cNvPr id="18" name="Rectangle 17"/>
+          <p:cNvSpPr/>
+          <p:nvPr/>
+        </p:nvSpPr>
+        <p:spPr>
+          <a:xfrm>
+            <a:off x="2617266" y="4803338"/>
+            <a:ext cx="3926932" cy="369332"/>
+          </a:xfrm>
+          <a:prstGeom prst="rect">
+            <a:avLst/>
+          </a:prstGeom>
+        </p:spPr>
+        <p:txBody>
+          <a:bodyPr wrap="square">
+            <a:spAutoFit/>
+          </a:bodyPr>
+          <a:lstStyle/>
+          <a:p>
+            <a:r>
+              <a:rPr lang="en-US" dirty="0">
+                <a:solidFill>
+                  <a:schemeClr val="tx1">
+                    <a:lumMod val="65000"/>
+                    <a:lumOff val="35000"/>
+                  </a:schemeClr>
+                </a:solidFill>
+                <a:latin typeface="Aharoni" pitchFamily="2" charset="-79"/>
+                <a:cs typeface="Aharoni" pitchFamily="2" charset="-79"/>
+              </a:rPr>
+              <a:t>Rational Unified </a:t>
+            </a:r>
+            <a:r>
+              <a:rPr lang="en-US" dirty="0" smtClean="0">
+                <a:solidFill>
+                  <a:schemeClr val="tx1">
+                    <a:lumMod val="65000"/>
+                    <a:lumOff val="35000"/>
+                  </a:schemeClr>
+                </a:solidFill>
+                <a:latin typeface="Aharoni" pitchFamily="2" charset="-79"/>
+                <a:cs typeface="Aharoni" pitchFamily="2" charset="-79"/>
+              </a:rPr>
+              <a:t>Process (</a:t>
+            </a:r>
+            <a:r>
+              <a:rPr lang="en-US" dirty="0">
+                <a:solidFill>
+                  <a:schemeClr val="tx1">
+                    <a:lumMod val="65000"/>
+                    <a:lumOff val="35000"/>
+                  </a:schemeClr>
+                </a:solidFill>
+                <a:latin typeface="Aharoni" pitchFamily="2" charset="-79"/>
+                <a:cs typeface="Aharoni" pitchFamily="2" charset="-79"/>
+              </a:rPr>
+              <a:t>RUP</a:t>
+            </a:r>
+            <a:r>
+              <a:rPr lang="en-US" dirty="0" smtClean="0">
+                <a:solidFill>
+                  <a:schemeClr val="tx1">
+                    <a:lumMod val="65000"/>
+                    <a:lumOff val="35000"/>
+                  </a:schemeClr>
+                </a:solidFill>
+                <a:latin typeface="Aharoni" pitchFamily="2" charset="-79"/>
+                <a:cs typeface="Aharoni" pitchFamily="2" charset="-79"/>
+              </a:rPr>
+              <a:t>)</a:t>
+            </a:r>
+            <a:endParaRPr lang="en-US" dirty="0">
+              <a:solidFill>
+                <a:schemeClr val="tx1">
+                  <a:lumMod val="65000"/>
+                  <a:lumOff val="35000"/>
+                </a:schemeClr>
+              </a:solidFill>
+              <a:latin typeface="Aharoni" pitchFamily="2" charset="-79"/>
+              <a:cs typeface="Aharoni" pitchFamily="2" charset="-79"/>
+            </a:endParaRPr>
+          </a:p>
+        </p:txBody>
+      </p:sp>
     </p:spTree>
     <p:extLst>
       <p:ext uri="{BB962C8B-B14F-4D97-AF65-F5344CB8AC3E}">
@@ -10211,7 +11399,7 @@
 </p:sld>
 </file>
 
-<file path=ppt/slides/slide22.xml><?xml version="1.0" encoding="utf-8"?>
+<file path=ppt/slides/slide24.xml><?xml version="1.0" encoding="utf-8"?>
 <p:sld xmlns:a="http://schemas.openxmlformats.org/drawingml/2006/main" xmlns:r="http://schemas.openxmlformats.org/officeDocument/2006/relationships" xmlns:p="http://schemas.openxmlformats.org/presentationml/2006/main">
   <p:cSld>
     <p:spTree>
@@ -12792,11 +13980,7 @@
             </a:r>
             <a:r>
               <a:rPr lang="ru-RU" sz="2400" dirty="0" smtClean="0"/>
-              <a:t>: </a:t>
-            </a:r>
-            <a:r>
-              <a:rPr lang="ru-RU" sz="2400" dirty="0" smtClean="0"/>
-              <a:t>готовое решение</a:t>
+              <a:t>: готовое решение</a:t>
             </a:r>
           </a:p>
         </p:txBody>
@@ -12846,7 +14030,7 @@
         </p:nvSpPr>
         <p:spPr>
           <a:xfrm>
-            <a:off x="2298026" y="2133600"/>
+            <a:off x="1626361" y="2844064"/>
             <a:ext cx="1747090" cy="422318"/>
           </a:xfrm>
           <a:prstGeom prst="rect">
@@ -12915,7 +14099,7 @@
         </p:nvSpPr>
         <p:spPr>
           <a:xfrm>
-            <a:off x="2821514" y="3085873"/>
+            <a:off x="2662701" y="3612680"/>
             <a:ext cx="1612699" cy="422318"/>
           </a:xfrm>
           <a:prstGeom prst="rect">
@@ -13000,7 +14184,7 @@
         </p:nvSpPr>
         <p:spPr>
           <a:xfrm>
-            <a:off x="3485787" y="4009939"/>
+            <a:off x="3641347" y="4381296"/>
             <a:ext cx="1747090" cy="422318"/>
           </a:xfrm>
           <a:prstGeom prst="rect">
@@ -13069,7 +14253,7 @@
         </p:nvSpPr>
         <p:spPr>
           <a:xfrm>
-            <a:off x="4220614" y="4883514"/>
+            <a:off x="4821987" y="5159344"/>
             <a:ext cx="1747090" cy="422318"/>
           </a:xfrm>
           <a:prstGeom prst="rect">
@@ -13138,7 +14322,7 @@
         </p:nvSpPr>
         <p:spPr>
           <a:xfrm>
-            <a:off x="5079159" y="5791200"/>
+            <a:off x="5695532" y="5968406"/>
             <a:ext cx="1747090" cy="422318"/>
           </a:xfrm>
           <a:prstGeom prst="rect">
@@ -13207,7 +14391,7 @@
         </p:nvSpPr>
         <p:spPr>
           <a:xfrm>
-            <a:off x="1619672" y="1257246"/>
+            <a:off x="611560" y="2132856"/>
             <a:ext cx="1747090" cy="422318"/>
           </a:xfrm>
           <a:prstGeom prst="rect">
@@ -13279,12 +14463,12 @@
         </p:nvCxnSpPr>
         <p:spPr>
           <a:xfrm>
-            <a:off x="3366762" y="1468405"/>
-            <a:ext cx="678354" cy="876354"/>
+            <a:off x="2358650" y="2344015"/>
+            <a:ext cx="1014801" cy="711208"/>
           </a:xfrm>
           <a:prstGeom prst="curvedConnector3">
             <a:avLst>
-              <a:gd name="adj1" fmla="val 133699"/>
+              <a:gd name="adj1" fmla="val 122527"/>
             </a:avLst>
           </a:prstGeom>
           <a:ln w="12700">
@@ -13324,12 +14508,12 @@
         </p:nvCxnSpPr>
         <p:spPr>
           <a:xfrm>
-            <a:off x="4045116" y="2344759"/>
-            <a:ext cx="389097" cy="952273"/>
+            <a:off x="3373451" y="3055223"/>
+            <a:ext cx="901949" cy="768616"/>
           </a:xfrm>
           <a:prstGeom prst="curvedConnector3">
             <a:avLst>
-              <a:gd name="adj1" fmla="val 158751"/>
+              <a:gd name="adj1" fmla="val 125345"/>
             </a:avLst>
           </a:prstGeom>
           <a:ln w="12700">
@@ -13369,12 +14553,12 @@
         </p:nvCxnSpPr>
         <p:spPr>
           <a:xfrm>
-            <a:off x="4434213" y="3297032"/>
-            <a:ext cx="798664" cy="924066"/>
+            <a:off x="4275400" y="3823839"/>
+            <a:ext cx="1113037" cy="768616"/>
           </a:xfrm>
           <a:prstGeom prst="curvedConnector3">
             <a:avLst>
-              <a:gd name="adj1" fmla="val 128623"/>
+              <a:gd name="adj1" fmla="val 120538"/>
             </a:avLst>
           </a:prstGeom>
           <a:ln w="12700">
@@ -13414,12 +14598,12 @@
         </p:nvCxnSpPr>
         <p:spPr>
           <a:xfrm>
-            <a:off x="5232877" y="4221098"/>
-            <a:ext cx="734827" cy="873575"/>
+            <a:off x="5388437" y="4592455"/>
+            <a:ext cx="1180640" cy="778048"/>
           </a:xfrm>
           <a:prstGeom prst="curvedConnector3">
             <a:avLst>
-              <a:gd name="adj1" fmla="val 131109"/>
+              <a:gd name="adj1" fmla="val 119362"/>
             </a:avLst>
           </a:prstGeom>
           <a:ln w="12700">
@@ -13459,12 +14643,12 @@
         </p:nvCxnSpPr>
         <p:spPr>
           <a:xfrm>
-            <a:off x="5967704" y="5094673"/>
-            <a:ext cx="858545" cy="907686"/>
+            <a:off x="6569077" y="5370503"/>
+            <a:ext cx="873545" cy="809062"/>
           </a:xfrm>
           <a:prstGeom prst="curvedConnector3">
             <a:avLst>
-              <a:gd name="adj1" fmla="val 126626"/>
+              <a:gd name="adj1" fmla="val 126169"/>
             </a:avLst>
           </a:prstGeom>
           <a:ln w="12700">
@@ -13501,8 +14685,8 @@
         </p:nvSpPr>
         <p:spPr>
           <a:xfrm>
-            <a:off x="596955" y="404664"/>
-            <a:ext cx="8326062" cy="584775"/>
+            <a:off x="3093152" y="188640"/>
+            <a:ext cx="3016340" cy="584775"/>
           </a:xfrm>
           <a:prstGeom prst="rect">
             <a:avLst/>
@@ -13515,34 +14699,60 @@
           </a:bodyPr>
           <a:lstStyle/>
           <a:p>
-            <a:r>
-              <a:rPr lang="ru-RU" sz="3200" dirty="0" smtClean="0">
-                <a:solidFill>
-                  <a:schemeClr val="tx1">
-                    <a:lumMod val="65000"/>
-                    <a:lumOff val="35000"/>
+            <a:pPr algn="ctr"/>
+            <a:r>
+              <a:rPr lang="en-US" sz="3200" dirty="0" smtClean="0">
+                <a:solidFill>
+                  <a:schemeClr val="tx1">
+                    <a:lumMod val="50000"/>
+                    <a:lumOff val="50000"/>
                   </a:schemeClr>
                 </a:solidFill>
                 <a:latin typeface="Arial" panose="020B0604020202020204" pitchFamily="34" charset="0"/>
                 <a:cs typeface="Arial" panose="020B0604020202020204" pitchFamily="34" charset="0"/>
               </a:rPr>
-              <a:t>Традиционные подходы к разработке ПО</a:t>
+              <a:t>Waterfall model</a:t>
             </a:r>
             <a:endParaRPr lang="en-US" sz="3000" dirty="0">
               <a:solidFill>
                 <a:schemeClr val="tx1">
-                  <a:lumMod val="65000"/>
-                  <a:lumOff val="35000"/>
+                  <a:lumMod val="50000"/>
+                  <a:lumOff val="50000"/>
                 </a:schemeClr>
               </a:solidFill>
-              <a:effectLst>
-                <a:outerShdw blurRad="38100" dist="38100" dir="2700000" algn="tl">
-                  <a:srgbClr val="000000">
-                    <a:alpha val="43137"/>
-                  </a:srgbClr>
-                </a:outerShdw>
-              </a:effectLst>
             </a:endParaRPr>
+          </a:p>
+        </p:txBody>
+      </p:sp>
+      <p:sp>
+        <p:nvSpPr>
+          <p:cNvPr id="33" name="Rectangle 32"/>
+          <p:cNvSpPr/>
+          <p:nvPr/>
+        </p:nvSpPr>
+        <p:spPr>
+          <a:xfrm>
+            <a:off x="467544" y="1210627"/>
+            <a:ext cx="7321996" cy="369332"/>
+          </a:xfrm>
+          <a:prstGeom prst="rect">
+            <a:avLst/>
+          </a:prstGeom>
+        </p:spPr>
+        <p:txBody>
+          <a:bodyPr wrap="square">
+            <a:spAutoFit/>
+          </a:bodyPr>
+          <a:lstStyle/>
+          <a:p>
+            <a:r>
+              <a:rPr lang="en-US" dirty="0" smtClean="0"/>
+              <a:t>Each </a:t>
+            </a:r>
+            <a:r>
+              <a:rPr lang="en-US" dirty="0"/>
+              <a:t>phase must be completed fully before the next phase can begin. </a:t>
+            </a:r>
           </a:p>
         </p:txBody>
       </p:sp>
@@ -13585,14 +14795,237 @@
       </p:grpSpPr>
       <p:sp>
         <p:nvSpPr>
+          <p:cNvPr id="2" name="Title 1"/>
+          <p:cNvSpPr>
+            <a:spLocks noGrp="1"/>
+          </p:cNvSpPr>
+          <p:nvPr>
+            <p:ph type="title"/>
+          </p:nvPr>
+        </p:nvSpPr>
+        <p:spPr>
+          <a:xfrm>
+            <a:off x="2627784" y="260648"/>
+            <a:ext cx="8229600" cy="1143000"/>
+          </a:xfrm>
+        </p:spPr>
+        <p:txBody>
+          <a:bodyPr>
+            <a:normAutofit fontScale="90000"/>
+          </a:bodyPr>
+          <a:lstStyle/>
+          <a:p>
+            <a:r>
+              <a:rPr lang="en-US" sz="3600" dirty="0">
+                <a:solidFill>
+                  <a:schemeClr val="tx1">
+                    <a:lumMod val="50000"/>
+                    <a:lumOff val="50000"/>
+                  </a:schemeClr>
+                </a:solidFill>
+                <a:latin typeface="Arial" panose="020B0604020202020204" pitchFamily="34" charset="0"/>
+                <a:cs typeface="Arial" panose="020B0604020202020204" pitchFamily="34" charset="0"/>
+              </a:rPr>
+              <a:t>Waterfall model</a:t>
+            </a:r>
+            <a:r>
+              <a:rPr lang="en-US" dirty="0">
+                <a:solidFill>
+                  <a:schemeClr val="tx1">
+                    <a:lumMod val="50000"/>
+                    <a:lumOff val="50000"/>
+                  </a:schemeClr>
+                </a:solidFill>
+              </a:rPr>
+              <a:t/>
+            </a:r>
+            <a:br>
+              <a:rPr lang="en-US" dirty="0">
+                <a:solidFill>
+                  <a:schemeClr val="tx1">
+                    <a:lumMod val="50000"/>
+                    <a:lumOff val="50000"/>
+                  </a:schemeClr>
+                </a:solidFill>
+              </a:rPr>
+            </a:br>
+            <a:endParaRPr lang="en-US" dirty="0"/>
+          </a:p>
+        </p:txBody>
+      </p:sp>
+      <p:sp>
+        <p:nvSpPr>
+          <p:cNvPr id="3" name="Content Placeholder 2"/>
+          <p:cNvSpPr>
+            <a:spLocks noGrp="1"/>
+          </p:cNvSpPr>
+          <p:nvPr>
+            <p:ph idx="1"/>
+          </p:nvPr>
+        </p:nvSpPr>
+        <p:spPr>
+          <a:xfrm>
+            <a:off x="457200" y="908720"/>
+            <a:ext cx="8229600" cy="5217443"/>
+          </a:xfrm>
+        </p:spPr>
+        <p:txBody>
+          <a:bodyPr>
+            <a:normAutofit fontScale="55000" lnSpcReduction="20000"/>
+          </a:bodyPr>
+          <a:lstStyle/>
+          <a:p>
+            <a:pPr marL="0" indent="0">
+              <a:buNone/>
+            </a:pPr>
+            <a:r>
+              <a:rPr lang="en-US" b="1" dirty="0"/>
+              <a:t>Advantages of waterfall model:</a:t>
+            </a:r>
+            <a:br>
+              <a:rPr lang="en-US" b="1" dirty="0"/>
+            </a:br>
+            <a:endParaRPr lang="en-US" dirty="0"/>
+          </a:p>
+          <a:p>
+            <a:r>
+              <a:rPr lang="en-US" dirty="0"/>
+              <a:t>This model is simple and easy to understand and use.</a:t>
+            </a:r>
+          </a:p>
+          <a:p>
+            <a:r>
+              <a:rPr lang="en-US" dirty="0"/>
+              <a:t>It is easy to manage due to the rigidity of the model – each phase has specific deliverables and a review process.</a:t>
+            </a:r>
+          </a:p>
+          <a:p>
+            <a:r>
+              <a:rPr lang="en-US" dirty="0"/>
+              <a:t>In this model phases are processed and completed one at a time. Phases do not overlap.</a:t>
+            </a:r>
+          </a:p>
+          <a:p>
+            <a:r>
+              <a:rPr lang="en-US" dirty="0"/>
+              <a:t>Waterfall model works well for smaller projects where requirements are very well understood</a:t>
+            </a:r>
+            <a:r>
+              <a:rPr lang="en-US" dirty="0" smtClean="0"/>
+              <a:t>.</a:t>
+            </a:r>
+          </a:p>
+          <a:p>
+            <a:pPr marL="0" indent="0">
+              <a:buNone/>
+            </a:pPr>
+            <a:endParaRPr lang="en-US" dirty="0"/>
+          </a:p>
+          <a:p>
+            <a:pPr marL="0" indent="0">
+              <a:buNone/>
+            </a:pPr>
+            <a:endParaRPr lang="en-US" dirty="0"/>
+          </a:p>
+          <a:p>
+            <a:pPr marL="0" indent="0">
+              <a:buNone/>
+            </a:pPr>
+            <a:r>
+              <a:rPr lang="en-US" b="1" dirty="0"/>
+              <a:t> Disadvantages of waterfall model:</a:t>
+            </a:r>
+            <a:endParaRPr lang="en-US" dirty="0"/>
+          </a:p>
+          <a:p>
+            <a:r>
+              <a:rPr lang="en-US" dirty="0"/>
+              <a:t>Once an application is in </a:t>
+            </a:r>
+            <a:r>
+              <a:rPr lang="en-US" dirty="0" smtClean="0"/>
+              <a:t>the testing stage</a:t>
+            </a:r>
+            <a:r>
+              <a:rPr lang="en-US" dirty="0"/>
+              <a:t>, it is very difficult to go back and change something that was not well-thought out in the concept stage.</a:t>
+            </a:r>
+          </a:p>
+          <a:p>
+            <a:r>
+              <a:rPr lang="en-US" dirty="0"/>
+              <a:t>No working software is produced until late during the life cycle.</a:t>
+            </a:r>
+          </a:p>
+          <a:p>
+            <a:r>
+              <a:rPr lang="en-US" dirty="0"/>
+              <a:t>High amounts of risk and uncertainty.</a:t>
+            </a:r>
+          </a:p>
+          <a:p>
+            <a:r>
+              <a:rPr lang="en-US" dirty="0"/>
+              <a:t>Not a good model for complex and object-oriented projects.</a:t>
+            </a:r>
+          </a:p>
+          <a:p>
+            <a:r>
+              <a:rPr lang="en-US" dirty="0"/>
+              <a:t>Poor model for long and ongoing projects.</a:t>
+            </a:r>
+          </a:p>
+          <a:p>
+            <a:r>
+              <a:rPr lang="en-US" dirty="0"/>
+              <a:t>Not suitable for the projects where requirements are at a moderate to high risk of changing.</a:t>
+            </a:r>
+          </a:p>
+          <a:p>
+            <a:endParaRPr lang="en-US" dirty="0"/>
+          </a:p>
+        </p:txBody>
+      </p:sp>
+    </p:spTree>
+    <p:extLst>
+      <p:ext uri="{BB962C8B-B14F-4D97-AF65-F5344CB8AC3E}">
+        <p14:creationId xmlns:p14="http://schemas.microsoft.com/office/powerpoint/2010/main" val="3069886742"/>
+      </p:ext>
+    </p:extLst>
+  </p:cSld>
+  <p:clrMapOvr>
+    <a:masterClrMapping/>
+  </p:clrMapOvr>
+</p:sld>
+</file>
+
+<file path=ppt/slides/slide9.xml><?xml version="1.0" encoding="utf-8"?>
+<p:sld xmlns:a="http://schemas.openxmlformats.org/drawingml/2006/main" xmlns:r="http://schemas.openxmlformats.org/officeDocument/2006/relationships" xmlns:p="http://schemas.openxmlformats.org/presentationml/2006/main">
+  <p:cSld>
+    <p:spTree>
+      <p:nvGrpSpPr>
+        <p:cNvPr id="1" name=""/>
+        <p:cNvGrpSpPr/>
+        <p:nvPr/>
+      </p:nvGrpSpPr>
+      <p:grpSpPr>
+        <a:xfrm>
+          <a:off x="0" y="0"/>
+          <a:ext cx="0" cy="0"/>
+          <a:chOff x="0" y="0"/>
+          <a:chExt cx="0" cy="0"/>
+        </a:xfrm>
+      </p:grpSpPr>
+      <p:sp>
+        <p:nvSpPr>
           <p:cNvPr id="4" name="TextBox 3"/>
           <p:cNvSpPr txBox="1"/>
           <p:nvPr/>
         </p:nvSpPr>
         <p:spPr>
           <a:xfrm>
-            <a:off x="596955" y="404664"/>
-            <a:ext cx="8326062" cy="584775"/>
+            <a:off x="3411746" y="188640"/>
+            <a:ext cx="1776448" cy="646331"/>
           </a:xfrm>
           <a:prstGeom prst="rect">
             <a:avLst/>
@@ -13605,24 +15038,23 @@
           </a:bodyPr>
           <a:lstStyle/>
           <a:p>
-            <a:r>
-              <a:rPr lang="ru-RU" sz="3200" dirty="0" smtClean="0">
-                <a:solidFill>
-                  <a:schemeClr val="tx1">
-                    <a:lumMod val="65000"/>
-                    <a:lumOff val="35000"/>
-                  </a:schemeClr>
-                </a:solidFill>
-                <a:latin typeface="Arial" panose="020B0604020202020204" pitchFamily="34" charset="0"/>
-                <a:cs typeface="Arial" panose="020B0604020202020204" pitchFamily="34" charset="0"/>
-              </a:rPr>
-              <a:t>Традиционные подходы к разработке ПО</a:t>
-            </a:r>
-            <a:endParaRPr lang="en-US" sz="3000" dirty="0">
+            <a:pPr algn="ctr"/>
+            <a:r>
+              <a:rPr lang="en-US" sz="3600" dirty="0" smtClean="0">
+                <a:solidFill>
+                  <a:schemeClr val="tx1">
+                    <a:lumMod val="50000"/>
+                    <a:lumOff val="50000"/>
+                  </a:schemeClr>
+                </a:solidFill>
+              </a:rPr>
+              <a:t>V-model</a:t>
+            </a:r>
+            <a:endParaRPr lang="en-US" sz="3600" dirty="0">
               <a:solidFill>
                 <a:schemeClr val="tx1">
-                  <a:lumMod val="65000"/>
-                  <a:lumOff val="35000"/>
+                  <a:lumMod val="50000"/>
+                  <a:lumOff val="50000"/>
                 </a:schemeClr>
               </a:solidFill>
               <a:effectLst>
@@ -13658,7 +15090,7 @@
         </p:blipFill>
         <p:spPr>
           <a:xfrm>
-            <a:off x="1043608" y="1486224"/>
+            <a:off x="1043608" y="1977657"/>
             <a:ext cx="6512724" cy="4103016"/>
           </a:xfrm>
           <a:prstGeom prst="rect">
@@ -13666,793 +15098,16 @@
           </a:prstGeom>
         </p:spPr>
       </p:pic>
-    </p:spTree>
-    <p:extLst>
-      <p:ext uri="{BB962C8B-B14F-4D97-AF65-F5344CB8AC3E}">
-        <p14:creationId xmlns:p14="http://schemas.microsoft.com/office/powerpoint/2010/main" val="1148965532"/>
-      </p:ext>
-    </p:extLst>
-  </p:cSld>
-  <p:clrMapOvr>
-    <a:masterClrMapping/>
-  </p:clrMapOvr>
-  <p:timing>
-    <p:tnLst>
-      <p:par>
-        <p:cTn id="1" dur="indefinite" restart="never" nodeType="tmRoot"/>
-      </p:par>
-    </p:tnLst>
-  </p:timing>
-</p:sld>
-</file>
-
-<file path=ppt/slides/slide9.xml><?xml version="1.0" encoding="utf-8"?>
-<p:sld xmlns:a="http://schemas.openxmlformats.org/drawingml/2006/main" xmlns:r="http://schemas.openxmlformats.org/officeDocument/2006/relationships" xmlns:p="http://schemas.openxmlformats.org/presentationml/2006/main">
-  <p:cSld>
-    <p:spTree>
-      <p:nvGrpSpPr>
-        <p:cNvPr id="1" name=""/>
-        <p:cNvGrpSpPr/>
-        <p:nvPr/>
-      </p:nvGrpSpPr>
-      <p:grpSpPr>
-        <a:xfrm>
-          <a:off x="0" y="0"/>
-          <a:ext cx="0" cy="0"/>
-          <a:chOff x="0" y="0"/>
-          <a:chExt cx="0" cy="0"/>
-        </a:xfrm>
-      </p:grpSpPr>
       <p:sp>
         <p:nvSpPr>
-          <p:cNvPr id="5" name="Rectangle 4"/>
-          <p:cNvSpPr/>
-          <p:nvPr/>
-        </p:nvSpPr>
-        <p:spPr>
-          <a:xfrm>
-            <a:off x="1691680" y="1986930"/>
-            <a:ext cx="1584176" cy="720080"/>
-          </a:xfrm>
-          <a:prstGeom prst="rect">
-            <a:avLst/>
-          </a:prstGeom>
-          <a:noFill/>
-          <a:ln w="12700">
-            <a:solidFill>
-              <a:schemeClr val="tx1">
-                <a:lumMod val="50000"/>
-                <a:lumOff val="50000"/>
-              </a:schemeClr>
-            </a:solidFill>
-          </a:ln>
-        </p:spPr>
-        <p:style>
-          <a:lnRef idx="1">
-            <a:schemeClr val="accent5"/>
-          </a:lnRef>
-          <a:fillRef idx="3">
-            <a:schemeClr val="accent5"/>
-          </a:fillRef>
-          <a:effectRef idx="2">
-            <a:schemeClr val="accent5"/>
-          </a:effectRef>
-          <a:fontRef idx="minor">
-            <a:schemeClr val="lt1"/>
-          </a:fontRef>
-        </p:style>
-        <p:txBody>
-          <a:bodyPr rtlCol="0" anchor="ctr"/>
-          <a:lstStyle/>
-          <a:p>
-            <a:pPr algn="ctr"/>
-            <a:r>
-              <a:rPr lang="en-US" sz="1500" dirty="0">
-                <a:solidFill>
-                  <a:schemeClr val="tx1">
-                    <a:lumMod val="65000"/>
-                    <a:lumOff val="35000"/>
-                  </a:schemeClr>
-                </a:solidFill>
-                <a:latin typeface="Aharoni" pitchFamily="2" charset="-79"/>
-                <a:cs typeface="Aharoni" pitchFamily="2" charset="-79"/>
-              </a:rPr>
-              <a:t>Requirements Gathering</a:t>
-            </a:r>
-          </a:p>
-        </p:txBody>
-      </p:sp>
-      <p:cxnSp>
-        <p:nvCxnSpPr>
-          <p:cNvPr id="7" name="Straight Arrow Connector 6"/>
-          <p:cNvCxnSpPr>
-            <a:stCxn id="5" idx="3"/>
-            <a:endCxn id="8" idx="1"/>
-          </p:cNvCxnSpPr>
-          <p:nvPr/>
-        </p:nvCxnSpPr>
-        <p:spPr>
-          <a:xfrm flipV="1">
-            <a:off x="3275856" y="2338611"/>
-            <a:ext cx="720080" cy="8359"/>
-          </a:xfrm>
-          <a:prstGeom prst="straightConnector1">
-            <a:avLst/>
-          </a:prstGeom>
-          <a:ln w="28575">
-            <a:solidFill>
-              <a:schemeClr val="tx1">
-                <a:lumMod val="50000"/>
-                <a:lumOff val="50000"/>
-              </a:schemeClr>
-            </a:solidFill>
-            <a:tailEnd type="stealth" w="lg" len="lg"/>
-          </a:ln>
-        </p:spPr>
-        <p:style>
-          <a:lnRef idx="1">
-            <a:schemeClr val="accent5"/>
-          </a:lnRef>
-          <a:fillRef idx="3">
-            <a:schemeClr val="accent5"/>
-          </a:fillRef>
-          <a:effectRef idx="2">
-            <a:schemeClr val="accent5"/>
-          </a:effectRef>
-          <a:fontRef idx="minor">
-            <a:schemeClr val="lt1"/>
-          </a:fontRef>
-        </p:style>
-      </p:cxnSp>
-      <p:sp>
-        <p:nvSpPr>
-          <p:cNvPr id="8" name="Rectangle 7"/>
-          <p:cNvSpPr/>
-          <p:nvPr/>
-        </p:nvSpPr>
-        <p:spPr>
-          <a:xfrm>
-            <a:off x="3995936" y="1978571"/>
-            <a:ext cx="1584176" cy="720080"/>
-          </a:xfrm>
-          <a:prstGeom prst="rect">
-            <a:avLst/>
-          </a:prstGeom>
-          <a:noFill/>
-          <a:ln w="12700">
-            <a:solidFill>
-              <a:schemeClr val="tx1">
-                <a:lumMod val="50000"/>
-                <a:lumOff val="50000"/>
-              </a:schemeClr>
-            </a:solidFill>
-          </a:ln>
-        </p:spPr>
-        <p:style>
-          <a:lnRef idx="1">
-            <a:schemeClr val="accent5"/>
-          </a:lnRef>
-          <a:fillRef idx="3">
-            <a:schemeClr val="accent5"/>
-          </a:fillRef>
-          <a:effectRef idx="2">
-            <a:schemeClr val="accent5"/>
-          </a:effectRef>
-          <a:fontRef idx="minor">
-            <a:schemeClr val="lt1"/>
-          </a:fontRef>
-        </p:style>
-        <p:txBody>
-          <a:bodyPr rtlCol="0" anchor="ctr"/>
-          <a:lstStyle/>
-          <a:p>
-            <a:pPr algn="ctr"/>
-            <a:r>
-              <a:rPr lang="en-US" sz="1500" dirty="0">
-                <a:solidFill>
-                  <a:schemeClr val="tx1">
-                    <a:lumMod val="65000"/>
-                    <a:lumOff val="35000"/>
-                  </a:schemeClr>
-                </a:solidFill>
-                <a:latin typeface="Aharoni" pitchFamily="2" charset="-79"/>
-                <a:cs typeface="Aharoni" pitchFamily="2" charset="-79"/>
-              </a:rPr>
-              <a:t>Quick Design</a:t>
-            </a:r>
-          </a:p>
-        </p:txBody>
-      </p:sp>
-      <p:sp>
-        <p:nvSpPr>
-          <p:cNvPr id="9" name="Rectangle 8"/>
-          <p:cNvSpPr/>
-          <p:nvPr/>
-        </p:nvSpPr>
-        <p:spPr>
-          <a:xfrm>
-            <a:off x="6339061" y="1986930"/>
-            <a:ext cx="1584176" cy="720080"/>
-          </a:xfrm>
-          <a:prstGeom prst="rect">
-            <a:avLst/>
-          </a:prstGeom>
-          <a:noFill/>
-          <a:ln w="12700">
-            <a:solidFill>
-              <a:schemeClr val="tx1">
-                <a:lumMod val="50000"/>
-                <a:lumOff val="50000"/>
-              </a:schemeClr>
-            </a:solidFill>
-          </a:ln>
-        </p:spPr>
-        <p:style>
-          <a:lnRef idx="1">
-            <a:schemeClr val="accent5"/>
-          </a:lnRef>
-          <a:fillRef idx="3">
-            <a:schemeClr val="accent5"/>
-          </a:fillRef>
-          <a:effectRef idx="2">
-            <a:schemeClr val="accent5"/>
-          </a:effectRef>
-          <a:fontRef idx="minor">
-            <a:schemeClr val="lt1"/>
-          </a:fontRef>
-        </p:style>
-        <p:txBody>
-          <a:bodyPr rtlCol="0" anchor="ctr"/>
-          <a:lstStyle/>
-          <a:p>
-            <a:pPr algn="ctr"/>
-            <a:r>
-              <a:rPr lang="en-US" sz="1500" dirty="0">
-                <a:solidFill>
-                  <a:schemeClr val="tx1">
-                    <a:lumMod val="65000"/>
-                    <a:lumOff val="35000"/>
-                  </a:schemeClr>
-                </a:solidFill>
-                <a:latin typeface="Aharoni" pitchFamily="2" charset="-79"/>
-                <a:cs typeface="Aharoni" pitchFamily="2" charset="-79"/>
-              </a:rPr>
-              <a:t>Building Prototype</a:t>
-            </a:r>
-          </a:p>
-        </p:txBody>
-      </p:sp>
-      <p:sp>
-        <p:nvSpPr>
-          <p:cNvPr id="10" name="Rectangle 9"/>
-          <p:cNvSpPr/>
-          <p:nvPr/>
-        </p:nvSpPr>
-        <p:spPr>
-          <a:xfrm>
-            <a:off x="6339061" y="3499098"/>
-            <a:ext cx="1584176" cy="720080"/>
-          </a:xfrm>
-          <a:prstGeom prst="rect">
-            <a:avLst/>
-          </a:prstGeom>
-          <a:noFill/>
-          <a:ln w="12700">
-            <a:solidFill>
-              <a:schemeClr val="tx1">
-                <a:lumMod val="50000"/>
-                <a:lumOff val="50000"/>
-              </a:schemeClr>
-            </a:solidFill>
-          </a:ln>
-        </p:spPr>
-        <p:style>
-          <a:lnRef idx="1">
-            <a:schemeClr val="accent5"/>
-          </a:lnRef>
-          <a:fillRef idx="3">
-            <a:schemeClr val="accent5"/>
-          </a:fillRef>
-          <a:effectRef idx="2">
-            <a:schemeClr val="accent5"/>
-          </a:effectRef>
-          <a:fontRef idx="minor">
-            <a:schemeClr val="lt1"/>
-          </a:fontRef>
-        </p:style>
-        <p:txBody>
-          <a:bodyPr rtlCol="0" anchor="ctr"/>
-          <a:lstStyle/>
-          <a:p>
-            <a:pPr algn="ctr"/>
-            <a:r>
-              <a:rPr lang="en-US" sz="1500" dirty="0">
-                <a:solidFill>
-                  <a:schemeClr val="tx1">
-                    <a:lumMod val="65000"/>
-                    <a:lumOff val="35000"/>
-                  </a:schemeClr>
-                </a:solidFill>
-                <a:latin typeface="Aharoni" pitchFamily="2" charset="-79"/>
-                <a:cs typeface="Aharoni" pitchFamily="2" charset="-79"/>
-              </a:rPr>
-              <a:t>Customer Evaluation</a:t>
-            </a:r>
-          </a:p>
-        </p:txBody>
-      </p:sp>
-      <p:sp>
-        <p:nvSpPr>
-          <p:cNvPr id="11" name="Rectangle 10"/>
-          <p:cNvSpPr/>
-          <p:nvPr/>
-        </p:nvSpPr>
-        <p:spPr>
-          <a:xfrm>
-            <a:off x="3995936" y="3499098"/>
-            <a:ext cx="1584176" cy="720080"/>
-          </a:xfrm>
-          <a:prstGeom prst="rect">
-            <a:avLst/>
-          </a:prstGeom>
-          <a:noFill/>
-          <a:ln w="12700">
-            <a:solidFill>
-              <a:schemeClr val="tx1">
-                <a:lumMod val="50000"/>
-                <a:lumOff val="50000"/>
-              </a:schemeClr>
-            </a:solidFill>
-          </a:ln>
-        </p:spPr>
-        <p:style>
-          <a:lnRef idx="1">
-            <a:schemeClr val="accent5"/>
-          </a:lnRef>
-          <a:fillRef idx="3">
-            <a:schemeClr val="accent5"/>
-          </a:fillRef>
-          <a:effectRef idx="2">
-            <a:schemeClr val="accent5"/>
-          </a:effectRef>
-          <a:fontRef idx="minor">
-            <a:schemeClr val="lt1"/>
-          </a:fontRef>
-        </p:style>
-        <p:txBody>
-          <a:bodyPr rtlCol="0" anchor="ctr"/>
-          <a:lstStyle/>
-          <a:p>
-            <a:pPr algn="ctr"/>
-            <a:r>
-              <a:rPr lang="en-US" sz="1500" dirty="0">
-                <a:solidFill>
-                  <a:schemeClr val="tx1">
-                    <a:lumMod val="65000"/>
-                    <a:lumOff val="35000"/>
-                  </a:schemeClr>
-                </a:solidFill>
-                <a:latin typeface="Aharoni" pitchFamily="2" charset="-79"/>
-                <a:cs typeface="Aharoni" pitchFamily="2" charset="-79"/>
-              </a:rPr>
-              <a:t>Refining Prototype</a:t>
-            </a:r>
-          </a:p>
-        </p:txBody>
-      </p:sp>
-      <p:sp>
-        <p:nvSpPr>
-          <p:cNvPr id="12" name="Rectangle 11"/>
-          <p:cNvSpPr/>
-          <p:nvPr/>
-        </p:nvSpPr>
-        <p:spPr>
-          <a:xfrm>
-            <a:off x="1691680" y="3501008"/>
-            <a:ext cx="1584176" cy="720080"/>
-          </a:xfrm>
-          <a:prstGeom prst="rect">
-            <a:avLst/>
-          </a:prstGeom>
-          <a:noFill/>
-          <a:ln w="12700">
-            <a:solidFill>
-              <a:schemeClr val="tx1">
-                <a:lumMod val="50000"/>
-                <a:lumOff val="50000"/>
-              </a:schemeClr>
-            </a:solidFill>
-          </a:ln>
-        </p:spPr>
-        <p:style>
-          <a:lnRef idx="1">
-            <a:schemeClr val="accent5"/>
-          </a:lnRef>
-          <a:fillRef idx="3">
-            <a:schemeClr val="accent5"/>
-          </a:fillRef>
-          <a:effectRef idx="2">
-            <a:schemeClr val="accent5"/>
-          </a:effectRef>
-          <a:fontRef idx="minor">
-            <a:schemeClr val="lt1"/>
-          </a:fontRef>
-        </p:style>
-        <p:txBody>
-          <a:bodyPr rtlCol="0" anchor="ctr"/>
-          <a:lstStyle/>
-          <a:p>
-            <a:pPr algn="ctr"/>
-            <a:r>
-              <a:rPr lang="en-US" sz="1500" dirty="0" smtClean="0">
-                <a:solidFill>
-                  <a:schemeClr val="tx1">
-                    <a:lumMod val="65000"/>
-                    <a:lumOff val="35000"/>
-                  </a:schemeClr>
-                </a:solidFill>
-                <a:latin typeface="Aharoni" pitchFamily="2" charset="-79"/>
-                <a:cs typeface="Aharoni" pitchFamily="2" charset="-79"/>
-              </a:rPr>
-              <a:t>Product</a:t>
-            </a:r>
-          </a:p>
-          <a:p>
-            <a:pPr algn="ctr"/>
-            <a:r>
-              <a:rPr lang="en-US" sz="1500" dirty="0" smtClean="0">
-                <a:solidFill>
-                  <a:schemeClr val="tx1">
-                    <a:lumMod val="65000"/>
-                    <a:lumOff val="35000"/>
-                  </a:schemeClr>
-                </a:solidFill>
-                <a:latin typeface="Aharoni" pitchFamily="2" charset="-79"/>
-                <a:cs typeface="Aharoni" pitchFamily="2" charset="-79"/>
-              </a:rPr>
-              <a:t>Development</a:t>
-            </a:r>
-            <a:endParaRPr lang="ru-RU" sz="1500" dirty="0" smtClean="0">
-              <a:solidFill>
-                <a:schemeClr val="tx1">
-                  <a:lumMod val="65000"/>
-                  <a:lumOff val="35000"/>
-                </a:schemeClr>
-              </a:solidFill>
-              <a:latin typeface="Aharoni" pitchFamily="2" charset="-79"/>
-              <a:cs typeface="Aharoni" pitchFamily="2" charset="-79"/>
-            </a:endParaRPr>
-          </a:p>
-          <a:p>
-            <a:pPr algn="ctr"/>
-            <a:r>
-              <a:rPr lang="en-US" sz="1500" dirty="0" smtClean="0">
-                <a:solidFill>
-                  <a:schemeClr val="tx1">
-                    <a:lumMod val="65000"/>
-                    <a:lumOff val="35000"/>
-                  </a:schemeClr>
-                </a:solidFill>
-                <a:latin typeface="Aharoni" pitchFamily="2" charset="-79"/>
-                <a:cs typeface="Aharoni" pitchFamily="2" charset="-79"/>
-              </a:rPr>
-              <a:t>and Testing</a:t>
-            </a:r>
-            <a:endParaRPr lang="en-US" sz="1500" dirty="0">
-              <a:solidFill>
-                <a:schemeClr val="tx1">
-                  <a:lumMod val="65000"/>
-                  <a:lumOff val="35000"/>
-                </a:schemeClr>
-              </a:solidFill>
-              <a:latin typeface="Aharoni" pitchFamily="2" charset="-79"/>
-              <a:cs typeface="Aharoni" pitchFamily="2" charset="-79"/>
-            </a:endParaRPr>
-          </a:p>
-        </p:txBody>
-      </p:sp>
-      <p:cxnSp>
-        <p:nvCxnSpPr>
-          <p:cNvPr id="13" name="Straight Arrow Connector 12"/>
-          <p:cNvCxnSpPr>
-            <a:stCxn id="8" idx="3"/>
-            <a:endCxn id="9" idx="1"/>
-          </p:cNvCxnSpPr>
-          <p:nvPr/>
-        </p:nvCxnSpPr>
-        <p:spPr>
-          <a:xfrm>
-            <a:off x="5580112" y="2338611"/>
-            <a:ext cx="758949" cy="8359"/>
-          </a:xfrm>
-          <a:prstGeom prst="straightConnector1">
-            <a:avLst/>
-          </a:prstGeom>
-          <a:ln w="28575">
-            <a:solidFill>
-              <a:schemeClr val="tx1">
-                <a:lumMod val="50000"/>
-                <a:lumOff val="50000"/>
-              </a:schemeClr>
-            </a:solidFill>
-            <a:tailEnd type="stealth" w="lg" len="lg"/>
-          </a:ln>
-        </p:spPr>
-        <p:style>
-          <a:lnRef idx="1">
-            <a:schemeClr val="accent5"/>
-          </a:lnRef>
-          <a:fillRef idx="3">
-            <a:schemeClr val="accent5"/>
-          </a:fillRef>
-          <a:effectRef idx="2">
-            <a:schemeClr val="accent5"/>
-          </a:effectRef>
-          <a:fontRef idx="minor">
-            <a:schemeClr val="lt1"/>
-          </a:fontRef>
-        </p:style>
-      </p:cxnSp>
-      <p:cxnSp>
-        <p:nvCxnSpPr>
-          <p:cNvPr id="16" name="Straight Arrow Connector 15"/>
-          <p:cNvCxnSpPr>
-            <a:endCxn id="5" idx="1"/>
-          </p:cNvCxnSpPr>
-          <p:nvPr/>
-        </p:nvCxnSpPr>
-        <p:spPr>
-          <a:xfrm>
-            <a:off x="971600" y="2346970"/>
-            <a:ext cx="720080" cy="0"/>
-          </a:xfrm>
-          <a:prstGeom prst="straightConnector1">
-            <a:avLst/>
-          </a:prstGeom>
-          <a:ln w="28575">
-            <a:solidFill>
-              <a:schemeClr val="tx1">
-                <a:lumMod val="50000"/>
-                <a:lumOff val="50000"/>
-              </a:schemeClr>
-            </a:solidFill>
-            <a:tailEnd type="stealth" w="lg" len="lg"/>
-          </a:ln>
-        </p:spPr>
-        <p:style>
-          <a:lnRef idx="1">
-            <a:schemeClr val="accent5"/>
-          </a:lnRef>
-          <a:fillRef idx="3">
-            <a:schemeClr val="accent5"/>
-          </a:fillRef>
-          <a:effectRef idx="2">
-            <a:schemeClr val="accent5"/>
-          </a:effectRef>
-          <a:fontRef idx="minor">
-            <a:schemeClr val="lt1"/>
-          </a:fontRef>
-        </p:style>
-      </p:cxnSp>
-      <p:cxnSp>
-        <p:nvCxnSpPr>
-          <p:cNvPr id="25" name="Straight Arrow Connector 24"/>
-          <p:cNvCxnSpPr>
-            <a:stCxn id="9" idx="2"/>
-            <a:endCxn id="10" idx="0"/>
-          </p:cNvCxnSpPr>
-          <p:nvPr/>
-        </p:nvCxnSpPr>
-        <p:spPr>
-          <a:xfrm>
-            <a:off x="7131149" y="2707010"/>
-            <a:ext cx="0" cy="792088"/>
-          </a:xfrm>
-          <a:prstGeom prst="straightConnector1">
-            <a:avLst/>
-          </a:prstGeom>
-          <a:ln w="28575">
-            <a:solidFill>
-              <a:schemeClr val="tx1">
-                <a:lumMod val="50000"/>
-                <a:lumOff val="50000"/>
-              </a:schemeClr>
-            </a:solidFill>
-            <a:tailEnd type="stealth" w="lg" len="lg"/>
-          </a:ln>
-        </p:spPr>
-        <p:style>
-          <a:lnRef idx="1">
-            <a:schemeClr val="accent5"/>
-          </a:lnRef>
-          <a:fillRef idx="3">
-            <a:schemeClr val="accent5"/>
-          </a:fillRef>
-          <a:effectRef idx="2">
-            <a:schemeClr val="accent5"/>
-          </a:effectRef>
-          <a:fontRef idx="minor">
-            <a:schemeClr val="lt1"/>
-          </a:fontRef>
-        </p:style>
-      </p:cxnSp>
-      <p:cxnSp>
-        <p:nvCxnSpPr>
-          <p:cNvPr id="30" name="Straight Arrow Connector 29"/>
-          <p:cNvCxnSpPr>
-            <a:stCxn id="10" idx="1"/>
-            <a:endCxn id="11" idx="3"/>
-          </p:cNvCxnSpPr>
-          <p:nvPr/>
-        </p:nvCxnSpPr>
-        <p:spPr>
-          <a:xfrm flipH="1">
-            <a:off x="5580112" y="3859138"/>
-            <a:ext cx="758949" cy="0"/>
-          </a:xfrm>
-          <a:prstGeom prst="straightConnector1">
-            <a:avLst/>
-          </a:prstGeom>
-          <a:ln w="28575">
-            <a:solidFill>
-              <a:schemeClr val="tx1">
-                <a:lumMod val="50000"/>
-                <a:lumOff val="50000"/>
-              </a:schemeClr>
-            </a:solidFill>
-            <a:tailEnd type="stealth" w="lg" len="lg"/>
-          </a:ln>
-        </p:spPr>
-        <p:style>
-          <a:lnRef idx="1">
-            <a:schemeClr val="accent5"/>
-          </a:lnRef>
-          <a:fillRef idx="3">
-            <a:schemeClr val="accent5"/>
-          </a:fillRef>
-          <a:effectRef idx="2">
-            <a:schemeClr val="accent5"/>
-          </a:effectRef>
-          <a:fontRef idx="minor">
-            <a:schemeClr val="lt1"/>
-          </a:fontRef>
-        </p:style>
-      </p:cxnSp>
-      <p:cxnSp>
-        <p:nvCxnSpPr>
-          <p:cNvPr id="36" name="Straight Arrow Connector 35"/>
-          <p:cNvCxnSpPr>
-            <a:stCxn id="11" idx="1"/>
-            <a:endCxn id="12" idx="3"/>
-          </p:cNvCxnSpPr>
-          <p:nvPr/>
-        </p:nvCxnSpPr>
-        <p:spPr>
-          <a:xfrm flipH="1">
-            <a:off x="3275856" y="3859138"/>
-            <a:ext cx="720080" cy="1910"/>
-          </a:xfrm>
-          <a:prstGeom prst="straightConnector1">
-            <a:avLst/>
-          </a:prstGeom>
-          <a:ln w="28575">
-            <a:solidFill>
-              <a:schemeClr val="tx1">
-                <a:lumMod val="50000"/>
-                <a:lumOff val="50000"/>
-              </a:schemeClr>
-            </a:solidFill>
-            <a:tailEnd type="stealth" w="lg" len="lg"/>
-          </a:ln>
-        </p:spPr>
-        <p:style>
-          <a:lnRef idx="1">
-            <a:schemeClr val="accent5"/>
-          </a:lnRef>
-          <a:fillRef idx="3">
-            <a:schemeClr val="accent5"/>
-          </a:fillRef>
-          <a:effectRef idx="2">
-            <a:schemeClr val="accent5"/>
-          </a:effectRef>
-          <a:fontRef idx="minor">
-            <a:schemeClr val="lt1"/>
-          </a:fontRef>
-        </p:style>
-      </p:cxnSp>
-      <p:cxnSp>
-        <p:nvCxnSpPr>
-          <p:cNvPr id="43" name="Straight Arrow Connector 42"/>
-          <p:cNvCxnSpPr>
-            <a:stCxn id="12" idx="1"/>
-          </p:cNvCxnSpPr>
-          <p:nvPr/>
-        </p:nvCxnSpPr>
-        <p:spPr>
-          <a:xfrm flipH="1">
-            <a:off x="899592" y="3861048"/>
-            <a:ext cx="792088" cy="372"/>
-          </a:xfrm>
-          <a:prstGeom prst="straightConnector1">
-            <a:avLst/>
-          </a:prstGeom>
-          <a:ln w="28575">
-            <a:solidFill>
-              <a:schemeClr val="tx1">
-                <a:lumMod val="50000"/>
-                <a:lumOff val="50000"/>
-              </a:schemeClr>
-            </a:solidFill>
-            <a:tailEnd type="stealth" w="lg" len="lg"/>
-          </a:ln>
-        </p:spPr>
-        <p:style>
-          <a:lnRef idx="1">
-            <a:schemeClr val="accent5"/>
-          </a:lnRef>
-          <a:fillRef idx="3">
-            <a:schemeClr val="accent5"/>
-          </a:fillRef>
-          <a:effectRef idx="2">
-            <a:schemeClr val="accent5"/>
-          </a:effectRef>
-          <a:fontRef idx="minor">
-            <a:schemeClr val="lt1"/>
-          </a:fontRef>
-        </p:style>
-      </p:cxnSp>
-      <p:cxnSp>
-        <p:nvCxnSpPr>
-          <p:cNvPr id="48" name="Straight Arrow Connector 47"/>
-          <p:cNvCxnSpPr>
-            <a:stCxn id="11" idx="0"/>
-            <a:endCxn id="8" idx="2"/>
-          </p:cNvCxnSpPr>
-          <p:nvPr/>
-        </p:nvCxnSpPr>
-        <p:spPr>
-          <a:xfrm flipV="1">
-            <a:off x="4788024" y="2698651"/>
-            <a:ext cx="0" cy="800447"/>
-          </a:xfrm>
-          <a:prstGeom prst="straightConnector1">
-            <a:avLst/>
-          </a:prstGeom>
-          <a:ln w="28575">
-            <a:solidFill>
-              <a:schemeClr val="tx1">
-                <a:lumMod val="50000"/>
-                <a:lumOff val="50000"/>
-              </a:schemeClr>
-            </a:solidFill>
-            <a:tailEnd type="stealth" w="lg" len="lg"/>
-          </a:ln>
-        </p:spPr>
-        <p:style>
-          <a:lnRef idx="1">
-            <a:schemeClr val="accent5"/>
-          </a:lnRef>
-          <a:fillRef idx="3">
-            <a:schemeClr val="accent5"/>
-          </a:fillRef>
-          <a:effectRef idx="2">
-            <a:schemeClr val="accent5"/>
-          </a:effectRef>
-          <a:fontRef idx="minor">
-            <a:schemeClr val="lt1"/>
-          </a:fontRef>
-        </p:style>
-      </p:cxnSp>
-      <p:sp>
-        <p:nvSpPr>
-          <p:cNvPr id="17" name="TextBox 16"/>
+          <p:cNvPr id="5" name="TextBox 4"/>
           <p:cNvSpPr txBox="1"/>
           <p:nvPr/>
         </p:nvSpPr>
         <p:spPr>
           <a:xfrm>
-            <a:off x="596955" y="404664"/>
-            <a:ext cx="8326062" cy="584775"/>
+            <a:off x="827584" y="834971"/>
+            <a:ext cx="8208912" cy="923330"/>
           </a:xfrm>
           <a:prstGeom prst="rect">
             <a:avLst/>
@@ -14460,46 +15115,33 @@
           <a:noFill/>
         </p:spPr>
         <p:txBody>
-          <a:bodyPr wrap="none" rtlCol="0">
+          <a:bodyPr wrap="square" rtlCol="0">
             <a:spAutoFit/>
           </a:bodyPr>
           <a:lstStyle/>
           <a:p>
             <a:r>
-              <a:rPr lang="ru-RU" sz="3200" dirty="0" smtClean="0">
-                <a:solidFill>
-                  <a:schemeClr val="tx1">
-                    <a:lumMod val="65000"/>
-                    <a:lumOff val="35000"/>
-                  </a:schemeClr>
-                </a:solidFill>
-                <a:latin typeface="Arial" panose="020B0604020202020204" pitchFamily="34" charset="0"/>
-                <a:cs typeface="Arial" panose="020B0604020202020204" pitchFamily="34" charset="0"/>
-              </a:rPr>
-              <a:t>Традиционные подходы к разработке ПО</a:t>
-            </a:r>
-            <a:endParaRPr lang="en-US" sz="3000" dirty="0">
-              <a:solidFill>
-                <a:schemeClr val="tx1">
-                  <a:lumMod val="65000"/>
-                  <a:lumOff val="35000"/>
-                </a:schemeClr>
-              </a:solidFill>
-              <a:effectLst>
-                <a:outerShdw blurRad="38100" dist="38100" dir="2700000" algn="tl">
-                  <a:srgbClr val="000000">
-                    <a:alpha val="43137"/>
-                  </a:srgbClr>
-                </a:outerShdw>
-              </a:effectLst>
-            </a:endParaRPr>
+              <a:rPr lang="en-US" dirty="0"/>
+              <a:t>Each phase must be completed before the next phase begins.  </a:t>
+            </a:r>
+            <a:endParaRPr lang="en-US" dirty="0" smtClean="0"/>
+          </a:p>
+          <a:p>
+            <a:r>
+              <a:rPr lang="en-US" dirty="0" smtClean="0"/>
+              <a:t>Testing </a:t>
+            </a:r>
+            <a:r>
+              <a:rPr lang="en-US" dirty="0"/>
+              <a:t>of the product is planned in parallel with a corresponding phase of development</a:t>
+            </a:r>
           </a:p>
         </p:txBody>
       </p:sp>
     </p:spTree>
     <p:extLst>
       <p:ext uri="{BB962C8B-B14F-4D97-AF65-F5344CB8AC3E}">
-        <p14:creationId xmlns:p14="http://schemas.microsoft.com/office/powerpoint/2010/main" val="802213652"/>
+        <p14:creationId xmlns:p14="http://schemas.microsoft.com/office/powerpoint/2010/main" val="1148965532"/>
       </p:ext>
     </p:extLst>
   </p:cSld>

--- a/6.SDLC/SDLC models.pptx
+++ b/6.SDLC/SDLC models.pptx
@@ -5,7 +5,7 @@
     <p:sldMasterId id="2147483648" r:id="rId1"/>
   </p:sldMasterIdLst>
   <p:handoutMasterIdLst>
-    <p:handoutMasterId r:id="rId26"/>
+    <p:handoutMasterId r:id="rId29"/>
   </p:handoutMasterIdLst>
   <p:sldIdLst>
     <p:sldId id="291" r:id="rId2"/>
@@ -18,20 +18,23 @@
     <p:sldId id="314" r:id="rId9"/>
     <p:sldId id="309" r:id="rId10"/>
     <p:sldId id="315" r:id="rId11"/>
-    <p:sldId id="299" r:id="rId12"/>
-    <p:sldId id="316" r:id="rId13"/>
-    <p:sldId id="311" r:id="rId14"/>
-    <p:sldId id="310" r:id="rId15"/>
-    <p:sldId id="257" r:id="rId16"/>
-    <p:sldId id="312" r:id="rId17"/>
-    <p:sldId id="286" r:id="rId18"/>
-    <p:sldId id="288" r:id="rId19"/>
-    <p:sldId id="281" r:id="rId20"/>
-    <p:sldId id="269" r:id="rId21"/>
-    <p:sldId id="279" r:id="rId22"/>
-    <p:sldId id="282" r:id="rId23"/>
-    <p:sldId id="260" r:id="rId24"/>
-    <p:sldId id="313" r:id="rId25"/>
+    <p:sldId id="319" r:id="rId12"/>
+    <p:sldId id="320" r:id="rId13"/>
+    <p:sldId id="299" r:id="rId14"/>
+    <p:sldId id="316" r:id="rId15"/>
+    <p:sldId id="311" r:id="rId16"/>
+    <p:sldId id="310" r:id="rId17"/>
+    <p:sldId id="257" r:id="rId18"/>
+    <p:sldId id="317" r:id="rId19"/>
+    <p:sldId id="318" r:id="rId20"/>
+    <p:sldId id="321" r:id="rId21"/>
+    <p:sldId id="322" r:id="rId22"/>
+    <p:sldId id="323" r:id="rId23"/>
+    <p:sldId id="324" r:id="rId24"/>
+    <p:sldId id="281" r:id="rId25"/>
+    <p:sldId id="279" r:id="rId26"/>
+    <p:sldId id="260" r:id="rId27"/>
+    <p:sldId id="313" r:id="rId28"/>
   </p:sldIdLst>
   <p:sldSz cx="9144000" cy="6858000" type="screen4x3"/>
   <p:notesSz cx="6858000" cy="9144000"/>
@@ -132,7 +135,7 @@
   </p:defaultTextStyle>
   <p:extLst>
     <p:ext uri="{EFAFB233-063F-42B5-8137-9DF3F51BA10A}">
-      <p15:sldGuideLst xmlns:p15="http://schemas.microsoft.com/office/powerpoint/2012/main">
+      <p15:sldGuideLst xmlns:p15="http://schemas.microsoft.com/office/powerpoint/2012/main" xmlns="">
         <p15:guide id="1" orient="horz" pos="2160">
           <p15:clr>
             <a:srgbClr val="A4A3A4"/>
@@ -146,7 +149,7 @@
       </p15:sldGuideLst>
     </p:ext>
     <p:ext uri="{2D200454-40CA-4A62-9FC3-DE9A4176ACB9}">
-      <p15:notesGuideLst xmlns:p15="http://schemas.microsoft.com/office/powerpoint/2012/main"/>
+      <p15:notesGuideLst xmlns:p15="http://schemas.microsoft.com/office/powerpoint/2012/main" xmlns=""/>
     </p:ext>
   </p:extLst>
 </p:presentation>
@@ -3812,6 +3815,388 @@
 </file>
 
 <file path=ppt/slides/slide11.xml><?xml version="1.0" encoding="utf-8"?>
+<p:sld xmlns:a="http://schemas.openxmlformats.org/drawingml/2006/main" xmlns:r="http://schemas.openxmlformats.org/officeDocument/2006/relationships" xmlns:p="http://schemas.openxmlformats.org/presentationml/2006/main">
+  <p:cSld>
+    <p:spTree>
+      <p:nvGrpSpPr>
+        <p:cNvPr id="1" name=""/>
+        <p:cNvGrpSpPr/>
+        <p:nvPr/>
+      </p:nvGrpSpPr>
+      <p:grpSpPr>
+        <a:xfrm>
+          <a:off x="0" y="0"/>
+          <a:ext cx="0" cy="0"/>
+          <a:chOff x="0" y="0"/>
+          <a:chExt cx="0" cy="0"/>
+        </a:xfrm>
+      </p:grpSpPr>
+      <p:sp>
+        <p:nvSpPr>
+          <p:cNvPr id="3" name="Объект 2"/>
+          <p:cNvSpPr>
+            <a:spLocks noGrp="1"/>
+          </p:cNvSpPr>
+          <p:nvPr>
+            <p:ph idx="1"/>
+          </p:nvPr>
+        </p:nvSpPr>
+        <p:spPr>
+          <a:xfrm>
+            <a:off x="539551" y="1196752"/>
+            <a:ext cx="8229600" cy="676671"/>
+          </a:xfrm>
+        </p:spPr>
+        <p:txBody>
+          <a:bodyPr>
+            <a:normAutofit fontScale="62500" lnSpcReduction="20000"/>
+          </a:bodyPr>
+          <a:lstStyle/>
+          <a:p>
+            <a:pPr marL="0" indent="0">
+              <a:buNone/>
+            </a:pPr>
+            <a:r>
+              <a:rPr lang="en-US" dirty="0"/>
+              <a:t>T</a:t>
+            </a:r>
+            <a:r>
+              <a:rPr lang="en-US" dirty="0" smtClean="0"/>
+              <a:t>he </a:t>
+            </a:r>
+            <a:r>
+              <a:rPr lang="en-US" dirty="0"/>
+              <a:t>whole requirement is divided into various builds</a:t>
+            </a:r>
+            <a:r>
+              <a:rPr lang="en-US" dirty="0" smtClean="0"/>
+              <a:t>.</a:t>
+            </a:r>
+          </a:p>
+          <a:p>
+            <a:pPr marL="0" indent="0">
+              <a:buNone/>
+            </a:pPr>
+            <a:r>
+              <a:rPr lang="en-US" dirty="0"/>
+              <a:t>~“multi-waterfall” </a:t>
+            </a:r>
+            <a:r>
+              <a:rPr lang="en-US" dirty="0" smtClean="0"/>
+              <a:t>cycle</a:t>
+            </a:r>
+            <a:endParaRPr lang="en-US" dirty="0"/>
+          </a:p>
+        </p:txBody>
+      </p:sp>
+      <p:sp>
+        <p:nvSpPr>
+          <p:cNvPr id="4" name="TextBox 3"/>
+          <p:cNvSpPr txBox="1"/>
+          <p:nvPr/>
+        </p:nvSpPr>
+        <p:spPr>
+          <a:xfrm>
+            <a:off x="2892326" y="348944"/>
+            <a:ext cx="3554178" cy="584775"/>
+          </a:xfrm>
+          <a:prstGeom prst="rect">
+            <a:avLst/>
+          </a:prstGeom>
+          <a:noFill/>
+        </p:spPr>
+        <p:txBody>
+          <a:bodyPr wrap="none" rtlCol="0">
+            <a:spAutoFit/>
+          </a:bodyPr>
+          <a:lstStyle/>
+          <a:p>
+            <a:pPr algn="ctr"/>
+            <a:r>
+              <a:rPr lang="en-US" sz="3200" dirty="0">
+                <a:solidFill>
+                  <a:schemeClr val="tx1">
+                    <a:lumMod val="65000"/>
+                    <a:lumOff val="35000"/>
+                  </a:schemeClr>
+                </a:solidFill>
+                <a:latin typeface="Arial" panose="020B0604020202020204" pitchFamily="34" charset="0"/>
+                <a:cs typeface="Arial" panose="020B0604020202020204" pitchFamily="34" charset="0"/>
+              </a:rPr>
+              <a:t>Incremental model</a:t>
+            </a:r>
+            <a:endParaRPr lang="en-US" sz="3000" dirty="0">
+              <a:solidFill>
+                <a:schemeClr val="tx1">
+                  <a:lumMod val="65000"/>
+                  <a:lumOff val="35000"/>
+                </a:schemeClr>
+              </a:solidFill>
+              <a:effectLst>
+                <a:outerShdw blurRad="38100" dist="38100" dir="2700000" algn="tl">
+                  <a:srgbClr val="000000">
+                    <a:alpha val="43137"/>
+                  </a:srgbClr>
+                </a:outerShdw>
+              </a:effectLst>
+            </a:endParaRPr>
+          </a:p>
+        </p:txBody>
+      </p:sp>
+      <p:pic>
+        <p:nvPicPr>
+          <p:cNvPr id="2050" name="Picture 2" descr="http://istqbexamcertification.com/wp-content/uploads/2012/01/Incremental_model.jpg"/>
+          <p:cNvPicPr>
+            <a:picLocks noChangeAspect="1" noChangeArrowheads="1"/>
+          </p:cNvPicPr>
+          <p:nvPr/>
+        </p:nvPicPr>
+        <p:blipFill>
+          <a:blip r:embed="rId2">
+            <a:extLst>
+              <a:ext uri="{28A0092B-C50C-407E-A947-70E740481C1C}">
+                <a14:useLocalDpi xmlns:a14="http://schemas.microsoft.com/office/drawing/2010/main" val="0"/>
+              </a:ext>
+            </a:extLst>
+          </a:blip>
+          <a:srcRect/>
+          <a:stretch>
+            <a:fillRect/>
+          </a:stretch>
+        </p:blipFill>
+        <p:spPr bwMode="auto">
+          <a:xfrm>
+            <a:off x="539551" y="2060848"/>
+            <a:ext cx="6825525" cy="3888432"/>
+          </a:xfrm>
+          <a:prstGeom prst="rect">
+            <a:avLst/>
+          </a:prstGeom>
+          <a:noFill/>
+          <a:extLst>
+            <a:ext uri="{909E8E84-426E-40DD-AFC4-6F175D3DCCD1}">
+              <a14:hiddenFill xmlns:a14="http://schemas.microsoft.com/office/drawing/2010/main">
+                <a:solidFill>
+                  <a:srgbClr val="FFFFFF"/>
+                </a:solidFill>
+              </a14:hiddenFill>
+            </a:ext>
+          </a:extLst>
+        </p:spPr>
+      </p:pic>
+    </p:spTree>
+    <p:extLst>
+      <p:ext uri="{BB962C8B-B14F-4D97-AF65-F5344CB8AC3E}">
+        <p14:creationId xmlns:p14="http://schemas.microsoft.com/office/powerpoint/2010/main" val="3545770774"/>
+      </p:ext>
+    </p:extLst>
+  </p:cSld>
+  <p:clrMapOvr>
+    <a:masterClrMapping/>
+  </p:clrMapOvr>
+</p:sld>
+</file>
+
+<file path=ppt/slides/slide12.xml><?xml version="1.0" encoding="utf-8"?>
+<p:sld xmlns:a="http://schemas.openxmlformats.org/drawingml/2006/main" xmlns:r="http://schemas.openxmlformats.org/officeDocument/2006/relationships" xmlns:p="http://schemas.openxmlformats.org/presentationml/2006/main">
+  <p:cSld>
+    <p:spTree>
+      <p:nvGrpSpPr>
+        <p:cNvPr id="1" name=""/>
+        <p:cNvGrpSpPr/>
+        <p:nvPr/>
+      </p:nvGrpSpPr>
+      <p:grpSpPr>
+        <a:xfrm>
+          <a:off x="0" y="0"/>
+          <a:ext cx="0" cy="0"/>
+          <a:chOff x="0" y="0"/>
+          <a:chExt cx="0" cy="0"/>
+        </a:xfrm>
+      </p:grpSpPr>
+      <p:sp>
+        <p:nvSpPr>
+          <p:cNvPr id="3" name="Объект 2"/>
+          <p:cNvSpPr>
+            <a:spLocks noGrp="1"/>
+          </p:cNvSpPr>
+          <p:nvPr>
+            <p:ph idx="1"/>
+          </p:nvPr>
+        </p:nvSpPr>
+        <p:spPr>
+          <a:xfrm>
+            <a:off x="457200" y="933720"/>
+            <a:ext cx="8229600" cy="5192444"/>
+          </a:xfrm>
+        </p:spPr>
+        <p:txBody>
+          <a:bodyPr>
+            <a:normAutofit fontScale="70000" lnSpcReduction="20000"/>
+          </a:bodyPr>
+          <a:lstStyle/>
+          <a:p>
+            <a:pPr marL="0" indent="0">
+              <a:buNone/>
+            </a:pPr>
+            <a:r>
+              <a:rPr lang="en-US" b="1" dirty="0"/>
+              <a:t>Advantages of Incremental model:</a:t>
+            </a:r>
+            <a:endParaRPr lang="en-US" dirty="0"/>
+          </a:p>
+          <a:p>
+            <a:r>
+              <a:rPr lang="en-US" dirty="0"/>
+              <a:t>Generates working software quickly and early during the software life cycle.</a:t>
+            </a:r>
+          </a:p>
+          <a:p>
+            <a:r>
+              <a:rPr lang="en-US" dirty="0"/>
+              <a:t>This model is more flexible – less costly to change scope and requirements.</a:t>
+            </a:r>
+          </a:p>
+          <a:p>
+            <a:r>
+              <a:rPr lang="en-US" dirty="0"/>
+              <a:t>It is easier to test and debug during a smaller iteration.</a:t>
+            </a:r>
+          </a:p>
+          <a:p>
+            <a:r>
+              <a:rPr lang="en-US" dirty="0"/>
+              <a:t>In this model customer can respond to each built.</a:t>
+            </a:r>
+          </a:p>
+          <a:p>
+            <a:r>
+              <a:rPr lang="en-US" dirty="0"/>
+              <a:t>Lowers initial delivery cost.</a:t>
+            </a:r>
+          </a:p>
+          <a:p>
+            <a:r>
+              <a:rPr lang="en-US" dirty="0"/>
+              <a:t>Easier to manage risk because risky pieces are identified and handled during it’d iteration.</a:t>
+            </a:r>
+          </a:p>
+          <a:p>
+            <a:pPr marL="0" indent="0">
+              <a:buNone/>
+            </a:pPr>
+            <a:endParaRPr lang="en-US" b="1" dirty="0" smtClean="0"/>
+          </a:p>
+          <a:p>
+            <a:pPr marL="0" indent="0">
+              <a:buNone/>
+            </a:pPr>
+            <a:r>
+              <a:rPr lang="en-US" b="1" dirty="0" smtClean="0"/>
+              <a:t>Disadvantages </a:t>
+            </a:r>
+            <a:r>
+              <a:rPr lang="en-US" b="1" dirty="0"/>
+              <a:t>of Incremental model:</a:t>
+            </a:r>
+            <a:endParaRPr lang="en-US" dirty="0"/>
+          </a:p>
+          <a:p>
+            <a:r>
+              <a:rPr lang="en-US" dirty="0"/>
+              <a:t>Needs good planning and design.</a:t>
+            </a:r>
+          </a:p>
+          <a:p>
+            <a:r>
+              <a:rPr lang="en-US" dirty="0"/>
+              <a:t>Needs a clear and complete definition of the whole system before it can be broken down and built incrementally.</a:t>
+            </a:r>
+          </a:p>
+          <a:p>
+            <a:r>
+              <a:rPr lang="en-US" dirty="0"/>
+              <a:t>Total cost is higher than </a:t>
+            </a:r>
+            <a:r>
+              <a:rPr lang="en-US" dirty="0" smtClean="0"/>
+              <a:t>waterfall.</a:t>
+            </a:r>
+            <a:endParaRPr lang="en-US" dirty="0"/>
+          </a:p>
+          <a:p>
+            <a:endParaRPr lang="en-US" dirty="0"/>
+          </a:p>
+        </p:txBody>
+      </p:sp>
+      <p:sp>
+        <p:nvSpPr>
+          <p:cNvPr id="4" name="TextBox 3"/>
+          <p:cNvSpPr txBox="1"/>
+          <p:nvPr/>
+        </p:nvSpPr>
+        <p:spPr>
+          <a:xfrm>
+            <a:off x="2892326" y="348944"/>
+            <a:ext cx="3554178" cy="584775"/>
+          </a:xfrm>
+          <a:prstGeom prst="rect">
+            <a:avLst/>
+          </a:prstGeom>
+          <a:noFill/>
+        </p:spPr>
+        <p:txBody>
+          <a:bodyPr wrap="none" rtlCol="0">
+            <a:spAutoFit/>
+          </a:bodyPr>
+          <a:lstStyle/>
+          <a:p>
+            <a:pPr algn="ctr"/>
+            <a:r>
+              <a:rPr lang="en-US" sz="3200" dirty="0">
+                <a:solidFill>
+                  <a:schemeClr val="tx1">
+                    <a:lumMod val="65000"/>
+                    <a:lumOff val="35000"/>
+                  </a:schemeClr>
+                </a:solidFill>
+                <a:latin typeface="Arial" panose="020B0604020202020204" pitchFamily="34" charset="0"/>
+                <a:cs typeface="Arial" panose="020B0604020202020204" pitchFamily="34" charset="0"/>
+              </a:rPr>
+              <a:t>Incremental model</a:t>
+            </a:r>
+            <a:endParaRPr lang="en-US" sz="3000" dirty="0">
+              <a:solidFill>
+                <a:schemeClr val="tx1">
+                  <a:lumMod val="65000"/>
+                  <a:lumOff val="35000"/>
+                </a:schemeClr>
+              </a:solidFill>
+              <a:effectLst>
+                <a:outerShdw blurRad="38100" dist="38100" dir="2700000" algn="tl">
+                  <a:srgbClr val="000000">
+                    <a:alpha val="43137"/>
+                  </a:srgbClr>
+                </a:outerShdw>
+              </a:effectLst>
+            </a:endParaRPr>
+          </a:p>
+        </p:txBody>
+      </p:sp>
+    </p:spTree>
+    <p:extLst>
+      <p:ext uri="{BB962C8B-B14F-4D97-AF65-F5344CB8AC3E}">
+        <p14:creationId xmlns:p14="http://schemas.microsoft.com/office/powerpoint/2010/main" val="2803829414"/>
+      </p:ext>
+    </p:extLst>
+  </p:cSld>
+  <p:clrMapOvr>
+    <a:masterClrMapping/>
+  </p:clrMapOvr>
+</p:sld>
+</file>
+
+<file path=ppt/slides/slide13.xml><?xml version="1.0" encoding="utf-8"?>
 <p:sld xmlns:a="http://schemas.openxmlformats.org/drawingml/2006/main" xmlns:r="http://schemas.openxmlformats.org/officeDocument/2006/relationships" xmlns:p="http://schemas.openxmlformats.org/presentationml/2006/main">
   <p:cSld>
     <p:spTree>
@@ -4674,7 +5059,7 @@
 </p:sld>
 </file>
 
-<file path=ppt/slides/slide12.xml><?xml version="1.0" encoding="utf-8"?>
+<file path=ppt/slides/slide14.xml><?xml version="1.0" encoding="utf-8"?>
 <p:sld xmlns:a="http://schemas.openxmlformats.org/drawingml/2006/main" xmlns:r="http://schemas.openxmlformats.org/officeDocument/2006/relationships" xmlns:p="http://schemas.openxmlformats.org/presentationml/2006/main">
   <p:cSld>
     <p:spTree>
@@ -4904,7 +5289,7 @@
 </p:sld>
 </file>
 
-<file path=ppt/slides/slide13.xml><?xml version="1.0" encoding="utf-8"?>
+<file path=ppt/slides/slide15.xml><?xml version="1.0" encoding="utf-8"?>
 <p:sld xmlns:a="http://schemas.openxmlformats.org/drawingml/2006/main" xmlns:r="http://schemas.openxmlformats.org/officeDocument/2006/relationships" xmlns:p="http://schemas.openxmlformats.org/presentationml/2006/main">
   <p:cSld>
     <p:spTree>
@@ -5130,7 +5515,7 @@
 </p:sld>
 </file>
 
-<file path=ppt/slides/slide14.xml><?xml version="1.0" encoding="utf-8"?>
+<file path=ppt/slides/slide16.xml><?xml version="1.0" encoding="utf-8"?>
 <p:sld xmlns:a="http://schemas.openxmlformats.org/drawingml/2006/main" xmlns:r="http://schemas.openxmlformats.org/officeDocument/2006/relationships" xmlns:p="http://schemas.openxmlformats.org/presentationml/2006/main">
   <p:cSld>
     <p:spTree>
@@ -5382,7 +5767,7 @@
 </p:sld>
 </file>
 
-<file path=ppt/slides/slide15.xml><?xml version="1.0" encoding="utf-8"?>
+<file path=ppt/slides/slide17.xml><?xml version="1.0" encoding="utf-8"?>
 <p:sld xmlns:a="http://schemas.openxmlformats.org/drawingml/2006/main" xmlns:r="http://schemas.openxmlformats.org/officeDocument/2006/relationships" xmlns:p="http://schemas.openxmlformats.org/presentationml/2006/main">
   <p:cSld>
     <p:spTree>
@@ -6195,1567 +6580,6 @@
 </p:sld>
 </file>
 
-<file path=ppt/slides/slide16.xml><?xml version="1.0" encoding="utf-8"?>
-<p:sld xmlns:a="http://schemas.openxmlformats.org/drawingml/2006/main" xmlns:r="http://schemas.openxmlformats.org/officeDocument/2006/relationships" xmlns:p="http://schemas.openxmlformats.org/presentationml/2006/main">
-  <p:cSld>
-    <p:spTree>
-      <p:nvGrpSpPr>
-        <p:cNvPr id="1" name=""/>
-        <p:cNvGrpSpPr/>
-        <p:nvPr/>
-      </p:nvGrpSpPr>
-      <p:grpSpPr>
-        <a:xfrm>
-          <a:off x="0" y="0"/>
-          <a:ext cx="0" cy="0"/>
-          <a:chOff x="0" y="0"/>
-          <a:chExt cx="0" cy="0"/>
-        </a:xfrm>
-      </p:grpSpPr>
-      <p:sp>
-        <p:nvSpPr>
-          <p:cNvPr id="3" name="Rectangle 2"/>
-          <p:cNvSpPr/>
-          <p:nvPr/>
-        </p:nvSpPr>
-        <p:spPr>
-          <a:xfrm>
-            <a:off x="596955" y="1556792"/>
-            <a:ext cx="8234227" cy="4616648"/>
-          </a:xfrm>
-          <a:prstGeom prst="rect">
-            <a:avLst/>
-          </a:prstGeom>
-        </p:spPr>
-        <p:txBody>
-          <a:bodyPr wrap="square">
-            <a:spAutoFit/>
-          </a:bodyPr>
-          <a:lstStyle/>
-          <a:p>
-            <a:pPr marL="171450" indent="-171450">
-              <a:buFont typeface="Arial" panose="020B0604020202020204" pitchFamily="34" charset="0"/>
-              <a:buChar char="•"/>
-            </a:pPr>
-            <a:r>
-              <a:rPr lang="ru-RU" sz="1400" b="1" dirty="0" smtClean="0">
-                <a:solidFill>
-                  <a:srgbClr val="CC3300"/>
-                </a:solidFill>
-                <a:latin typeface="Arial" panose="020B0604020202020204" pitchFamily="34" charset="0"/>
-                <a:cs typeface="Arial" panose="020B0604020202020204" pitchFamily="34" charset="0"/>
-              </a:rPr>
-              <a:t>Удовлетворение заказчика</a:t>
-            </a:r>
-            <a:r>
-              <a:rPr lang="en-US" sz="1400" b="1" dirty="0" smtClean="0">
-                <a:latin typeface="Arial" panose="020B0604020202020204" pitchFamily="34" charset="0"/>
-                <a:cs typeface="Arial" panose="020B0604020202020204" pitchFamily="34" charset="0"/>
-              </a:rPr>
-              <a:t> </a:t>
-            </a:r>
-            <a:r>
-              <a:rPr lang="ru-RU" sz="1400" b="1" dirty="0" smtClean="0">
-                <a:latin typeface="Arial" panose="020B0604020202020204" pitchFamily="34" charset="0"/>
-                <a:cs typeface="Arial" panose="020B0604020202020204" pitchFamily="34" charset="0"/>
-              </a:rPr>
-              <a:t>путем постоянного предоставления работающего ПО, </a:t>
-            </a:r>
-            <a:r>
-              <a:rPr lang="ru-RU" sz="1400" b="1" dirty="0">
-                <a:solidFill>
-                  <a:srgbClr val="CC3300"/>
-                </a:solidFill>
-                <a:latin typeface="Arial" panose="020B0604020202020204" pitchFamily="34" charset="0"/>
-                <a:cs typeface="Arial" panose="020B0604020202020204" pitchFamily="34" charset="0"/>
-              </a:rPr>
-              <a:t>рабочий софт </a:t>
-            </a:r>
-            <a:r>
-              <a:rPr lang="ru-RU" sz="1400" b="1" dirty="0">
-                <a:latin typeface="Arial" panose="020B0604020202020204" pitchFamily="34" charset="0"/>
-                <a:cs typeface="Arial" panose="020B0604020202020204" pitchFamily="34" charset="0"/>
-              </a:rPr>
-              <a:t>предоставляется </a:t>
-            </a:r>
-            <a:r>
-              <a:rPr lang="ru-RU" sz="1400" b="1" dirty="0" smtClean="0">
-                <a:latin typeface="Arial" panose="020B0604020202020204" pitchFamily="34" charset="0"/>
-                <a:cs typeface="Arial" panose="020B0604020202020204" pitchFamily="34" charset="0"/>
-              </a:rPr>
-              <a:t>очень часто </a:t>
-            </a:r>
-            <a:r>
-              <a:rPr lang="en-US" sz="1400" b="1" dirty="0" smtClean="0">
-                <a:latin typeface="Arial" panose="020B0604020202020204" pitchFamily="34" charset="0"/>
-                <a:cs typeface="Arial" panose="020B0604020202020204" pitchFamily="34" charset="0"/>
-              </a:rPr>
-              <a:t>(</a:t>
-            </a:r>
-            <a:r>
-              <a:rPr lang="ru-RU" sz="1400" b="1" dirty="0" smtClean="0">
-                <a:latin typeface="Arial" panose="020B0604020202020204" pitchFamily="34" charset="0"/>
-                <a:cs typeface="Arial" panose="020B0604020202020204" pitchFamily="34" charset="0"/>
-              </a:rPr>
-              <a:t>ежемесячно, или даже </a:t>
-            </a:r>
-            <a:r>
-              <a:rPr lang="ru-RU" sz="1400" b="1" dirty="0">
-                <a:latin typeface="Arial" panose="020B0604020202020204" pitchFamily="34" charset="0"/>
-                <a:cs typeface="Arial" panose="020B0604020202020204" pitchFamily="34" charset="0"/>
-              </a:rPr>
-              <a:t>еженедельно</a:t>
-            </a:r>
-            <a:r>
-              <a:rPr lang="en-US" sz="1400" b="1" dirty="0" smtClean="0">
-                <a:latin typeface="Arial" panose="020B0604020202020204" pitchFamily="34" charset="0"/>
-                <a:cs typeface="Arial" panose="020B0604020202020204" pitchFamily="34" charset="0"/>
-              </a:rPr>
-              <a:t>)</a:t>
-            </a:r>
-            <a:endParaRPr lang="ru-RU" sz="1400" b="1" dirty="0" smtClean="0">
-              <a:latin typeface="Arial" panose="020B0604020202020204" pitchFamily="34" charset="0"/>
-              <a:cs typeface="Arial" panose="020B0604020202020204" pitchFamily="34" charset="0"/>
-            </a:endParaRPr>
-          </a:p>
-          <a:p>
-            <a:pPr marL="171450" indent="-171450">
-              <a:buFont typeface="Arial" panose="020B0604020202020204" pitchFamily="34" charset="0"/>
-              <a:buChar char="•"/>
-            </a:pPr>
-            <a:endParaRPr lang="ru-RU" sz="1400" b="1" dirty="0" smtClean="0">
-              <a:latin typeface="Arial" panose="020B0604020202020204" pitchFamily="34" charset="0"/>
-              <a:cs typeface="Arial" panose="020B0604020202020204" pitchFamily="34" charset="0"/>
-            </a:endParaRPr>
-          </a:p>
-          <a:p>
-            <a:pPr marL="171450" indent="-171450">
-              <a:buFont typeface="Arial" panose="020B0604020202020204" pitchFamily="34" charset="0"/>
-              <a:buChar char="•"/>
-            </a:pPr>
-            <a:r>
-              <a:rPr lang="ru-RU" sz="1400" b="1" dirty="0" smtClean="0">
-                <a:latin typeface="Arial" panose="020B0604020202020204" pitchFamily="34" charset="0"/>
-                <a:cs typeface="Arial" panose="020B0604020202020204" pitchFamily="34" charset="0"/>
-              </a:rPr>
-              <a:t>Рабочий </a:t>
-            </a:r>
-            <a:r>
-              <a:rPr lang="ru-RU" sz="1400" b="1" dirty="0">
-                <a:latin typeface="Arial" panose="020B0604020202020204" pitchFamily="34" charset="0"/>
-                <a:cs typeface="Arial" panose="020B0604020202020204" pitchFamily="34" charset="0"/>
-              </a:rPr>
-              <a:t>софт – принцип </a:t>
-            </a:r>
-            <a:r>
-              <a:rPr lang="ru-RU" sz="1400" b="1" dirty="0">
-                <a:solidFill>
-                  <a:srgbClr val="CC3300"/>
-                </a:solidFill>
-                <a:latin typeface="Arial" panose="020B0604020202020204" pitchFamily="34" charset="0"/>
-                <a:cs typeface="Arial" panose="020B0604020202020204" pitchFamily="34" charset="0"/>
-              </a:rPr>
-              <a:t>измерения </a:t>
-            </a:r>
-            <a:r>
-              <a:rPr lang="ru-RU" sz="1400" b="1" dirty="0" smtClean="0">
-                <a:solidFill>
-                  <a:srgbClr val="CC3300"/>
-                </a:solidFill>
-                <a:latin typeface="Arial" panose="020B0604020202020204" pitchFamily="34" charset="0"/>
-                <a:cs typeface="Arial" panose="020B0604020202020204" pitchFamily="34" charset="0"/>
-              </a:rPr>
-              <a:t>прогресса</a:t>
-            </a:r>
-          </a:p>
-          <a:p>
-            <a:pPr marL="171450" indent="-171450">
-              <a:buFont typeface="Arial" panose="020B0604020202020204" pitchFamily="34" charset="0"/>
-              <a:buChar char="•"/>
-            </a:pPr>
-            <a:endParaRPr lang="ru-RU" sz="1400" b="1" dirty="0">
-              <a:solidFill>
-                <a:srgbClr val="CC3300"/>
-              </a:solidFill>
-              <a:latin typeface="Arial" panose="020B0604020202020204" pitchFamily="34" charset="0"/>
-              <a:cs typeface="Arial" panose="020B0604020202020204" pitchFamily="34" charset="0"/>
-            </a:endParaRPr>
-          </a:p>
-          <a:p>
-            <a:pPr marL="171450" indent="-171450">
-              <a:buFont typeface="Arial" panose="020B0604020202020204" pitchFamily="34" charset="0"/>
-              <a:buChar char="•"/>
-            </a:pPr>
-            <a:r>
-              <a:rPr lang="ru-RU" sz="1400" b="1" dirty="0" smtClean="0">
-                <a:latin typeface="Arial" panose="020B0604020202020204" pitchFamily="34" charset="0"/>
-                <a:cs typeface="Arial" panose="020B0604020202020204" pitchFamily="34" charset="0"/>
-              </a:rPr>
-              <a:t>Приветствуются даже </a:t>
-            </a:r>
-            <a:r>
-              <a:rPr lang="ru-RU" sz="1400" b="1" dirty="0">
-                <a:solidFill>
-                  <a:srgbClr val="CC3300"/>
-                </a:solidFill>
-                <a:latin typeface="Arial" panose="020B0604020202020204" pitchFamily="34" charset="0"/>
-                <a:cs typeface="Arial" panose="020B0604020202020204" pitchFamily="34" charset="0"/>
-              </a:rPr>
-              <a:t>поздние изменения в требованиях </a:t>
-            </a:r>
-            <a:r>
-              <a:rPr lang="ru-RU" sz="1400" b="1" dirty="0" smtClean="0">
-                <a:latin typeface="Arial" panose="020B0604020202020204" pitchFamily="34" charset="0"/>
-                <a:cs typeface="Arial" panose="020B0604020202020204" pitchFamily="34" charset="0"/>
-              </a:rPr>
-              <a:t>для удовлетворения клиента</a:t>
-            </a:r>
-          </a:p>
-          <a:p>
-            <a:pPr marL="171450" indent="-171450">
-              <a:buFont typeface="Arial" panose="020B0604020202020204" pitchFamily="34" charset="0"/>
-              <a:buChar char="•"/>
-            </a:pPr>
-            <a:endParaRPr lang="ru-RU" sz="1400" b="1" dirty="0">
-              <a:latin typeface="Arial" panose="020B0604020202020204" pitchFamily="34" charset="0"/>
-              <a:cs typeface="Arial" panose="020B0604020202020204" pitchFamily="34" charset="0"/>
-            </a:endParaRPr>
-          </a:p>
-          <a:p>
-            <a:pPr marL="171450" indent="-171450">
-              <a:buFont typeface="Arial" panose="020B0604020202020204" pitchFamily="34" charset="0"/>
-              <a:buChar char="•"/>
-            </a:pPr>
-            <a:r>
-              <a:rPr lang="ru-RU" sz="1400" b="1" dirty="0" smtClean="0">
-                <a:latin typeface="Arial" panose="020B0604020202020204" pitchFamily="34" charset="0"/>
-                <a:cs typeface="Arial" panose="020B0604020202020204" pitchFamily="34" charset="0"/>
-              </a:rPr>
-              <a:t>Стимулируется близкое </a:t>
-            </a:r>
-            <a:r>
-              <a:rPr lang="ru-RU" sz="1400" b="1" dirty="0">
-                <a:latin typeface="Arial" panose="020B0604020202020204" pitchFamily="34" charset="0"/>
-                <a:cs typeface="Arial" panose="020B0604020202020204" pitchFamily="34" charset="0"/>
-              </a:rPr>
-              <a:t>каждодневное </a:t>
-            </a:r>
-            <a:r>
-              <a:rPr lang="ru-RU" sz="1400" b="1" dirty="0">
-                <a:solidFill>
-                  <a:srgbClr val="CC3300"/>
-                </a:solidFill>
-                <a:latin typeface="Arial" panose="020B0604020202020204" pitchFamily="34" charset="0"/>
-                <a:cs typeface="Arial" panose="020B0604020202020204" pitchFamily="34" charset="0"/>
-              </a:rPr>
-              <a:t>взаимодействие</a:t>
-            </a:r>
-            <a:r>
-              <a:rPr lang="ru-RU" sz="1400" b="1" dirty="0" smtClean="0">
-                <a:latin typeface="Arial" panose="020B0604020202020204" pitchFamily="34" charset="0"/>
-                <a:cs typeface="Arial" panose="020B0604020202020204" pitchFamily="34" charset="0"/>
-              </a:rPr>
-              <a:t> между заказчиками и разработчиками</a:t>
-            </a:r>
-          </a:p>
-          <a:p>
-            <a:pPr marL="171450" indent="-171450">
-              <a:buFont typeface="Arial" panose="020B0604020202020204" pitchFamily="34" charset="0"/>
-              <a:buChar char="•"/>
-            </a:pPr>
-            <a:endParaRPr lang="ru-RU" sz="1400" b="1" dirty="0">
-              <a:latin typeface="Arial" panose="020B0604020202020204" pitchFamily="34" charset="0"/>
-              <a:cs typeface="Arial" panose="020B0604020202020204" pitchFamily="34" charset="0"/>
-            </a:endParaRPr>
-          </a:p>
-          <a:p>
-            <a:pPr marL="171450" indent="-171450">
-              <a:buFont typeface="Arial" panose="020B0604020202020204" pitchFamily="34" charset="0"/>
-              <a:buChar char="•"/>
-            </a:pPr>
-            <a:r>
-              <a:rPr lang="en-US" sz="1400" b="1" dirty="0">
-                <a:solidFill>
-                  <a:srgbClr val="CC3300"/>
-                </a:solidFill>
-                <a:latin typeface="Arial" panose="020B0604020202020204" pitchFamily="34" charset="0"/>
-                <a:cs typeface="Arial" panose="020B0604020202020204" pitchFamily="34" charset="0"/>
-              </a:rPr>
-              <a:t>Face-To-Face </a:t>
-            </a:r>
-            <a:r>
-              <a:rPr lang="ru-RU" sz="1400" b="1" dirty="0">
-                <a:solidFill>
-                  <a:srgbClr val="CC3300"/>
-                </a:solidFill>
-                <a:latin typeface="Arial" panose="020B0604020202020204" pitchFamily="34" charset="0"/>
-                <a:cs typeface="Arial" panose="020B0604020202020204" pitchFamily="34" charset="0"/>
-              </a:rPr>
-              <a:t>общение </a:t>
-            </a:r>
-            <a:r>
-              <a:rPr lang="ru-RU" sz="1400" b="1" dirty="0" smtClean="0">
-                <a:latin typeface="Arial" panose="020B0604020202020204" pitchFamily="34" charset="0"/>
-                <a:cs typeface="Arial" panose="020B0604020202020204" pitchFamily="34" charset="0"/>
-              </a:rPr>
-              <a:t>– лучшая форма общения и решения вопросов</a:t>
-            </a:r>
-          </a:p>
-          <a:p>
-            <a:pPr marL="171450" indent="-171450">
-              <a:buFont typeface="Arial" panose="020B0604020202020204" pitchFamily="34" charset="0"/>
-              <a:buChar char="•"/>
-            </a:pPr>
-            <a:endParaRPr lang="ru-RU" sz="1400" b="1" dirty="0">
-              <a:latin typeface="Arial" panose="020B0604020202020204" pitchFamily="34" charset="0"/>
-              <a:cs typeface="Arial" panose="020B0604020202020204" pitchFamily="34" charset="0"/>
-            </a:endParaRPr>
-          </a:p>
-          <a:p>
-            <a:pPr marL="171450" indent="-171450">
-              <a:buFont typeface="Arial" panose="020B0604020202020204" pitchFamily="34" charset="0"/>
-              <a:buChar char="•"/>
-            </a:pPr>
-            <a:r>
-              <a:rPr lang="ru-RU" sz="1400" b="1" dirty="0">
-                <a:latin typeface="Arial" panose="020B0604020202020204" pitchFamily="34" charset="0"/>
-                <a:cs typeface="Arial" panose="020B0604020202020204" pitchFamily="34" charset="0"/>
-              </a:rPr>
-              <a:t>Проекты строятся вокруг </a:t>
-            </a:r>
-            <a:r>
-              <a:rPr lang="ru-RU" sz="1400" b="1" dirty="0">
-                <a:solidFill>
-                  <a:srgbClr val="CC3300"/>
-                </a:solidFill>
-                <a:latin typeface="Arial" panose="020B0604020202020204" pitchFamily="34" charset="0"/>
-                <a:cs typeface="Arial" panose="020B0604020202020204" pitchFamily="34" charset="0"/>
-              </a:rPr>
-              <a:t>мотивированных</a:t>
-            </a:r>
-            <a:r>
-              <a:rPr lang="ru-RU" sz="1400" b="1" dirty="0">
-                <a:latin typeface="Arial" panose="020B0604020202020204" pitchFamily="34" charset="0"/>
-                <a:cs typeface="Arial" panose="020B0604020202020204" pitchFamily="34" charset="0"/>
-              </a:rPr>
-              <a:t> </a:t>
-            </a:r>
-            <a:r>
-              <a:rPr lang="ru-RU" sz="1400" b="1" dirty="0">
-                <a:solidFill>
-                  <a:srgbClr val="CC3300"/>
-                </a:solidFill>
-                <a:latin typeface="Arial" panose="020B0604020202020204" pitchFamily="34" charset="0"/>
-                <a:cs typeface="Arial" panose="020B0604020202020204" pitchFamily="34" charset="0"/>
-              </a:rPr>
-              <a:t>личностей</a:t>
-            </a:r>
-            <a:r>
-              <a:rPr lang="ru-RU" sz="1400" b="1" dirty="0" smtClean="0">
-                <a:latin typeface="Arial" panose="020B0604020202020204" pitchFamily="34" charset="0"/>
-                <a:cs typeface="Arial" panose="020B0604020202020204" pitchFamily="34" charset="0"/>
-              </a:rPr>
-              <a:t>, </a:t>
-            </a:r>
-            <a:r>
-              <a:rPr lang="ru-RU" sz="1400" b="1" dirty="0">
-                <a:latin typeface="Arial" panose="020B0604020202020204" pitchFamily="34" charset="0"/>
-                <a:cs typeface="Arial" panose="020B0604020202020204" pitchFamily="34" charset="0"/>
-              </a:rPr>
-              <a:t>которые </a:t>
-            </a:r>
-            <a:r>
-              <a:rPr lang="ru-RU" sz="1400" b="1" dirty="0" smtClean="0">
-                <a:latin typeface="Arial" panose="020B0604020202020204" pitchFamily="34" charset="0"/>
-                <a:cs typeface="Arial" panose="020B0604020202020204" pitchFamily="34" charset="0"/>
-              </a:rPr>
-              <a:t>имеют доверие</a:t>
-            </a:r>
-          </a:p>
-          <a:p>
-            <a:pPr marL="171450" indent="-171450">
-              <a:buFont typeface="Arial" panose="020B0604020202020204" pitchFamily="34" charset="0"/>
-              <a:buChar char="•"/>
-            </a:pPr>
-            <a:endParaRPr lang="ru-RU" sz="1400" b="1" dirty="0">
-              <a:latin typeface="Arial" panose="020B0604020202020204" pitchFamily="34" charset="0"/>
-              <a:cs typeface="Arial" panose="020B0604020202020204" pitchFamily="34" charset="0"/>
-            </a:endParaRPr>
-          </a:p>
-          <a:p>
-            <a:pPr marL="171450" indent="-171450">
-              <a:buFont typeface="Arial" panose="020B0604020202020204" pitchFamily="34" charset="0"/>
-              <a:buChar char="•"/>
-            </a:pPr>
-            <a:r>
-              <a:rPr lang="ru-RU" sz="1400" b="1" dirty="0" smtClean="0">
-                <a:latin typeface="Arial" panose="020B0604020202020204" pitchFamily="34" charset="0"/>
-                <a:cs typeface="Arial" panose="020B0604020202020204" pitchFamily="34" charset="0"/>
-              </a:rPr>
-              <a:t>Постоянный акцент на </a:t>
-            </a:r>
-            <a:r>
-              <a:rPr lang="ru-RU" sz="1400" b="1" dirty="0">
-                <a:solidFill>
-                  <a:srgbClr val="CC3300"/>
-                </a:solidFill>
-                <a:latin typeface="Arial" panose="020B0604020202020204" pitchFamily="34" charset="0"/>
-                <a:cs typeface="Arial" panose="020B0604020202020204" pitchFamily="34" charset="0"/>
-              </a:rPr>
-              <a:t>техническое совершенство </a:t>
-            </a:r>
-            <a:r>
-              <a:rPr lang="ru-RU" sz="1400" b="1" dirty="0" smtClean="0">
-                <a:latin typeface="Arial" panose="020B0604020202020204" pitchFamily="34" charset="0"/>
-                <a:cs typeface="Arial" panose="020B0604020202020204" pitchFamily="34" charset="0"/>
-              </a:rPr>
-              <a:t>и хороший дизайн</a:t>
-            </a:r>
-          </a:p>
-          <a:p>
-            <a:pPr marL="171450" indent="-171450">
-              <a:buFont typeface="Arial" panose="020B0604020202020204" pitchFamily="34" charset="0"/>
-              <a:buChar char="•"/>
-            </a:pPr>
-            <a:endParaRPr lang="ru-RU" sz="1400" b="1" dirty="0">
-              <a:latin typeface="Arial" panose="020B0604020202020204" pitchFamily="34" charset="0"/>
-              <a:cs typeface="Arial" panose="020B0604020202020204" pitchFamily="34" charset="0"/>
-            </a:endParaRPr>
-          </a:p>
-          <a:p>
-            <a:pPr marL="171450" indent="-171450">
-              <a:buFont typeface="Arial" panose="020B0604020202020204" pitchFamily="34" charset="0"/>
-              <a:buChar char="•"/>
-            </a:pPr>
-            <a:r>
-              <a:rPr lang="ru-RU" sz="1400" b="1" dirty="0">
-                <a:solidFill>
-                  <a:srgbClr val="CC3300"/>
-                </a:solidFill>
-                <a:latin typeface="Arial" panose="020B0604020202020204" pitchFamily="34" charset="0"/>
-                <a:cs typeface="Arial" panose="020B0604020202020204" pitchFamily="34" charset="0"/>
-              </a:rPr>
-              <a:t>Простота</a:t>
-            </a:r>
-          </a:p>
-          <a:p>
-            <a:pPr marL="171450" indent="-171450">
-              <a:buFont typeface="Arial" panose="020B0604020202020204" pitchFamily="34" charset="0"/>
-              <a:buChar char="•"/>
-            </a:pPr>
-            <a:endParaRPr lang="ru-RU" sz="1400" b="1" dirty="0">
-              <a:latin typeface="Arial" panose="020B0604020202020204" pitchFamily="34" charset="0"/>
-              <a:cs typeface="Arial" panose="020B0604020202020204" pitchFamily="34" charset="0"/>
-            </a:endParaRPr>
-          </a:p>
-          <a:p>
-            <a:pPr marL="171450" indent="-171450">
-              <a:buFont typeface="Arial" panose="020B0604020202020204" pitchFamily="34" charset="0"/>
-              <a:buChar char="•"/>
-            </a:pPr>
-            <a:r>
-              <a:rPr lang="ru-RU" sz="1400" b="1" dirty="0">
-                <a:solidFill>
-                  <a:srgbClr val="CC3300"/>
-                </a:solidFill>
-                <a:latin typeface="Arial" panose="020B0604020202020204" pitchFamily="34" charset="0"/>
-                <a:cs typeface="Arial" panose="020B0604020202020204" pitchFamily="34" charset="0"/>
-              </a:rPr>
-              <a:t>Само-организующиеся</a:t>
-            </a:r>
-            <a:r>
-              <a:rPr lang="ru-RU" sz="1400" b="1" dirty="0" smtClean="0">
-                <a:latin typeface="Arial" panose="020B0604020202020204" pitchFamily="34" charset="0"/>
-                <a:cs typeface="Arial" panose="020B0604020202020204" pitchFamily="34" charset="0"/>
-              </a:rPr>
-              <a:t> команды</a:t>
-            </a:r>
-          </a:p>
-          <a:p>
-            <a:pPr marL="171450" indent="-171450">
-              <a:buFont typeface="Arial" panose="020B0604020202020204" pitchFamily="34" charset="0"/>
-              <a:buChar char="•"/>
-            </a:pPr>
-            <a:endParaRPr lang="ru-RU" sz="1400" b="1" dirty="0">
-              <a:latin typeface="Arial" panose="020B0604020202020204" pitchFamily="34" charset="0"/>
-              <a:cs typeface="Arial" panose="020B0604020202020204" pitchFamily="34" charset="0"/>
-            </a:endParaRPr>
-          </a:p>
-          <a:p>
-            <a:pPr marL="171450" indent="-171450">
-              <a:buFont typeface="Arial" panose="020B0604020202020204" pitchFamily="34" charset="0"/>
-              <a:buChar char="•"/>
-            </a:pPr>
-            <a:r>
-              <a:rPr lang="ru-RU" sz="1400" b="1" dirty="0" smtClean="0">
-                <a:latin typeface="Arial" panose="020B0604020202020204" pitchFamily="34" charset="0"/>
-                <a:cs typeface="Arial" panose="020B0604020202020204" pitchFamily="34" charset="0"/>
-              </a:rPr>
-              <a:t>Постоянная </a:t>
-            </a:r>
-            <a:r>
-              <a:rPr lang="ru-RU" sz="1400" b="1" dirty="0">
-                <a:solidFill>
-                  <a:srgbClr val="CC3300"/>
-                </a:solidFill>
-                <a:latin typeface="Arial" panose="020B0604020202020204" pitchFamily="34" charset="0"/>
-                <a:cs typeface="Arial" panose="020B0604020202020204" pitchFamily="34" charset="0"/>
-              </a:rPr>
-              <a:t>адаптация</a:t>
-            </a:r>
-            <a:r>
-              <a:rPr lang="ru-RU" sz="1400" b="1" dirty="0" smtClean="0">
-                <a:latin typeface="Arial" panose="020B0604020202020204" pitchFamily="34" charset="0"/>
-                <a:cs typeface="Arial" panose="020B0604020202020204" pitchFamily="34" charset="0"/>
-              </a:rPr>
-              <a:t> к изменяющимся условиям</a:t>
-            </a:r>
-            <a:endParaRPr lang="en-US" sz="1400" b="1" dirty="0">
-              <a:latin typeface="Arial" panose="020B0604020202020204" pitchFamily="34" charset="0"/>
-              <a:cs typeface="Arial" panose="020B0604020202020204" pitchFamily="34" charset="0"/>
-            </a:endParaRPr>
-          </a:p>
-        </p:txBody>
-      </p:sp>
-      <p:sp>
-        <p:nvSpPr>
-          <p:cNvPr id="15" name="TextBox 14"/>
-          <p:cNvSpPr txBox="1"/>
-          <p:nvPr/>
-        </p:nvSpPr>
-        <p:spPr>
-          <a:xfrm>
-            <a:off x="457200" y="381000"/>
-            <a:ext cx="5975867" cy="1169551"/>
-          </a:xfrm>
-          <a:prstGeom prst="rect">
-            <a:avLst/>
-          </a:prstGeom>
-          <a:noFill/>
-        </p:spPr>
-        <p:txBody>
-          <a:bodyPr wrap="none" rtlCol="0">
-            <a:spAutoFit/>
-          </a:bodyPr>
-          <a:lstStyle/>
-          <a:p>
-            <a:r>
-              <a:rPr lang="ru-RU" sz="3500" dirty="0">
-                <a:solidFill>
-                  <a:schemeClr val="tx1">
-                    <a:lumMod val="65000"/>
-                    <a:lumOff val="35000"/>
-                  </a:schemeClr>
-                </a:solidFill>
-                <a:effectLst>
-                  <a:outerShdw blurRad="38100" dist="38100" dir="2700000" algn="tl">
-                    <a:srgbClr val="000000">
-                      <a:alpha val="43137"/>
-                    </a:srgbClr>
-                  </a:outerShdw>
-                </a:effectLst>
-              </a:rPr>
-              <a:t>Основные принципы</a:t>
-            </a:r>
-          </a:p>
-          <a:p>
-            <a:r>
-              <a:rPr lang="ru-RU" sz="3500" dirty="0">
-                <a:solidFill>
-                  <a:schemeClr val="tx1">
-                    <a:lumMod val="65000"/>
-                    <a:lumOff val="35000"/>
-                  </a:schemeClr>
-                </a:solidFill>
-                <a:effectLst>
-                  <a:outerShdw blurRad="38100" dist="38100" dir="2700000" algn="tl">
-                    <a:srgbClr val="000000">
-                      <a:alpha val="43137"/>
-                    </a:srgbClr>
-                  </a:outerShdw>
-                </a:effectLst>
-              </a:rPr>
-              <a:t>современных </a:t>
-            </a:r>
-            <a:r>
-              <a:rPr lang="ru-RU" sz="3500" dirty="0" smtClean="0">
-                <a:solidFill>
-                  <a:schemeClr val="tx1">
-                    <a:lumMod val="65000"/>
-                    <a:lumOff val="35000"/>
-                  </a:schemeClr>
-                </a:solidFill>
-                <a:effectLst>
-                  <a:outerShdw blurRad="38100" dist="38100" dir="2700000" algn="tl">
-                    <a:srgbClr val="000000">
-                      <a:alpha val="43137"/>
-                    </a:srgbClr>
-                  </a:outerShdw>
-                </a:effectLst>
-              </a:rPr>
-              <a:t>(</a:t>
-            </a:r>
-            <a:r>
-              <a:rPr lang="en-US" sz="3500" dirty="0" smtClean="0">
-                <a:solidFill>
-                  <a:schemeClr val="tx1">
-                    <a:lumMod val="65000"/>
-                    <a:lumOff val="35000"/>
-                  </a:schemeClr>
-                </a:solidFill>
-                <a:effectLst>
-                  <a:outerShdw blurRad="38100" dist="38100" dir="2700000" algn="tl">
-                    <a:srgbClr val="000000">
-                      <a:alpha val="43137"/>
-                    </a:srgbClr>
-                  </a:outerShdw>
-                </a:effectLst>
-              </a:rPr>
-              <a:t>Agile</a:t>
-            </a:r>
-            <a:r>
-              <a:rPr lang="ru-RU" sz="3500" dirty="0" smtClean="0">
-                <a:solidFill>
-                  <a:schemeClr val="tx1">
-                    <a:lumMod val="65000"/>
-                    <a:lumOff val="35000"/>
-                  </a:schemeClr>
-                </a:solidFill>
-                <a:effectLst>
-                  <a:outerShdw blurRad="38100" dist="38100" dir="2700000" algn="tl">
-                    <a:srgbClr val="000000">
-                      <a:alpha val="43137"/>
-                    </a:srgbClr>
-                  </a:outerShdw>
-                </a:effectLst>
-              </a:rPr>
-              <a:t>) подходов</a:t>
-            </a:r>
-            <a:endParaRPr lang="en-US" sz="3500" dirty="0">
-              <a:solidFill>
-                <a:schemeClr val="tx1">
-                  <a:lumMod val="65000"/>
-                  <a:lumOff val="35000"/>
-                </a:schemeClr>
-              </a:solidFill>
-              <a:effectLst>
-                <a:outerShdw blurRad="38100" dist="38100" dir="2700000" algn="tl">
-                  <a:srgbClr val="000000">
-                    <a:alpha val="43137"/>
-                  </a:srgbClr>
-                </a:outerShdw>
-              </a:effectLst>
-            </a:endParaRPr>
-          </a:p>
-        </p:txBody>
-      </p:sp>
-    </p:spTree>
-    <p:extLst>
-      <p:ext uri="{BB962C8B-B14F-4D97-AF65-F5344CB8AC3E}">
-        <p14:creationId xmlns:p14="http://schemas.microsoft.com/office/powerpoint/2010/main" val="3700805836"/>
-      </p:ext>
-    </p:extLst>
-  </p:cSld>
-  <p:clrMapOvr>
-    <a:masterClrMapping/>
-  </p:clrMapOvr>
-  <p:timing>
-    <p:tnLst>
-      <p:par>
-        <p:cTn id="1" dur="indefinite" restart="never" nodeType="tmRoot">
-          <p:childTnLst>
-            <p:seq concurrent="1" nextAc="seek">
-              <p:cTn id="2" dur="indefinite" nodeType="mainSeq">
-                <p:childTnLst>
-                  <p:par>
-                    <p:cTn id="3" fill="hold">
-                      <p:stCondLst>
-                        <p:cond delay="indefinite"/>
-                      </p:stCondLst>
-                      <p:childTnLst>
-                        <p:par>
-                          <p:cTn id="4" fill="hold">
-                            <p:stCondLst>
-                              <p:cond delay="0"/>
-                            </p:stCondLst>
-                            <p:childTnLst>
-                              <p:par>
-                                <p:cTn id="5" presetID="10" presetClass="entr" presetSubtype="0" fill="hold" nodeType="clickEffect">
-                                  <p:stCondLst>
-                                    <p:cond delay="0"/>
-                                  </p:stCondLst>
-                                  <p:childTnLst>
-                                    <p:set>
-                                      <p:cBhvr>
-                                        <p:cTn id="6" dur="1" fill="hold">
-                                          <p:stCondLst>
-                                            <p:cond delay="0"/>
-                                          </p:stCondLst>
-                                        </p:cTn>
-                                        <p:tgtEl>
-                                          <p:spTgt spid="3">
-                                            <p:txEl>
-                                              <p:pRg st="0" end="0"/>
-                                            </p:txEl>
-                                          </p:spTgt>
-                                        </p:tgtEl>
-                                        <p:attrNameLst>
-                                          <p:attrName>style.visibility</p:attrName>
-                                        </p:attrNameLst>
-                                      </p:cBhvr>
-                                      <p:to>
-                                        <p:strVal val="visible"/>
-                                      </p:to>
-                                    </p:set>
-                                    <p:animEffect transition="in" filter="fade">
-                                      <p:cBhvr>
-                                        <p:cTn id="7" dur="500"/>
-                                        <p:tgtEl>
-                                          <p:spTgt spid="3">
-                                            <p:txEl>
-                                              <p:pRg st="0" end="0"/>
-                                            </p:txEl>
-                                          </p:spTgt>
-                                        </p:tgtEl>
-                                      </p:cBhvr>
-                                    </p:animEffect>
-                                  </p:childTnLst>
-                                </p:cTn>
-                              </p:par>
-                            </p:childTnLst>
-                          </p:cTn>
-                        </p:par>
-                      </p:childTnLst>
-                    </p:cTn>
-                  </p:par>
-                  <p:par>
-                    <p:cTn id="8" fill="hold">
-                      <p:stCondLst>
-                        <p:cond delay="indefinite"/>
-                      </p:stCondLst>
-                      <p:childTnLst>
-                        <p:par>
-                          <p:cTn id="9" fill="hold">
-                            <p:stCondLst>
-                              <p:cond delay="0"/>
-                            </p:stCondLst>
-                            <p:childTnLst>
-                              <p:par>
-                                <p:cTn id="10" presetID="10" presetClass="entr" presetSubtype="0" fill="hold" nodeType="clickEffect">
-                                  <p:stCondLst>
-                                    <p:cond delay="0"/>
-                                  </p:stCondLst>
-                                  <p:childTnLst>
-                                    <p:set>
-                                      <p:cBhvr>
-                                        <p:cTn id="11" dur="1" fill="hold">
-                                          <p:stCondLst>
-                                            <p:cond delay="0"/>
-                                          </p:stCondLst>
-                                        </p:cTn>
-                                        <p:tgtEl>
-                                          <p:spTgt spid="3">
-                                            <p:txEl>
-                                              <p:pRg st="2" end="2"/>
-                                            </p:txEl>
-                                          </p:spTgt>
-                                        </p:tgtEl>
-                                        <p:attrNameLst>
-                                          <p:attrName>style.visibility</p:attrName>
-                                        </p:attrNameLst>
-                                      </p:cBhvr>
-                                      <p:to>
-                                        <p:strVal val="visible"/>
-                                      </p:to>
-                                    </p:set>
-                                    <p:animEffect transition="in" filter="fade">
-                                      <p:cBhvr>
-                                        <p:cTn id="12" dur="500"/>
-                                        <p:tgtEl>
-                                          <p:spTgt spid="3">
-                                            <p:txEl>
-                                              <p:pRg st="2" end="2"/>
-                                            </p:txEl>
-                                          </p:spTgt>
-                                        </p:tgtEl>
-                                      </p:cBhvr>
-                                    </p:animEffect>
-                                  </p:childTnLst>
-                                </p:cTn>
-                              </p:par>
-                            </p:childTnLst>
-                          </p:cTn>
-                        </p:par>
-                      </p:childTnLst>
-                    </p:cTn>
-                  </p:par>
-                  <p:par>
-                    <p:cTn id="13" fill="hold">
-                      <p:stCondLst>
-                        <p:cond delay="indefinite"/>
-                      </p:stCondLst>
-                      <p:childTnLst>
-                        <p:par>
-                          <p:cTn id="14" fill="hold">
-                            <p:stCondLst>
-                              <p:cond delay="0"/>
-                            </p:stCondLst>
-                            <p:childTnLst>
-                              <p:par>
-                                <p:cTn id="15" presetID="10" presetClass="entr" presetSubtype="0" fill="hold" nodeType="clickEffect">
-                                  <p:stCondLst>
-                                    <p:cond delay="0"/>
-                                  </p:stCondLst>
-                                  <p:childTnLst>
-                                    <p:set>
-                                      <p:cBhvr>
-                                        <p:cTn id="16" dur="1" fill="hold">
-                                          <p:stCondLst>
-                                            <p:cond delay="0"/>
-                                          </p:stCondLst>
-                                        </p:cTn>
-                                        <p:tgtEl>
-                                          <p:spTgt spid="3">
-                                            <p:txEl>
-                                              <p:pRg st="4" end="4"/>
-                                            </p:txEl>
-                                          </p:spTgt>
-                                        </p:tgtEl>
-                                        <p:attrNameLst>
-                                          <p:attrName>style.visibility</p:attrName>
-                                        </p:attrNameLst>
-                                      </p:cBhvr>
-                                      <p:to>
-                                        <p:strVal val="visible"/>
-                                      </p:to>
-                                    </p:set>
-                                    <p:animEffect transition="in" filter="fade">
-                                      <p:cBhvr>
-                                        <p:cTn id="17" dur="500"/>
-                                        <p:tgtEl>
-                                          <p:spTgt spid="3">
-                                            <p:txEl>
-                                              <p:pRg st="4" end="4"/>
-                                            </p:txEl>
-                                          </p:spTgt>
-                                        </p:tgtEl>
-                                      </p:cBhvr>
-                                    </p:animEffect>
-                                  </p:childTnLst>
-                                </p:cTn>
-                              </p:par>
-                            </p:childTnLst>
-                          </p:cTn>
-                        </p:par>
-                      </p:childTnLst>
-                    </p:cTn>
-                  </p:par>
-                  <p:par>
-                    <p:cTn id="18" fill="hold">
-                      <p:stCondLst>
-                        <p:cond delay="indefinite"/>
-                      </p:stCondLst>
-                      <p:childTnLst>
-                        <p:par>
-                          <p:cTn id="19" fill="hold">
-                            <p:stCondLst>
-                              <p:cond delay="0"/>
-                            </p:stCondLst>
-                            <p:childTnLst>
-                              <p:par>
-                                <p:cTn id="20" presetID="10" presetClass="entr" presetSubtype="0" fill="hold" nodeType="clickEffect">
-                                  <p:stCondLst>
-                                    <p:cond delay="0"/>
-                                  </p:stCondLst>
-                                  <p:childTnLst>
-                                    <p:set>
-                                      <p:cBhvr>
-                                        <p:cTn id="21" dur="1" fill="hold">
-                                          <p:stCondLst>
-                                            <p:cond delay="0"/>
-                                          </p:stCondLst>
-                                        </p:cTn>
-                                        <p:tgtEl>
-                                          <p:spTgt spid="3">
-                                            <p:txEl>
-                                              <p:pRg st="6" end="6"/>
-                                            </p:txEl>
-                                          </p:spTgt>
-                                        </p:tgtEl>
-                                        <p:attrNameLst>
-                                          <p:attrName>style.visibility</p:attrName>
-                                        </p:attrNameLst>
-                                      </p:cBhvr>
-                                      <p:to>
-                                        <p:strVal val="visible"/>
-                                      </p:to>
-                                    </p:set>
-                                    <p:animEffect transition="in" filter="fade">
-                                      <p:cBhvr>
-                                        <p:cTn id="22" dur="500"/>
-                                        <p:tgtEl>
-                                          <p:spTgt spid="3">
-                                            <p:txEl>
-                                              <p:pRg st="6" end="6"/>
-                                            </p:txEl>
-                                          </p:spTgt>
-                                        </p:tgtEl>
-                                      </p:cBhvr>
-                                    </p:animEffect>
-                                  </p:childTnLst>
-                                </p:cTn>
-                              </p:par>
-                            </p:childTnLst>
-                          </p:cTn>
-                        </p:par>
-                      </p:childTnLst>
-                    </p:cTn>
-                  </p:par>
-                  <p:par>
-                    <p:cTn id="23" fill="hold">
-                      <p:stCondLst>
-                        <p:cond delay="indefinite"/>
-                      </p:stCondLst>
-                      <p:childTnLst>
-                        <p:par>
-                          <p:cTn id="24" fill="hold">
-                            <p:stCondLst>
-                              <p:cond delay="0"/>
-                            </p:stCondLst>
-                            <p:childTnLst>
-                              <p:par>
-                                <p:cTn id="25" presetID="10" presetClass="entr" presetSubtype="0" fill="hold" nodeType="clickEffect">
-                                  <p:stCondLst>
-                                    <p:cond delay="0"/>
-                                  </p:stCondLst>
-                                  <p:childTnLst>
-                                    <p:set>
-                                      <p:cBhvr>
-                                        <p:cTn id="26" dur="1" fill="hold">
-                                          <p:stCondLst>
-                                            <p:cond delay="0"/>
-                                          </p:stCondLst>
-                                        </p:cTn>
-                                        <p:tgtEl>
-                                          <p:spTgt spid="3">
-                                            <p:txEl>
-                                              <p:pRg st="8" end="8"/>
-                                            </p:txEl>
-                                          </p:spTgt>
-                                        </p:tgtEl>
-                                        <p:attrNameLst>
-                                          <p:attrName>style.visibility</p:attrName>
-                                        </p:attrNameLst>
-                                      </p:cBhvr>
-                                      <p:to>
-                                        <p:strVal val="visible"/>
-                                      </p:to>
-                                    </p:set>
-                                    <p:animEffect transition="in" filter="fade">
-                                      <p:cBhvr>
-                                        <p:cTn id="27" dur="500"/>
-                                        <p:tgtEl>
-                                          <p:spTgt spid="3">
-                                            <p:txEl>
-                                              <p:pRg st="8" end="8"/>
-                                            </p:txEl>
-                                          </p:spTgt>
-                                        </p:tgtEl>
-                                      </p:cBhvr>
-                                    </p:animEffect>
-                                  </p:childTnLst>
-                                </p:cTn>
-                              </p:par>
-                            </p:childTnLst>
-                          </p:cTn>
-                        </p:par>
-                      </p:childTnLst>
-                    </p:cTn>
-                  </p:par>
-                  <p:par>
-                    <p:cTn id="28" fill="hold">
-                      <p:stCondLst>
-                        <p:cond delay="indefinite"/>
-                      </p:stCondLst>
-                      <p:childTnLst>
-                        <p:par>
-                          <p:cTn id="29" fill="hold">
-                            <p:stCondLst>
-                              <p:cond delay="0"/>
-                            </p:stCondLst>
-                            <p:childTnLst>
-                              <p:par>
-                                <p:cTn id="30" presetID="10" presetClass="entr" presetSubtype="0" fill="hold" nodeType="clickEffect">
-                                  <p:stCondLst>
-                                    <p:cond delay="0"/>
-                                  </p:stCondLst>
-                                  <p:childTnLst>
-                                    <p:set>
-                                      <p:cBhvr>
-                                        <p:cTn id="31" dur="1" fill="hold">
-                                          <p:stCondLst>
-                                            <p:cond delay="0"/>
-                                          </p:stCondLst>
-                                        </p:cTn>
-                                        <p:tgtEl>
-                                          <p:spTgt spid="3">
-                                            <p:txEl>
-                                              <p:pRg st="10" end="10"/>
-                                            </p:txEl>
-                                          </p:spTgt>
-                                        </p:tgtEl>
-                                        <p:attrNameLst>
-                                          <p:attrName>style.visibility</p:attrName>
-                                        </p:attrNameLst>
-                                      </p:cBhvr>
-                                      <p:to>
-                                        <p:strVal val="visible"/>
-                                      </p:to>
-                                    </p:set>
-                                    <p:animEffect transition="in" filter="fade">
-                                      <p:cBhvr>
-                                        <p:cTn id="32" dur="500"/>
-                                        <p:tgtEl>
-                                          <p:spTgt spid="3">
-                                            <p:txEl>
-                                              <p:pRg st="10" end="10"/>
-                                            </p:txEl>
-                                          </p:spTgt>
-                                        </p:tgtEl>
-                                      </p:cBhvr>
-                                    </p:animEffect>
-                                  </p:childTnLst>
-                                </p:cTn>
-                              </p:par>
-                            </p:childTnLst>
-                          </p:cTn>
-                        </p:par>
-                      </p:childTnLst>
-                    </p:cTn>
-                  </p:par>
-                  <p:par>
-                    <p:cTn id="33" fill="hold">
-                      <p:stCondLst>
-                        <p:cond delay="indefinite"/>
-                      </p:stCondLst>
-                      <p:childTnLst>
-                        <p:par>
-                          <p:cTn id="34" fill="hold">
-                            <p:stCondLst>
-                              <p:cond delay="0"/>
-                            </p:stCondLst>
-                            <p:childTnLst>
-                              <p:par>
-                                <p:cTn id="35" presetID="10" presetClass="entr" presetSubtype="0" fill="hold" nodeType="clickEffect">
-                                  <p:stCondLst>
-                                    <p:cond delay="0"/>
-                                  </p:stCondLst>
-                                  <p:childTnLst>
-                                    <p:set>
-                                      <p:cBhvr>
-                                        <p:cTn id="36" dur="1" fill="hold">
-                                          <p:stCondLst>
-                                            <p:cond delay="0"/>
-                                          </p:stCondLst>
-                                        </p:cTn>
-                                        <p:tgtEl>
-                                          <p:spTgt spid="3">
-                                            <p:txEl>
-                                              <p:pRg st="12" end="12"/>
-                                            </p:txEl>
-                                          </p:spTgt>
-                                        </p:tgtEl>
-                                        <p:attrNameLst>
-                                          <p:attrName>style.visibility</p:attrName>
-                                        </p:attrNameLst>
-                                      </p:cBhvr>
-                                      <p:to>
-                                        <p:strVal val="visible"/>
-                                      </p:to>
-                                    </p:set>
-                                    <p:animEffect transition="in" filter="fade">
-                                      <p:cBhvr>
-                                        <p:cTn id="37" dur="500"/>
-                                        <p:tgtEl>
-                                          <p:spTgt spid="3">
-                                            <p:txEl>
-                                              <p:pRg st="12" end="12"/>
-                                            </p:txEl>
-                                          </p:spTgt>
-                                        </p:tgtEl>
-                                      </p:cBhvr>
-                                    </p:animEffect>
-                                  </p:childTnLst>
-                                </p:cTn>
-                              </p:par>
-                            </p:childTnLst>
-                          </p:cTn>
-                        </p:par>
-                      </p:childTnLst>
-                    </p:cTn>
-                  </p:par>
-                  <p:par>
-                    <p:cTn id="38" fill="hold">
-                      <p:stCondLst>
-                        <p:cond delay="indefinite"/>
-                      </p:stCondLst>
-                      <p:childTnLst>
-                        <p:par>
-                          <p:cTn id="39" fill="hold">
-                            <p:stCondLst>
-                              <p:cond delay="0"/>
-                            </p:stCondLst>
-                            <p:childTnLst>
-                              <p:par>
-                                <p:cTn id="40" presetID="10" presetClass="entr" presetSubtype="0" fill="hold" nodeType="clickEffect">
-                                  <p:stCondLst>
-                                    <p:cond delay="0"/>
-                                  </p:stCondLst>
-                                  <p:childTnLst>
-                                    <p:set>
-                                      <p:cBhvr>
-                                        <p:cTn id="41" dur="1" fill="hold">
-                                          <p:stCondLst>
-                                            <p:cond delay="0"/>
-                                          </p:stCondLst>
-                                        </p:cTn>
-                                        <p:tgtEl>
-                                          <p:spTgt spid="3">
-                                            <p:txEl>
-                                              <p:pRg st="14" end="14"/>
-                                            </p:txEl>
-                                          </p:spTgt>
-                                        </p:tgtEl>
-                                        <p:attrNameLst>
-                                          <p:attrName>style.visibility</p:attrName>
-                                        </p:attrNameLst>
-                                      </p:cBhvr>
-                                      <p:to>
-                                        <p:strVal val="visible"/>
-                                      </p:to>
-                                    </p:set>
-                                    <p:animEffect transition="in" filter="fade">
-                                      <p:cBhvr>
-                                        <p:cTn id="42" dur="500"/>
-                                        <p:tgtEl>
-                                          <p:spTgt spid="3">
-                                            <p:txEl>
-                                              <p:pRg st="14" end="14"/>
-                                            </p:txEl>
-                                          </p:spTgt>
-                                        </p:tgtEl>
-                                      </p:cBhvr>
-                                    </p:animEffect>
-                                  </p:childTnLst>
-                                </p:cTn>
-                              </p:par>
-                            </p:childTnLst>
-                          </p:cTn>
-                        </p:par>
-                      </p:childTnLst>
-                    </p:cTn>
-                  </p:par>
-                  <p:par>
-                    <p:cTn id="43" fill="hold">
-                      <p:stCondLst>
-                        <p:cond delay="indefinite"/>
-                      </p:stCondLst>
-                      <p:childTnLst>
-                        <p:par>
-                          <p:cTn id="44" fill="hold">
-                            <p:stCondLst>
-                              <p:cond delay="0"/>
-                            </p:stCondLst>
-                            <p:childTnLst>
-                              <p:par>
-                                <p:cTn id="45" presetID="10" presetClass="entr" presetSubtype="0" fill="hold" nodeType="clickEffect">
-                                  <p:stCondLst>
-                                    <p:cond delay="0"/>
-                                  </p:stCondLst>
-                                  <p:childTnLst>
-                                    <p:set>
-                                      <p:cBhvr>
-                                        <p:cTn id="46" dur="1" fill="hold">
-                                          <p:stCondLst>
-                                            <p:cond delay="0"/>
-                                          </p:stCondLst>
-                                        </p:cTn>
-                                        <p:tgtEl>
-                                          <p:spTgt spid="3">
-                                            <p:txEl>
-                                              <p:pRg st="16" end="16"/>
-                                            </p:txEl>
-                                          </p:spTgt>
-                                        </p:tgtEl>
-                                        <p:attrNameLst>
-                                          <p:attrName>style.visibility</p:attrName>
-                                        </p:attrNameLst>
-                                      </p:cBhvr>
-                                      <p:to>
-                                        <p:strVal val="visible"/>
-                                      </p:to>
-                                    </p:set>
-                                    <p:animEffect transition="in" filter="fade">
-                                      <p:cBhvr>
-                                        <p:cTn id="47" dur="500"/>
-                                        <p:tgtEl>
-                                          <p:spTgt spid="3">
-                                            <p:txEl>
-                                              <p:pRg st="16" end="16"/>
-                                            </p:txEl>
-                                          </p:spTgt>
-                                        </p:tgtEl>
-                                      </p:cBhvr>
-                                    </p:animEffect>
-                                  </p:childTnLst>
-                                </p:cTn>
-                              </p:par>
-                            </p:childTnLst>
-                          </p:cTn>
-                        </p:par>
-                      </p:childTnLst>
-                    </p:cTn>
-                  </p:par>
-                  <p:par>
-                    <p:cTn id="48" fill="hold">
-                      <p:stCondLst>
-                        <p:cond delay="indefinite"/>
-                      </p:stCondLst>
-                      <p:childTnLst>
-                        <p:par>
-                          <p:cTn id="49" fill="hold">
-                            <p:stCondLst>
-                              <p:cond delay="0"/>
-                            </p:stCondLst>
-                            <p:childTnLst>
-                              <p:par>
-                                <p:cTn id="50" presetID="10" presetClass="entr" presetSubtype="0" fill="hold" nodeType="clickEffect">
-                                  <p:stCondLst>
-                                    <p:cond delay="0"/>
-                                  </p:stCondLst>
-                                  <p:childTnLst>
-                                    <p:set>
-                                      <p:cBhvr>
-                                        <p:cTn id="51" dur="1" fill="hold">
-                                          <p:stCondLst>
-                                            <p:cond delay="0"/>
-                                          </p:stCondLst>
-                                        </p:cTn>
-                                        <p:tgtEl>
-                                          <p:spTgt spid="3">
-                                            <p:txEl>
-                                              <p:pRg st="18" end="18"/>
-                                            </p:txEl>
-                                          </p:spTgt>
-                                        </p:tgtEl>
-                                        <p:attrNameLst>
-                                          <p:attrName>style.visibility</p:attrName>
-                                        </p:attrNameLst>
-                                      </p:cBhvr>
-                                      <p:to>
-                                        <p:strVal val="visible"/>
-                                      </p:to>
-                                    </p:set>
-                                    <p:animEffect transition="in" filter="fade">
-                                      <p:cBhvr>
-                                        <p:cTn id="52" dur="500"/>
-                                        <p:tgtEl>
-                                          <p:spTgt spid="3">
-                                            <p:txEl>
-                                              <p:pRg st="18" end="18"/>
-                                            </p:txEl>
-                                          </p:spTgt>
-                                        </p:tgtEl>
-                                      </p:cBhvr>
-                                    </p:animEffect>
-                                  </p:childTnLst>
-                                </p:cTn>
-                              </p:par>
-                            </p:childTnLst>
-                          </p:cTn>
-                        </p:par>
-                      </p:childTnLst>
-                    </p:cTn>
-                  </p:par>
-                </p:childTnLst>
-              </p:cTn>
-              <p:prevCondLst>
-                <p:cond evt="onPrev" delay="0">
-                  <p:tgtEl>
-                    <p:sldTgt/>
-                  </p:tgtEl>
-                </p:cond>
-              </p:prevCondLst>
-              <p:nextCondLst>
-                <p:cond evt="onNext" delay="0">
-                  <p:tgtEl>
-                    <p:sldTgt/>
-                  </p:tgtEl>
-                </p:cond>
-              </p:nextCondLst>
-            </p:seq>
-          </p:childTnLst>
-        </p:cTn>
-      </p:par>
-    </p:tnLst>
-  </p:timing>
-</p:sld>
-</file>
-
-<file path=ppt/slides/slide17.xml><?xml version="1.0" encoding="utf-8"?>
-<p:sld xmlns:a="http://schemas.openxmlformats.org/drawingml/2006/main" xmlns:r="http://schemas.openxmlformats.org/officeDocument/2006/relationships" xmlns:p="http://schemas.openxmlformats.org/presentationml/2006/main">
-  <p:cSld>
-    <p:spTree>
-      <p:nvGrpSpPr>
-        <p:cNvPr id="1" name=""/>
-        <p:cNvGrpSpPr/>
-        <p:nvPr/>
-      </p:nvGrpSpPr>
-      <p:grpSpPr>
-        <a:xfrm>
-          <a:off x="0" y="0"/>
-          <a:ext cx="0" cy="0"/>
-          <a:chOff x="0" y="0"/>
-          <a:chExt cx="0" cy="0"/>
-        </a:xfrm>
-      </p:grpSpPr>
-      <p:sp>
-        <p:nvSpPr>
-          <p:cNvPr id="4" name="Rectangle 3"/>
-          <p:cNvSpPr/>
-          <p:nvPr/>
-        </p:nvSpPr>
-        <p:spPr>
-          <a:xfrm>
-            <a:off x="543756" y="1371600"/>
-            <a:ext cx="3452179" cy="369332"/>
-          </a:xfrm>
-          <a:prstGeom prst="rect">
-            <a:avLst/>
-          </a:prstGeom>
-        </p:spPr>
-        <p:txBody>
-          <a:bodyPr wrap="square">
-            <a:spAutoFit/>
-          </a:bodyPr>
-          <a:lstStyle/>
-          <a:p>
-            <a:pPr lvl="0"/>
-            <a:r>
-              <a:rPr lang="ru-RU" b="1" dirty="0">
-                <a:solidFill>
-                  <a:srgbClr val="CC3300"/>
-                </a:solidFill>
-                <a:latin typeface="Arial" panose="020B0604020202020204" pitchFamily="34" charset="0"/>
-                <a:cs typeface="Arial" panose="020B0604020202020204" pitchFamily="34" charset="0"/>
-              </a:rPr>
-              <a:t>Итеративная</a:t>
-            </a:r>
-            <a:r>
-              <a:rPr lang="ru-RU" b="1" dirty="0" smtClean="0">
-                <a:solidFill>
-                  <a:srgbClr val="CC3300"/>
-                </a:solidFill>
-                <a:latin typeface="Arial" panose="020B0604020202020204" pitchFamily="34" charset="0"/>
-                <a:cs typeface="Arial" panose="020B0604020202020204" pitchFamily="34" charset="0"/>
-              </a:rPr>
-              <a:t> </a:t>
-            </a:r>
-            <a:r>
-              <a:rPr lang="ru-RU" dirty="0" smtClean="0">
-                <a:latin typeface="Arial" panose="020B0604020202020204" pitchFamily="34" charset="0"/>
-                <a:cs typeface="Arial" panose="020B0604020202020204" pitchFamily="34" charset="0"/>
-              </a:rPr>
-              <a:t>разработка</a:t>
-            </a:r>
-            <a:endParaRPr lang="en-US" dirty="0">
-              <a:latin typeface="Arial" panose="020B0604020202020204" pitchFamily="34" charset="0"/>
-              <a:cs typeface="Arial" panose="020B0604020202020204" pitchFamily="34" charset="0"/>
-            </a:endParaRPr>
-          </a:p>
-        </p:txBody>
-      </p:sp>
-      <p:pic>
-        <p:nvPicPr>
-          <p:cNvPr id="3074" name="Picture 2" descr="C:\Users\Jul4a\Desktop\Testing\pics\Без имени-1.jpg"/>
-          <p:cNvPicPr>
-            <a:picLocks noChangeAspect="1" noChangeArrowheads="1"/>
-          </p:cNvPicPr>
-          <p:nvPr/>
-        </p:nvPicPr>
-        <p:blipFill>
-          <a:blip r:embed="rId2"/>
-          <a:srcRect/>
-          <a:stretch>
-            <a:fillRect/>
-          </a:stretch>
-        </p:blipFill>
-        <p:spPr bwMode="auto">
-          <a:xfrm>
-            <a:off x="857223" y="1928182"/>
-            <a:ext cx="7143751" cy="1590675"/>
-          </a:xfrm>
-          <a:prstGeom prst="rect">
-            <a:avLst/>
-          </a:prstGeom>
-          <a:noFill/>
-        </p:spPr>
-      </p:pic>
-      <p:sp>
-        <p:nvSpPr>
-          <p:cNvPr id="6" name="TextBox 5"/>
-          <p:cNvSpPr txBox="1"/>
-          <p:nvPr/>
-        </p:nvSpPr>
-        <p:spPr>
-          <a:xfrm>
-            <a:off x="457200" y="381000"/>
-            <a:ext cx="6813019" cy="630942"/>
-          </a:xfrm>
-          <a:prstGeom prst="rect">
-            <a:avLst/>
-          </a:prstGeom>
-          <a:noFill/>
-        </p:spPr>
-        <p:txBody>
-          <a:bodyPr wrap="none" rtlCol="0">
-            <a:spAutoFit/>
-          </a:bodyPr>
-          <a:lstStyle/>
-          <a:p>
-            <a:r>
-              <a:rPr lang="ru-RU" sz="3500" dirty="0" smtClean="0">
-                <a:solidFill>
-                  <a:schemeClr val="tx1">
-                    <a:lumMod val="65000"/>
-                    <a:lumOff val="35000"/>
-                  </a:schemeClr>
-                </a:solidFill>
-                <a:effectLst>
-                  <a:outerShdw blurRad="38100" dist="38100" dir="2700000" algn="tl">
-                    <a:srgbClr val="000000">
-                      <a:alpha val="43137"/>
-                    </a:srgbClr>
-                  </a:outerShdw>
-                </a:effectLst>
-              </a:rPr>
-              <a:t>Ключевые моменты </a:t>
-            </a:r>
-            <a:r>
-              <a:rPr lang="en-US" sz="3500" dirty="0" smtClean="0">
-                <a:solidFill>
-                  <a:schemeClr val="tx1">
-                    <a:lumMod val="65000"/>
-                    <a:lumOff val="35000"/>
-                  </a:schemeClr>
-                </a:solidFill>
-                <a:effectLst>
-                  <a:outerShdw blurRad="38100" dist="38100" dir="2700000" algn="tl">
-                    <a:srgbClr val="000000">
-                      <a:alpha val="43137"/>
-                    </a:srgbClr>
-                  </a:outerShdw>
-                </a:effectLst>
-              </a:rPr>
-              <a:t>Agile </a:t>
-            </a:r>
-            <a:r>
-              <a:rPr lang="ru-RU" sz="3500" dirty="0" smtClean="0">
-                <a:solidFill>
-                  <a:schemeClr val="tx1">
-                    <a:lumMod val="65000"/>
-                    <a:lumOff val="35000"/>
-                  </a:schemeClr>
-                </a:solidFill>
-                <a:effectLst>
-                  <a:outerShdw blurRad="38100" dist="38100" dir="2700000" algn="tl">
-                    <a:srgbClr val="000000">
-                      <a:alpha val="43137"/>
-                    </a:srgbClr>
-                  </a:outerShdw>
-                </a:effectLst>
-              </a:rPr>
-              <a:t>моделей</a:t>
-            </a:r>
-            <a:endParaRPr lang="en-US" sz="3500" dirty="0">
-              <a:solidFill>
-                <a:schemeClr val="tx1">
-                  <a:lumMod val="65000"/>
-                  <a:lumOff val="35000"/>
-                </a:schemeClr>
-              </a:solidFill>
-              <a:effectLst>
-                <a:outerShdw blurRad="38100" dist="38100" dir="2700000" algn="tl">
-                  <a:srgbClr val="000000">
-                    <a:alpha val="43137"/>
-                  </a:srgbClr>
-                </a:outerShdw>
-              </a:effectLst>
-            </a:endParaRPr>
-          </a:p>
-        </p:txBody>
-      </p:sp>
-      <p:pic>
-        <p:nvPicPr>
-          <p:cNvPr id="2050" name="Picture 2" descr="Agile model in Software testing"/>
-          <p:cNvPicPr>
-            <a:picLocks noChangeAspect="1" noChangeArrowheads="1"/>
-          </p:cNvPicPr>
-          <p:nvPr/>
-        </p:nvPicPr>
-        <p:blipFill>
-          <a:blip r:embed="rId3">
-            <a:extLst>
-              <a:ext uri="{28A0092B-C50C-407E-A947-70E740481C1C}">
-                <a14:useLocalDpi xmlns:a14="http://schemas.microsoft.com/office/drawing/2010/main" val="0"/>
-              </a:ext>
-            </a:extLst>
-          </a:blip>
-          <a:srcRect/>
-          <a:stretch>
-            <a:fillRect/>
-          </a:stretch>
-        </p:blipFill>
-        <p:spPr bwMode="auto">
-          <a:xfrm>
-            <a:off x="1763688" y="3492759"/>
-            <a:ext cx="5328592" cy="2743829"/>
-          </a:xfrm>
-          <a:prstGeom prst="rect">
-            <a:avLst/>
-          </a:prstGeom>
-          <a:noFill/>
-          <a:extLst>
-            <a:ext uri="{909E8E84-426E-40DD-AFC4-6F175D3DCCD1}">
-              <a14:hiddenFill xmlns:a14="http://schemas.microsoft.com/office/drawing/2010/main">
-                <a:solidFill>
-                  <a:srgbClr val="FFFFFF"/>
-                </a:solidFill>
-              </a14:hiddenFill>
-            </a:ext>
-          </a:extLst>
-        </p:spPr>
-      </p:pic>
-    </p:spTree>
-    <p:extLst>
-      <p:ext uri="{BB962C8B-B14F-4D97-AF65-F5344CB8AC3E}">
-        <p14:creationId xmlns:p14="http://schemas.microsoft.com/office/powerpoint/2010/main" val="1597129377"/>
-      </p:ext>
-    </p:extLst>
-  </p:cSld>
-  <p:clrMapOvr>
-    <a:masterClrMapping/>
-  </p:clrMapOvr>
-  <p:timing>
-    <p:tnLst>
-      <p:par>
-        <p:cTn id="1" dur="indefinite" restart="never" nodeType="tmRoot"/>
-      </p:par>
-    </p:tnLst>
-  </p:timing>
-</p:sld>
-</file>
-
 <file path=ppt/slides/slide18.xml><?xml version="1.0" encoding="utf-8"?>
 <p:sld xmlns:a="http://schemas.openxmlformats.org/drawingml/2006/main" xmlns:r="http://schemas.openxmlformats.org/officeDocument/2006/relationships" xmlns:p="http://schemas.openxmlformats.org/presentationml/2006/main">
   <p:cSld>
@@ -7775,14 +6599,128 @@
       </p:grpSpPr>
       <p:sp>
         <p:nvSpPr>
-          <p:cNvPr id="3" name="TextBox 2"/>
+          <p:cNvPr id="3" name="Объект 2"/>
+          <p:cNvSpPr>
+            <a:spLocks noGrp="1"/>
+          </p:cNvSpPr>
+          <p:nvPr>
+            <p:ph idx="1"/>
+          </p:nvPr>
+        </p:nvSpPr>
+        <p:spPr>
+          <a:xfrm>
+            <a:off x="457200" y="1484785"/>
+            <a:ext cx="8229600" cy="936103"/>
+          </a:xfrm>
+        </p:spPr>
+        <p:txBody>
+          <a:bodyPr>
+            <a:normAutofit fontScale="55000" lnSpcReduction="20000"/>
+          </a:bodyPr>
+          <a:lstStyle/>
+          <a:p>
+            <a:pPr marL="0" indent="0">
+              <a:buNone/>
+            </a:pPr>
+            <a:r>
+              <a:rPr lang="en-US" dirty="0">
+                <a:solidFill>
+                  <a:schemeClr val="tx1">
+                    <a:lumMod val="50000"/>
+                    <a:lumOff val="50000"/>
+                  </a:schemeClr>
+                </a:solidFill>
+                <a:cs typeface="Arial" panose="020B0604020202020204" pitchFamily="34" charset="0"/>
+              </a:rPr>
+              <a:t>(</a:t>
+            </a:r>
+            <a:r>
+              <a:rPr lang="en-US" dirty="0">
+                <a:solidFill>
+                  <a:schemeClr val="tx1">
+                    <a:lumMod val="50000"/>
+                    <a:lumOff val="50000"/>
+                  </a:schemeClr>
+                </a:solidFill>
+              </a:rPr>
+              <a:t>type of </a:t>
+            </a:r>
+            <a:r>
+              <a:rPr lang="en-US" dirty="0">
+                <a:solidFill>
+                  <a:schemeClr val="tx1">
+                    <a:lumMod val="50000"/>
+                    <a:lumOff val="50000"/>
+                  </a:schemeClr>
+                </a:solidFill>
+                <a:cs typeface="Arial" panose="020B0604020202020204" pitchFamily="34" charset="0"/>
+              </a:rPr>
+              <a:t>Incremental model)</a:t>
+            </a:r>
+            <a:endParaRPr lang="en-US" dirty="0">
+              <a:solidFill>
+                <a:schemeClr val="tx1">
+                  <a:lumMod val="50000"/>
+                  <a:lumOff val="50000"/>
+                </a:schemeClr>
+              </a:solidFill>
+              <a:effectLst>
+                <a:outerShdw blurRad="38100" dist="38100" dir="2700000" algn="tl">
+                  <a:srgbClr val="000000">
+                    <a:alpha val="43137"/>
+                  </a:srgbClr>
+                </a:outerShdw>
+              </a:effectLst>
+            </a:endParaRPr>
+          </a:p>
+          <a:p>
+            <a:pPr marL="0" indent="0">
+              <a:buNone/>
+            </a:pPr>
+            <a:r>
+              <a:rPr lang="en-US" dirty="0" smtClean="0"/>
+              <a:t>Small </a:t>
+            </a:r>
+            <a:r>
+              <a:rPr lang="en-US" dirty="0"/>
+              <a:t>incremental releases with each release building on previous functionality. </a:t>
+            </a:r>
+            <a:endParaRPr lang="en-US" dirty="0" smtClean="0"/>
+          </a:p>
+          <a:p>
+            <a:pPr marL="0" indent="0">
+              <a:buNone/>
+            </a:pPr>
+            <a:r>
+              <a:rPr lang="en-US" dirty="0" smtClean="0"/>
+              <a:t>Each </a:t>
+            </a:r>
+            <a:r>
+              <a:rPr lang="en-US" dirty="0"/>
+              <a:t>release is thoroughly </a:t>
+            </a:r>
+            <a:r>
+              <a:rPr lang="en-US" dirty="0" smtClean="0"/>
+              <a:t>tested to ensure software quality</a:t>
+            </a:r>
+            <a:r>
+              <a:rPr lang="en-US" dirty="0"/>
+              <a:t> is maintained.</a:t>
+            </a:r>
+            <a:endParaRPr lang="en-US" dirty="0"/>
+          </a:p>
+        </p:txBody>
+      </p:sp>
+      <p:sp>
+        <p:nvSpPr>
+          <p:cNvPr id="4" name="TextBox 3"/>
           <p:cNvSpPr txBox="1"/>
           <p:nvPr/>
         </p:nvSpPr>
         <p:spPr>
           <a:xfrm>
-            <a:off x="457200" y="381000"/>
-            <a:ext cx="6813019" cy="630942"/>
+            <a:off x="827584" y="323896"/>
+            <a:ext cx="7416824" cy="1077218"/>
           </a:xfrm>
           <a:prstGeom prst="rect">
             <a:avLst/>
@@ -7790,66 +6728,329 @@
           <a:noFill/>
         </p:spPr>
         <p:txBody>
-          <a:bodyPr wrap="none" rtlCol="0">
+          <a:bodyPr wrap="square" rtlCol="0">
             <a:spAutoFit/>
           </a:bodyPr>
           <a:lstStyle/>
           <a:p>
-            <a:r>
-              <a:rPr lang="ru-RU" sz="3500" dirty="0">
+            <a:pPr marL="0" lvl="1" algn="ctr"/>
+            <a:r>
+              <a:rPr lang="ru-RU" sz="3200" dirty="0">
+                <a:solidFill>
+                  <a:schemeClr val="tx1">
+                    <a:lumMod val="50000"/>
+                    <a:lumOff val="50000"/>
+                  </a:schemeClr>
+                </a:solidFill>
+                <a:cs typeface="Arial" panose="020B0604020202020204" pitchFamily="34" charset="0"/>
+              </a:rPr>
+              <a:t>Быстрые и современные </a:t>
+            </a:r>
+            <a:r>
+              <a:rPr lang="ru-RU" sz="3200" dirty="0" smtClean="0">
+                <a:solidFill>
+                  <a:schemeClr val="tx1">
+                    <a:lumMod val="50000"/>
+                    <a:lumOff val="50000"/>
+                  </a:schemeClr>
+                </a:solidFill>
+                <a:cs typeface="Arial" panose="020B0604020202020204" pitchFamily="34" charset="0"/>
+              </a:rPr>
+              <a:t>подходы</a:t>
+            </a:r>
+            <a:endParaRPr lang="ru-RU" sz="3200" dirty="0">
+              <a:solidFill>
+                <a:schemeClr val="tx1">
+                  <a:lumMod val="50000"/>
+                  <a:lumOff val="50000"/>
+                </a:schemeClr>
+              </a:solidFill>
+              <a:cs typeface="Arial" panose="020B0604020202020204" pitchFamily="34" charset="0"/>
+            </a:endParaRPr>
+          </a:p>
+          <a:p>
+            <a:pPr algn="ctr"/>
+            <a:r>
+              <a:rPr lang="en-US" sz="3200" dirty="0" smtClean="0">
+                <a:solidFill>
+                  <a:schemeClr val="tx1">
+                    <a:lumMod val="50000"/>
+                    <a:lumOff val="50000"/>
+                  </a:schemeClr>
+                </a:solidFill>
+                <a:cs typeface="Arial" panose="020B0604020202020204" pitchFamily="34" charset="0"/>
+              </a:rPr>
+              <a:t>Agile</a:t>
+            </a:r>
+            <a:endParaRPr lang="en-US" sz="3200" dirty="0">
+              <a:solidFill>
+                <a:schemeClr val="tx1">
+                  <a:lumMod val="50000"/>
+                  <a:lumOff val="50000"/>
+                </a:schemeClr>
+              </a:solidFill>
+              <a:effectLst>
+                <a:outerShdw blurRad="38100" dist="38100" dir="2700000" algn="tl">
+                  <a:srgbClr val="000000">
+                    <a:alpha val="43137"/>
+                  </a:srgbClr>
+                </a:outerShdw>
+              </a:effectLst>
+            </a:endParaRPr>
+          </a:p>
+        </p:txBody>
+      </p:sp>
+      <p:pic>
+        <p:nvPicPr>
+          <p:cNvPr id="1026" name="Picture 2" descr="Agile model in Software testing"/>
+          <p:cNvPicPr>
+            <a:picLocks noChangeAspect="1" noChangeArrowheads="1"/>
+          </p:cNvPicPr>
+          <p:nvPr/>
+        </p:nvPicPr>
+        <p:blipFill>
+          <a:blip r:embed="rId2">
+            <a:extLst>
+              <a:ext uri="{28A0092B-C50C-407E-A947-70E740481C1C}">
+                <a14:useLocalDpi xmlns:a14="http://schemas.microsoft.com/office/drawing/2010/main" val="0"/>
+              </a:ext>
+            </a:extLst>
+          </a:blip>
+          <a:srcRect/>
+          <a:stretch>
+            <a:fillRect/>
+          </a:stretch>
+        </p:blipFill>
+        <p:spPr bwMode="auto">
+          <a:xfrm>
+            <a:off x="539552" y="2582912"/>
+            <a:ext cx="6839652" cy="3528392"/>
+          </a:xfrm>
+          <a:prstGeom prst="rect">
+            <a:avLst/>
+          </a:prstGeom>
+          <a:noFill/>
+          <a:extLst>
+            <a:ext uri="{909E8E84-426E-40DD-AFC4-6F175D3DCCD1}">
+              <a14:hiddenFill xmlns:a14="http://schemas.microsoft.com/office/drawing/2010/main">
+                <a:solidFill>
+                  <a:srgbClr val="FFFFFF"/>
+                </a:solidFill>
+              </a14:hiddenFill>
+            </a:ext>
+          </a:extLst>
+        </p:spPr>
+      </p:pic>
+    </p:spTree>
+    <p:extLst>
+      <p:ext uri="{BB962C8B-B14F-4D97-AF65-F5344CB8AC3E}">
+        <p14:creationId xmlns:p14="http://schemas.microsoft.com/office/powerpoint/2010/main" val="2167961175"/>
+      </p:ext>
+    </p:extLst>
+  </p:cSld>
+  <p:clrMapOvr>
+    <a:masterClrMapping/>
+  </p:clrMapOvr>
+</p:sld>
+</file>
+
+<file path=ppt/slides/slide19.xml><?xml version="1.0" encoding="utf-8"?>
+<p:sld xmlns:a="http://schemas.openxmlformats.org/drawingml/2006/main" xmlns:r="http://schemas.openxmlformats.org/officeDocument/2006/relationships" xmlns:p="http://schemas.openxmlformats.org/presentationml/2006/main">
+  <p:cSld>
+    <p:spTree>
+      <p:nvGrpSpPr>
+        <p:cNvPr id="1" name=""/>
+        <p:cNvGrpSpPr/>
+        <p:nvPr/>
+      </p:nvGrpSpPr>
+      <p:grpSpPr>
+        <a:xfrm>
+          <a:off x="0" y="0"/>
+          <a:ext cx="0" cy="0"/>
+          <a:chOff x="0" y="0"/>
+          <a:chExt cx="0" cy="0"/>
+        </a:xfrm>
+      </p:grpSpPr>
+      <p:sp>
+        <p:nvSpPr>
+          <p:cNvPr id="3" name="Объект 2"/>
+          <p:cNvSpPr>
+            <a:spLocks noGrp="1"/>
+          </p:cNvSpPr>
+          <p:nvPr>
+            <p:ph idx="1"/>
+          </p:nvPr>
+        </p:nvSpPr>
+        <p:spPr>
+          <a:xfrm>
+            <a:off x="457200" y="908720"/>
+            <a:ext cx="8229600" cy="5328592"/>
+          </a:xfrm>
+        </p:spPr>
+        <p:txBody>
+          <a:bodyPr>
+            <a:normAutofit fontScale="55000" lnSpcReduction="20000"/>
+          </a:bodyPr>
+          <a:lstStyle/>
+          <a:p>
+            <a:pPr marL="0" indent="0">
+              <a:buNone/>
+            </a:pPr>
+            <a:r>
+              <a:rPr lang="en-US" b="1" dirty="0"/>
+              <a:t>Advantages of Agile </a:t>
+            </a:r>
+            <a:r>
+              <a:rPr lang="en-US" dirty="0" smtClean="0">
+                <a:cs typeface="Arial" panose="020B0604020202020204" pitchFamily="34" charset="0"/>
+              </a:rPr>
+              <a:t>approach</a:t>
+            </a:r>
+            <a:r>
+              <a:rPr lang="en-US" b="1" dirty="0" smtClean="0"/>
+              <a:t>:</a:t>
+            </a:r>
+            <a:endParaRPr lang="en-US" dirty="0"/>
+          </a:p>
+          <a:p>
+            <a:r>
+              <a:rPr lang="en-US" dirty="0"/>
+              <a:t>Customer satisfaction by rapid, continuous delivery of useful software.</a:t>
+            </a:r>
+          </a:p>
+          <a:p>
+            <a:r>
+              <a:rPr lang="en-US" dirty="0"/>
+              <a:t>People and interactions are emphasized rather than process and tools. Customers, developers and testers constantly interact with each other.</a:t>
+            </a:r>
+          </a:p>
+          <a:p>
+            <a:r>
+              <a:rPr lang="en-US" dirty="0"/>
+              <a:t>Working software is delivered frequently (weeks rather than months).</a:t>
+            </a:r>
+          </a:p>
+          <a:p>
+            <a:r>
+              <a:rPr lang="en-US" dirty="0"/>
+              <a:t>Face-to-face conversation is the best form of communication.</a:t>
+            </a:r>
+          </a:p>
+          <a:p>
+            <a:r>
+              <a:rPr lang="en-US" dirty="0"/>
+              <a:t>Close, daily cooperation between business people and developers.</a:t>
+            </a:r>
+          </a:p>
+          <a:p>
+            <a:r>
+              <a:rPr lang="en-US" dirty="0"/>
+              <a:t>Continuous attention to technical excellence and good design.</a:t>
+            </a:r>
+          </a:p>
+          <a:p>
+            <a:r>
+              <a:rPr lang="en-US" dirty="0"/>
+              <a:t>Regular adaptation to changing circumstances.</a:t>
+            </a:r>
+          </a:p>
+          <a:p>
+            <a:r>
+              <a:rPr lang="en-US" dirty="0"/>
+              <a:t>Even late changes in requirements are welcomed</a:t>
+            </a:r>
+          </a:p>
+          <a:p>
+            <a:pPr marL="0" indent="0">
+              <a:buNone/>
+            </a:pPr>
+            <a:endParaRPr lang="en-US" b="1" dirty="0" smtClean="0"/>
+          </a:p>
+          <a:p>
+            <a:pPr marL="0" indent="0">
+              <a:buNone/>
+            </a:pPr>
+            <a:r>
+              <a:rPr lang="en-US" b="1" dirty="0" smtClean="0"/>
+              <a:t>Disadvantages </a:t>
+            </a:r>
+            <a:r>
+              <a:rPr lang="en-US" b="1" dirty="0"/>
+              <a:t>of Agile </a:t>
+            </a:r>
+            <a:r>
+              <a:rPr lang="en-US" dirty="0" smtClean="0">
+                <a:cs typeface="Arial" panose="020B0604020202020204" pitchFamily="34" charset="0"/>
+              </a:rPr>
+              <a:t>approach:</a:t>
+            </a:r>
+            <a:endParaRPr lang="en-US" dirty="0"/>
+          </a:p>
+          <a:p>
+            <a:r>
+              <a:rPr lang="en-US" dirty="0"/>
+              <a:t>In case of some software deliverables, especially the large ones, it is difficult to assess the effort required at the beginning of the software development life cycle.</a:t>
+            </a:r>
+          </a:p>
+          <a:p>
+            <a:r>
+              <a:rPr lang="en-US" dirty="0"/>
+              <a:t>There is lack of emphasis on necessary designing and documentation.</a:t>
+            </a:r>
+          </a:p>
+          <a:p>
+            <a:r>
+              <a:rPr lang="en-US" dirty="0"/>
+              <a:t>The project can easily get taken off track if the customer representative is not clear what final outcome that they want.</a:t>
+            </a:r>
+          </a:p>
+          <a:p>
+            <a:r>
+              <a:rPr lang="en-US" dirty="0"/>
+              <a:t>Only senior programmers are capable of taking the kind of decisions required during the development process. Hence it has no place for newbie programmers, unless combined with experienced resources.</a:t>
+            </a:r>
+          </a:p>
+          <a:p>
+            <a:endParaRPr lang="en-US" dirty="0"/>
+          </a:p>
+        </p:txBody>
+      </p:sp>
+      <p:sp>
+        <p:nvSpPr>
+          <p:cNvPr id="4" name="TextBox 3"/>
+          <p:cNvSpPr txBox="1"/>
+          <p:nvPr/>
+        </p:nvSpPr>
+        <p:spPr>
+          <a:xfrm>
+            <a:off x="803920" y="255146"/>
+            <a:ext cx="7416824" cy="584775"/>
+          </a:xfrm>
+          <a:prstGeom prst="rect">
+            <a:avLst/>
+          </a:prstGeom>
+          <a:noFill/>
+        </p:spPr>
+        <p:txBody>
+          <a:bodyPr wrap="square" rtlCol="0">
+            <a:spAutoFit/>
+          </a:bodyPr>
+          <a:lstStyle/>
+          <a:p>
+            <a:pPr algn="ctr"/>
+            <a:r>
+              <a:rPr lang="en-US" sz="3200" dirty="0" smtClean="0">
                 <a:solidFill>
                   <a:schemeClr val="tx1">
                     <a:lumMod val="65000"/>
                     <a:lumOff val="35000"/>
                   </a:schemeClr>
                 </a:solidFill>
-                <a:effectLst>
-                  <a:outerShdw blurRad="38100" dist="38100" dir="2700000" algn="tl">
-                    <a:srgbClr val="000000">
-                      <a:alpha val="43137"/>
-                    </a:srgbClr>
-                  </a:outerShdw>
-                </a:effectLst>
-              </a:rPr>
-              <a:t>Ключевые моменты </a:t>
-            </a:r>
-            <a:r>
-              <a:rPr lang="en-US" sz="3500" dirty="0" smtClean="0">
-                <a:solidFill>
-                  <a:schemeClr val="tx1">
-                    <a:lumMod val="65000"/>
-                    <a:lumOff val="35000"/>
-                  </a:schemeClr>
-                </a:solidFill>
-                <a:effectLst>
-                  <a:outerShdw blurRad="38100" dist="38100" dir="2700000" algn="tl">
-                    <a:srgbClr val="000000">
-                      <a:alpha val="43137"/>
-                    </a:srgbClr>
-                  </a:outerShdw>
-                </a:effectLst>
-              </a:rPr>
-              <a:t>Agile </a:t>
-            </a:r>
-            <a:r>
-              <a:rPr lang="ru-RU" sz="3500" dirty="0" smtClean="0">
-                <a:solidFill>
-                  <a:schemeClr val="tx1">
-                    <a:lumMod val="65000"/>
-                    <a:lumOff val="35000"/>
-                  </a:schemeClr>
-                </a:solidFill>
-                <a:effectLst>
-                  <a:outerShdw blurRad="38100" dist="38100" dir="2700000" algn="tl">
-                    <a:srgbClr val="000000">
-                      <a:alpha val="43137"/>
-                    </a:srgbClr>
-                  </a:outerShdw>
-                </a:effectLst>
-              </a:rPr>
-              <a:t>моделей</a:t>
-            </a:r>
-            <a:endParaRPr lang="en-US" sz="3500" dirty="0">
+                <a:cs typeface="Arial" panose="020B0604020202020204" pitchFamily="34" charset="0"/>
+              </a:rPr>
+              <a:t>Agile approach</a:t>
+            </a:r>
+            <a:endParaRPr lang="en-US" sz="3200" dirty="0">
               <a:solidFill>
                 <a:schemeClr val="tx1">
                   <a:lumMod val="65000"/>
@@ -7867,99 +7068,612 @@
           </a:p>
         </p:txBody>
       </p:sp>
-      <p:sp>
-        <p:nvSpPr>
-          <p:cNvPr id="4" name="Rectangle 3"/>
-          <p:cNvSpPr/>
+    </p:spTree>
+    <p:extLst>
+      <p:ext uri="{BB962C8B-B14F-4D97-AF65-F5344CB8AC3E}">
+        <p14:creationId xmlns:p14="http://schemas.microsoft.com/office/powerpoint/2010/main" val="2982257845"/>
+      </p:ext>
+    </p:extLst>
+  </p:cSld>
+  <p:clrMapOvr>
+    <a:masterClrMapping/>
+  </p:clrMapOvr>
+</p:sld>
+</file>
+
+<file path=ppt/slides/slide2.xml><?xml version="1.0" encoding="utf-8"?>
+<p:sld xmlns:a="http://schemas.openxmlformats.org/drawingml/2006/main" xmlns:r="http://schemas.openxmlformats.org/officeDocument/2006/relationships" xmlns:p="http://schemas.openxmlformats.org/presentationml/2006/main">
+  <p:cSld>
+    <p:spTree>
+      <p:nvGrpSpPr>
+        <p:cNvPr id="1" name=""/>
+        <p:cNvGrpSpPr/>
+        <p:nvPr/>
+      </p:nvGrpSpPr>
+      <p:grpSpPr>
+        <a:xfrm>
+          <a:off x="0" y="0"/>
+          <a:ext cx="0" cy="0"/>
+          <a:chOff x="0" y="0"/>
+          <a:chExt cx="0" cy="0"/>
+        </a:xfrm>
+      </p:grpSpPr>
+      <p:sp>
+        <p:nvSpPr>
+          <p:cNvPr id="4" name="TextBox 3"/>
+          <p:cNvSpPr txBox="1"/>
           <p:nvPr/>
         </p:nvSpPr>
         <p:spPr>
           <a:xfrm>
-            <a:off x="543756" y="1171545"/>
-            <a:ext cx="5828444" cy="400110"/>
-          </a:xfrm>
-          <a:prstGeom prst="rect">
-            <a:avLst/>
-          </a:prstGeom>
-        </p:spPr>
-        <p:txBody>
-          <a:bodyPr wrap="square">
-            <a:spAutoFit/>
-          </a:bodyPr>
-          <a:lstStyle/>
-          <a:p>
-            <a:pPr lvl="0"/>
-            <a:r>
-              <a:rPr lang="ru-RU" sz="2000" dirty="0">
-                <a:latin typeface="Arial" panose="020B0604020202020204" pitchFamily="34" charset="0"/>
-                <a:cs typeface="Arial" panose="020B0604020202020204" pitchFamily="34" charset="0"/>
-              </a:rPr>
-              <a:t>Четкое </a:t>
-            </a:r>
-            <a:r>
-              <a:rPr lang="ru-RU" sz="2000" b="1" dirty="0" smtClean="0">
-                <a:solidFill>
-                  <a:srgbClr val="CC3300"/>
-                </a:solidFill>
-                <a:latin typeface="Arial" panose="020B0604020202020204" pitchFamily="34" charset="0"/>
-                <a:cs typeface="Arial" panose="020B0604020202020204" pitchFamily="34" charset="0"/>
-              </a:rPr>
-              <a:t>планирование </a:t>
-            </a:r>
-            <a:r>
-              <a:rPr lang="ru-RU" sz="2000" dirty="0">
-                <a:latin typeface="Arial" panose="020B0604020202020204" pitchFamily="34" charset="0"/>
-                <a:cs typeface="Arial" panose="020B0604020202020204" pitchFamily="34" charset="0"/>
-              </a:rPr>
-              <a:t>разработки и </a:t>
-            </a:r>
-            <a:r>
-              <a:rPr lang="ru-RU" sz="2000" dirty="0" smtClean="0">
-                <a:latin typeface="Arial" panose="020B0604020202020204" pitchFamily="34" charset="0"/>
-                <a:cs typeface="Arial" panose="020B0604020202020204" pitchFamily="34" charset="0"/>
-              </a:rPr>
-              <a:t>ресурсов</a:t>
-            </a:r>
-            <a:endParaRPr lang="en-US" sz="2000" b="1" dirty="0">
-              <a:solidFill>
-                <a:srgbClr val="CC3300"/>
-              </a:solidFill>
-              <a:latin typeface="Arial" panose="020B0604020202020204" pitchFamily="34" charset="0"/>
-              <a:cs typeface="Arial" panose="020B0604020202020204" pitchFamily="34" charset="0"/>
-            </a:endParaRPr>
-          </a:p>
-        </p:txBody>
-      </p:sp>
-      <p:pic>
-        <p:nvPicPr>
-          <p:cNvPr id="4098" name="Picture 2" descr="C:\Users\Jul4a\Desktop\Testing\pics\Без имени-2.jpg"/>
-          <p:cNvPicPr>
-            <a:picLocks noChangeAspect="1" noChangeArrowheads="1"/>
-          </p:cNvPicPr>
-          <p:nvPr/>
-        </p:nvPicPr>
-        <p:blipFill>
-          <a:blip r:embed="rId2"/>
-          <a:srcRect/>
-          <a:stretch>
-            <a:fillRect/>
-          </a:stretch>
-        </p:blipFill>
-        <p:spPr bwMode="auto">
-          <a:xfrm>
-            <a:off x="1714480" y="1714488"/>
-            <a:ext cx="5151442" cy="3901790"/>
+            <a:off x="596955" y="404664"/>
+            <a:ext cx="1008609" cy="553998"/>
           </a:xfrm>
           <a:prstGeom prst="rect">
             <a:avLst/>
           </a:prstGeom>
           <a:noFill/>
         </p:spPr>
-      </p:pic>
+        <p:txBody>
+          <a:bodyPr wrap="none" rtlCol="0">
+            <a:spAutoFit/>
+          </a:bodyPr>
+          <a:lstStyle/>
+          <a:p>
+            <a:r>
+              <a:rPr lang="ru-RU" sz="3000" dirty="0" smtClean="0">
+                <a:solidFill>
+                  <a:schemeClr val="tx1">
+                    <a:lumMod val="65000"/>
+                    <a:lumOff val="35000"/>
+                  </a:schemeClr>
+                </a:solidFill>
+                <a:effectLst>
+                  <a:outerShdw blurRad="38100" dist="38100" dir="2700000" algn="tl">
+                    <a:srgbClr val="000000">
+                      <a:alpha val="43137"/>
+                    </a:srgbClr>
+                  </a:outerShdw>
+                </a:effectLst>
+              </a:rPr>
+              <a:t>План</a:t>
+            </a:r>
+            <a:endParaRPr lang="en-US" sz="3000" dirty="0">
+              <a:solidFill>
+                <a:schemeClr val="tx1">
+                  <a:lumMod val="65000"/>
+                  <a:lumOff val="35000"/>
+                </a:schemeClr>
+              </a:solidFill>
+              <a:effectLst>
+                <a:outerShdw blurRad="38100" dist="38100" dir="2700000" algn="tl">
+                  <a:srgbClr val="000000">
+                    <a:alpha val="43137"/>
+                  </a:srgbClr>
+                </a:outerShdw>
+              </a:effectLst>
+            </a:endParaRPr>
+          </a:p>
+        </p:txBody>
+      </p:sp>
+      <p:sp>
+        <p:nvSpPr>
+          <p:cNvPr id="8" name="Rectangle 7"/>
+          <p:cNvSpPr/>
+          <p:nvPr/>
+        </p:nvSpPr>
+        <p:spPr>
+          <a:xfrm>
+            <a:off x="990600" y="1374274"/>
+            <a:ext cx="6893768" cy="4524315"/>
+          </a:xfrm>
+          <a:prstGeom prst="rect">
+            <a:avLst/>
+          </a:prstGeom>
+        </p:spPr>
+        <p:txBody>
+          <a:bodyPr wrap="square">
+            <a:spAutoFit/>
+          </a:bodyPr>
+          <a:lstStyle/>
+          <a:p>
+            <a:pPr marL="285750" lvl="0" indent="-285750">
+              <a:buClr>
+                <a:schemeClr val="accent2"/>
+              </a:buClr>
+              <a:buFont typeface="Wingdings" pitchFamily="2" charset="2"/>
+              <a:buChar char="Ø"/>
+            </a:pPr>
+            <a:r>
+              <a:rPr lang="ru-RU" dirty="0" smtClean="0">
+                <a:solidFill>
+                  <a:schemeClr val="tx1">
+                    <a:lumMod val="65000"/>
+                    <a:lumOff val="35000"/>
+                  </a:schemeClr>
+                </a:solidFill>
+                <a:latin typeface="Arial" panose="020B0604020202020204" pitchFamily="34" charset="0"/>
+                <a:cs typeface="Arial" panose="020B0604020202020204" pitchFamily="34" charset="0"/>
+              </a:rPr>
+              <a:t>Что такое «Цикл Разработки программного обеспечения»</a:t>
+            </a:r>
+            <a:r>
+              <a:rPr lang="en-US" dirty="0" smtClean="0">
+                <a:solidFill>
+                  <a:schemeClr val="tx1">
+                    <a:lumMod val="65000"/>
+                    <a:lumOff val="35000"/>
+                  </a:schemeClr>
+                </a:solidFill>
+                <a:latin typeface="Arial" panose="020B0604020202020204" pitchFamily="34" charset="0"/>
+                <a:cs typeface="Arial" panose="020B0604020202020204" pitchFamily="34" charset="0"/>
+              </a:rPr>
+              <a:t>?</a:t>
+            </a:r>
+          </a:p>
+          <a:p>
+            <a:pPr marL="285750" lvl="0" indent="-285750">
+              <a:buClr>
+                <a:schemeClr val="accent2"/>
+              </a:buClr>
+              <a:buFont typeface="Wingdings" pitchFamily="2" charset="2"/>
+              <a:buChar char="Ø"/>
+            </a:pPr>
+            <a:endParaRPr lang="en-US" dirty="0">
+              <a:solidFill>
+                <a:schemeClr val="tx1">
+                  <a:lumMod val="65000"/>
+                  <a:lumOff val="35000"/>
+                </a:schemeClr>
+              </a:solidFill>
+              <a:latin typeface="Arial" panose="020B0604020202020204" pitchFamily="34" charset="0"/>
+              <a:cs typeface="Arial" panose="020B0604020202020204" pitchFamily="34" charset="0"/>
+            </a:endParaRPr>
+          </a:p>
+          <a:p>
+            <a:pPr marL="285750" lvl="0" indent="-285750">
+              <a:buClr>
+                <a:schemeClr val="accent2"/>
+              </a:buClr>
+              <a:buFont typeface="Wingdings" pitchFamily="2" charset="2"/>
+              <a:buChar char="Ø"/>
+            </a:pPr>
+            <a:r>
+              <a:rPr lang="ru-RU" dirty="0" smtClean="0">
+                <a:solidFill>
+                  <a:schemeClr val="tx1">
+                    <a:lumMod val="65000"/>
+                    <a:lumOff val="35000"/>
+                  </a:schemeClr>
+                </a:solidFill>
+                <a:latin typeface="Arial" panose="020B0604020202020204" pitchFamily="34" charset="0"/>
+                <a:cs typeface="Arial" panose="020B0604020202020204" pitchFamily="34" charset="0"/>
+              </a:rPr>
+              <a:t>Зачем нужно «моделирование» разработки?</a:t>
+            </a:r>
+          </a:p>
+          <a:p>
+            <a:pPr marL="285750" lvl="0" indent="-285750">
+              <a:buClr>
+                <a:schemeClr val="accent2"/>
+              </a:buClr>
+              <a:buFont typeface="Wingdings" pitchFamily="2" charset="2"/>
+              <a:buChar char="Ø"/>
+            </a:pPr>
+            <a:endParaRPr lang="ru-RU" dirty="0">
+              <a:solidFill>
+                <a:schemeClr val="tx1">
+                  <a:lumMod val="65000"/>
+                  <a:lumOff val="35000"/>
+                </a:schemeClr>
+              </a:solidFill>
+              <a:latin typeface="Arial" panose="020B0604020202020204" pitchFamily="34" charset="0"/>
+              <a:cs typeface="Arial" panose="020B0604020202020204" pitchFamily="34" charset="0"/>
+            </a:endParaRPr>
+          </a:p>
+          <a:p>
+            <a:pPr marL="285750" indent="-285750">
+              <a:buClr>
+                <a:schemeClr val="accent2"/>
+              </a:buClr>
+              <a:buFont typeface="Wingdings" pitchFamily="2" charset="2"/>
+              <a:buChar char="Ø"/>
+            </a:pPr>
+            <a:r>
+              <a:rPr lang="ru-RU" dirty="0">
+                <a:solidFill>
+                  <a:schemeClr val="tx1">
+                    <a:lumMod val="65000"/>
+                    <a:lumOff val="35000"/>
+                  </a:schemeClr>
+                </a:solidFill>
+                <a:latin typeface="Arial" panose="020B0604020202020204" pitchFamily="34" charset="0"/>
+                <a:cs typeface="Arial" panose="020B0604020202020204" pitchFamily="34" charset="0"/>
+              </a:rPr>
+              <a:t>Основные подходы при разработке программного </a:t>
+            </a:r>
+            <a:r>
+              <a:rPr lang="ru-RU" dirty="0" smtClean="0">
+                <a:solidFill>
+                  <a:schemeClr val="tx1">
+                    <a:lumMod val="65000"/>
+                    <a:lumOff val="35000"/>
+                  </a:schemeClr>
+                </a:solidFill>
+                <a:latin typeface="Arial" panose="020B0604020202020204" pitchFamily="34" charset="0"/>
+                <a:cs typeface="Arial" panose="020B0604020202020204" pitchFamily="34" charset="0"/>
+              </a:rPr>
+              <a:t>обеспечения</a:t>
+            </a:r>
+          </a:p>
+          <a:p>
+            <a:pPr marL="742950" lvl="1" indent="-285750">
+              <a:buClr>
+                <a:schemeClr val="accent2"/>
+              </a:buClr>
+              <a:buFont typeface="Wingdings" pitchFamily="2" charset="2"/>
+              <a:buChar char="Ø"/>
+            </a:pPr>
+            <a:r>
+              <a:rPr lang="ru-RU" dirty="0" smtClean="0">
+                <a:solidFill>
+                  <a:schemeClr val="tx1">
+                    <a:lumMod val="65000"/>
+                    <a:lumOff val="35000"/>
+                  </a:schemeClr>
+                </a:solidFill>
+                <a:latin typeface="Arial" panose="020B0604020202020204" pitchFamily="34" charset="0"/>
+                <a:cs typeface="Arial" panose="020B0604020202020204" pitchFamily="34" charset="0"/>
+              </a:rPr>
+              <a:t>Традиционные подходы (</a:t>
+            </a:r>
+            <a:r>
+              <a:rPr lang="en-US" dirty="0">
+                <a:solidFill>
+                  <a:schemeClr val="tx1">
+                    <a:lumMod val="65000"/>
+                    <a:lumOff val="35000"/>
+                  </a:schemeClr>
+                </a:solidFill>
+                <a:latin typeface="Arial" panose="020B0604020202020204" pitchFamily="34" charset="0"/>
+                <a:cs typeface="Arial" panose="020B0604020202020204" pitchFamily="34" charset="0"/>
+              </a:rPr>
+              <a:t>SDLC models</a:t>
+            </a:r>
+            <a:r>
+              <a:rPr lang="ru-RU" dirty="0" smtClean="0">
+                <a:solidFill>
+                  <a:schemeClr val="tx1">
+                    <a:lumMod val="65000"/>
+                    <a:lumOff val="35000"/>
+                  </a:schemeClr>
+                </a:solidFill>
+                <a:latin typeface="Arial" panose="020B0604020202020204" pitchFamily="34" charset="0"/>
+                <a:cs typeface="Arial" panose="020B0604020202020204" pitchFamily="34" charset="0"/>
+              </a:rPr>
+              <a:t>)</a:t>
+            </a:r>
+          </a:p>
+          <a:p>
+            <a:pPr marL="742950" lvl="1" indent="-285750">
+              <a:buClr>
+                <a:schemeClr val="accent2"/>
+              </a:buClr>
+              <a:buFont typeface="Wingdings" pitchFamily="2" charset="2"/>
+              <a:buChar char="Ø"/>
+            </a:pPr>
+            <a:r>
+              <a:rPr lang="ru-RU" dirty="0" smtClean="0">
+                <a:solidFill>
+                  <a:schemeClr val="tx1">
+                    <a:lumMod val="65000"/>
+                    <a:lumOff val="35000"/>
+                  </a:schemeClr>
+                </a:solidFill>
+                <a:latin typeface="Arial" panose="020B0604020202020204" pitchFamily="34" charset="0"/>
+                <a:cs typeface="Arial" panose="020B0604020202020204" pitchFamily="34" charset="0"/>
+              </a:rPr>
+              <a:t>Быстрые и современные (</a:t>
+            </a:r>
+            <a:r>
+              <a:rPr lang="en-US" dirty="0">
+                <a:solidFill>
+                  <a:schemeClr val="tx1">
+                    <a:lumMod val="65000"/>
+                    <a:lumOff val="35000"/>
+                  </a:schemeClr>
+                </a:solidFill>
+                <a:latin typeface="Arial" panose="020B0604020202020204" pitchFamily="34" charset="0"/>
+                <a:cs typeface="Arial" panose="020B0604020202020204" pitchFamily="34" charset="0"/>
+              </a:rPr>
+              <a:t>Agile models</a:t>
+            </a:r>
+            <a:r>
+              <a:rPr lang="ru-RU" dirty="0" smtClean="0">
+                <a:solidFill>
+                  <a:schemeClr val="tx1">
+                    <a:lumMod val="65000"/>
+                    <a:lumOff val="35000"/>
+                  </a:schemeClr>
+                </a:solidFill>
+                <a:latin typeface="Arial" panose="020B0604020202020204" pitchFamily="34" charset="0"/>
+                <a:cs typeface="Arial" panose="020B0604020202020204" pitchFamily="34" charset="0"/>
+              </a:rPr>
+              <a:t>) подходы</a:t>
+            </a:r>
+          </a:p>
+          <a:p>
+            <a:pPr marL="285750" indent="-285750">
+              <a:buClr>
+                <a:schemeClr val="accent2"/>
+              </a:buClr>
+              <a:buFont typeface="Wingdings" pitchFamily="2" charset="2"/>
+              <a:buChar char="Ø"/>
+            </a:pPr>
+            <a:endParaRPr lang="ru-RU" dirty="0">
+              <a:solidFill>
+                <a:schemeClr val="tx1">
+                  <a:lumMod val="65000"/>
+                  <a:lumOff val="35000"/>
+                </a:schemeClr>
+              </a:solidFill>
+              <a:latin typeface="Arial" panose="020B0604020202020204" pitchFamily="34" charset="0"/>
+              <a:cs typeface="Arial" panose="020B0604020202020204" pitchFamily="34" charset="0"/>
+            </a:endParaRPr>
+          </a:p>
+          <a:p>
+            <a:pPr marL="285750" indent="-285750">
+              <a:buClr>
+                <a:schemeClr val="accent2"/>
+              </a:buClr>
+              <a:buFont typeface="Wingdings" pitchFamily="2" charset="2"/>
+              <a:buChar char="Ø"/>
+            </a:pPr>
+            <a:r>
+              <a:rPr lang="ru-RU" dirty="0">
+                <a:solidFill>
+                  <a:schemeClr val="tx1">
+                    <a:lumMod val="65000"/>
+                    <a:lumOff val="35000"/>
+                  </a:schemeClr>
+                </a:solidFill>
+                <a:latin typeface="Arial" panose="020B0604020202020204" pitchFamily="34" charset="0"/>
+                <a:cs typeface="Arial" panose="020B0604020202020204" pitchFamily="34" charset="0"/>
+              </a:rPr>
+              <a:t>Сильные и слабые </a:t>
+            </a:r>
+            <a:r>
+              <a:rPr lang="ru-RU" dirty="0" smtClean="0">
+                <a:solidFill>
+                  <a:schemeClr val="tx1">
+                    <a:lumMod val="65000"/>
+                    <a:lumOff val="35000"/>
+                  </a:schemeClr>
+                </a:solidFill>
+                <a:latin typeface="Arial" panose="020B0604020202020204" pitchFamily="34" charset="0"/>
+                <a:cs typeface="Arial" panose="020B0604020202020204" pitchFamily="34" charset="0"/>
+              </a:rPr>
+              <a:t>стороны различных подходов</a:t>
+            </a:r>
+            <a:endParaRPr lang="en-US" dirty="0">
+              <a:solidFill>
+                <a:schemeClr val="tx1">
+                  <a:lumMod val="65000"/>
+                  <a:lumOff val="35000"/>
+                </a:schemeClr>
+              </a:solidFill>
+              <a:latin typeface="Arial" panose="020B0604020202020204" pitchFamily="34" charset="0"/>
+              <a:cs typeface="Arial" panose="020B0604020202020204" pitchFamily="34" charset="0"/>
+            </a:endParaRPr>
+          </a:p>
+          <a:p>
+            <a:pPr marL="285750" lvl="0" indent="-285750">
+              <a:buClr>
+                <a:schemeClr val="accent2"/>
+              </a:buClr>
+              <a:buFont typeface="Wingdings" pitchFamily="2" charset="2"/>
+              <a:buChar char="Ø"/>
+            </a:pPr>
+            <a:endParaRPr lang="ru-RU" dirty="0" smtClean="0">
+              <a:solidFill>
+                <a:schemeClr val="tx1">
+                  <a:lumMod val="65000"/>
+                  <a:lumOff val="35000"/>
+                </a:schemeClr>
+              </a:solidFill>
+              <a:latin typeface="Arial" panose="020B0604020202020204" pitchFamily="34" charset="0"/>
+              <a:cs typeface="Arial" panose="020B0604020202020204" pitchFamily="34" charset="0"/>
+            </a:endParaRPr>
+          </a:p>
+          <a:p>
+            <a:pPr marL="285750" lvl="0" indent="-285750">
+              <a:buClr>
+                <a:schemeClr val="accent2"/>
+              </a:buClr>
+              <a:buFont typeface="Wingdings" pitchFamily="2" charset="2"/>
+              <a:buChar char="Ø"/>
+            </a:pPr>
+            <a:r>
+              <a:rPr lang="ru-RU" dirty="0" smtClean="0">
+                <a:solidFill>
+                  <a:schemeClr val="tx1">
+                    <a:lumMod val="65000"/>
+                    <a:lumOff val="35000"/>
+                  </a:schemeClr>
+                </a:solidFill>
+                <a:latin typeface="Arial" panose="020B0604020202020204" pitchFamily="34" charset="0"/>
+                <a:cs typeface="Arial" panose="020B0604020202020204" pitchFamily="34" charset="0"/>
+              </a:rPr>
+              <a:t>Примеры моделей разработки</a:t>
+            </a:r>
+          </a:p>
+          <a:p>
+            <a:pPr marL="742950" lvl="1" indent="-285750">
+              <a:buClr>
+                <a:schemeClr val="accent2"/>
+              </a:buClr>
+              <a:buFont typeface="Wingdings" pitchFamily="2" charset="2"/>
+              <a:buChar char="Ø"/>
+            </a:pPr>
+            <a:r>
+              <a:rPr lang="en-US" dirty="0" smtClean="0">
+                <a:solidFill>
+                  <a:schemeClr val="tx1">
+                    <a:lumMod val="65000"/>
+                    <a:lumOff val="35000"/>
+                  </a:schemeClr>
+                </a:solidFill>
+                <a:latin typeface="Arial" panose="020B0604020202020204" pitchFamily="34" charset="0"/>
+                <a:cs typeface="Arial" panose="020B0604020202020204" pitchFamily="34" charset="0"/>
+              </a:rPr>
+              <a:t>Waterfall / Whirlpool</a:t>
+            </a:r>
+            <a:r>
+              <a:rPr lang="ru-RU" dirty="0" smtClean="0">
+                <a:solidFill>
+                  <a:schemeClr val="tx1">
+                    <a:lumMod val="65000"/>
+                    <a:lumOff val="35000"/>
+                  </a:schemeClr>
+                </a:solidFill>
+                <a:latin typeface="Arial" panose="020B0604020202020204" pitchFamily="34" charset="0"/>
+                <a:cs typeface="Arial" panose="020B0604020202020204" pitchFamily="34" charset="0"/>
+              </a:rPr>
+              <a:t>, </a:t>
+            </a:r>
+            <a:r>
+              <a:rPr lang="en-US" dirty="0">
+                <a:solidFill>
+                  <a:schemeClr val="tx1">
+                    <a:lumMod val="65000"/>
+                    <a:lumOff val="35000"/>
+                  </a:schemeClr>
+                </a:solidFill>
+                <a:latin typeface="Arial" panose="020B0604020202020204" pitchFamily="34" charset="0"/>
+                <a:cs typeface="Arial" panose="020B0604020202020204" pitchFamily="34" charset="0"/>
+              </a:rPr>
+              <a:t>V-shaped</a:t>
+            </a:r>
+            <a:r>
+              <a:rPr lang="en-US" dirty="0" smtClean="0">
+                <a:solidFill>
+                  <a:schemeClr val="tx1">
+                    <a:lumMod val="65000"/>
+                    <a:lumOff val="35000"/>
+                  </a:schemeClr>
+                </a:solidFill>
+                <a:latin typeface="Arial" panose="020B0604020202020204" pitchFamily="34" charset="0"/>
+                <a:cs typeface="Arial" panose="020B0604020202020204" pitchFamily="34" charset="0"/>
+              </a:rPr>
+              <a:t>, Incremental, Prototyping, Spiral</a:t>
+            </a:r>
+            <a:endParaRPr lang="en-US" dirty="0">
+              <a:solidFill>
+                <a:schemeClr val="tx1">
+                  <a:lumMod val="65000"/>
+                  <a:lumOff val="35000"/>
+                </a:schemeClr>
+              </a:solidFill>
+              <a:latin typeface="Arial" panose="020B0604020202020204" pitchFamily="34" charset="0"/>
+              <a:cs typeface="Arial" panose="020B0604020202020204" pitchFamily="34" charset="0"/>
+            </a:endParaRPr>
+          </a:p>
+          <a:p>
+            <a:pPr marL="742950" lvl="1" indent="-285750">
+              <a:buClr>
+                <a:schemeClr val="accent2"/>
+              </a:buClr>
+              <a:buFont typeface="Wingdings" pitchFamily="2" charset="2"/>
+              <a:buChar char="Ø"/>
+            </a:pPr>
+            <a:r>
+              <a:rPr lang="en-US" dirty="0" smtClean="0">
+                <a:solidFill>
+                  <a:schemeClr val="tx1">
+                    <a:lumMod val="65000"/>
+                    <a:lumOff val="35000"/>
+                  </a:schemeClr>
+                </a:solidFill>
+                <a:latin typeface="Arial" panose="020B0604020202020204" pitchFamily="34" charset="0"/>
+                <a:cs typeface="Arial" panose="020B0604020202020204" pitchFamily="34" charset="0"/>
+              </a:rPr>
+              <a:t>Scrum</a:t>
+            </a:r>
+            <a:r>
+              <a:rPr lang="en-US" dirty="0">
+                <a:solidFill>
+                  <a:schemeClr val="tx1">
+                    <a:lumMod val="65000"/>
+                    <a:lumOff val="35000"/>
+                  </a:schemeClr>
+                </a:solidFill>
+                <a:latin typeface="Arial" panose="020B0604020202020204" pitchFamily="34" charset="0"/>
+                <a:cs typeface="Arial" panose="020B0604020202020204" pitchFamily="34" charset="0"/>
+              </a:rPr>
+              <a:t>, </a:t>
+            </a:r>
+            <a:r>
+              <a:rPr lang="en-US" dirty="0" smtClean="0">
+                <a:solidFill>
+                  <a:schemeClr val="tx1">
+                    <a:lumMod val="65000"/>
+                    <a:lumOff val="35000"/>
+                  </a:schemeClr>
+                </a:solidFill>
+                <a:latin typeface="Arial" panose="020B0604020202020204" pitchFamily="34" charset="0"/>
+                <a:cs typeface="Arial" panose="020B0604020202020204" pitchFamily="34" charset="0"/>
+              </a:rPr>
+              <a:t>RUP, </a:t>
+            </a:r>
+            <a:r>
+              <a:rPr lang="en-US" dirty="0">
+                <a:solidFill>
+                  <a:schemeClr val="tx1">
+                    <a:lumMod val="65000"/>
+                    <a:lumOff val="35000"/>
+                  </a:schemeClr>
+                </a:solidFill>
+                <a:latin typeface="Arial" panose="020B0604020202020204" pitchFamily="34" charset="0"/>
+                <a:cs typeface="Arial" panose="020B0604020202020204" pitchFamily="34" charset="0"/>
+              </a:rPr>
+              <a:t>XP, FDD</a:t>
+            </a:r>
+            <a:endParaRPr lang="ru-RU" dirty="0" smtClean="0">
+              <a:solidFill>
+                <a:schemeClr val="tx1">
+                  <a:lumMod val="65000"/>
+                  <a:lumOff val="35000"/>
+                </a:schemeClr>
+              </a:solidFill>
+              <a:latin typeface="Arial" panose="020B0604020202020204" pitchFamily="34" charset="0"/>
+              <a:cs typeface="Arial" panose="020B0604020202020204" pitchFamily="34" charset="0"/>
+            </a:endParaRPr>
+          </a:p>
+          <a:p>
+            <a:pPr marL="742950" lvl="1" indent="-285750">
+              <a:buClr>
+                <a:schemeClr val="accent2"/>
+              </a:buClr>
+              <a:buFont typeface="Wingdings" pitchFamily="2" charset="2"/>
+              <a:buChar char="Ø"/>
+            </a:pPr>
+            <a:endParaRPr lang="en-US" dirty="0">
+              <a:solidFill>
+                <a:schemeClr val="tx1">
+                  <a:lumMod val="65000"/>
+                  <a:lumOff val="35000"/>
+                </a:schemeClr>
+              </a:solidFill>
+              <a:latin typeface="Arial" panose="020B0604020202020204" pitchFamily="34" charset="0"/>
+              <a:cs typeface="Arial" panose="020B0604020202020204" pitchFamily="34" charset="0"/>
+            </a:endParaRPr>
+          </a:p>
+        </p:txBody>
+      </p:sp>
     </p:spTree>
     <p:extLst>
       <p:ext uri="{BB962C8B-B14F-4D97-AF65-F5344CB8AC3E}">
-        <p14:creationId xmlns:p14="http://schemas.microsoft.com/office/powerpoint/2010/main" val="3296969004"/>
+        <p14:creationId xmlns:p14="http://schemas.microsoft.com/office/powerpoint/2010/main" val="3786720330"/>
       </p:ext>
     </p:extLst>
   </p:cSld>
@@ -7976,7 +7690,955 @@
 </p:sld>
 </file>
 
-<file path=ppt/slides/slide19.xml><?xml version="1.0" encoding="utf-8"?>
+<file path=ppt/slides/slide20.xml><?xml version="1.0" encoding="utf-8"?>
+<p:sld xmlns:a="http://schemas.openxmlformats.org/drawingml/2006/main" xmlns:r="http://schemas.openxmlformats.org/officeDocument/2006/relationships" xmlns:p="http://schemas.openxmlformats.org/presentationml/2006/main">
+  <p:cSld>
+    <p:spTree>
+      <p:nvGrpSpPr>
+        <p:cNvPr id="1" name=""/>
+        <p:cNvGrpSpPr/>
+        <p:nvPr/>
+      </p:nvGrpSpPr>
+      <p:grpSpPr>
+        <a:xfrm>
+          <a:off x="0" y="0"/>
+          <a:ext cx="0" cy="0"/>
+          <a:chOff x="0" y="0"/>
+          <a:chExt cx="0" cy="0"/>
+        </a:xfrm>
+      </p:grpSpPr>
+      <p:pic>
+        <p:nvPicPr>
+          <p:cNvPr id="4098" name="Picture 2" descr="http://www.mypmhome.com/wp-content/uploads/2011/03/XP-circles.jpg"/>
+          <p:cNvPicPr>
+            <a:picLocks noChangeAspect="1" noChangeArrowheads="1"/>
+          </p:cNvPicPr>
+          <p:nvPr/>
+        </p:nvPicPr>
+        <p:blipFill>
+          <a:blip r:embed="rId2">
+            <a:extLst>
+              <a:ext uri="{28A0092B-C50C-407E-A947-70E740481C1C}">
+                <a14:useLocalDpi xmlns:a14="http://schemas.microsoft.com/office/drawing/2010/main" val="0"/>
+              </a:ext>
+            </a:extLst>
+          </a:blip>
+          <a:srcRect/>
+          <a:stretch>
+            <a:fillRect/>
+          </a:stretch>
+        </p:blipFill>
+        <p:spPr bwMode="auto">
+          <a:xfrm>
+            <a:off x="899591" y="980728"/>
+            <a:ext cx="6624735" cy="4968552"/>
+          </a:xfrm>
+          <a:prstGeom prst="rect">
+            <a:avLst/>
+          </a:prstGeom>
+          <a:noFill/>
+          <a:extLst>
+            <a:ext uri="{909E8E84-426E-40DD-AFC4-6F175D3DCCD1}">
+              <a14:hiddenFill xmlns:a14="http://schemas.microsoft.com/office/drawing/2010/main">
+                <a:solidFill>
+                  <a:srgbClr val="FFFFFF"/>
+                </a:solidFill>
+              </a14:hiddenFill>
+            </a:ext>
+          </a:extLst>
+        </p:spPr>
+      </p:pic>
+      <p:sp>
+        <p:nvSpPr>
+          <p:cNvPr id="5" name="TextBox 4"/>
+          <p:cNvSpPr txBox="1"/>
+          <p:nvPr/>
+        </p:nvSpPr>
+        <p:spPr>
+          <a:xfrm>
+            <a:off x="803920" y="255146"/>
+            <a:ext cx="7416824" cy="584775"/>
+          </a:xfrm>
+          <a:prstGeom prst="rect">
+            <a:avLst/>
+          </a:prstGeom>
+          <a:noFill/>
+        </p:spPr>
+        <p:txBody>
+          <a:bodyPr wrap="square" rtlCol="0">
+            <a:spAutoFit/>
+          </a:bodyPr>
+          <a:lstStyle/>
+          <a:p>
+            <a:pPr algn="ctr"/>
+            <a:r>
+              <a:rPr lang="en-US" sz="3200" dirty="0">
+                <a:solidFill>
+                  <a:schemeClr val="tx1">
+                    <a:lumMod val="65000"/>
+                    <a:lumOff val="35000"/>
+                  </a:schemeClr>
+                </a:solidFill>
+                <a:effectLst>
+                  <a:outerShdw blurRad="38100" dist="38100" dir="2700000" algn="tl">
+                    <a:srgbClr val="000000">
+                      <a:alpha val="43137"/>
+                    </a:srgbClr>
+                  </a:outerShdw>
+                </a:effectLst>
+              </a:rPr>
+              <a:t>Extreme Programming (XP</a:t>
+            </a:r>
+            <a:r>
+              <a:rPr lang="en-US" sz="3200" dirty="0" smtClean="0">
+                <a:solidFill>
+                  <a:schemeClr val="tx1">
+                    <a:lumMod val="65000"/>
+                    <a:lumOff val="35000"/>
+                  </a:schemeClr>
+                </a:solidFill>
+                <a:effectLst>
+                  <a:outerShdw blurRad="38100" dist="38100" dir="2700000" algn="tl">
+                    <a:srgbClr val="000000">
+                      <a:alpha val="43137"/>
+                    </a:srgbClr>
+                  </a:outerShdw>
+                </a:effectLst>
+              </a:rPr>
+              <a:t>)</a:t>
+            </a:r>
+            <a:endParaRPr lang="en-US" sz="3200" dirty="0">
+              <a:solidFill>
+                <a:schemeClr val="tx1">
+                  <a:lumMod val="65000"/>
+                  <a:lumOff val="35000"/>
+                </a:schemeClr>
+              </a:solidFill>
+              <a:effectLst>
+                <a:outerShdw blurRad="38100" dist="38100" dir="2700000" algn="tl">
+                  <a:srgbClr val="000000">
+                    <a:alpha val="43137"/>
+                  </a:srgbClr>
+                </a:outerShdw>
+              </a:effectLst>
+            </a:endParaRPr>
+          </a:p>
+        </p:txBody>
+      </p:sp>
+    </p:spTree>
+    <p:extLst>
+      <p:ext uri="{BB962C8B-B14F-4D97-AF65-F5344CB8AC3E}">
+        <p14:creationId xmlns:p14="http://schemas.microsoft.com/office/powerpoint/2010/main" val="2086219794"/>
+      </p:ext>
+    </p:extLst>
+  </p:cSld>
+  <p:clrMapOvr>
+    <a:masterClrMapping/>
+  </p:clrMapOvr>
+</p:sld>
+</file>
+
+<file path=ppt/slides/slide21.xml><?xml version="1.0" encoding="utf-8"?>
+<p:sld xmlns:a="http://schemas.openxmlformats.org/drawingml/2006/main" xmlns:r="http://schemas.openxmlformats.org/officeDocument/2006/relationships" xmlns:p="http://schemas.openxmlformats.org/presentationml/2006/main">
+  <p:cSld>
+    <p:spTree>
+      <p:nvGrpSpPr>
+        <p:cNvPr id="1" name=""/>
+        <p:cNvGrpSpPr/>
+        <p:nvPr/>
+      </p:nvGrpSpPr>
+      <p:grpSpPr>
+        <a:xfrm>
+          <a:off x="0" y="0"/>
+          <a:ext cx="0" cy="0"/>
+          <a:chOff x="0" y="0"/>
+          <a:chExt cx="0" cy="0"/>
+        </a:xfrm>
+      </p:grpSpPr>
+      <p:sp>
+        <p:nvSpPr>
+          <p:cNvPr id="3" name="Объект 2"/>
+          <p:cNvSpPr>
+            <a:spLocks noGrp="1"/>
+          </p:cNvSpPr>
+          <p:nvPr>
+            <p:ph idx="1"/>
+          </p:nvPr>
+        </p:nvSpPr>
+        <p:spPr>
+          <a:xfrm>
+            <a:off x="457200" y="839920"/>
+            <a:ext cx="8229600" cy="5829440"/>
+          </a:xfrm>
+        </p:spPr>
+        <p:txBody>
+          <a:bodyPr>
+            <a:normAutofit fontScale="47500" lnSpcReduction="20000"/>
+          </a:bodyPr>
+          <a:lstStyle/>
+          <a:p>
+            <a:pPr marL="0" indent="0" fontAlgn="base">
+              <a:buNone/>
+            </a:pPr>
+            <a:r>
+              <a:rPr lang="en-US" b="1" dirty="0"/>
+              <a:t>Advantages of</a:t>
+            </a:r>
+            <a:r>
+              <a:rPr lang="ru-RU" b="1" dirty="0"/>
+              <a:t> </a:t>
+            </a:r>
+            <a:r>
+              <a:rPr lang="en-US" b="1" dirty="0"/>
+              <a:t>XP</a:t>
+            </a:r>
+            <a:r>
+              <a:rPr lang="en-US" b="1" dirty="0" smtClean="0"/>
+              <a:t>:</a:t>
+            </a:r>
+          </a:p>
+          <a:p>
+            <a:pPr fontAlgn="base"/>
+            <a:r>
+              <a:rPr lang="en-US" dirty="0" smtClean="0"/>
+              <a:t>Emphasis </a:t>
+            </a:r>
+            <a:r>
+              <a:rPr lang="en-US" dirty="0"/>
+              <a:t>on customer </a:t>
+            </a:r>
+            <a:r>
+              <a:rPr lang="en-US" dirty="0" smtClean="0"/>
+              <a:t>involvement, teamwork </a:t>
+            </a:r>
+            <a:r>
+              <a:rPr lang="en-US" dirty="0"/>
+              <a:t>and </a:t>
+            </a:r>
+            <a:r>
+              <a:rPr lang="en-US" dirty="0" smtClean="0"/>
+              <a:t>communication</a:t>
+            </a:r>
+          </a:p>
+          <a:p>
+            <a:pPr fontAlgn="base"/>
+            <a:r>
+              <a:rPr lang="en-US" dirty="0" smtClean="0"/>
+              <a:t>Programmer </a:t>
+            </a:r>
+            <a:r>
+              <a:rPr lang="en-US" dirty="0"/>
+              <a:t>estimates before committing to a </a:t>
+            </a:r>
+            <a:r>
+              <a:rPr lang="en-US" dirty="0" smtClean="0"/>
+              <a:t>schedule</a:t>
+            </a:r>
+            <a:endParaRPr lang="en-US" dirty="0"/>
+          </a:p>
+          <a:p>
+            <a:pPr fontAlgn="base"/>
+            <a:r>
+              <a:rPr lang="en-US" dirty="0"/>
+              <a:t>Emphasis on responsibility for </a:t>
+            </a:r>
+            <a:r>
+              <a:rPr lang="en-US" dirty="0" smtClean="0"/>
+              <a:t>quality </a:t>
+            </a:r>
+            <a:endParaRPr lang="en-US" dirty="0"/>
+          </a:p>
+          <a:p>
+            <a:pPr fontAlgn="base"/>
+            <a:r>
+              <a:rPr lang="en-US" dirty="0" smtClean="0"/>
+              <a:t>Continuous measurement</a:t>
+            </a:r>
+          </a:p>
+          <a:p>
+            <a:pPr fontAlgn="base"/>
+            <a:r>
+              <a:rPr lang="en-US" dirty="0" smtClean="0"/>
+              <a:t>Consistent </a:t>
+            </a:r>
+            <a:r>
+              <a:rPr lang="en-US" dirty="0"/>
+              <a:t>with most modern development methods.</a:t>
+            </a:r>
+          </a:p>
+          <a:p>
+            <a:pPr fontAlgn="base"/>
+            <a:r>
+              <a:rPr lang="en-US" dirty="0"/>
+              <a:t>Simple </a:t>
+            </a:r>
+            <a:r>
+              <a:rPr lang="en-US" dirty="0" smtClean="0"/>
+              <a:t>design</a:t>
+            </a:r>
+            <a:endParaRPr lang="en-US" dirty="0"/>
+          </a:p>
+          <a:p>
+            <a:pPr fontAlgn="base"/>
+            <a:r>
+              <a:rPr lang="en-US" dirty="0"/>
+              <a:t>Frequent redesign, or </a:t>
+            </a:r>
+            <a:r>
+              <a:rPr lang="en-US" dirty="0" smtClean="0"/>
+              <a:t>refactoring</a:t>
+            </a:r>
+          </a:p>
+          <a:p>
+            <a:pPr fontAlgn="base"/>
+            <a:r>
+              <a:rPr lang="en-US" dirty="0" smtClean="0"/>
+              <a:t>Having </a:t>
+            </a:r>
+            <a:r>
+              <a:rPr lang="en-US" dirty="0"/>
+              <a:t>engineers manage functional </a:t>
+            </a:r>
+            <a:r>
+              <a:rPr lang="en-US" dirty="0" smtClean="0"/>
+              <a:t>content</a:t>
+            </a:r>
+            <a:endParaRPr lang="en-US" dirty="0"/>
+          </a:p>
+          <a:p>
+            <a:pPr fontAlgn="base"/>
+            <a:r>
+              <a:rPr lang="en-US" dirty="0"/>
+              <a:t>Frequent, extensive </a:t>
+            </a:r>
+            <a:r>
+              <a:rPr lang="en-US" dirty="0" smtClean="0"/>
+              <a:t>testing</a:t>
+            </a:r>
+            <a:endParaRPr lang="en-US" dirty="0"/>
+          </a:p>
+          <a:p>
+            <a:pPr fontAlgn="base"/>
+            <a:r>
+              <a:rPr lang="en-US" dirty="0"/>
+              <a:t>Continuous </a:t>
+            </a:r>
+            <a:r>
+              <a:rPr lang="en-US" dirty="0" smtClean="0"/>
+              <a:t>reviews</a:t>
+            </a:r>
+          </a:p>
+          <a:p>
+            <a:pPr marL="0" indent="0">
+              <a:buNone/>
+            </a:pPr>
+            <a:r>
+              <a:rPr lang="en-US" b="1" dirty="0" smtClean="0"/>
+              <a:t>Disadvantages </a:t>
+            </a:r>
+            <a:r>
+              <a:rPr lang="en-US" b="1" dirty="0"/>
+              <a:t>of</a:t>
+            </a:r>
+            <a:r>
+              <a:rPr lang="ru-RU" b="1" dirty="0"/>
+              <a:t> </a:t>
+            </a:r>
+            <a:r>
+              <a:rPr lang="en-US" b="1" dirty="0"/>
+              <a:t>XP:</a:t>
+            </a:r>
+          </a:p>
+          <a:p>
+            <a:pPr fontAlgn="base"/>
+            <a:r>
+              <a:rPr lang="en-US" dirty="0"/>
+              <a:t>A methodology is only as effective as the people </a:t>
+            </a:r>
+            <a:r>
+              <a:rPr lang="en-US" dirty="0" smtClean="0"/>
+              <a:t>involved</a:t>
+            </a:r>
+          </a:p>
+          <a:p>
+            <a:pPr fontAlgn="base"/>
+            <a:r>
+              <a:rPr lang="en-US" dirty="0" smtClean="0"/>
+              <a:t>Often </a:t>
+            </a:r>
+            <a:r>
+              <a:rPr lang="en-US" dirty="0"/>
+              <a:t>used as a means to bleed money from customers through lack of defining a deliverable</a:t>
+            </a:r>
+          </a:p>
+          <a:p>
+            <a:pPr fontAlgn="base"/>
+            <a:r>
+              <a:rPr lang="en-US" dirty="0"/>
+              <a:t>Lack of structure and necessary documentation</a:t>
+            </a:r>
+          </a:p>
+          <a:p>
+            <a:pPr fontAlgn="base"/>
+            <a:r>
+              <a:rPr lang="en-US" dirty="0"/>
+              <a:t>Only works with senior-level developers</a:t>
+            </a:r>
+          </a:p>
+          <a:p>
+            <a:pPr fontAlgn="base"/>
+            <a:r>
+              <a:rPr lang="en-US" dirty="0"/>
+              <a:t>Incorporates insufficient software design</a:t>
+            </a:r>
+          </a:p>
+          <a:p>
+            <a:pPr fontAlgn="base"/>
+            <a:r>
+              <a:rPr lang="en-US" dirty="0"/>
+              <a:t>Requires meetings at frequent intervals at enormous expense to customers</a:t>
+            </a:r>
+          </a:p>
+          <a:p>
+            <a:pPr fontAlgn="base"/>
+            <a:r>
+              <a:rPr lang="en-US" dirty="0"/>
+              <a:t>Requires too much cultural change to </a:t>
+            </a:r>
+            <a:r>
+              <a:rPr lang="en-US" dirty="0" smtClean="0"/>
+              <a:t>adopt</a:t>
+            </a:r>
+            <a:endParaRPr lang="en-US" dirty="0"/>
+          </a:p>
+          <a:p>
+            <a:pPr fontAlgn="base"/>
+            <a:r>
+              <a:rPr lang="en-US" dirty="0"/>
+              <a:t>Can lead to more difficult contractual negotiations</a:t>
+            </a:r>
+          </a:p>
+          <a:p>
+            <a:pPr fontAlgn="base"/>
+            <a:r>
+              <a:rPr lang="en-US" dirty="0" smtClean="0"/>
+              <a:t>Impossible to develop realistic estimates (no one knows the entire scope/requirements in the start)</a:t>
+            </a:r>
+          </a:p>
+          <a:p>
+            <a:pPr fontAlgn="base"/>
+            <a:r>
+              <a:rPr lang="en-US" dirty="0" smtClean="0"/>
+              <a:t>Can </a:t>
+            </a:r>
+            <a:r>
+              <a:rPr lang="en-US" dirty="0"/>
+              <a:t>increase the risk of scope creep due to the lack of detailed requirements documentation</a:t>
+            </a:r>
+          </a:p>
+          <a:p>
+            <a:pPr fontAlgn="base"/>
+            <a:r>
+              <a:rPr lang="en-US" dirty="0"/>
+              <a:t>Agile is feature driven; non-functional quality attributes are hard to be placed as user stories</a:t>
+            </a:r>
+          </a:p>
+          <a:p>
+            <a:pPr marL="0" indent="0">
+              <a:buNone/>
+            </a:pPr>
+            <a:endParaRPr lang="en-US" dirty="0"/>
+          </a:p>
+          <a:p>
+            <a:pPr fontAlgn="base"/>
+            <a:endParaRPr lang="en-US" dirty="0"/>
+          </a:p>
+        </p:txBody>
+      </p:sp>
+      <p:sp>
+        <p:nvSpPr>
+          <p:cNvPr id="5" name="TextBox 4"/>
+          <p:cNvSpPr txBox="1"/>
+          <p:nvPr/>
+        </p:nvSpPr>
+        <p:spPr>
+          <a:xfrm>
+            <a:off x="803920" y="255146"/>
+            <a:ext cx="7416824" cy="584775"/>
+          </a:xfrm>
+          <a:prstGeom prst="rect">
+            <a:avLst/>
+          </a:prstGeom>
+          <a:noFill/>
+        </p:spPr>
+        <p:txBody>
+          <a:bodyPr wrap="square" rtlCol="0">
+            <a:spAutoFit/>
+          </a:bodyPr>
+          <a:lstStyle/>
+          <a:p>
+            <a:pPr algn="ctr"/>
+            <a:r>
+              <a:rPr lang="en-US" sz="3200" dirty="0">
+                <a:solidFill>
+                  <a:schemeClr val="tx1">
+                    <a:lumMod val="65000"/>
+                    <a:lumOff val="35000"/>
+                  </a:schemeClr>
+                </a:solidFill>
+                <a:effectLst>
+                  <a:outerShdw blurRad="38100" dist="38100" dir="2700000" algn="tl">
+                    <a:srgbClr val="000000">
+                      <a:alpha val="43137"/>
+                    </a:srgbClr>
+                  </a:outerShdw>
+                </a:effectLst>
+              </a:rPr>
+              <a:t>Extreme Programming (XP</a:t>
+            </a:r>
+            <a:r>
+              <a:rPr lang="en-US" sz="3200" dirty="0" smtClean="0">
+                <a:solidFill>
+                  <a:schemeClr val="tx1">
+                    <a:lumMod val="65000"/>
+                    <a:lumOff val="35000"/>
+                  </a:schemeClr>
+                </a:solidFill>
+                <a:effectLst>
+                  <a:outerShdw blurRad="38100" dist="38100" dir="2700000" algn="tl">
+                    <a:srgbClr val="000000">
+                      <a:alpha val="43137"/>
+                    </a:srgbClr>
+                  </a:outerShdw>
+                </a:effectLst>
+              </a:rPr>
+              <a:t>)</a:t>
+            </a:r>
+            <a:endParaRPr lang="en-US" sz="3200" dirty="0">
+              <a:solidFill>
+                <a:schemeClr val="tx1">
+                  <a:lumMod val="65000"/>
+                  <a:lumOff val="35000"/>
+                </a:schemeClr>
+              </a:solidFill>
+              <a:effectLst>
+                <a:outerShdw blurRad="38100" dist="38100" dir="2700000" algn="tl">
+                  <a:srgbClr val="000000">
+                    <a:alpha val="43137"/>
+                  </a:srgbClr>
+                </a:outerShdw>
+              </a:effectLst>
+            </a:endParaRPr>
+          </a:p>
+        </p:txBody>
+      </p:sp>
+    </p:spTree>
+    <p:extLst>
+      <p:ext uri="{BB962C8B-B14F-4D97-AF65-F5344CB8AC3E}">
+        <p14:creationId xmlns:p14="http://schemas.microsoft.com/office/powerpoint/2010/main" val="3044619412"/>
+      </p:ext>
+    </p:extLst>
+  </p:cSld>
+  <p:clrMapOvr>
+    <a:masterClrMapping/>
+  </p:clrMapOvr>
+</p:sld>
+</file>
+
+<file path=ppt/slides/slide22.xml><?xml version="1.0" encoding="utf-8"?>
+<p:sld xmlns:a="http://schemas.openxmlformats.org/drawingml/2006/main" xmlns:r="http://schemas.openxmlformats.org/officeDocument/2006/relationships" xmlns:p="http://schemas.openxmlformats.org/presentationml/2006/main">
+  <p:cSld>
+    <p:spTree>
+      <p:nvGrpSpPr>
+        <p:cNvPr id="1" name=""/>
+        <p:cNvGrpSpPr/>
+        <p:nvPr/>
+      </p:nvGrpSpPr>
+      <p:grpSpPr>
+        <a:xfrm>
+          <a:off x="0" y="0"/>
+          <a:ext cx="0" cy="0"/>
+          <a:chOff x="0" y="0"/>
+          <a:chExt cx="0" cy="0"/>
+        </a:xfrm>
+      </p:grpSpPr>
+      <p:sp>
+        <p:nvSpPr>
+          <p:cNvPr id="4" name="TextBox 3"/>
+          <p:cNvSpPr txBox="1"/>
+          <p:nvPr/>
+        </p:nvSpPr>
+        <p:spPr>
+          <a:xfrm>
+            <a:off x="803920" y="255146"/>
+            <a:ext cx="7416824" cy="584775"/>
+          </a:xfrm>
+          <a:prstGeom prst="rect">
+            <a:avLst/>
+          </a:prstGeom>
+          <a:noFill/>
+        </p:spPr>
+        <p:txBody>
+          <a:bodyPr wrap="square" rtlCol="0">
+            <a:spAutoFit/>
+          </a:bodyPr>
+          <a:lstStyle/>
+          <a:p>
+            <a:pPr algn="ctr"/>
+            <a:r>
+              <a:rPr lang="en-US" sz="3200" dirty="0" smtClean="0">
+                <a:solidFill>
+                  <a:schemeClr val="tx1">
+                    <a:lumMod val="65000"/>
+                    <a:lumOff val="35000"/>
+                  </a:schemeClr>
+                </a:solidFill>
+                <a:effectLst>
+                  <a:outerShdw blurRad="38100" dist="38100" dir="2700000" algn="tl">
+                    <a:srgbClr val="000000">
+                      <a:alpha val="43137"/>
+                    </a:srgbClr>
+                  </a:outerShdw>
+                </a:effectLst>
+              </a:rPr>
+              <a:t>Scrum</a:t>
+            </a:r>
+            <a:endParaRPr lang="en-US" sz="3200" dirty="0">
+              <a:solidFill>
+                <a:schemeClr val="tx1">
+                  <a:lumMod val="65000"/>
+                  <a:lumOff val="35000"/>
+                </a:schemeClr>
+              </a:solidFill>
+              <a:effectLst>
+                <a:outerShdw blurRad="38100" dist="38100" dir="2700000" algn="tl">
+                  <a:srgbClr val="000000">
+                    <a:alpha val="43137"/>
+                  </a:srgbClr>
+                </a:outerShdw>
+              </a:effectLst>
+            </a:endParaRPr>
+          </a:p>
+        </p:txBody>
+      </p:sp>
+      <p:pic>
+        <p:nvPicPr>
+          <p:cNvPr id="7170" name="Picture 2" descr="ScrumLargeLabelled.png"/>
+          <p:cNvPicPr>
+            <a:picLocks noChangeAspect="1" noChangeArrowheads="1"/>
+          </p:cNvPicPr>
+          <p:nvPr/>
+        </p:nvPicPr>
+        <p:blipFill>
+          <a:blip r:embed="rId2">
+            <a:extLst>
+              <a:ext uri="{28A0092B-C50C-407E-A947-70E740481C1C}">
+                <a14:useLocalDpi xmlns:a14="http://schemas.microsoft.com/office/drawing/2010/main" val="0"/>
+              </a:ext>
+            </a:extLst>
+          </a:blip>
+          <a:srcRect/>
+          <a:stretch>
+            <a:fillRect/>
+          </a:stretch>
+        </p:blipFill>
+        <p:spPr bwMode="auto">
+          <a:xfrm>
+            <a:off x="338665" y="839921"/>
+            <a:ext cx="7710328" cy="3525183"/>
+          </a:xfrm>
+          <a:prstGeom prst="rect">
+            <a:avLst/>
+          </a:prstGeom>
+          <a:noFill/>
+          <a:extLst>
+            <a:ext uri="{909E8E84-426E-40DD-AFC4-6F175D3DCCD1}">
+              <a14:hiddenFill xmlns:a14="http://schemas.microsoft.com/office/drawing/2010/main">
+                <a:solidFill>
+                  <a:srgbClr val="FFFFFF"/>
+                </a:solidFill>
+              </a14:hiddenFill>
+            </a:ext>
+          </a:extLst>
+        </p:spPr>
+      </p:pic>
+      <p:sp>
+        <p:nvSpPr>
+          <p:cNvPr id="5" name="TextBox 4"/>
+          <p:cNvSpPr txBox="1"/>
+          <p:nvPr/>
+        </p:nvSpPr>
+        <p:spPr>
+          <a:xfrm>
+            <a:off x="971600" y="5013176"/>
+            <a:ext cx="3024336" cy="646331"/>
+          </a:xfrm>
+          <a:prstGeom prst="rect">
+            <a:avLst/>
+          </a:prstGeom>
+          <a:noFill/>
+        </p:spPr>
+        <p:txBody>
+          <a:bodyPr wrap="square" rtlCol="0">
+            <a:spAutoFit/>
+          </a:bodyPr>
+          <a:lstStyle/>
+          <a:p>
+            <a:r>
+              <a:rPr lang="en-US" dirty="0" smtClean="0"/>
+              <a:t>Scrum roles:</a:t>
+            </a:r>
+          </a:p>
+          <a:p>
+            <a:endParaRPr lang="en-US" dirty="0"/>
+          </a:p>
+        </p:txBody>
+      </p:sp>
+    </p:spTree>
+    <p:extLst>
+      <p:ext uri="{BB962C8B-B14F-4D97-AF65-F5344CB8AC3E}">
+        <p14:creationId xmlns:p14="http://schemas.microsoft.com/office/powerpoint/2010/main" val="1054723361"/>
+      </p:ext>
+    </p:extLst>
+  </p:cSld>
+  <p:clrMapOvr>
+    <a:masterClrMapping/>
+  </p:clrMapOvr>
+</p:sld>
+</file>
+
+<file path=ppt/slides/slide23.xml><?xml version="1.0" encoding="utf-8"?>
+<p:sld xmlns:a="http://schemas.openxmlformats.org/drawingml/2006/main" xmlns:r="http://schemas.openxmlformats.org/officeDocument/2006/relationships" xmlns:p="http://schemas.openxmlformats.org/presentationml/2006/main">
+  <p:cSld>
+    <p:spTree>
+      <p:nvGrpSpPr>
+        <p:cNvPr id="1" name=""/>
+        <p:cNvGrpSpPr/>
+        <p:nvPr/>
+      </p:nvGrpSpPr>
+      <p:grpSpPr>
+        <a:xfrm>
+          <a:off x="0" y="0"/>
+          <a:ext cx="0" cy="0"/>
+          <a:chOff x="0" y="0"/>
+          <a:chExt cx="0" cy="0"/>
+        </a:xfrm>
+      </p:grpSpPr>
+      <p:sp>
+        <p:nvSpPr>
+          <p:cNvPr id="3" name="Объект 2"/>
+          <p:cNvSpPr>
+            <a:spLocks noGrp="1"/>
+          </p:cNvSpPr>
+          <p:nvPr>
+            <p:ph idx="1"/>
+          </p:nvPr>
+        </p:nvSpPr>
+        <p:spPr>
+          <a:xfrm>
+            <a:off x="457200" y="839921"/>
+            <a:ext cx="8229600" cy="5325383"/>
+          </a:xfrm>
+        </p:spPr>
+        <p:txBody>
+          <a:bodyPr>
+            <a:normAutofit fontScale="47500" lnSpcReduction="20000"/>
+          </a:bodyPr>
+          <a:lstStyle/>
+          <a:p>
+            <a:pPr marL="0" indent="0">
+              <a:buNone/>
+            </a:pPr>
+            <a:r>
+              <a:rPr lang="en-US" b="1" dirty="0" smtClean="0"/>
+              <a:t>Advantages </a:t>
+            </a:r>
+            <a:r>
+              <a:rPr lang="en-US" b="1" dirty="0"/>
+              <a:t> </a:t>
+            </a:r>
+            <a:r>
+              <a:rPr lang="en-US" b="1" dirty="0" smtClean="0"/>
+              <a:t>of Scrum:</a:t>
+            </a:r>
+            <a:endParaRPr lang="en-US" dirty="0"/>
+          </a:p>
+          <a:p>
+            <a:r>
+              <a:rPr lang="en-US" dirty="0"/>
+              <a:t>Agile scrum helps the company in saving time and money.</a:t>
+            </a:r>
+          </a:p>
+          <a:p>
+            <a:r>
+              <a:rPr lang="en-US" dirty="0"/>
+              <a:t>Due to short sprints and constant feedback, it becomes easier to cope with the changes.</a:t>
+            </a:r>
+          </a:p>
+          <a:p>
+            <a:r>
+              <a:rPr lang="en-US" dirty="0"/>
+              <a:t>Daily meetings make it possible to measure individual productivity. This leads to the improvement in the productivity of each of the team members.</a:t>
+            </a:r>
+          </a:p>
+          <a:p>
+            <a:r>
+              <a:rPr lang="en-US" dirty="0"/>
+              <a:t>Issues are identified well in advance through the daily meetings and hence can be resolved in speedily</a:t>
+            </a:r>
+          </a:p>
+          <a:p>
+            <a:r>
+              <a:rPr lang="en-US" dirty="0"/>
+              <a:t>It is easier to deliver a quality product in a scheduled time.</a:t>
+            </a:r>
+          </a:p>
+          <a:p>
+            <a:r>
+              <a:rPr lang="en-US" dirty="0"/>
+              <a:t>The overhead cost in terms of process and management is minimal thus leading to a quicker, cheaper </a:t>
+            </a:r>
+            <a:r>
+              <a:rPr lang="en-US" dirty="0" smtClean="0"/>
+              <a:t>result.</a:t>
+            </a:r>
+          </a:p>
+          <a:p>
+            <a:pPr marL="0" indent="0">
+              <a:buNone/>
+            </a:pPr>
+            <a:endParaRPr lang="en-US" b="1" dirty="0" smtClean="0"/>
+          </a:p>
+          <a:p>
+            <a:pPr marL="0" indent="0">
+              <a:buNone/>
+            </a:pPr>
+            <a:r>
+              <a:rPr lang="en-US" b="1" dirty="0" smtClean="0"/>
+              <a:t>Disadvantages of Scrum:</a:t>
+            </a:r>
+            <a:endParaRPr lang="en-US" dirty="0"/>
+          </a:p>
+          <a:p>
+            <a:r>
+              <a:rPr lang="en-US" dirty="0"/>
+              <a:t>If a task is not well defined, estimating project costs and time will not be accurate. In such a case, the task can be spread over several sprints.</a:t>
+            </a:r>
+          </a:p>
+          <a:p>
+            <a:r>
+              <a:rPr lang="en-US" dirty="0"/>
+              <a:t>If the team members are not committed, the project will either never complete or fail.</a:t>
+            </a:r>
+          </a:p>
+          <a:p>
+            <a:r>
+              <a:rPr lang="en-US" dirty="0"/>
+              <a:t>It is good for small, fast moving projects as it works well only with small team.</a:t>
+            </a:r>
+          </a:p>
+          <a:p>
+            <a:r>
+              <a:rPr lang="en-US" dirty="0"/>
+              <a:t>This methodology needs experienced team members only. If the team consists of people who are novices, the project cannot be completed in time.</a:t>
+            </a:r>
+          </a:p>
+          <a:p>
+            <a:r>
+              <a:rPr lang="en-US" dirty="0"/>
+              <a:t>Scrum works well when the Scrum Master trusts the team they are managing. If they practice too strict control over the team members, it can be extremely frustrating for them, leading to demoralization and the failure of the project.</a:t>
+            </a:r>
+          </a:p>
+          <a:p>
+            <a:r>
+              <a:rPr lang="en-US" dirty="0"/>
+              <a:t>If any of the team members leave during a development it can have a huge inverse effect on the project </a:t>
+            </a:r>
+            <a:r>
+              <a:rPr lang="en-US" dirty="0" err="1"/>
+              <a:t>evelopment</a:t>
+            </a:r>
+            <a:r>
+              <a:rPr lang="en-US" dirty="0" smtClean="0"/>
+              <a:t>.</a:t>
+            </a:r>
+            <a:endParaRPr lang="en-US" dirty="0"/>
+          </a:p>
+        </p:txBody>
+      </p:sp>
+      <p:sp>
+        <p:nvSpPr>
+          <p:cNvPr id="4" name="TextBox 3"/>
+          <p:cNvSpPr txBox="1"/>
+          <p:nvPr/>
+        </p:nvSpPr>
+        <p:spPr>
+          <a:xfrm>
+            <a:off x="803920" y="255146"/>
+            <a:ext cx="7416824" cy="584775"/>
+          </a:xfrm>
+          <a:prstGeom prst="rect">
+            <a:avLst/>
+          </a:prstGeom>
+          <a:noFill/>
+        </p:spPr>
+        <p:txBody>
+          <a:bodyPr wrap="square" rtlCol="0">
+            <a:spAutoFit/>
+          </a:bodyPr>
+          <a:lstStyle/>
+          <a:p>
+            <a:pPr algn="ctr"/>
+            <a:r>
+              <a:rPr lang="en-US" sz="3200" dirty="0" smtClean="0">
+                <a:solidFill>
+                  <a:schemeClr val="tx1">
+                    <a:lumMod val="65000"/>
+                    <a:lumOff val="35000"/>
+                  </a:schemeClr>
+                </a:solidFill>
+                <a:effectLst>
+                  <a:outerShdw blurRad="38100" dist="38100" dir="2700000" algn="tl">
+                    <a:srgbClr val="000000">
+                      <a:alpha val="43137"/>
+                    </a:srgbClr>
+                  </a:outerShdw>
+                </a:effectLst>
+              </a:rPr>
+              <a:t>Scrum</a:t>
+            </a:r>
+            <a:endParaRPr lang="en-US" sz="3200" dirty="0">
+              <a:solidFill>
+                <a:schemeClr val="tx1">
+                  <a:lumMod val="65000"/>
+                  <a:lumOff val="35000"/>
+                </a:schemeClr>
+              </a:solidFill>
+              <a:effectLst>
+                <a:outerShdw blurRad="38100" dist="38100" dir="2700000" algn="tl">
+                  <a:srgbClr val="000000">
+                    <a:alpha val="43137"/>
+                  </a:srgbClr>
+                </a:outerShdw>
+              </a:effectLst>
+            </a:endParaRPr>
+          </a:p>
+        </p:txBody>
+      </p:sp>
+    </p:spTree>
+    <p:extLst>
+      <p:ext uri="{BB962C8B-B14F-4D97-AF65-F5344CB8AC3E}">
+        <p14:creationId xmlns:p14="http://schemas.microsoft.com/office/powerpoint/2010/main" val="3421279309"/>
+      </p:ext>
+    </p:extLst>
+  </p:cSld>
+  <p:clrMapOvr>
+    <a:masterClrMapping/>
+  </p:clrMapOvr>
+</p:sld>
+</file>
+
+<file path=ppt/slides/slide24.xml><?xml version="1.0" encoding="utf-8"?>
 <p:sld xmlns:a="http://schemas.openxmlformats.org/drawingml/2006/main" xmlns:r="http://schemas.openxmlformats.org/officeDocument/2006/relationships" xmlns:p="http://schemas.openxmlformats.org/presentationml/2006/main" show="0">
   <p:cSld>
     <p:spTree>
@@ -8048,15 +8710,33 @@
                 <a:latin typeface="Arial" panose="020B0604020202020204" pitchFamily="34" charset="0"/>
                 <a:cs typeface="Arial" panose="020B0604020202020204" pitchFamily="34" charset="0"/>
               </a:rPr>
-              <a:t>простота</a:t>
+              <a:t>Простота</a:t>
             </a:r>
             <a:r>
               <a:rPr lang="en-US" dirty="0" smtClean="0">
                 <a:latin typeface="Arial" panose="020B0604020202020204" pitchFamily="34" charset="0"/>
                 <a:cs typeface="Arial" panose="020B0604020202020204" pitchFamily="34" charset="0"/>
               </a:rPr>
+              <a:t> </a:t>
+            </a:r>
+            <a:r>
+              <a:rPr lang="ru-RU" dirty="0" smtClean="0">
+                <a:latin typeface="Arial" panose="020B0604020202020204" pitchFamily="34" charset="0"/>
+                <a:cs typeface="Arial" panose="020B0604020202020204" pitchFamily="34" charset="0"/>
+              </a:rPr>
+              <a:t>разработки</a:t>
+            </a:r>
+            <a:r>
+              <a:rPr lang="en-US" dirty="0" smtClean="0">
+                <a:latin typeface="Arial" panose="020B0604020202020204" pitchFamily="34" charset="0"/>
+                <a:cs typeface="Arial" panose="020B0604020202020204" pitchFamily="34" charset="0"/>
+              </a:rPr>
               <a:t>;</a:t>
             </a:r>
+            <a:endParaRPr lang="en-US" dirty="0" smtClean="0">
+              <a:latin typeface="Arial" panose="020B0604020202020204" pitchFamily="34" charset="0"/>
+              <a:cs typeface="Arial" panose="020B0604020202020204" pitchFamily="34" charset="0"/>
+            </a:endParaRPr>
           </a:p>
           <a:p>
             <a:pPr marL="285750" indent="-285750">
@@ -8683,1631 +9363,7 @@
 </p:sld>
 </file>
 
-<file path=ppt/slides/slide2.xml><?xml version="1.0" encoding="utf-8"?>
-<p:sld xmlns:a="http://schemas.openxmlformats.org/drawingml/2006/main" xmlns:r="http://schemas.openxmlformats.org/officeDocument/2006/relationships" xmlns:p="http://schemas.openxmlformats.org/presentationml/2006/main">
-  <p:cSld>
-    <p:spTree>
-      <p:nvGrpSpPr>
-        <p:cNvPr id="1" name=""/>
-        <p:cNvGrpSpPr/>
-        <p:nvPr/>
-      </p:nvGrpSpPr>
-      <p:grpSpPr>
-        <a:xfrm>
-          <a:off x="0" y="0"/>
-          <a:ext cx="0" cy="0"/>
-          <a:chOff x="0" y="0"/>
-          <a:chExt cx="0" cy="0"/>
-        </a:xfrm>
-      </p:grpSpPr>
-      <p:sp>
-        <p:nvSpPr>
-          <p:cNvPr id="4" name="TextBox 3"/>
-          <p:cNvSpPr txBox="1"/>
-          <p:nvPr/>
-        </p:nvSpPr>
-        <p:spPr>
-          <a:xfrm>
-            <a:off x="596955" y="404664"/>
-            <a:ext cx="1008609" cy="553998"/>
-          </a:xfrm>
-          <a:prstGeom prst="rect">
-            <a:avLst/>
-          </a:prstGeom>
-          <a:noFill/>
-        </p:spPr>
-        <p:txBody>
-          <a:bodyPr wrap="none" rtlCol="0">
-            <a:spAutoFit/>
-          </a:bodyPr>
-          <a:lstStyle/>
-          <a:p>
-            <a:r>
-              <a:rPr lang="ru-RU" sz="3000" dirty="0" smtClean="0">
-                <a:solidFill>
-                  <a:schemeClr val="tx1">
-                    <a:lumMod val="65000"/>
-                    <a:lumOff val="35000"/>
-                  </a:schemeClr>
-                </a:solidFill>
-                <a:effectLst>
-                  <a:outerShdw blurRad="38100" dist="38100" dir="2700000" algn="tl">
-                    <a:srgbClr val="000000">
-                      <a:alpha val="43137"/>
-                    </a:srgbClr>
-                  </a:outerShdw>
-                </a:effectLst>
-              </a:rPr>
-              <a:t>План</a:t>
-            </a:r>
-            <a:endParaRPr lang="en-US" sz="3000" dirty="0">
-              <a:solidFill>
-                <a:schemeClr val="tx1">
-                  <a:lumMod val="65000"/>
-                  <a:lumOff val="35000"/>
-                </a:schemeClr>
-              </a:solidFill>
-              <a:effectLst>
-                <a:outerShdw blurRad="38100" dist="38100" dir="2700000" algn="tl">
-                  <a:srgbClr val="000000">
-                    <a:alpha val="43137"/>
-                  </a:srgbClr>
-                </a:outerShdw>
-              </a:effectLst>
-            </a:endParaRPr>
-          </a:p>
-        </p:txBody>
-      </p:sp>
-      <p:sp>
-        <p:nvSpPr>
-          <p:cNvPr id="8" name="Rectangle 7"/>
-          <p:cNvSpPr/>
-          <p:nvPr/>
-        </p:nvSpPr>
-        <p:spPr>
-          <a:xfrm>
-            <a:off x="990600" y="1374274"/>
-            <a:ext cx="6893768" cy="4247317"/>
-          </a:xfrm>
-          <a:prstGeom prst="rect">
-            <a:avLst/>
-          </a:prstGeom>
-        </p:spPr>
-        <p:txBody>
-          <a:bodyPr wrap="square">
-            <a:spAutoFit/>
-          </a:bodyPr>
-          <a:lstStyle/>
-          <a:p>
-            <a:pPr marL="285750" lvl="0" indent="-285750">
-              <a:buClr>
-                <a:schemeClr val="accent2"/>
-              </a:buClr>
-              <a:buFont typeface="Wingdings" pitchFamily="2" charset="2"/>
-              <a:buChar char="Ø"/>
-            </a:pPr>
-            <a:r>
-              <a:rPr lang="ru-RU" dirty="0" smtClean="0">
-                <a:solidFill>
-                  <a:schemeClr val="tx1">
-                    <a:lumMod val="65000"/>
-                    <a:lumOff val="35000"/>
-                  </a:schemeClr>
-                </a:solidFill>
-                <a:latin typeface="Arial" panose="020B0604020202020204" pitchFamily="34" charset="0"/>
-                <a:cs typeface="Arial" panose="020B0604020202020204" pitchFamily="34" charset="0"/>
-              </a:rPr>
-              <a:t>Что такое «Цикл Разработки программного обеспечения»</a:t>
-            </a:r>
-            <a:r>
-              <a:rPr lang="en-US" dirty="0" smtClean="0">
-                <a:solidFill>
-                  <a:schemeClr val="tx1">
-                    <a:lumMod val="65000"/>
-                    <a:lumOff val="35000"/>
-                  </a:schemeClr>
-                </a:solidFill>
-                <a:latin typeface="Arial" panose="020B0604020202020204" pitchFamily="34" charset="0"/>
-                <a:cs typeface="Arial" panose="020B0604020202020204" pitchFamily="34" charset="0"/>
-              </a:rPr>
-              <a:t>?</a:t>
-            </a:r>
-          </a:p>
-          <a:p>
-            <a:pPr marL="285750" lvl="0" indent="-285750">
-              <a:buClr>
-                <a:schemeClr val="accent2"/>
-              </a:buClr>
-              <a:buFont typeface="Wingdings" pitchFamily="2" charset="2"/>
-              <a:buChar char="Ø"/>
-            </a:pPr>
-            <a:endParaRPr lang="en-US" dirty="0">
-              <a:solidFill>
-                <a:schemeClr val="tx1">
-                  <a:lumMod val="65000"/>
-                  <a:lumOff val="35000"/>
-                </a:schemeClr>
-              </a:solidFill>
-              <a:latin typeface="Arial" panose="020B0604020202020204" pitchFamily="34" charset="0"/>
-              <a:cs typeface="Arial" panose="020B0604020202020204" pitchFamily="34" charset="0"/>
-            </a:endParaRPr>
-          </a:p>
-          <a:p>
-            <a:pPr marL="285750" lvl="0" indent="-285750">
-              <a:buClr>
-                <a:schemeClr val="accent2"/>
-              </a:buClr>
-              <a:buFont typeface="Wingdings" pitchFamily="2" charset="2"/>
-              <a:buChar char="Ø"/>
-            </a:pPr>
-            <a:r>
-              <a:rPr lang="ru-RU" dirty="0" smtClean="0">
-                <a:solidFill>
-                  <a:schemeClr val="tx1">
-                    <a:lumMod val="65000"/>
-                    <a:lumOff val="35000"/>
-                  </a:schemeClr>
-                </a:solidFill>
-                <a:latin typeface="Arial" panose="020B0604020202020204" pitchFamily="34" charset="0"/>
-                <a:cs typeface="Arial" panose="020B0604020202020204" pitchFamily="34" charset="0"/>
-              </a:rPr>
-              <a:t>Зачем нужно «моделирование» разработки?</a:t>
-            </a:r>
-          </a:p>
-          <a:p>
-            <a:pPr marL="285750" lvl="0" indent="-285750">
-              <a:buClr>
-                <a:schemeClr val="accent2"/>
-              </a:buClr>
-              <a:buFont typeface="Wingdings" pitchFamily="2" charset="2"/>
-              <a:buChar char="Ø"/>
-            </a:pPr>
-            <a:endParaRPr lang="ru-RU" dirty="0">
-              <a:solidFill>
-                <a:schemeClr val="tx1">
-                  <a:lumMod val="65000"/>
-                  <a:lumOff val="35000"/>
-                </a:schemeClr>
-              </a:solidFill>
-              <a:latin typeface="Arial" panose="020B0604020202020204" pitchFamily="34" charset="0"/>
-              <a:cs typeface="Arial" panose="020B0604020202020204" pitchFamily="34" charset="0"/>
-            </a:endParaRPr>
-          </a:p>
-          <a:p>
-            <a:pPr marL="285750" indent="-285750">
-              <a:buClr>
-                <a:schemeClr val="accent2"/>
-              </a:buClr>
-              <a:buFont typeface="Wingdings" pitchFamily="2" charset="2"/>
-              <a:buChar char="Ø"/>
-            </a:pPr>
-            <a:r>
-              <a:rPr lang="ru-RU" dirty="0">
-                <a:solidFill>
-                  <a:schemeClr val="tx1">
-                    <a:lumMod val="65000"/>
-                    <a:lumOff val="35000"/>
-                  </a:schemeClr>
-                </a:solidFill>
-                <a:latin typeface="Arial" panose="020B0604020202020204" pitchFamily="34" charset="0"/>
-                <a:cs typeface="Arial" panose="020B0604020202020204" pitchFamily="34" charset="0"/>
-              </a:rPr>
-              <a:t>Основные подходы при разработке программного </a:t>
-            </a:r>
-            <a:r>
-              <a:rPr lang="ru-RU" dirty="0" smtClean="0">
-                <a:solidFill>
-                  <a:schemeClr val="tx1">
-                    <a:lumMod val="65000"/>
-                    <a:lumOff val="35000"/>
-                  </a:schemeClr>
-                </a:solidFill>
-                <a:latin typeface="Arial" panose="020B0604020202020204" pitchFamily="34" charset="0"/>
-                <a:cs typeface="Arial" panose="020B0604020202020204" pitchFamily="34" charset="0"/>
-              </a:rPr>
-              <a:t>обеспечения</a:t>
-            </a:r>
-          </a:p>
-          <a:p>
-            <a:pPr marL="742950" lvl="1" indent="-285750">
-              <a:buClr>
-                <a:schemeClr val="accent2"/>
-              </a:buClr>
-              <a:buFont typeface="Wingdings" pitchFamily="2" charset="2"/>
-              <a:buChar char="Ø"/>
-            </a:pPr>
-            <a:r>
-              <a:rPr lang="ru-RU" dirty="0" smtClean="0">
-                <a:solidFill>
-                  <a:schemeClr val="tx1">
-                    <a:lumMod val="65000"/>
-                    <a:lumOff val="35000"/>
-                  </a:schemeClr>
-                </a:solidFill>
-                <a:latin typeface="Arial" panose="020B0604020202020204" pitchFamily="34" charset="0"/>
-                <a:cs typeface="Arial" panose="020B0604020202020204" pitchFamily="34" charset="0"/>
-              </a:rPr>
-              <a:t>Традиционные подходы (</a:t>
-            </a:r>
-            <a:r>
-              <a:rPr lang="en-US" dirty="0">
-                <a:solidFill>
-                  <a:schemeClr val="tx1">
-                    <a:lumMod val="65000"/>
-                    <a:lumOff val="35000"/>
-                  </a:schemeClr>
-                </a:solidFill>
-                <a:latin typeface="Arial" panose="020B0604020202020204" pitchFamily="34" charset="0"/>
-                <a:cs typeface="Arial" panose="020B0604020202020204" pitchFamily="34" charset="0"/>
-              </a:rPr>
-              <a:t>SDLC models</a:t>
-            </a:r>
-            <a:r>
-              <a:rPr lang="ru-RU" dirty="0" smtClean="0">
-                <a:solidFill>
-                  <a:schemeClr val="tx1">
-                    <a:lumMod val="65000"/>
-                    <a:lumOff val="35000"/>
-                  </a:schemeClr>
-                </a:solidFill>
-                <a:latin typeface="Arial" panose="020B0604020202020204" pitchFamily="34" charset="0"/>
-                <a:cs typeface="Arial" panose="020B0604020202020204" pitchFamily="34" charset="0"/>
-              </a:rPr>
-              <a:t>)</a:t>
-            </a:r>
-          </a:p>
-          <a:p>
-            <a:pPr marL="742950" lvl="1" indent="-285750">
-              <a:buClr>
-                <a:schemeClr val="accent2"/>
-              </a:buClr>
-              <a:buFont typeface="Wingdings" pitchFamily="2" charset="2"/>
-              <a:buChar char="Ø"/>
-            </a:pPr>
-            <a:r>
-              <a:rPr lang="ru-RU" dirty="0" smtClean="0">
-                <a:solidFill>
-                  <a:schemeClr val="tx1">
-                    <a:lumMod val="65000"/>
-                    <a:lumOff val="35000"/>
-                  </a:schemeClr>
-                </a:solidFill>
-                <a:latin typeface="Arial" panose="020B0604020202020204" pitchFamily="34" charset="0"/>
-                <a:cs typeface="Arial" panose="020B0604020202020204" pitchFamily="34" charset="0"/>
-              </a:rPr>
-              <a:t>Быстрые и современные (</a:t>
-            </a:r>
-            <a:r>
-              <a:rPr lang="en-US" dirty="0">
-                <a:solidFill>
-                  <a:schemeClr val="tx1">
-                    <a:lumMod val="65000"/>
-                    <a:lumOff val="35000"/>
-                  </a:schemeClr>
-                </a:solidFill>
-                <a:latin typeface="Arial" panose="020B0604020202020204" pitchFamily="34" charset="0"/>
-                <a:cs typeface="Arial" panose="020B0604020202020204" pitchFamily="34" charset="0"/>
-              </a:rPr>
-              <a:t>Agile models</a:t>
-            </a:r>
-            <a:r>
-              <a:rPr lang="ru-RU" dirty="0" smtClean="0">
-                <a:solidFill>
-                  <a:schemeClr val="tx1">
-                    <a:lumMod val="65000"/>
-                    <a:lumOff val="35000"/>
-                  </a:schemeClr>
-                </a:solidFill>
-                <a:latin typeface="Arial" panose="020B0604020202020204" pitchFamily="34" charset="0"/>
-                <a:cs typeface="Arial" panose="020B0604020202020204" pitchFamily="34" charset="0"/>
-              </a:rPr>
-              <a:t>) подходы</a:t>
-            </a:r>
-          </a:p>
-          <a:p>
-            <a:pPr marL="285750" indent="-285750">
-              <a:buClr>
-                <a:schemeClr val="accent2"/>
-              </a:buClr>
-              <a:buFont typeface="Wingdings" pitchFamily="2" charset="2"/>
-              <a:buChar char="Ø"/>
-            </a:pPr>
-            <a:endParaRPr lang="ru-RU" dirty="0">
-              <a:solidFill>
-                <a:schemeClr val="tx1">
-                  <a:lumMod val="65000"/>
-                  <a:lumOff val="35000"/>
-                </a:schemeClr>
-              </a:solidFill>
-              <a:latin typeface="Arial" panose="020B0604020202020204" pitchFamily="34" charset="0"/>
-              <a:cs typeface="Arial" panose="020B0604020202020204" pitchFamily="34" charset="0"/>
-            </a:endParaRPr>
-          </a:p>
-          <a:p>
-            <a:pPr marL="285750" indent="-285750">
-              <a:buClr>
-                <a:schemeClr val="accent2"/>
-              </a:buClr>
-              <a:buFont typeface="Wingdings" pitchFamily="2" charset="2"/>
-              <a:buChar char="Ø"/>
-            </a:pPr>
-            <a:r>
-              <a:rPr lang="ru-RU" dirty="0">
-                <a:solidFill>
-                  <a:schemeClr val="tx1">
-                    <a:lumMod val="65000"/>
-                    <a:lumOff val="35000"/>
-                  </a:schemeClr>
-                </a:solidFill>
-                <a:latin typeface="Arial" panose="020B0604020202020204" pitchFamily="34" charset="0"/>
-                <a:cs typeface="Arial" panose="020B0604020202020204" pitchFamily="34" charset="0"/>
-              </a:rPr>
-              <a:t>Сильные и слабые </a:t>
-            </a:r>
-            <a:r>
-              <a:rPr lang="ru-RU" dirty="0" smtClean="0">
-                <a:solidFill>
-                  <a:schemeClr val="tx1">
-                    <a:lumMod val="65000"/>
-                    <a:lumOff val="35000"/>
-                  </a:schemeClr>
-                </a:solidFill>
-                <a:latin typeface="Arial" panose="020B0604020202020204" pitchFamily="34" charset="0"/>
-                <a:cs typeface="Arial" panose="020B0604020202020204" pitchFamily="34" charset="0"/>
-              </a:rPr>
-              <a:t>стороны различных подходов</a:t>
-            </a:r>
-            <a:endParaRPr lang="en-US" dirty="0">
-              <a:solidFill>
-                <a:schemeClr val="tx1">
-                  <a:lumMod val="65000"/>
-                  <a:lumOff val="35000"/>
-                </a:schemeClr>
-              </a:solidFill>
-              <a:latin typeface="Arial" panose="020B0604020202020204" pitchFamily="34" charset="0"/>
-              <a:cs typeface="Arial" panose="020B0604020202020204" pitchFamily="34" charset="0"/>
-            </a:endParaRPr>
-          </a:p>
-          <a:p>
-            <a:pPr marL="285750" lvl="0" indent="-285750">
-              <a:buClr>
-                <a:schemeClr val="accent2"/>
-              </a:buClr>
-              <a:buFont typeface="Wingdings" pitchFamily="2" charset="2"/>
-              <a:buChar char="Ø"/>
-            </a:pPr>
-            <a:endParaRPr lang="ru-RU" dirty="0" smtClean="0">
-              <a:solidFill>
-                <a:schemeClr val="tx1">
-                  <a:lumMod val="65000"/>
-                  <a:lumOff val="35000"/>
-                </a:schemeClr>
-              </a:solidFill>
-              <a:latin typeface="Arial" panose="020B0604020202020204" pitchFamily="34" charset="0"/>
-              <a:cs typeface="Arial" panose="020B0604020202020204" pitchFamily="34" charset="0"/>
-            </a:endParaRPr>
-          </a:p>
-          <a:p>
-            <a:pPr marL="285750" lvl="0" indent="-285750">
-              <a:buClr>
-                <a:schemeClr val="accent2"/>
-              </a:buClr>
-              <a:buFont typeface="Wingdings" pitchFamily="2" charset="2"/>
-              <a:buChar char="Ø"/>
-            </a:pPr>
-            <a:r>
-              <a:rPr lang="ru-RU" dirty="0" smtClean="0">
-                <a:solidFill>
-                  <a:schemeClr val="tx1">
-                    <a:lumMod val="65000"/>
-                    <a:lumOff val="35000"/>
-                  </a:schemeClr>
-                </a:solidFill>
-                <a:latin typeface="Arial" panose="020B0604020202020204" pitchFamily="34" charset="0"/>
-                <a:cs typeface="Arial" panose="020B0604020202020204" pitchFamily="34" charset="0"/>
-              </a:rPr>
-              <a:t>Примеры моделей разработки</a:t>
-            </a:r>
-          </a:p>
-          <a:p>
-            <a:pPr marL="742950" lvl="1" indent="-285750">
-              <a:buClr>
-                <a:schemeClr val="accent2"/>
-              </a:buClr>
-              <a:buFont typeface="Wingdings" pitchFamily="2" charset="2"/>
-              <a:buChar char="Ø"/>
-            </a:pPr>
-            <a:r>
-              <a:rPr lang="en-US" dirty="0" smtClean="0">
-                <a:solidFill>
-                  <a:schemeClr val="tx1">
-                    <a:lumMod val="65000"/>
-                    <a:lumOff val="35000"/>
-                  </a:schemeClr>
-                </a:solidFill>
-                <a:latin typeface="Arial" panose="020B0604020202020204" pitchFamily="34" charset="0"/>
-                <a:cs typeface="Arial" panose="020B0604020202020204" pitchFamily="34" charset="0"/>
-              </a:rPr>
-              <a:t>Waterfall / Whirlpool</a:t>
-            </a:r>
-            <a:r>
-              <a:rPr lang="ru-RU" dirty="0" smtClean="0">
-                <a:solidFill>
-                  <a:schemeClr val="tx1">
-                    <a:lumMod val="65000"/>
-                    <a:lumOff val="35000"/>
-                  </a:schemeClr>
-                </a:solidFill>
-                <a:latin typeface="Arial" panose="020B0604020202020204" pitchFamily="34" charset="0"/>
-                <a:cs typeface="Arial" panose="020B0604020202020204" pitchFamily="34" charset="0"/>
-              </a:rPr>
-              <a:t>, </a:t>
-            </a:r>
-            <a:r>
-              <a:rPr lang="en-US" dirty="0" smtClean="0">
-                <a:solidFill>
-                  <a:schemeClr val="tx1">
-                    <a:lumMod val="65000"/>
-                    <a:lumOff val="35000"/>
-                  </a:schemeClr>
-                </a:solidFill>
-                <a:latin typeface="Arial" panose="020B0604020202020204" pitchFamily="34" charset="0"/>
-                <a:cs typeface="Arial" panose="020B0604020202020204" pitchFamily="34" charset="0"/>
-              </a:rPr>
-              <a:t>V-shaped</a:t>
-            </a:r>
-            <a:r>
-              <a:rPr lang="en-US" dirty="0">
-                <a:solidFill>
-                  <a:schemeClr val="tx1">
-                    <a:lumMod val="65000"/>
-                    <a:lumOff val="35000"/>
-                  </a:schemeClr>
-                </a:solidFill>
-                <a:latin typeface="Arial" panose="020B0604020202020204" pitchFamily="34" charset="0"/>
-                <a:cs typeface="Arial" panose="020B0604020202020204" pitchFamily="34" charset="0"/>
-              </a:rPr>
-              <a:t>, Prototyping, </a:t>
-            </a:r>
-            <a:r>
-              <a:rPr lang="en-US" dirty="0" smtClean="0">
-                <a:solidFill>
-                  <a:schemeClr val="tx1">
-                    <a:lumMod val="65000"/>
-                    <a:lumOff val="35000"/>
-                  </a:schemeClr>
-                </a:solidFill>
-                <a:latin typeface="Arial" panose="020B0604020202020204" pitchFamily="34" charset="0"/>
-                <a:cs typeface="Arial" panose="020B0604020202020204" pitchFamily="34" charset="0"/>
-              </a:rPr>
-              <a:t>Spiral</a:t>
-            </a:r>
-          </a:p>
-          <a:p>
-            <a:pPr marL="742950" lvl="1" indent="-285750">
-              <a:buClr>
-                <a:schemeClr val="accent2"/>
-              </a:buClr>
-              <a:buFont typeface="Wingdings" pitchFamily="2" charset="2"/>
-              <a:buChar char="Ø"/>
-            </a:pPr>
-            <a:r>
-              <a:rPr lang="en-US" dirty="0">
-                <a:solidFill>
-                  <a:schemeClr val="tx1">
-                    <a:lumMod val="65000"/>
-                    <a:lumOff val="35000"/>
-                  </a:schemeClr>
-                </a:solidFill>
-                <a:latin typeface="Arial" panose="020B0604020202020204" pitchFamily="34" charset="0"/>
-                <a:cs typeface="Arial" panose="020B0604020202020204" pitchFamily="34" charset="0"/>
-              </a:rPr>
-              <a:t>Scrum, </a:t>
-            </a:r>
-            <a:r>
-              <a:rPr lang="en-US" dirty="0" smtClean="0">
-                <a:solidFill>
-                  <a:schemeClr val="tx1">
-                    <a:lumMod val="65000"/>
-                    <a:lumOff val="35000"/>
-                  </a:schemeClr>
-                </a:solidFill>
-                <a:latin typeface="Arial" panose="020B0604020202020204" pitchFamily="34" charset="0"/>
-                <a:cs typeface="Arial" panose="020B0604020202020204" pitchFamily="34" charset="0"/>
-              </a:rPr>
-              <a:t>RUP, </a:t>
-            </a:r>
-            <a:r>
-              <a:rPr lang="en-US" dirty="0">
-                <a:solidFill>
-                  <a:schemeClr val="tx1">
-                    <a:lumMod val="65000"/>
-                    <a:lumOff val="35000"/>
-                  </a:schemeClr>
-                </a:solidFill>
-                <a:latin typeface="Arial" panose="020B0604020202020204" pitchFamily="34" charset="0"/>
-                <a:cs typeface="Arial" panose="020B0604020202020204" pitchFamily="34" charset="0"/>
-              </a:rPr>
-              <a:t>XP, FDD</a:t>
-            </a:r>
-            <a:endParaRPr lang="ru-RU" dirty="0" smtClean="0">
-              <a:solidFill>
-                <a:schemeClr val="tx1">
-                  <a:lumMod val="65000"/>
-                  <a:lumOff val="35000"/>
-                </a:schemeClr>
-              </a:solidFill>
-              <a:latin typeface="Arial" panose="020B0604020202020204" pitchFamily="34" charset="0"/>
-              <a:cs typeface="Arial" panose="020B0604020202020204" pitchFamily="34" charset="0"/>
-            </a:endParaRPr>
-          </a:p>
-          <a:p>
-            <a:pPr marL="742950" lvl="1" indent="-285750">
-              <a:buClr>
-                <a:schemeClr val="accent2"/>
-              </a:buClr>
-              <a:buFont typeface="Wingdings" pitchFamily="2" charset="2"/>
-              <a:buChar char="Ø"/>
-            </a:pPr>
-            <a:endParaRPr lang="en-US" dirty="0">
-              <a:solidFill>
-                <a:schemeClr val="tx1">
-                  <a:lumMod val="65000"/>
-                  <a:lumOff val="35000"/>
-                </a:schemeClr>
-              </a:solidFill>
-              <a:latin typeface="Arial" panose="020B0604020202020204" pitchFamily="34" charset="0"/>
-              <a:cs typeface="Arial" panose="020B0604020202020204" pitchFamily="34" charset="0"/>
-            </a:endParaRPr>
-          </a:p>
-        </p:txBody>
-      </p:sp>
-    </p:spTree>
-    <p:extLst>
-      <p:ext uri="{BB962C8B-B14F-4D97-AF65-F5344CB8AC3E}">
-        <p14:creationId xmlns:p14="http://schemas.microsoft.com/office/powerpoint/2010/main" val="3786720330"/>
-      </p:ext>
-    </p:extLst>
-  </p:cSld>
-  <p:clrMapOvr>
-    <a:masterClrMapping/>
-  </p:clrMapOvr>
-  <p:timing>
-    <p:tnLst>
-      <p:par>
-        <p:cTn id="1" dur="indefinite" restart="never" nodeType="tmRoot"/>
-      </p:par>
-    </p:tnLst>
-  </p:timing>
-</p:sld>
-</file>
-
-<file path=ppt/slides/slide20.xml><?xml version="1.0" encoding="utf-8"?>
-<p:sld xmlns:a="http://schemas.openxmlformats.org/drawingml/2006/main" xmlns:r="http://schemas.openxmlformats.org/officeDocument/2006/relationships" xmlns:p="http://schemas.openxmlformats.org/presentationml/2006/main">
-  <p:cSld>
-    <p:spTree>
-      <p:nvGrpSpPr>
-        <p:cNvPr id="1" name=""/>
-        <p:cNvGrpSpPr/>
-        <p:nvPr/>
-      </p:nvGrpSpPr>
-      <p:grpSpPr>
-        <a:xfrm>
-          <a:off x="0" y="0"/>
-          <a:ext cx="0" cy="0"/>
-          <a:chOff x="0" y="0"/>
-          <a:chExt cx="0" cy="0"/>
-        </a:xfrm>
-      </p:grpSpPr>
-      <p:sp>
-        <p:nvSpPr>
-          <p:cNvPr id="4" name="TextBox 3"/>
-          <p:cNvSpPr txBox="1"/>
-          <p:nvPr/>
-        </p:nvSpPr>
-        <p:spPr>
-          <a:xfrm>
-            <a:off x="449062" y="533400"/>
-            <a:ext cx="4491807" cy="630942"/>
-          </a:xfrm>
-          <a:prstGeom prst="rect">
-            <a:avLst/>
-          </a:prstGeom>
-          <a:noFill/>
-        </p:spPr>
-        <p:txBody>
-          <a:bodyPr wrap="none" rtlCol="0">
-            <a:spAutoFit/>
-          </a:bodyPr>
-          <a:lstStyle/>
-          <a:p>
-            <a:r>
-              <a:rPr lang="ru-RU" sz="3500" dirty="0" smtClean="0">
-                <a:solidFill>
-                  <a:schemeClr val="tx1">
-                    <a:lumMod val="65000"/>
-                    <a:lumOff val="35000"/>
-                  </a:schemeClr>
-                </a:solidFill>
-                <a:effectLst>
-                  <a:outerShdw blurRad="38100" dist="38100" dir="2700000" algn="tl">
-                    <a:srgbClr val="000000">
-                      <a:alpha val="43137"/>
-                    </a:srgbClr>
-                  </a:outerShdw>
-                </a:effectLst>
-              </a:rPr>
-              <a:t>Типичный </a:t>
-            </a:r>
-            <a:r>
-              <a:rPr lang="en-US" sz="3500" dirty="0">
-                <a:solidFill>
-                  <a:schemeClr val="tx1">
-                    <a:lumMod val="65000"/>
-                    <a:lumOff val="35000"/>
-                  </a:schemeClr>
-                </a:solidFill>
-                <a:effectLst>
-                  <a:outerShdw blurRad="38100" dist="38100" dir="2700000" algn="tl">
-                    <a:srgbClr val="000000">
-                      <a:alpha val="43137"/>
-                    </a:srgbClr>
-                  </a:outerShdw>
-                </a:effectLst>
-              </a:rPr>
-              <a:t>Agile </a:t>
-            </a:r>
-            <a:r>
-              <a:rPr lang="ru-RU" sz="3500" dirty="0" smtClean="0">
-                <a:solidFill>
-                  <a:schemeClr val="tx1">
-                    <a:lumMod val="65000"/>
-                    <a:lumOff val="35000"/>
-                  </a:schemeClr>
-                </a:solidFill>
-                <a:effectLst>
-                  <a:outerShdw blurRad="38100" dist="38100" dir="2700000" algn="tl">
-                    <a:srgbClr val="000000">
-                      <a:alpha val="43137"/>
-                    </a:srgbClr>
-                  </a:outerShdw>
-                </a:effectLst>
-              </a:rPr>
-              <a:t>проект</a:t>
-            </a:r>
-            <a:endParaRPr lang="en-US" sz="3500" dirty="0">
-              <a:solidFill>
-                <a:schemeClr val="tx1">
-                  <a:lumMod val="65000"/>
-                  <a:lumOff val="35000"/>
-                </a:schemeClr>
-              </a:solidFill>
-              <a:effectLst>
-                <a:outerShdw blurRad="38100" dist="38100" dir="2700000" algn="tl">
-                  <a:srgbClr val="000000">
-                    <a:alpha val="43137"/>
-                  </a:srgbClr>
-                </a:outerShdw>
-              </a:effectLst>
-            </a:endParaRPr>
-          </a:p>
-        </p:txBody>
-      </p:sp>
-      <p:sp>
-        <p:nvSpPr>
-          <p:cNvPr id="2" name="TextBox 1"/>
-          <p:cNvSpPr txBox="1"/>
-          <p:nvPr/>
-        </p:nvSpPr>
-        <p:spPr>
-          <a:xfrm>
-            <a:off x="580008" y="1447799"/>
-            <a:ext cx="8001000" cy="400110"/>
-          </a:xfrm>
-          <a:prstGeom prst="rect">
-            <a:avLst/>
-          </a:prstGeom>
-          <a:noFill/>
-        </p:spPr>
-        <p:txBody>
-          <a:bodyPr wrap="square" rtlCol="0">
-            <a:spAutoFit/>
-          </a:bodyPr>
-          <a:lstStyle/>
-          <a:p>
-            <a:r>
-              <a:rPr lang="en-US" sz="2000" dirty="0"/>
-              <a:t>Project </a:t>
-            </a:r>
-            <a:r>
-              <a:rPr lang="en-US" sz="2000" b="1" dirty="0">
-                <a:solidFill>
-                  <a:schemeClr val="tx1">
-                    <a:lumMod val="50000"/>
-                    <a:lumOff val="50000"/>
-                  </a:schemeClr>
-                </a:solidFill>
-              </a:rPr>
-              <a:t>____________________________________________</a:t>
-            </a:r>
-            <a:r>
-              <a:rPr lang="en-US" sz="2000" dirty="0" smtClean="0"/>
-              <a:t> </a:t>
-            </a:r>
-            <a:r>
-              <a:rPr lang="en-US" sz="2000" dirty="0"/>
-              <a:t>1 year</a:t>
-            </a:r>
-          </a:p>
-        </p:txBody>
-      </p:sp>
-      <p:sp>
-        <p:nvSpPr>
-          <p:cNvPr id="5" name="TextBox 4"/>
-          <p:cNvSpPr txBox="1"/>
-          <p:nvPr/>
-        </p:nvSpPr>
-        <p:spPr>
-          <a:xfrm>
-            <a:off x="580008" y="2024427"/>
-            <a:ext cx="8001000" cy="400110"/>
-          </a:xfrm>
-          <a:prstGeom prst="rect">
-            <a:avLst/>
-          </a:prstGeom>
-          <a:noFill/>
-        </p:spPr>
-        <p:txBody>
-          <a:bodyPr wrap="square" rtlCol="0">
-            <a:spAutoFit/>
-          </a:bodyPr>
-          <a:lstStyle/>
-          <a:p>
-            <a:r>
-              <a:rPr lang="en-US" sz="2000" dirty="0" smtClean="0"/>
-              <a:t>Releases </a:t>
-            </a:r>
-            <a:r>
-              <a:rPr lang="en-US" sz="2000" b="1" dirty="0">
-                <a:solidFill>
-                  <a:schemeClr val="tx1">
-                    <a:lumMod val="50000"/>
-                    <a:lumOff val="50000"/>
-                  </a:schemeClr>
-                </a:solidFill>
-              </a:rPr>
-              <a:t>___________ __________ __________  ________</a:t>
-            </a:r>
-            <a:r>
-              <a:rPr lang="en-US" sz="2000" b="1" dirty="0">
-                <a:solidFill>
-                  <a:srgbClr val="92D050"/>
-                </a:solidFill>
-              </a:rPr>
-              <a:t> </a:t>
-            </a:r>
-            <a:r>
-              <a:rPr lang="en-US" sz="2000" dirty="0" smtClean="0"/>
-              <a:t>3 month</a:t>
-            </a:r>
-            <a:endParaRPr lang="en-US" sz="2000" dirty="0"/>
-          </a:p>
-        </p:txBody>
-      </p:sp>
-      <p:sp>
-        <p:nvSpPr>
-          <p:cNvPr id="6" name="TextBox 5"/>
-          <p:cNvSpPr txBox="1"/>
-          <p:nvPr/>
-        </p:nvSpPr>
-        <p:spPr>
-          <a:xfrm>
-            <a:off x="598503" y="2607714"/>
-            <a:ext cx="8001000" cy="400110"/>
-          </a:xfrm>
-          <a:prstGeom prst="rect">
-            <a:avLst/>
-          </a:prstGeom>
-          <a:noFill/>
-        </p:spPr>
-        <p:txBody>
-          <a:bodyPr wrap="square" rtlCol="0">
-            <a:spAutoFit/>
-          </a:bodyPr>
-          <a:lstStyle/>
-          <a:p>
-            <a:r>
-              <a:rPr lang="en-US" sz="2000" dirty="0" smtClean="0"/>
-              <a:t>Iterations   </a:t>
-            </a:r>
-            <a:r>
-              <a:rPr lang="en-US" sz="2000" b="1" dirty="0">
-                <a:solidFill>
-                  <a:schemeClr val="tx1">
-                    <a:lumMod val="50000"/>
-                    <a:lumOff val="50000"/>
-                  </a:schemeClr>
-                </a:solidFill>
-              </a:rPr>
-              <a:t>_____ _____ _____ _____ _____ _____ _____</a:t>
-            </a:r>
-            <a:r>
-              <a:rPr lang="en-US" sz="2000" b="1" dirty="0">
-                <a:solidFill>
-                  <a:srgbClr val="92D050"/>
-                </a:solidFill>
-              </a:rPr>
-              <a:t>     </a:t>
-            </a:r>
-            <a:r>
-              <a:rPr lang="en-US" sz="2000" dirty="0" smtClean="0"/>
-              <a:t>2 weeks</a:t>
-            </a:r>
-            <a:endParaRPr lang="en-US" sz="2000" dirty="0"/>
-          </a:p>
-        </p:txBody>
-      </p:sp>
-      <p:sp>
-        <p:nvSpPr>
-          <p:cNvPr id="7" name="TextBox 6"/>
-          <p:cNvSpPr txBox="1"/>
-          <p:nvPr/>
-        </p:nvSpPr>
-        <p:spPr>
-          <a:xfrm>
-            <a:off x="580008" y="3124200"/>
-            <a:ext cx="8001000" cy="400110"/>
-          </a:xfrm>
-          <a:prstGeom prst="rect">
-            <a:avLst/>
-          </a:prstGeom>
-          <a:noFill/>
-        </p:spPr>
-        <p:txBody>
-          <a:bodyPr wrap="square" rtlCol="0">
-            <a:spAutoFit/>
-          </a:bodyPr>
-          <a:lstStyle/>
-          <a:p>
-            <a:r>
-              <a:rPr lang="en-US" sz="2000" dirty="0" smtClean="0"/>
-              <a:t>Days            </a:t>
-            </a:r>
-            <a:r>
-              <a:rPr lang="en-US" sz="2000" b="1" dirty="0">
-                <a:solidFill>
-                  <a:schemeClr val="tx1">
-                    <a:lumMod val="50000"/>
-                    <a:lumOff val="50000"/>
-                  </a:schemeClr>
-                </a:solidFill>
-              </a:rPr>
-              <a:t>_ _ _ _   _ _ _ _   _ _ _ _   _ _ _ _   _ _ _ _   _ _ _ _      </a:t>
-            </a:r>
-            <a:r>
-              <a:rPr lang="en-US" sz="2000" b="1" dirty="0">
-                <a:solidFill>
-                  <a:srgbClr val="92D050"/>
-                </a:solidFill>
-              </a:rPr>
-              <a:t> </a:t>
-            </a:r>
-            <a:r>
-              <a:rPr lang="en-US" sz="2000" dirty="0" smtClean="0"/>
-              <a:t>1 day</a:t>
-            </a:r>
-            <a:endParaRPr lang="en-US" sz="2000" dirty="0"/>
-          </a:p>
-        </p:txBody>
-      </p:sp>
-      <p:sp>
-        <p:nvSpPr>
-          <p:cNvPr id="8" name="TextBox 7"/>
-          <p:cNvSpPr txBox="1"/>
-          <p:nvPr/>
-        </p:nvSpPr>
-        <p:spPr>
-          <a:xfrm>
-            <a:off x="594804" y="4240886"/>
-            <a:ext cx="8001000" cy="400110"/>
-          </a:xfrm>
-          <a:prstGeom prst="rect">
-            <a:avLst/>
-          </a:prstGeom>
-          <a:noFill/>
-        </p:spPr>
-        <p:txBody>
-          <a:bodyPr wrap="square" rtlCol="0">
-            <a:spAutoFit/>
-          </a:bodyPr>
-          <a:lstStyle/>
-          <a:p>
-            <a:r>
-              <a:rPr lang="en-US" sz="2000" dirty="0" smtClean="0"/>
-              <a:t>Tasks                      </a:t>
-            </a:r>
-            <a:r>
-              <a:rPr lang="en-US" sz="2000" b="1" dirty="0">
-                <a:solidFill>
-                  <a:schemeClr val="tx1">
-                    <a:lumMod val="50000"/>
-                    <a:lumOff val="50000"/>
-                  </a:schemeClr>
-                </a:solidFill>
-              </a:rPr>
-              <a:t>_____   _____   _____   _____                             </a:t>
-            </a:r>
-            <a:r>
-              <a:rPr lang="en-US" sz="2000" dirty="0" smtClean="0"/>
-              <a:t>2 hours</a:t>
-            </a:r>
-            <a:endParaRPr lang="en-US" sz="2000" dirty="0"/>
-          </a:p>
-        </p:txBody>
-      </p:sp>
-      <p:cxnSp>
-        <p:nvCxnSpPr>
-          <p:cNvPr id="9" name="Straight Arrow Connector 8"/>
-          <p:cNvCxnSpPr/>
-          <p:nvPr/>
-        </p:nvCxnSpPr>
-        <p:spPr>
-          <a:xfrm>
-            <a:off x="1835696" y="3429000"/>
-            <a:ext cx="602704" cy="914400"/>
-          </a:xfrm>
-          <a:prstGeom prst="straightConnector1">
-            <a:avLst/>
-          </a:prstGeom>
-          <a:ln w="12700">
-            <a:solidFill>
-              <a:schemeClr val="tx1">
-                <a:lumMod val="50000"/>
-                <a:lumOff val="50000"/>
-              </a:schemeClr>
-            </a:solidFill>
-            <a:prstDash val="lgDash"/>
-            <a:tailEnd type="arrow"/>
-          </a:ln>
-        </p:spPr>
-        <p:style>
-          <a:lnRef idx="1">
-            <a:schemeClr val="accent3"/>
-          </a:lnRef>
-          <a:fillRef idx="0">
-            <a:schemeClr val="accent3"/>
-          </a:fillRef>
-          <a:effectRef idx="0">
-            <a:schemeClr val="accent3"/>
-          </a:effectRef>
-          <a:fontRef idx="minor">
-            <a:schemeClr val="tx1"/>
-          </a:fontRef>
-        </p:style>
-      </p:cxnSp>
-      <p:cxnSp>
-        <p:nvCxnSpPr>
-          <p:cNvPr id="11" name="Straight Arrow Connector 10"/>
-          <p:cNvCxnSpPr/>
-          <p:nvPr/>
-        </p:nvCxnSpPr>
-        <p:spPr>
-          <a:xfrm>
-            <a:off x="2562108" y="3429000"/>
-            <a:ext cx="2924292" cy="914400"/>
-          </a:xfrm>
-          <a:prstGeom prst="straightConnector1">
-            <a:avLst/>
-          </a:prstGeom>
-          <a:ln w="12700">
-            <a:solidFill>
-              <a:schemeClr val="tx1">
-                <a:lumMod val="50000"/>
-                <a:lumOff val="50000"/>
-              </a:schemeClr>
-            </a:solidFill>
-            <a:prstDash val="lgDash"/>
-            <a:tailEnd type="arrow"/>
-          </a:ln>
-        </p:spPr>
-        <p:style>
-          <a:lnRef idx="1">
-            <a:schemeClr val="accent3"/>
-          </a:lnRef>
-          <a:fillRef idx="0">
-            <a:schemeClr val="accent3"/>
-          </a:fillRef>
-          <a:effectRef idx="0">
-            <a:schemeClr val="accent3"/>
-          </a:effectRef>
-          <a:fontRef idx="minor">
-            <a:schemeClr val="tx1"/>
-          </a:fontRef>
-        </p:style>
-      </p:cxnSp>
-      <p:sp>
-        <p:nvSpPr>
-          <p:cNvPr id="12" name="TextBox 11"/>
-          <p:cNvSpPr txBox="1"/>
-          <p:nvPr/>
-        </p:nvSpPr>
-        <p:spPr>
-          <a:xfrm>
-            <a:off x="580008" y="5307108"/>
-            <a:ext cx="8001000" cy="400110"/>
-          </a:xfrm>
-          <a:prstGeom prst="rect">
-            <a:avLst/>
-          </a:prstGeom>
-          <a:noFill/>
-        </p:spPr>
-        <p:txBody>
-          <a:bodyPr wrap="square" rtlCol="0">
-            <a:spAutoFit/>
-          </a:bodyPr>
-          <a:lstStyle/>
-          <a:p>
-            <a:r>
-              <a:rPr lang="en-US" sz="2000" dirty="0" smtClean="0"/>
-              <a:t>Test-Code-Refactor </a:t>
-            </a:r>
-            <a:r>
-              <a:rPr lang="en-US" sz="2000" dirty="0"/>
-              <a:t>Cycles</a:t>
-            </a:r>
-            <a:r>
-              <a:rPr lang="en-US" sz="2000" b="1" dirty="0">
-                <a:solidFill>
-                  <a:srgbClr val="92D050"/>
-                </a:solidFill>
-              </a:rPr>
-              <a:t>      </a:t>
-            </a:r>
-            <a:r>
-              <a:rPr lang="en-US" sz="2000" b="1" dirty="0">
-                <a:solidFill>
-                  <a:schemeClr val="tx1">
-                    <a:lumMod val="50000"/>
-                    <a:lumOff val="50000"/>
-                  </a:schemeClr>
-                </a:solidFill>
-              </a:rPr>
-              <a:t>__ __ __ __ __  __ __ __   </a:t>
-            </a:r>
-            <a:r>
-              <a:rPr lang="en-US" sz="2000" b="1" dirty="0">
-                <a:solidFill>
-                  <a:srgbClr val="92D050"/>
-                </a:solidFill>
-              </a:rPr>
-              <a:t>   </a:t>
-            </a:r>
-            <a:r>
-              <a:rPr lang="en-US" sz="2000" b="1" dirty="0" smtClean="0">
-                <a:solidFill>
-                  <a:srgbClr val="92D050"/>
-                </a:solidFill>
-              </a:rPr>
-              <a:t>          </a:t>
-            </a:r>
-            <a:r>
-              <a:rPr lang="en-US" sz="2000" dirty="0" smtClean="0"/>
-              <a:t>15 min</a:t>
-            </a:r>
-            <a:endParaRPr lang="en-US" sz="2000" dirty="0"/>
-          </a:p>
-        </p:txBody>
-      </p:sp>
-      <p:cxnSp>
-        <p:nvCxnSpPr>
-          <p:cNvPr id="13" name="Straight Arrow Connector 12"/>
-          <p:cNvCxnSpPr/>
-          <p:nvPr/>
-        </p:nvCxnSpPr>
-        <p:spPr>
-          <a:xfrm>
-            <a:off x="2819400" y="4671773"/>
-            <a:ext cx="762000" cy="738427"/>
-          </a:xfrm>
-          <a:prstGeom prst="straightConnector1">
-            <a:avLst/>
-          </a:prstGeom>
-          <a:ln w="12700">
-            <a:solidFill>
-              <a:schemeClr val="tx1">
-                <a:lumMod val="50000"/>
-                <a:lumOff val="50000"/>
-              </a:schemeClr>
-            </a:solidFill>
-            <a:prstDash val="lgDash"/>
-            <a:tailEnd type="arrow"/>
-          </a:ln>
-        </p:spPr>
-        <p:style>
-          <a:lnRef idx="1">
-            <a:schemeClr val="accent3"/>
-          </a:lnRef>
-          <a:fillRef idx="0">
-            <a:schemeClr val="accent3"/>
-          </a:fillRef>
-          <a:effectRef idx="0">
-            <a:schemeClr val="accent3"/>
-          </a:effectRef>
-          <a:fontRef idx="minor">
-            <a:schemeClr val="tx1"/>
-          </a:fontRef>
-        </p:style>
-      </p:cxnSp>
-      <p:cxnSp>
-        <p:nvCxnSpPr>
-          <p:cNvPr id="15" name="Straight Arrow Connector 14"/>
-          <p:cNvCxnSpPr/>
-          <p:nvPr/>
-        </p:nvCxnSpPr>
-        <p:spPr>
-          <a:xfrm>
-            <a:off x="3340593" y="4592514"/>
-            <a:ext cx="2679207" cy="817686"/>
-          </a:xfrm>
-          <a:prstGeom prst="straightConnector1">
-            <a:avLst/>
-          </a:prstGeom>
-          <a:ln w="12700">
-            <a:solidFill>
-              <a:schemeClr val="tx1">
-                <a:lumMod val="50000"/>
-                <a:lumOff val="50000"/>
-              </a:schemeClr>
-            </a:solidFill>
-            <a:prstDash val="lgDash"/>
-            <a:tailEnd type="arrow"/>
-          </a:ln>
-        </p:spPr>
-        <p:style>
-          <a:lnRef idx="1">
-            <a:schemeClr val="accent3"/>
-          </a:lnRef>
-          <a:fillRef idx="0">
-            <a:schemeClr val="accent3"/>
-          </a:fillRef>
-          <a:effectRef idx="0">
-            <a:schemeClr val="accent3"/>
-          </a:effectRef>
-          <a:fontRef idx="minor">
-            <a:schemeClr val="tx1"/>
-          </a:fontRef>
-        </p:style>
-      </p:cxnSp>
-    </p:spTree>
-    <p:extLst>
-      <p:ext uri="{BB962C8B-B14F-4D97-AF65-F5344CB8AC3E}">
-        <p14:creationId xmlns:p14="http://schemas.microsoft.com/office/powerpoint/2010/main" val="340926917"/>
-      </p:ext>
-    </p:extLst>
-  </p:cSld>
-  <p:clrMapOvr>
-    <a:masterClrMapping/>
-  </p:clrMapOvr>
-  <p:timing>
-    <p:tnLst>
-      <p:par>
-        <p:cTn id="1" dur="indefinite" restart="never" nodeType="tmRoot">
-          <p:childTnLst>
-            <p:seq concurrent="1" nextAc="seek">
-              <p:cTn id="2" dur="indefinite" nodeType="mainSeq">
-                <p:childTnLst>
-                  <p:par>
-                    <p:cTn id="3" fill="hold">
-                      <p:stCondLst>
-                        <p:cond delay="indefinite"/>
-                      </p:stCondLst>
-                      <p:childTnLst>
-                        <p:par>
-                          <p:cTn id="4" fill="hold">
-                            <p:stCondLst>
-                              <p:cond delay="0"/>
-                            </p:stCondLst>
-                            <p:childTnLst>
-                              <p:par>
-                                <p:cTn id="5" presetID="1" presetClass="entr" presetSubtype="0" fill="hold" grpId="0" nodeType="clickEffect">
-                                  <p:stCondLst>
-                                    <p:cond delay="0"/>
-                                  </p:stCondLst>
-                                  <p:childTnLst>
-                                    <p:set>
-                                      <p:cBhvr>
-                                        <p:cTn id="6" dur="1" fill="hold">
-                                          <p:stCondLst>
-                                            <p:cond delay="0"/>
-                                          </p:stCondLst>
-                                        </p:cTn>
-                                        <p:tgtEl>
-                                          <p:spTgt spid="2"/>
-                                        </p:tgtEl>
-                                        <p:attrNameLst>
-                                          <p:attrName>style.visibility</p:attrName>
-                                        </p:attrNameLst>
-                                      </p:cBhvr>
-                                      <p:to>
-                                        <p:strVal val="visible"/>
-                                      </p:to>
-                                    </p:set>
-                                  </p:childTnLst>
-                                </p:cTn>
-                              </p:par>
-                            </p:childTnLst>
-                          </p:cTn>
-                        </p:par>
-                      </p:childTnLst>
-                    </p:cTn>
-                  </p:par>
-                  <p:par>
-                    <p:cTn id="7" fill="hold">
-                      <p:stCondLst>
-                        <p:cond delay="indefinite"/>
-                      </p:stCondLst>
-                      <p:childTnLst>
-                        <p:par>
-                          <p:cTn id="8" fill="hold">
-                            <p:stCondLst>
-                              <p:cond delay="0"/>
-                            </p:stCondLst>
-                            <p:childTnLst>
-                              <p:par>
-                                <p:cTn id="9" presetID="1" presetClass="entr" presetSubtype="0" fill="hold" grpId="0" nodeType="clickEffect">
-                                  <p:stCondLst>
-                                    <p:cond delay="0"/>
-                                  </p:stCondLst>
-                                  <p:childTnLst>
-                                    <p:set>
-                                      <p:cBhvr>
-                                        <p:cTn id="10" dur="1" fill="hold">
-                                          <p:stCondLst>
-                                            <p:cond delay="0"/>
-                                          </p:stCondLst>
-                                        </p:cTn>
-                                        <p:tgtEl>
-                                          <p:spTgt spid="5"/>
-                                        </p:tgtEl>
-                                        <p:attrNameLst>
-                                          <p:attrName>style.visibility</p:attrName>
-                                        </p:attrNameLst>
-                                      </p:cBhvr>
-                                      <p:to>
-                                        <p:strVal val="visible"/>
-                                      </p:to>
-                                    </p:set>
-                                  </p:childTnLst>
-                                </p:cTn>
-                              </p:par>
-                            </p:childTnLst>
-                          </p:cTn>
-                        </p:par>
-                      </p:childTnLst>
-                    </p:cTn>
-                  </p:par>
-                  <p:par>
-                    <p:cTn id="11" fill="hold">
-                      <p:stCondLst>
-                        <p:cond delay="indefinite"/>
-                      </p:stCondLst>
-                      <p:childTnLst>
-                        <p:par>
-                          <p:cTn id="12" fill="hold">
-                            <p:stCondLst>
-                              <p:cond delay="0"/>
-                            </p:stCondLst>
-                            <p:childTnLst>
-                              <p:par>
-                                <p:cTn id="13" presetID="1" presetClass="entr" presetSubtype="0" fill="hold" grpId="0" nodeType="clickEffect">
-                                  <p:stCondLst>
-                                    <p:cond delay="0"/>
-                                  </p:stCondLst>
-                                  <p:childTnLst>
-                                    <p:set>
-                                      <p:cBhvr>
-                                        <p:cTn id="14" dur="1" fill="hold">
-                                          <p:stCondLst>
-                                            <p:cond delay="0"/>
-                                          </p:stCondLst>
-                                        </p:cTn>
-                                        <p:tgtEl>
-                                          <p:spTgt spid="6"/>
-                                        </p:tgtEl>
-                                        <p:attrNameLst>
-                                          <p:attrName>style.visibility</p:attrName>
-                                        </p:attrNameLst>
-                                      </p:cBhvr>
-                                      <p:to>
-                                        <p:strVal val="visible"/>
-                                      </p:to>
-                                    </p:set>
-                                  </p:childTnLst>
-                                </p:cTn>
-                              </p:par>
-                            </p:childTnLst>
-                          </p:cTn>
-                        </p:par>
-                      </p:childTnLst>
-                    </p:cTn>
-                  </p:par>
-                  <p:par>
-                    <p:cTn id="15" fill="hold">
-                      <p:stCondLst>
-                        <p:cond delay="indefinite"/>
-                      </p:stCondLst>
-                      <p:childTnLst>
-                        <p:par>
-                          <p:cTn id="16" fill="hold">
-                            <p:stCondLst>
-                              <p:cond delay="0"/>
-                            </p:stCondLst>
-                            <p:childTnLst>
-                              <p:par>
-                                <p:cTn id="17" presetID="1" presetClass="entr" presetSubtype="0" fill="hold" grpId="0" nodeType="clickEffect">
-                                  <p:stCondLst>
-                                    <p:cond delay="0"/>
-                                  </p:stCondLst>
-                                  <p:childTnLst>
-                                    <p:set>
-                                      <p:cBhvr>
-                                        <p:cTn id="18" dur="1" fill="hold">
-                                          <p:stCondLst>
-                                            <p:cond delay="0"/>
-                                          </p:stCondLst>
-                                        </p:cTn>
-                                        <p:tgtEl>
-                                          <p:spTgt spid="7"/>
-                                        </p:tgtEl>
-                                        <p:attrNameLst>
-                                          <p:attrName>style.visibility</p:attrName>
-                                        </p:attrNameLst>
-                                      </p:cBhvr>
-                                      <p:to>
-                                        <p:strVal val="visible"/>
-                                      </p:to>
-                                    </p:set>
-                                  </p:childTnLst>
-                                </p:cTn>
-                              </p:par>
-                            </p:childTnLst>
-                          </p:cTn>
-                        </p:par>
-                      </p:childTnLst>
-                    </p:cTn>
-                  </p:par>
-                  <p:par>
-                    <p:cTn id="19" fill="hold">
-                      <p:stCondLst>
-                        <p:cond delay="indefinite"/>
-                      </p:stCondLst>
-                      <p:childTnLst>
-                        <p:par>
-                          <p:cTn id="20" fill="hold">
-                            <p:stCondLst>
-                              <p:cond delay="0"/>
-                            </p:stCondLst>
-                            <p:childTnLst>
-                              <p:par>
-                                <p:cTn id="21" presetID="1" presetClass="entr" presetSubtype="0" fill="hold" grpId="0" nodeType="clickEffect">
-                                  <p:stCondLst>
-                                    <p:cond delay="0"/>
-                                  </p:stCondLst>
-                                  <p:childTnLst>
-                                    <p:set>
-                                      <p:cBhvr>
-                                        <p:cTn id="22" dur="1" fill="hold">
-                                          <p:stCondLst>
-                                            <p:cond delay="0"/>
-                                          </p:stCondLst>
-                                        </p:cTn>
-                                        <p:tgtEl>
-                                          <p:spTgt spid="8"/>
-                                        </p:tgtEl>
-                                        <p:attrNameLst>
-                                          <p:attrName>style.visibility</p:attrName>
-                                        </p:attrNameLst>
-                                      </p:cBhvr>
-                                      <p:to>
-                                        <p:strVal val="visible"/>
-                                      </p:to>
-                                    </p:set>
-                                  </p:childTnLst>
-                                </p:cTn>
-                              </p:par>
-                              <p:par>
-                                <p:cTn id="23" presetID="1" presetClass="entr" presetSubtype="0" fill="hold" nodeType="withEffect">
-                                  <p:stCondLst>
-                                    <p:cond delay="0"/>
-                                  </p:stCondLst>
-                                  <p:childTnLst>
-                                    <p:set>
-                                      <p:cBhvr>
-                                        <p:cTn id="24" dur="1" fill="hold">
-                                          <p:stCondLst>
-                                            <p:cond delay="0"/>
-                                          </p:stCondLst>
-                                        </p:cTn>
-                                        <p:tgtEl>
-                                          <p:spTgt spid="9"/>
-                                        </p:tgtEl>
-                                        <p:attrNameLst>
-                                          <p:attrName>style.visibility</p:attrName>
-                                        </p:attrNameLst>
-                                      </p:cBhvr>
-                                      <p:to>
-                                        <p:strVal val="visible"/>
-                                      </p:to>
-                                    </p:set>
-                                  </p:childTnLst>
-                                </p:cTn>
-                              </p:par>
-                              <p:par>
-                                <p:cTn id="25" presetID="1" presetClass="entr" presetSubtype="0" fill="hold" nodeType="withEffect">
-                                  <p:stCondLst>
-                                    <p:cond delay="0"/>
-                                  </p:stCondLst>
-                                  <p:childTnLst>
-                                    <p:set>
-                                      <p:cBhvr>
-                                        <p:cTn id="26" dur="1" fill="hold">
-                                          <p:stCondLst>
-                                            <p:cond delay="0"/>
-                                          </p:stCondLst>
-                                        </p:cTn>
-                                        <p:tgtEl>
-                                          <p:spTgt spid="11"/>
-                                        </p:tgtEl>
-                                        <p:attrNameLst>
-                                          <p:attrName>style.visibility</p:attrName>
-                                        </p:attrNameLst>
-                                      </p:cBhvr>
-                                      <p:to>
-                                        <p:strVal val="visible"/>
-                                      </p:to>
-                                    </p:set>
-                                  </p:childTnLst>
-                                </p:cTn>
-                              </p:par>
-                            </p:childTnLst>
-                          </p:cTn>
-                        </p:par>
-                      </p:childTnLst>
-                    </p:cTn>
-                  </p:par>
-                  <p:par>
-                    <p:cTn id="27" fill="hold">
-                      <p:stCondLst>
-                        <p:cond delay="indefinite"/>
-                      </p:stCondLst>
-                      <p:childTnLst>
-                        <p:par>
-                          <p:cTn id="28" fill="hold">
-                            <p:stCondLst>
-                              <p:cond delay="0"/>
-                            </p:stCondLst>
-                            <p:childTnLst>
-                              <p:par>
-                                <p:cTn id="29" presetID="1" presetClass="entr" presetSubtype="0" fill="hold" grpId="0" nodeType="clickEffect">
-                                  <p:stCondLst>
-                                    <p:cond delay="0"/>
-                                  </p:stCondLst>
-                                  <p:childTnLst>
-                                    <p:set>
-                                      <p:cBhvr>
-                                        <p:cTn id="30" dur="1" fill="hold">
-                                          <p:stCondLst>
-                                            <p:cond delay="0"/>
-                                          </p:stCondLst>
-                                        </p:cTn>
-                                        <p:tgtEl>
-                                          <p:spTgt spid="12"/>
-                                        </p:tgtEl>
-                                        <p:attrNameLst>
-                                          <p:attrName>style.visibility</p:attrName>
-                                        </p:attrNameLst>
-                                      </p:cBhvr>
-                                      <p:to>
-                                        <p:strVal val="visible"/>
-                                      </p:to>
-                                    </p:set>
-                                  </p:childTnLst>
-                                </p:cTn>
-                              </p:par>
-                              <p:par>
-                                <p:cTn id="31" presetID="1" presetClass="entr" presetSubtype="0" fill="hold" nodeType="withEffect">
-                                  <p:stCondLst>
-                                    <p:cond delay="0"/>
-                                  </p:stCondLst>
-                                  <p:childTnLst>
-                                    <p:set>
-                                      <p:cBhvr>
-                                        <p:cTn id="32" dur="1" fill="hold">
-                                          <p:stCondLst>
-                                            <p:cond delay="0"/>
-                                          </p:stCondLst>
-                                        </p:cTn>
-                                        <p:tgtEl>
-                                          <p:spTgt spid="13"/>
-                                        </p:tgtEl>
-                                        <p:attrNameLst>
-                                          <p:attrName>style.visibility</p:attrName>
-                                        </p:attrNameLst>
-                                      </p:cBhvr>
-                                      <p:to>
-                                        <p:strVal val="visible"/>
-                                      </p:to>
-                                    </p:set>
-                                  </p:childTnLst>
-                                </p:cTn>
-                              </p:par>
-                              <p:par>
-                                <p:cTn id="33" presetID="1" presetClass="entr" presetSubtype="0" fill="hold" nodeType="withEffect">
-                                  <p:stCondLst>
-                                    <p:cond delay="0"/>
-                                  </p:stCondLst>
-                                  <p:childTnLst>
-                                    <p:set>
-                                      <p:cBhvr>
-                                        <p:cTn id="34" dur="1" fill="hold">
-                                          <p:stCondLst>
-                                            <p:cond delay="0"/>
-                                          </p:stCondLst>
-                                        </p:cTn>
-                                        <p:tgtEl>
-                                          <p:spTgt spid="15"/>
-                                        </p:tgtEl>
-                                        <p:attrNameLst>
-                                          <p:attrName>style.visibility</p:attrName>
-                                        </p:attrNameLst>
-                                      </p:cBhvr>
-                                      <p:to>
-                                        <p:strVal val="visible"/>
-                                      </p:to>
-                                    </p:set>
-                                  </p:childTnLst>
-                                </p:cTn>
-                              </p:par>
-                            </p:childTnLst>
-                          </p:cTn>
-                        </p:par>
-                      </p:childTnLst>
-                    </p:cTn>
-                  </p:par>
-                </p:childTnLst>
-              </p:cTn>
-              <p:prevCondLst>
-                <p:cond evt="onPrev" delay="0">
-                  <p:tgtEl>
-                    <p:sldTgt/>
-                  </p:tgtEl>
-                </p:cond>
-              </p:prevCondLst>
-              <p:nextCondLst>
-                <p:cond evt="onNext" delay="0">
-                  <p:tgtEl>
-                    <p:sldTgt/>
-                  </p:tgtEl>
-                </p:cond>
-              </p:nextCondLst>
-            </p:seq>
-          </p:childTnLst>
-        </p:cTn>
-      </p:par>
-    </p:tnLst>
-    <p:bldLst>
-      <p:bldP spid="2" grpId="0"/>
-      <p:bldP spid="5" grpId="0"/>
-      <p:bldP spid="6" grpId="0"/>
-      <p:bldP spid="7" grpId="0"/>
-      <p:bldP spid="8" grpId="0"/>
-      <p:bldP spid="12" grpId="0"/>
-    </p:bldLst>
-  </p:timing>
-</p:sld>
-</file>
-
-<file path=ppt/slides/slide21.xml><?xml version="1.0" encoding="utf-8"?>
+<file path=ppt/slides/slide25.xml><?xml version="1.0" encoding="utf-8"?>
 <p:sld xmlns:a="http://schemas.openxmlformats.org/drawingml/2006/main" xmlns:r="http://schemas.openxmlformats.org/officeDocument/2006/relationships" xmlns:p="http://schemas.openxmlformats.org/presentationml/2006/main">
   <p:cSld>
     <p:spTree>
@@ -10436,7 +9492,7 @@
         <p:spPr bwMode="auto">
           <a:xfrm>
             <a:off x="616902" y="1556792"/>
-            <a:ext cx="7712248" cy="3581400"/>
+            <a:ext cx="6979434" cy="3241097"/>
           </a:xfrm>
           <a:prstGeom prst="rect">
             <a:avLst/>
@@ -10450,6 +9506,95 @@
           </a:ln>
         </p:spPr>
       </p:pic>
+      <p:sp>
+        <p:nvSpPr>
+          <p:cNvPr id="3" name="TextBox 2"/>
+          <p:cNvSpPr txBox="1"/>
+          <p:nvPr/>
+        </p:nvSpPr>
+        <p:spPr>
+          <a:xfrm>
+            <a:off x="616902" y="4797889"/>
+            <a:ext cx="4243130" cy="1200329"/>
+          </a:xfrm>
+          <a:prstGeom prst="rect">
+            <a:avLst/>
+          </a:prstGeom>
+          <a:noFill/>
+        </p:spPr>
+        <p:txBody>
+          <a:bodyPr wrap="square" rtlCol="0">
+            <a:spAutoFit/>
+          </a:bodyPr>
+          <a:lstStyle/>
+          <a:p>
+            <a:r>
+              <a:rPr lang="en-US" dirty="0"/>
+              <a:t>Roles:</a:t>
+            </a:r>
+          </a:p>
+          <a:p>
+            <a:pPr marL="285750" indent="-285750">
+              <a:buFont typeface="Arial" panose="020B0604020202020204" pitchFamily="34" charset="0"/>
+              <a:buChar char="•"/>
+            </a:pPr>
+            <a:r>
+              <a:rPr lang="en-US" dirty="0"/>
+              <a:t>Team Master</a:t>
+            </a:r>
+          </a:p>
+          <a:p>
+            <a:pPr marL="285750" indent="-285750">
+              <a:buFont typeface="Arial" panose="020B0604020202020204" pitchFamily="34" charset="0"/>
+              <a:buChar char="•"/>
+            </a:pPr>
+            <a:r>
+              <a:rPr lang="en-US" dirty="0"/>
+              <a:t>Team</a:t>
+            </a:r>
+          </a:p>
+          <a:p>
+            <a:pPr marL="285750" indent="-285750">
+              <a:buFont typeface="Arial" panose="020B0604020202020204" pitchFamily="34" charset="0"/>
+              <a:buChar char="•"/>
+            </a:pPr>
+            <a:r>
+              <a:rPr lang="en-US" dirty="0"/>
+              <a:t>Product Owner</a:t>
+            </a:r>
+          </a:p>
+        </p:txBody>
+      </p:sp>
+      <p:sp>
+        <p:nvSpPr>
+          <p:cNvPr id="6" name="TextBox 5"/>
+          <p:cNvSpPr txBox="1"/>
+          <p:nvPr/>
+        </p:nvSpPr>
+        <p:spPr>
+          <a:xfrm>
+            <a:off x="648594" y="1187460"/>
+            <a:ext cx="1584176" cy="369332"/>
+          </a:xfrm>
+          <a:prstGeom prst="rect">
+            <a:avLst/>
+          </a:prstGeom>
+          <a:noFill/>
+        </p:spPr>
+        <p:txBody>
+          <a:bodyPr wrap="square" rtlCol="0">
+            <a:spAutoFit/>
+          </a:bodyPr>
+          <a:lstStyle/>
+          <a:p>
+            <a:r>
+              <a:rPr lang="en-US" dirty="0" smtClean="0"/>
+              <a:t>Artifacts:</a:t>
+            </a:r>
+            <a:endParaRPr lang="en-US" dirty="0"/>
+          </a:p>
+        </p:txBody>
+      </p:sp>
     </p:spTree>
     <p:extLst>
       <p:ext uri="{BB962C8B-B14F-4D97-AF65-F5344CB8AC3E}">
@@ -10470,250 +9615,7 @@
 </p:sld>
 </file>
 
-<file path=ppt/slides/slide22.xml><?xml version="1.0" encoding="utf-8"?>
-<p:sld xmlns:a="http://schemas.openxmlformats.org/drawingml/2006/main" xmlns:r="http://schemas.openxmlformats.org/officeDocument/2006/relationships" xmlns:p="http://schemas.openxmlformats.org/presentationml/2006/main">
-  <p:cSld>
-    <p:spTree>
-      <p:nvGrpSpPr>
-        <p:cNvPr id="1" name=""/>
-        <p:cNvGrpSpPr/>
-        <p:nvPr/>
-      </p:nvGrpSpPr>
-      <p:grpSpPr>
-        <a:xfrm>
-          <a:off x="0" y="0"/>
-          <a:ext cx="0" cy="0"/>
-          <a:chOff x="0" y="0"/>
-          <a:chExt cx="0" cy="0"/>
-        </a:xfrm>
-      </p:grpSpPr>
-      <p:sp>
-        <p:nvSpPr>
-          <p:cNvPr id="4" name="TextBox 3"/>
-          <p:cNvSpPr txBox="1"/>
-          <p:nvPr/>
-        </p:nvSpPr>
-        <p:spPr>
-          <a:xfrm>
-            <a:off x="2195736" y="548680"/>
-            <a:ext cx="4725653" cy="630942"/>
-          </a:xfrm>
-          <a:prstGeom prst="rect">
-            <a:avLst/>
-          </a:prstGeom>
-          <a:noFill/>
-        </p:spPr>
-        <p:txBody>
-          <a:bodyPr wrap="none" rtlCol="0">
-            <a:spAutoFit/>
-          </a:bodyPr>
-          <a:lstStyle/>
-          <a:p>
-            <a:r>
-              <a:rPr lang="ru-RU" sz="3500" dirty="0" smtClean="0">
-                <a:solidFill>
-                  <a:schemeClr val="tx1">
-                    <a:lumMod val="65000"/>
-                    <a:lumOff val="35000"/>
-                  </a:schemeClr>
-                </a:solidFill>
-                <a:effectLst>
-                  <a:outerShdw blurRad="38100" dist="38100" dir="2700000" algn="tl">
-                    <a:srgbClr val="000000">
-                      <a:alpha val="43137"/>
-                    </a:srgbClr>
-                  </a:outerShdw>
-                </a:effectLst>
-              </a:rPr>
-              <a:t>Основные роли в </a:t>
-            </a:r>
-            <a:r>
-              <a:rPr lang="en-US" sz="3500" dirty="0" smtClean="0">
-                <a:solidFill>
-                  <a:schemeClr val="tx1">
-                    <a:lumMod val="65000"/>
-                    <a:lumOff val="35000"/>
-                  </a:schemeClr>
-                </a:solidFill>
-                <a:effectLst>
-                  <a:outerShdw blurRad="38100" dist="38100" dir="2700000" algn="tl">
-                    <a:srgbClr val="000000">
-                      <a:alpha val="43137"/>
-                    </a:srgbClr>
-                  </a:outerShdw>
-                </a:effectLst>
-              </a:rPr>
-              <a:t>Scrum</a:t>
-            </a:r>
-            <a:endParaRPr lang="en-US" sz="3500" dirty="0">
-              <a:solidFill>
-                <a:schemeClr val="tx1">
-                  <a:lumMod val="65000"/>
-                  <a:lumOff val="35000"/>
-                </a:schemeClr>
-              </a:solidFill>
-              <a:effectLst>
-                <a:outerShdw blurRad="38100" dist="38100" dir="2700000" algn="tl">
-                  <a:srgbClr val="000000">
-                    <a:alpha val="43137"/>
-                  </a:srgbClr>
-                </a:outerShdw>
-              </a:effectLst>
-            </a:endParaRPr>
-          </a:p>
-        </p:txBody>
-      </p:sp>
-      <p:sp>
-        <p:nvSpPr>
-          <p:cNvPr id="2" name="TextBox 1"/>
-          <p:cNvSpPr txBox="1"/>
-          <p:nvPr/>
-        </p:nvSpPr>
-        <p:spPr>
-          <a:xfrm>
-            <a:off x="1403648" y="1464618"/>
-            <a:ext cx="2457992" cy="3139321"/>
-          </a:xfrm>
-          <a:prstGeom prst="rect">
-            <a:avLst/>
-          </a:prstGeom>
-          <a:noFill/>
-        </p:spPr>
-        <p:txBody>
-          <a:bodyPr wrap="square" rtlCol="0">
-            <a:spAutoFit/>
-          </a:bodyPr>
-          <a:lstStyle/>
-          <a:p>
-            <a:pPr>
-              <a:lnSpc>
-                <a:spcPct val="300000"/>
-              </a:lnSpc>
-            </a:pPr>
-            <a:r>
-              <a:rPr lang="en-US" sz="2200" dirty="0">
-                <a:latin typeface="Aharoni" pitchFamily="2" charset="-79"/>
-                <a:cs typeface="Aharoni" pitchFamily="2" charset="-79"/>
-              </a:rPr>
-              <a:t>Team Master</a:t>
-            </a:r>
-          </a:p>
-          <a:p>
-            <a:pPr>
-              <a:lnSpc>
-                <a:spcPct val="300000"/>
-              </a:lnSpc>
-            </a:pPr>
-            <a:r>
-              <a:rPr lang="en-US" sz="2200" dirty="0" smtClean="0">
-                <a:latin typeface="Aharoni" pitchFamily="2" charset="-79"/>
-                <a:cs typeface="Aharoni" pitchFamily="2" charset="-79"/>
-              </a:rPr>
-              <a:t>Team</a:t>
-            </a:r>
-          </a:p>
-          <a:p>
-            <a:pPr>
-              <a:lnSpc>
-                <a:spcPct val="300000"/>
-              </a:lnSpc>
-            </a:pPr>
-            <a:r>
-              <a:rPr lang="en-US" sz="2200" dirty="0" smtClean="0">
-                <a:latin typeface="Aharoni" pitchFamily="2" charset="-79"/>
-                <a:cs typeface="Aharoni" pitchFamily="2" charset="-79"/>
-              </a:rPr>
-              <a:t>Product Owner</a:t>
-            </a:r>
-          </a:p>
-        </p:txBody>
-      </p:sp>
-      <p:pic>
-        <p:nvPicPr>
-          <p:cNvPr id="6146" name="Picture 2"/>
-          <p:cNvPicPr>
-            <a:picLocks noChangeAspect="1" noChangeArrowheads="1"/>
-          </p:cNvPicPr>
-          <p:nvPr/>
-        </p:nvPicPr>
-        <p:blipFill>
-          <a:blip r:embed="rId2">
-            <a:extLst>
-              <a:ext uri="{28A0092B-C50C-407E-A947-70E740481C1C}">
-                <a14:useLocalDpi xmlns:a14="http://schemas.microsoft.com/office/drawing/2010/main" val="0"/>
-              </a:ext>
-            </a:extLst>
-          </a:blip>
-          <a:srcRect/>
-          <a:stretch>
-            <a:fillRect/>
-          </a:stretch>
-        </p:blipFill>
-        <p:spPr bwMode="auto">
-          <a:xfrm flipH="1">
-            <a:off x="4932040" y="1669365"/>
-            <a:ext cx="3276058" cy="2788539"/>
-          </a:xfrm>
-          <a:prstGeom prst="roundRect">
-            <a:avLst>
-              <a:gd name="adj" fmla="val 8594"/>
-            </a:avLst>
-          </a:prstGeom>
-          <a:solidFill>
-            <a:srgbClr val="FFFFFF">
-              <a:shade val="85000"/>
-            </a:srgbClr>
-          </a:solidFill>
-          <a:ln>
-            <a:noFill/>
-          </a:ln>
-          <a:effectLst>
-            <a:reflection blurRad="12700" stA="38000" endPos="28000" dist="5000" dir="5400000" sy="-100000" algn="bl" rotWithShape="0"/>
-          </a:effectLst>
-          <a:extLst>
-            <a:ext uri="{91240B29-F687-4F45-9708-019B960494DF}">
-              <a14:hiddenLine xmlns:a14="http://schemas.microsoft.com/office/drawing/2010/main" w="9525">
-                <a:solidFill>
-                  <a:schemeClr val="tx1"/>
-                </a:solidFill>
-                <a:miter lim="800000"/>
-                <a:headEnd/>
-                <a:tailEnd/>
-              </a14:hiddenLine>
-            </a:ext>
-            <a:ext uri="{AF507438-7753-43E0-B8FC-AC1667EBCBE1}">
-              <a14:hiddenEffects xmlns:a14="http://schemas.microsoft.com/office/drawing/2010/main">
-                <a:effectLst>
-                  <a:outerShdw dist="35921" dir="2700000" algn="ctr" rotWithShape="0">
-                    <a:schemeClr val="bg2"/>
-                  </a:outerShdw>
-                </a:effectLst>
-              </a14:hiddenEffects>
-            </a:ext>
-          </a:extLst>
-        </p:spPr>
-      </p:pic>
-    </p:spTree>
-    <p:extLst>
-      <p:ext uri="{BB962C8B-B14F-4D97-AF65-F5344CB8AC3E}">
-        <p14:creationId xmlns:p14="http://schemas.microsoft.com/office/powerpoint/2010/main" val="3291001258"/>
-      </p:ext>
-    </p:extLst>
-  </p:cSld>
-  <p:clrMapOvr>
-    <a:masterClrMapping/>
-  </p:clrMapOvr>
-  <p:timing>
-    <p:tnLst>
-      <p:par>
-        <p:cTn id="1" dur="indefinite" restart="never" nodeType="tmRoot"/>
-      </p:par>
-    </p:tnLst>
-  </p:timing>
-</p:sld>
-</file>
-
-<file path=ppt/slides/slide23.xml><?xml version="1.0" encoding="utf-8"?>
+<file path=ppt/slides/slide26.xml><?xml version="1.0" encoding="utf-8"?>
 <p:sld xmlns:a="http://schemas.openxmlformats.org/drawingml/2006/main" xmlns:r="http://schemas.openxmlformats.org/officeDocument/2006/relationships" xmlns:p="http://schemas.openxmlformats.org/presentationml/2006/main">
   <p:cSld>
     <p:spTree>
@@ -11399,7 +10301,7 @@
 </p:sld>
 </file>
 
-<file path=ppt/slides/slide24.xml><?xml version="1.0" encoding="utf-8"?>
+<file path=ppt/slides/slide27.xml><?xml version="1.0" encoding="utf-8"?>
 <p:sld xmlns:a="http://schemas.openxmlformats.org/drawingml/2006/main" xmlns:r="http://schemas.openxmlformats.org/officeDocument/2006/relationships" xmlns:p="http://schemas.openxmlformats.org/presentationml/2006/main">
   <p:cSld>
     <p:spTree>
@@ -11483,7 +10385,7 @@
         <p:spPr>
           <a:xfrm>
             <a:off x="539552" y="1196752"/>
-            <a:ext cx="7863478" cy="4708981"/>
+            <a:ext cx="7863478" cy="5016758"/>
           </a:xfrm>
           <a:prstGeom prst="rect">
             <a:avLst/>
@@ -11657,10 +10559,10 @@
                 <a:latin typeface="Arial" panose="020B0604020202020204" pitchFamily="34" charset="0"/>
                 <a:cs typeface="Arial" panose="020B0604020202020204" pitchFamily="34" charset="0"/>
               </a:rPr>
-              <a:t>Если </a:t>
-            </a:r>
-            <a:r>
-              <a:rPr lang="ru-RU" sz="2000" dirty="0">
+              <a:t>Опишите </a:t>
+            </a:r>
+            <a:r>
+              <a:rPr lang="ru-RU" sz="2000" dirty="0" smtClean="0">
                 <a:solidFill>
                   <a:schemeClr val="tx1">
                     <a:lumMod val="65000"/>
@@ -11670,10 +10572,10 @@
                 <a:latin typeface="Arial" panose="020B0604020202020204" pitchFamily="34" charset="0"/>
                 <a:cs typeface="Arial" panose="020B0604020202020204" pitchFamily="34" charset="0"/>
               </a:rPr>
-              <a:t>бы вы </a:t>
-            </a:r>
-            <a:r>
-              <a:rPr lang="ru-RU" sz="2000" dirty="0" smtClean="0">
+              <a:t>в общих чертах жизненный цикл разработки ПО (</a:t>
+            </a:r>
+            <a:r>
+              <a:rPr lang="en-US" sz="2000" dirty="0" smtClean="0">
                 <a:solidFill>
                   <a:schemeClr val="tx1">
                     <a:lumMod val="65000"/>
@@ -11683,10 +10585,10 @@
                 <a:latin typeface="Arial" panose="020B0604020202020204" pitchFamily="34" charset="0"/>
                 <a:cs typeface="Arial" panose="020B0604020202020204" pitchFamily="34" charset="0"/>
               </a:rPr>
-              <a:t>были Менеджером Проекта, какую модель разработки вы </a:t>
-            </a:r>
-            <a:r>
-              <a:rPr lang="ru-RU" sz="2000" dirty="0">
+              <a:t>Software </a:t>
+            </a:r>
+            <a:r>
+              <a:rPr lang="en-US" sz="2000" dirty="0">
                 <a:solidFill>
                   <a:schemeClr val="tx1">
                     <a:lumMod val="65000"/>
@@ -11696,10 +10598,10 @@
                 <a:latin typeface="Arial" panose="020B0604020202020204" pitchFamily="34" charset="0"/>
                 <a:cs typeface="Arial" panose="020B0604020202020204" pitchFamily="34" charset="0"/>
               </a:rPr>
-              <a:t>бы </a:t>
-            </a:r>
-            <a:r>
-              <a:rPr lang="ru-RU" sz="2000" dirty="0" smtClean="0">
+              <a:t>Developing Lifecycle </a:t>
+            </a:r>
+            <a:r>
+              <a:rPr lang="en-US" sz="2000" dirty="0" smtClean="0">
                 <a:solidFill>
                   <a:schemeClr val="tx1">
                     <a:lumMod val="65000"/>
@@ -11709,8 +10611,18 @@
                 <a:latin typeface="Arial" panose="020B0604020202020204" pitchFamily="34" charset="0"/>
                 <a:cs typeface="Arial" panose="020B0604020202020204" pitchFamily="34" charset="0"/>
               </a:rPr>
-              <a:t>выбрали и почему?</a:t>
-            </a:r>
+              <a:t>process)</a:t>
+            </a:r>
+            <a:endParaRPr lang="ru-RU" sz="2000" dirty="0" smtClean="0">
+              <a:solidFill>
+                <a:schemeClr val="tx1">
+                  <a:lumMod val="65000"/>
+                  <a:lumOff val="35000"/>
+                </a:schemeClr>
+              </a:solidFill>
+              <a:latin typeface="Arial" panose="020B0604020202020204" pitchFamily="34" charset="0"/>
+              <a:cs typeface="Arial" panose="020B0604020202020204" pitchFamily="34" charset="0"/>
+            </a:endParaRPr>
           </a:p>
           <a:p>
             <a:pPr marL="285750" indent="-285750">
@@ -11750,7 +10662,7 @@
                 <a:latin typeface="Arial" panose="020B0604020202020204" pitchFamily="34" charset="0"/>
                 <a:cs typeface="Arial" panose="020B0604020202020204" pitchFamily="34" charset="0"/>
               </a:rPr>
-              <a:t>Опишите в общих чертах жизненный цикл разработки ПО (</a:t>
+              <a:t>Какие основные принципы </a:t>
             </a:r>
             <a:r>
               <a:rPr lang="en-US" sz="2000" dirty="0" smtClean="0">
@@ -11763,10 +10675,10 @@
                 <a:latin typeface="Arial" panose="020B0604020202020204" pitchFamily="34" charset="0"/>
                 <a:cs typeface="Arial" panose="020B0604020202020204" pitchFamily="34" charset="0"/>
               </a:rPr>
-              <a:t>Software </a:t>
-            </a:r>
-            <a:r>
-              <a:rPr lang="en-US" sz="2000" dirty="0">
+              <a:t>Agile </a:t>
+            </a:r>
+            <a:r>
+              <a:rPr lang="ru-RU" sz="2000" dirty="0" smtClean="0">
                 <a:solidFill>
                   <a:schemeClr val="tx1">
                     <a:lumMod val="65000"/>
@@ -11776,7 +10688,7 @@
                 <a:latin typeface="Arial" panose="020B0604020202020204" pitchFamily="34" charset="0"/>
                 <a:cs typeface="Arial" panose="020B0604020202020204" pitchFamily="34" charset="0"/>
               </a:rPr>
-              <a:t>Developing Lifecycle </a:t>
+              <a:t>разработки вы знаете</a:t>
             </a:r>
             <a:r>
               <a:rPr lang="en-US" sz="2000" dirty="0" smtClean="0">
@@ -11789,7 +10701,7 @@
                 <a:latin typeface="Arial" panose="020B0604020202020204" pitchFamily="34" charset="0"/>
                 <a:cs typeface="Arial" panose="020B0604020202020204" pitchFamily="34" charset="0"/>
               </a:rPr>
-              <a:t>process)</a:t>
+              <a:t>?</a:t>
             </a:r>
             <a:endParaRPr lang="ru-RU" sz="2000" dirty="0" smtClean="0">
               <a:solidFill>
@@ -11840,7 +10752,7 @@
                 <a:latin typeface="Arial" panose="020B0604020202020204" pitchFamily="34" charset="0"/>
                 <a:cs typeface="Arial" panose="020B0604020202020204" pitchFamily="34" charset="0"/>
               </a:rPr>
-              <a:t>Какие основные принципы </a:t>
+              <a:t>Какие ключевые моменты </a:t>
             </a:r>
             <a:r>
               <a:rPr lang="en-US" sz="2000" dirty="0" smtClean="0">
@@ -11866,10 +10778,10 @@
                 <a:latin typeface="Arial" panose="020B0604020202020204" pitchFamily="34" charset="0"/>
                 <a:cs typeface="Arial" panose="020B0604020202020204" pitchFamily="34" charset="0"/>
               </a:rPr>
-              <a:t>разработки вы знаете</a:t>
-            </a:r>
-            <a:r>
-              <a:rPr lang="en-US" sz="2000" dirty="0" smtClean="0">
+              <a:t>моделей</a:t>
+            </a:r>
+            <a:r>
+              <a:rPr lang="ru-RU" sz="2000" dirty="0" smtClean="0">
                 <a:solidFill>
                   <a:schemeClr val="tx1">
                     <a:lumMod val="65000"/>
@@ -11881,7 +10793,7 @@
               </a:rPr>
               <a:t>?</a:t>
             </a:r>
-            <a:endParaRPr lang="ru-RU" sz="2000" dirty="0" smtClean="0">
+            <a:endParaRPr lang="en-US" sz="2000" smtClean="0">
               <a:solidFill>
                 <a:schemeClr val="tx1">
                   <a:lumMod val="65000"/>
@@ -11899,6 +10811,45 @@
               </a:buClr>
               <a:buFont typeface="Wingdings" pitchFamily="2" charset="2"/>
               <a:buChar char="Ø"/>
+            </a:pPr>
+            <a:endParaRPr lang="en-US" sz="2000" dirty="0" smtClean="0">
+              <a:solidFill>
+                <a:schemeClr val="tx1">
+                  <a:lumMod val="65000"/>
+                  <a:lumOff val="35000"/>
+                </a:schemeClr>
+              </a:solidFill>
+              <a:latin typeface="Arial" panose="020B0604020202020204" pitchFamily="34" charset="0"/>
+              <a:cs typeface="Arial" panose="020B0604020202020204" pitchFamily="34" charset="0"/>
+            </a:endParaRPr>
+          </a:p>
+          <a:p>
+            <a:pPr marL="285750" indent="-285750">
+              <a:buClr>
+                <a:schemeClr val="accent2"/>
+              </a:buClr>
+              <a:buFont typeface="Wingdings" pitchFamily="2" charset="2"/>
+              <a:buChar char="Ø"/>
+            </a:pPr>
+            <a:r>
+              <a:rPr lang="ru-RU" sz="2000" dirty="0">
+                <a:solidFill>
+                  <a:schemeClr val="tx1">
+                    <a:lumMod val="65000"/>
+                    <a:lumOff val="35000"/>
+                  </a:schemeClr>
+                </a:solidFill>
+                <a:latin typeface="Arial" panose="020B0604020202020204" pitchFamily="34" charset="0"/>
+                <a:cs typeface="Arial" panose="020B0604020202020204" pitchFamily="34" charset="0"/>
+              </a:rPr>
+              <a:t>Если бы вы были Менеджером Проекта, какую модель разработки вы бы выбрали и почему?</a:t>
+            </a:r>
+          </a:p>
+          <a:p>
+            <a:pPr>
+              <a:buClr>
+                <a:schemeClr val="accent2"/>
+              </a:buClr>
             </a:pPr>
             <a:endParaRPr lang="ru-RU" sz="2000" dirty="0" smtClean="0">
               <a:solidFill>
@@ -11910,54 +10861,6 @@
               <a:latin typeface="Arial" panose="020B0604020202020204" pitchFamily="34" charset="0"/>
               <a:cs typeface="Arial" panose="020B0604020202020204" pitchFamily="34" charset="0"/>
             </a:endParaRPr>
-          </a:p>
-          <a:p>
-            <a:pPr marL="285750" indent="-285750">
-              <a:buClr>
-                <a:schemeClr val="accent2"/>
-              </a:buClr>
-              <a:buFont typeface="Wingdings" pitchFamily="2" charset="2"/>
-              <a:buChar char="Ø"/>
-            </a:pPr>
-            <a:r>
-              <a:rPr lang="ru-RU" sz="2000" dirty="0" smtClean="0">
-                <a:solidFill>
-                  <a:schemeClr val="tx1">
-                    <a:lumMod val="65000"/>
-                    <a:lumOff val="35000"/>
-                  </a:schemeClr>
-                </a:solidFill>
-                <a:latin typeface="Arial" panose="020B0604020202020204" pitchFamily="34" charset="0"/>
-                <a:cs typeface="Arial" panose="020B0604020202020204" pitchFamily="34" charset="0"/>
-              </a:rPr>
-              <a:t>Какие ключевые моменты </a:t>
-            </a:r>
-            <a:r>
-              <a:rPr lang="en-US" sz="2000" dirty="0" smtClean="0">
-                <a:solidFill>
-                  <a:schemeClr val="tx1">
-                    <a:lumMod val="65000"/>
-                    <a:lumOff val="35000"/>
-                  </a:schemeClr>
-                </a:solidFill>
-                <a:latin typeface="Arial" panose="020B0604020202020204" pitchFamily="34" charset="0"/>
-                <a:cs typeface="Arial" panose="020B0604020202020204" pitchFamily="34" charset="0"/>
-              </a:rPr>
-              <a:t>Agile </a:t>
-            </a:r>
-            <a:r>
-              <a:rPr lang="ru-RU" sz="2000" dirty="0" smtClean="0">
-                <a:solidFill>
-                  <a:schemeClr val="tx1">
-                    <a:lumMod val="65000"/>
-                    <a:lumOff val="35000"/>
-                  </a:schemeClr>
-                </a:solidFill>
-                <a:latin typeface="Arial" panose="020B0604020202020204" pitchFamily="34" charset="0"/>
-                <a:cs typeface="Arial" panose="020B0604020202020204" pitchFamily="34" charset="0"/>
-              </a:rPr>
-              <a:t>моделей?</a:t>
-            </a:r>
           </a:p>
         </p:txBody>
       </p:sp>
@@ -15698,7 +14601,7 @@
   <a:extraClrSchemeLst/>
   <a:extLst>
     <a:ext uri="{05A4C25C-085E-4340-85A3-A5531E510DB2}">
-      <thm15:themeFamily xmlns:thm15="http://schemas.microsoft.com/office/thememl/2012/main" name="Office Theme" id="{62F939B6-93AF-4DB8-9C6B-D6C7DFDC589F}" vid="{4A3C46E8-61CC-4603-A589-7422A47A8E4A}"/>
+      <thm15:themeFamily xmlns:thm15="http://schemas.microsoft.com/office/thememl/2012/main" xmlns="" name="Office Theme" id="{62F939B6-93AF-4DB8-9C6B-D6C7DFDC589F}" vid="{4A3C46E8-61CC-4603-A589-7422A47A8E4A}"/>
     </a:ext>
   </a:extLst>
 </a:theme>
